--- a/src/figures/Bc-insertion.pptx
+++ b/src/figures/Bc-insertion.pptx
@@ -197,7 +197,7 @@
           <a:p>
             <a:fld id="{C1C90ABE-C08A-444A-9B97-50985CA7357E}" type="datetimeFigureOut">
               <a:rPr kumimoji="1" lang="ja-JP" altLang="en-US" smtClean="0"/>
-              <a:t>2023/8/7</a:t>
+              <a:t>2023/8/8</a:t>
             </a:fld>
             <a:endParaRPr kumimoji="1" lang="ja-JP" altLang="en-US"/>
           </a:p>
@@ -2054,13 +2054,13 @@
               <p:nvPr>
                 <p:extLst>
                   <p:ext uri="{D42A27DB-BD31-4B8C-83A1-F6EECF244321}">
-                    <p14:modId xmlns:p14="http://schemas.microsoft.com/office/powerpoint/2010/main" val="200638922"/>
+                    <p14:modId xmlns:p14="http://schemas.microsoft.com/office/powerpoint/2010/main" val="1349647963"/>
                   </p:ext>
                 </p:extLst>
               </p:nvPr>
             </p:nvGraphicFramePr>
             <p:xfrm>
-              <a:off x="494092" y="32693"/>
+              <a:off x="198820" y="32693"/>
               <a:ext cx="511200" cy="1463810"/>
             </p:xfrm>
             <a:graphic>
@@ -2848,13 +2848,13 @@
               <p:nvPr>
                 <p:extLst>
                   <p:ext uri="{D42A27DB-BD31-4B8C-83A1-F6EECF244321}">
-                    <p14:modId xmlns:p14="http://schemas.microsoft.com/office/powerpoint/2010/main" val="200638922"/>
+                    <p14:modId xmlns:p14="http://schemas.microsoft.com/office/powerpoint/2010/main" val="1349647963"/>
                   </p:ext>
                 </p:extLst>
               </p:nvPr>
             </p:nvGraphicFramePr>
             <p:xfrm>
-              <a:off x="494092" y="32693"/>
+              <a:off x="198820" y="32693"/>
               <a:ext cx="511200" cy="1463810"/>
             </p:xfrm>
             <a:graphic>
@@ -3231,7 +3231,7 @@
                         <a:blipFill>
                           <a:blip r:embed="rId3"/>
                           <a:stretch>
-                            <a:fillRect l="-1190" t="-535000" r="-2381" b="-600000"/>
+                            <a:fillRect l="-1176" t="-535000" r="-2353" b="-600000"/>
                           </a:stretch>
                         </a:blipFill>
                       </a:tcPr>
@@ -3460,7 +3460,7 @@
                         <a:blipFill>
                           <a:blip r:embed="rId3"/>
                           <a:stretch>
-                            <a:fillRect l="-1190" t="-900000" r="-2381" b="-176190"/>
+                            <a:fillRect l="-1176" t="-900000" r="-2353" b="-176190"/>
                           </a:stretch>
                         </a:blipFill>
                       </a:tcPr>
@@ -3565,8 +3565,8 @@
           <p:nvPr/>
         </p:nvSpPr>
         <p:spPr>
-          <a:xfrm>
-            <a:off x="2626" y="1155392"/>
+          <a:xfrm rot="16200000">
+            <a:off x="-142597" y="1173098"/>
             <a:ext cx="402537" cy="117340"/>
           </a:xfrm>
           <a:prstGeom prst="rect">
@@ -3620,8 +3620,8 @@
           <p:nvPr/>
         </p:nvSpPr>
         <p:spPr>
-          <a:xfrm>
-            <a:off x="-5" y="660487"/>
+          <a:xfrm rot="16200000">
+            <a:off x="-132008" y="660487"/>
             <a:ext cx="381359" cy="117340"/>
           </a:xfrm>
           <a:prstGeom prst="rect">
@@ -3676,7 +3676,7 @@
         </p:nvSpPr>
         <p:spPr>
           <a:xfrm>
-            <a:off x="443527" y="694453"/>
+            <a:off x="148255" y="694453"/>
             <a:ext cx="36452" cy="80945"/>
           </a:xfrm>
           <a:prstGeom prst="leftBrace">
@@ -3728,10 +3728,10 @@
         </p:nvGrpSpPr>
         <p:grpSpPr>
           <a:xfrm>
-            <a:off x="961977" y="660487"/>
-            <a:ext cx="257822" cy="177651"/>
+            <a:off x="808554" y="714362"/>
+            <a:ext cx="261136" cy="247677"/>
             <a:chOff x="825403" y="20412"/>
-            <a:chExt cx="312759" cy="350896"/>
+            <a:chExt cx="316779" cy="489212"/>
           </a:xfrm>
         </p:grpSpPr>
         <p:sp>
@@ -3748,8 +3748,8 @@
           </p:nvSpPr>
           <p:spPr>
             <a:xfrm>
-              <a:off x="892699" y="226052"/>
-              <a:ext cx="188879" cy="145256"/>
+              <a:off x="840809" y="277856"/>
+              <a:ext cx="301373" cy="231768"/>
             </a:xfrm>
             <a:prstGeom prst="rightArrow">
               <a:avLst/>
@@ -3854,62 +3854,6 @@
       </p:grpSp>
       <p:sp>
         <p:nvSpPr>
-          <p:cNvPr id="68" name="矢印: 右 67">
-            <a:extLst>
-              <a:ext uri="{FF2B5EF4-FFF2-40B4-BE49-F238E27FC236}">
-                <a16:creationId xmlns:a16="http://schemas.microsoft.com/office/drawing/2014/main" id="{8B2212C5-26CC-6A29-4BF4-788C569F53F9}"/>
-              </a:ext>
-            </a:extLst>
-          </p:cNvPr>
-          <p:cNvSpPr/>
-          <p:nvPr/>
-        </p:nvSpPr>
-        <p:spPr>
-          <a:xfrm>
-            <a:off x="1694245" y="764203"/>
-            <a:ext cx="161314" cy="73540"/>
-          </a:xfrm>
-          <a:prstGeom prst="rightArrow">
-            <a:avLst/>
-          </a:prstGeom>
-          <a:solidFill>
-            <a:schemeClr val="accent2"/>
-          </a:solidFill>
-          <a:ln w="38100">
-            <a:noFill/>
-          </a:ln>
-        </p:spPr>
-        <p:style>
-          <a:lnRef idx="2">
-            <a:schemeClr val="accent1">
-              <a:shade val="50000"/>
-            </a:schemeClr>
-          </a:lnRef>
-          <a:fillRef idx="1">
-            <a:schemeClr val="accent1"/>
-          </a:fillRef>
-          <a:effectRef idx="0">
-            <a:schemeClr val="accent1"/>
-          </a:effectRef>
-          <a:fontRef idx="minor">
-            <a:schemeClr val="lt1"/>
-          </a:fontRef>
-        </p:style>
-        <p:txBody>
-          <a:bodyPr lIns="0" tIns="0" rIns="0" bIns="0" rtlCol="0" anchor="ctr"/>
-          <a:lstStyle/>
-          <a:p>
-            <a:pPr algn="ctr"/>
-            <a:endParaRPr lang="ja-JP" altLang="en-US" sz="700" dirty="0">
-              <a:solidFill>
-                <a:schemeClr val="tx1"/>
-              </a:solidFill>
-            </a:endParaRPr>
-          </a:p>
-        </p:txBody>
-      </p:sp>
-      <p:sp>
-        <p:nvSpPr>
           <p:cNvPr id="70" name="テキスト ボックス 69">
             <a:extLst>
               <a:ext uri="{FF2B5EF4-FFF2-40B4-BE49-F238E27FC236}">
@@ -3922,7 +3866,7 @@
         </p:nvSpPr>
         <p:spPr>
           <a:xfrm>
-            <a:off x="252855" y="1570713"/>
+            <a:off x="36503" y="1570460"/>
             <a:ext cx="835833" cy="117340"/>
           </a:xfrm>
           <a:prstGeom prst="rect">
@@ -3979,7 +3923,7 @@
             </p:nvSpPr>
             <p:spPr>
               <a:xfrm>
-                <a:off x="1054081" y="1573846"/>
+                <a:off x="1054082" y="1572335"/>
                 <a:ext cx="756026" cy="117340"/>
               </a:xfrm>
               <a:prstGeom prst="rect">
@@ -4064,7 +4008,7 @@
             </p:nvSpPr>
             <p:spPr>
               <a:xfrm>
-                <a:off x="1054081" y="1573846"/>
+                <a:off x="1054082" y="1572335"/>
                 <a:ext cx="756026" cy="117340"/>
               </a:xfrm>
               <a:prstGeom prst="rect">
@@ -4073,7 +4017,7 @@
               <a:blipFill>
                 <a:blip r:embed="rId4"/>
                 <a:stretch>
-                  <a:fillRect l="-5645" t="-21053" r="-4032" b="-52632"/>
+                  <a:fillRect l="-5645" t="-21053" r="-4032" b="-47368"/>
                 </a:stretch>
               </a:blipFill>
             </p:spPr>
@@ -4106,7 +4050,7 @@
         </p:nvSpPr>
         <p:spPr>
           <a:xfrm>
-            <a:off x="1793942" y="1570713"/>
+            <a:off x="1991854" y="1570460"/>
             <a:ext cx="782717" cy="117340"/>
           </a:xfrm>
           <a:prstGeom prst="rect">
@@ -4161,7 +4105,7 @@
         </p:nvSpPr>
         <p:spPr>
           <a:xfrm>
-            <a:off x="448469" y="1191296"/>
+            <a:off x="153197" y="1191296"/>
             <a:ext cx="36452" cy="80945"/>
           </a:xfrm>
           <a:prstGeom prst="leftBrace">
@@ -4199,8 +4143,8 @@
           </a:p>
         </p:txBody>
       </p:sp>
-      <mc:AlternateContent xmlns:mc="http://schemas.openxmlformats.org/markup-compatibility/2006">
-        <mc:Choice xmlns:a14="http://schemas.microsoft.com/office/drawing/2010/main" Requires="a14">
+      <mc:AlternateContent xmlns:mc="http://schemas.openxmlformats.org/markup-compatibility/2006" xmlns:a14="http://schemas.microsoft.com/office/drawing/2010/main">
+        <mc:Choice Requires="a14">
           <p:graphicFrame>
             <p:nvGraphicFramePr>
               <p:cNvPr id="74" name="表 49">
@@ -5087,7 +5031,7 @@
             </a:graphic>
           </p:graphicFrame>
         </mc:Choice>
-        <mc:Fallback>
+        <mc:Fallback xmlns="">
           <p:graphicFrame>
             <p:nvGraphicFramePr>
               <p:cNvPr id="74" name="表 49">
@@ -5861,13 +5805,13 @@
               <p:nvPr>
                 <p:extLst>
                   <p:ext uri="{D42A27DB-BD31-4B8C-83A1-F6EECF244321}">
-                    <p14:modId xmlns:p14="http://schemas.microsoft.com/office/powerpoint/2010/main" val="3074069266"/>
+                    <p14:modId xmlns:p14="http://schemas.microsoft.com/office/powerpoint/2010/main" val="2740212758"/>
                   </p:ext>
                 </p:extLst>
               </p:nvPr>
             </p:nvGraphicFramePr>
             <p:xfrm>
-              <a:off x="1858897" y="32693"/>
+              <a:off x="2104164" y="32693"/>
               <a:ext cx="540000" cy="1465200"/>
             </p:xfrm>
             <a:graphic>
@@ -6736,13 +6680,13 @@
               <p:nvPr>
                 <p:extLst>
                   <p:ext uri="{D42A27DB-BD31-4B8C-83A1-F6EECF244321}">
-                    <p14:modId xmlns:p14="http://schemas.microsoft.com/office/powerpoint/2010/main" val="3074069266"/>
+                    <p14:modId xmlns:p14="http://schemas.microsoft.com/office/powerpoint/2010/main" val="2740212758"/>
                   </p:ext>
                 </p:extLst>
               </p:nvPr>
             </p:nvGraphicFramePr>
             <p:xfrm>
-              <a:off x="1858897" y="32693"/>
+              <a:off x="2104164" y="32693"/>
               <a:ext cx="540000" cy="1465200"/>
             </p:xfrm>
             <a:graphic>
@@ -7117,7 +7061,7 @@
                         <a:blipFill>
                           <a:blip r:embed="rId6"/>
                           <a:stretch>
-                            <a:fillRect l="-1111" t="-538095" r="-2222" b="-557143"/>
+                            <a:fillRect l="-1124" t="-538095" r="-2247" b="-557143"/>
                           </a:stretch>
                         </a:blipFill>
                       </a:tcPr>
@@ -7175,7 +7119,7 @@
                         <a:blipFill>
                           <a:blip r:embed="rId6"/>
                           <a:stretch>
-                            <a:fillRect l="-1111" t="-609091" r="-2222" b="-431818"/>
+                            <a:fillRect l="-1124" t="-609091" r="-2247" b="-431818"/>
                           </a:stretch>
                         </a:blipFill>
                       </a:tcPr>
@@ -7299,7 +7243,7 @@
                         <a:blipFill>
                           <a:blip r:embed="rId6"/>
                           <a:stretch>
-                            <a:fillRect l="-1111" t="-809091" r="-2222" b="-231818"/>
+                            <a:fillRect l="-1124" t="-809091" r="-2247" b="-231818"/>
                           </a:stretch>
                         </a:blipFill>
                       </a:tcPr>
@@ -7357,7 +7301,7 @@
                         <a:blipFill>
                           <a:blip r:embed="rId6"/>
                           <a:stretch>
-                            <a:fillRect l="-1111" t="-909091" r="-2222" b="-131818"/>
+                            <a:fillRect l="-1124" t="-909091" r="-2247" b="-131818"/>
                           </a:stretch>
                         </a:blipFill>
                       </a:tcPr>
@@ -7460,7 +7404,7 @@
         </p:nvSpPr>
         <p:spPr>
           <a:xfrm flipH="1">
-            <a:off x="2402236" y="32693"/>
+            <a:off x="2647503" y="32693"/>
             <a:ext cx="45719" cy="660371"/>
           </a:xfrm>
           <a:prstGeom prst="leftBrace">
@@ -7512,7 +7456,7 @@
         </p:nvSpPr>
         <p:spPr>
           <a:xfrm flipH="1">
-            <a:off x="2398897" y="694454"/>
+            <a:off x="2644164" y="694454"/>
             <a:ext cx="69140" cy="802050"/>
           </a:xfrm>
           <a:prstGeom prst="leftBrace">
@@ -7563,8 +7507,8 @@
           <p:nvPr/>
         </p:nvSpPr>
         <p:spPr>
-          <a:xfrm>
-            <a:off x="2456620" y="362878"/>
+          <a:xfrm rot="5400000">
+            <a:off x="2604257" y="362878"/>
             <a:ext cx="428692" cy="117340"/>
           </a:xfrm>
           <a:prstGeom prst="rect">
@@ -7618,8 +7562,8 @@
           <p:nvPr/>
         </p:nvSpPr>
         <p:spPr>
-          <a:xfrm>
-            <a:off x="2512249" y="1024564"/>
+          <a:xfrm rot="5400000">
+            <a:off x="2659886" y="1024564"/>
             <a:ext cx="317435" cy="117340"/>
           </a:xfrm>
           <a:prstGeom prst="rect">
@@ -7660,67 +7604,137 @@
           </a:p>
         </p:txBody>
       </p:sp>
-      <p:sp>
-        <p:nvSpPr>
-          <p:cNvPr id="69" name="テキスト ボックス 68">
+      <p:grpSp>
+        <p:nvGrpSpPr>
+          <p:cNvPr id="21" name="グループ化 20">
             <a:extLst>
               <a:ext uri="{FF2B5EF4-FFF2-40B4-BE49-F238E27FC236}">
-                <a16:creationId xmlns:a16="http://schemas.microsoft.com/office/drawing/2014/main" id="{A7EEAA42-1F20-C9A1-E7F9-A31CA0F0C856}"/>
+                <a16:creationId xmlns:a16="http://schemas.microsoft.com/office/drawing/2014/main" id="{89FDB296-D07F-4A40-8F69-FFEE4F43DE58}"/>
               </a:ext>
             </a:extLst>
           </p:cNvPr>
-          <p:cNvSpPr txBox="1"/>
+          <p:cNvGrpSpPr/>
           <p:nvPr/>
-        </p:nvSpPr>
-        <p:spPr>
+        </p:nvGrpSpPr>
+        <p:grpSpPr>
           <a:xfrm>
-            <a:off x="1666588" y="652095"/>
-            <a:ext cx="246337" cy="246606"/>
+            <a:off x="1754406" y="714362"/>
+            <a:ext cx="261136" cy="247677"/>
+            <a:chOff x="825403" y="20412"/>
+            <a:chExt cx="316779" cy="489212"/>
           </a:xfrm>
-          <a:prstGeom prst="rect">
-            <a:avLst/>
-          </a:prstGeom>
-          <a:noFill/>
-        </p:spPr>
-        <p:txBody>
-          <a:bodyPr wrap="square" lIns="0" tIns="0" rIns="0" bIns="0" rtlCol="0">
-            <a:spAutoFit/>
-          </a:bodyPr>
-          <a:lstStyle/>
-          <a:p>
-            <a:pPr algn="ctr">
-              <a:lnSpc>
-                <a:spcPct val="120000"/>
-              </a:lnSpc>
-              <a:spcAft>
-                <a:spcPts val="608"/>
-              </a:spcAft>
-              <a:buClr>
-                <a:schemeClr val="accent6">
-                  <a:lumMod val="50000"/>
-                </a:schemeClr>
-              </a:buClr>
-              <a:buSzPct val="100000"/>
-            </a:pPr>
-            <a:r>
-              <a:rPr lang="en-US" altLang="ja-JP" sz="700" dirty="0">
+        </p:grpSpPr>
+        <p:sp>
+          <p:nvSpPr>
+            <p:cNvPr id="22" name="矢印: 右 21">
+              <a:extLst>
+                <a:ext uri="{FF2B5EF4-FFF2-40B4-BE49-F238E27FC236}">
+                  <a16:creationId xmlns:a16="http://schemas.microsoft.com/office/drawing/2014/main" id="{F692E973-03A2-4D8D-807C-ADC4142FDF5B}"/>
+                </a:ext>
+              </a:extLst>
+            </p:cNvPr>
+            <p:cNvSpPr/>
+            <p:nvPr/>
+          </p:nvSpPr>
+          <p:spPr>
+            <a:xfrm>
+              <a:off x="840810" y="277856"/>
+              <a:ext cx="301372" cy="231768"/>
+            </a:xfrm>
+            <a:prstGeom prst="rightArrow">
+              <a:avLst/>
+            </a:prstGeom>
+            <a:solidFill>
+              <a:schemeClr val="accent2"/>
+            </a:solidFill>
+            <a:ln w="38100">
+              <a:noFill/>
+            </a:ln>
+          </p:spPr>
+          <p:style>
+            <a:lnRef idx="2">
+              <a:schemeClr val="accent1">
+                <a:shade val="50000"/>
+              </a:schemeClr>
+            </a:lnRef>
+            <a:fillRef idx="1">
+              <a:schemeClr val="accent1"/>
+            </a:fillRef>
+            <a:effectRef idx="0">
+              <a:schemeClr val="accent1"/>
+            </a:effectRef>
+            <a:fontRef idx="minor">
+              <a:schemeClr val="lt1"/>
+            </a:fontRef>
+          </p:style>
+          <p:txBody>
+            <a:bodyPr lIns="0" tIns="0" rIns="0" bIns="0" rtlCol="0" anchor="ctr"/>
+            <a:lstStyle/>
+            <a:p>
+              <a:pPr algn="ctr"/>
+              <a:endParaRPr lang="ja-JP" altLang="en-US" sz="700" dirty="0">
                 <a:solidFill>
-                  <a:schemeClr val="accent2"/>
+                  <a:schemeClr val="tx1"/>
                 </a:solidFill>
-                <a:latin typeface="Cambria Math" panose="02040503050406030204" pitchFamily="18" charset="0"/>
-                <a:ea typeface="Cambria Math" panose="02040503050406030204" pitchFamily="18" charset="0"/>
-              </a:rPr>
-              <a:t>Store</a:t>
-            </a:r>
-            <a:endParaRPr lang="ja-JP" altLang="en-US" sz="700" dirty="0">
-              <a:solidFill>
-                <a:schemeClr val="accent2"/>
-              </a:solidFill>
-              <a:latin typeface="Cambria Math" panose="02040503050406030204" pitchFamily="18" charset="0"/>
-            </a:endParaRPr>
-          </a:p>
-        </p:txBody>
-      </p:sp>
+              </a:endParaRPr>
+            </a:p>
+          </p:txBody>
+        </p:sp>
+        <p:sp>
+          <p:nvSpPr>
+            <p:cNvPr id="23" name="テキスト ボックス 22">
+              <a:extLst>
+                <a:ext uri="{FF2B5EF4-FFF2-40B4-BE49-F238E27FC236}">
+                  <a16:creationId xmlns:a16="http://schemas.microsoft.com/office/drawing/2014/main" id="{F9F0D8AF-61BE-417C-8FD5-8695C5238E20}"/>
+                </a:ext>
+              </a:extLst>
+            </p:cNvPr>
+            <p:cNvSpPr txBox="1"/>
+            <p:nvPr/>
+          </p:nvSpPr>
+          <p:spPr>
+            <a:xfrm>
+              <a:off x="825403" y="20412"/>
+              <a:ext cx="312759" cy="231770"/>
+            </a:xfrm>
+            <a:prstGeom prst="rect">
+              <a:avLst/>
+            </a:prstGeom>
+            <a:noFill/>
+          </p:spPr>
+          <p:txBody>
+            <a:bodyPr wrap="square" lIns="0" tIns="0" rIns="0" bIns="0" rtlCol="0">
+              <a:spAutoFit/>
+            </a:bodyPr>
+            <a:lstStyle/>
+            <a:p>
+              <a:pPr algn="ctr">
+                <a:lnSpc>
+                  <a:spcPct val="120000"/>
+                </a:lnSpc>
+                <a:spcAft>
+                  <a:spcPts val="608"/>
+                </a:spcAft>
+                <a:buClr>
+                  <a:schemeClr val="accent6">
+                    <a:lumMod val="50000"/>
+                  </a:schemeClr>
+                </a:buClr>
+                <a:buSzPct val="100000"/>
+              </a:pPr>
+              <a:r>
+                <a:rPr lang="en-US" altLang="ja-JP" sz="700" dirty="0">
+                  <a:solidFill>
+                    <a:schemeClr val="accent2"/>
+                  </a:solidFill>
+                  <a:latin typeface="Cambria Math" panose="02040503050406030204" pitchFamily="18" charset="0"/>
+                </a:rPr>
+                <a:t>Store</a:t>
+              </a:r>
+            </a:p>
+          </p:txBody>
+        </p:sp>
+      </p:grpSp>
     </p:spTree>
     <p:extLst>
       <p:ext uri="{BB962C8B-B14F-4D97-AF65-F5344CB8AC3E}">

--- a/src/figures/Bc-insertion.pptx
+++ b/src/figures/Bc-insertion.pptx
@@ -8,9 +8,9 @@
     <p:notesMasterId r:id="rId3"/>
   </p:notesMasterIdLst>
   <p:sldIdLst>
-    <p:sldId id="257" r:id="rId2"/>
+    <p:sldId id="256" r:id="rId2"/>
   </p:sldIdLst>
-  <p:sldSz cx="2879725" cy="1800225"/>
+  <p:sldSz cx="2879725" cy="1979613"/>
   <p:notesSz cx="6858000" cy="9144000"/>
   <p:defaultTextStyle>
     <a:defPPr>
@@ -197,7 +197,7 @@
           <a:p>
             <a:fld id="{C1C90ABE-C08A-444A-9B97-50985CA7357E}" type="datetimeFigureOut">
               <a:rPr kumimoji="1" lang="ja-JP" altLang="en-US" smtClean="0"/>
-              <a:t>2023/8/8</a:t>
+              <a:t>2023/8/12</a:t>
             </a:fld>
             <a:endParaRPr kumimoji="1" lang="ja-JP" altLang="en-US"/>
           </a:p>
@@ -215,8 +215,8 @@
         </p:nvSpPr>
         <p:spPr>
           <a:xfrm>
-            <a:off x="960438" y="1143000"/>
-            <a:ext cx="4937125" cy="3086100"/>
+            <a:off x="1184275" y="1143000"/>
+            <a:ext cx="4489450" cy="3086100"/>
           </a:xfrm>
           <a:prstGeom prst="rect">
             <a:avLst/>
@@ -525,8 +525,8 @@
         </p:nvSpPr>
         <p:spPr>
           <a:xfrm>
-            <a:off x="960438" y="1143000"/>
-            <a:ext cx="4937125" cy="3086100"/>
+            <a:off x="1184275" y="1143000"/>
+            <a:ext cx="4489450" cy="3086100"/>
           </a:xfrm>
         </p:spPr>
       </p:sp>
@@ -575,7 +575,7 @@
     </p:spTree>
     <p:extLst>
       <p:ext uri="{BB962C8B-B14F-4D97-AF65-F5344CB8AC3E}">
-        <p14:creationId xmlns:p14="http://schemas.microsoft.com/office/powerpoint/2010/main" val="2101785146"/>
+        <p14:creationId xmlns:p14="http://schemas.microsoft.com/office/powerpoint/2010/main" val="3837561743"/>
       </p:ext>
     </p:extLst>
   </p:cSld>
@@ -614,8 +614,8 @@
         </p:nvSpPr>
         <p:spPr>
           <a:xfrm>
-            <a:off x="159987" y="294623"/>
-            <a:ext cx="2583690" cy="626745"/>
+            <a:off x="159987" y="323982"/>
+            <a:ext cx="2583690" cy="689199"/>
           </a:xfrm>
           <a:noFill/>
         </p:spPr>
@@ -655,8 +655,8 @@
         </p:nvSpPr>
         <p:spPr>
           <a:xfrm>
-            <a:off x="159987" y="1035562"/>
-            <a:ext cx="2595561" cy="347167"/>
+            <a:off x="159988" y="1138754"/>
+            <a:ext cx="2595561" cy="381761"/>
           </a:xfrm>
         </p:spPr>
         <p:txBody>
@@ -776,8 +776,8 @@
         </p:nvSpPr>
         <p:spPr>
           <a:xfrm>
-            <a:off x="127991" y="921368"/>
-            <a:ext cx="2751738" cy="65425"/>
+            <a:off x="127991" y="1013181"/>
+            <a:ext cx="2751738" cy="71944"/>
           </a:xfrm>
           <a:prstGeom prst="rect">
             <a:avLst/>
@@ -864,8 +864,8 @@
         </p:nvSpPr>
         <p:spPr>
           <a:xfrm>
-            <a:off x="2" y="1"/>
-            <a:ext cx="2879725" cy="255150"/>
+            <a:off x="3" y="1"/>
+            <a:ext cx="2879725" cy="280575"/>
           </a:xfrm>
         </p:spPr>
         <p:txBody>
@@ -950,8 +950,8 @@
         </p:nvSpPr>
         <p:spPr>
           <a:xfrm>
-            <a:off x="101680" y="340200"/>
-            <a:ext cx="2676365" cy="1266300"/>
+            <a:off x="101681" y="374100"/>
+            <a:ext cx="2676365" cy="1392484"/>
           </a:xfrm>
         </p:spPr>
         <p:txBody>
@@ -1068,8 +1068,8 @@
         </p:nvSpPr>
         <p:spPr>
           <a:xfrm>
-            <a:off x="2" y="1"/>
-            <a:ext cx="2879725" cy="255150"/>
+            <a:off x="3" y="1"/>
+            <a:ext cx="2879725" cy="280575"/>
           </a:xfrm>
         </p:spPr>
         <p:txBody>
@@ -1168,8 +1168,8 @@
         </p:nvSpPr>
         <p:spPr>
           <a:xfrm>
-            <a:off x="2" y="448814"/>
-            <a:ext cx="2879725" cy="748844"/>
+            <a:off x="3" y="493537"/>
+            <a:ext cx="2879725" cy="823464"/>
           </a:xfrm>
         </p:spPr>
         <p:txBody>
@@ -1203,8 +1203,8 @@
         </p:nvSpPr>
         <p:spPr>
           <a:xfrm>
-            <a:off x="196482" y="1241467"/>
-            <a:ext cx="2483763" cy="357072"/>
+            <a:off x="196483" y="1365176"/>
+            <a:ext cx="2483763" cy="392653"/>
           </a:xfrm>
         </p:spPr>
         <p:txBody>
@@ -1474,8 +1474,8 @@
         </p:nvSpPr>
         <p:spPr>
           <a:xfrm>
-            <a:off x="2" y="1"/>
-            <a:ext cx="2879725" cy="255150"/>
+            <a:off x="3" y="1"/>
+            <a:ext cx="2879725" cy="280575"/>
           </a:xfrm>
           <a:prstGeom prst="rect">
             <a:avLst/>
@@ -1512,8 +1512,8 @@
         </p:nvSpPr>
         <p:spPr>
           <a:xfrm>
-            <a:off x="101680" y="340200"/>
-            <a:ext cx="2676365" cy="1266300"/>
+            <a:off x="101681" y="374100"/>
+            <a:ext cx="2676365" cy="1392484"/>
           </a:xfrm>
           <a:prstGeom prst="rect">
             <a:avLst/>
@@ -1607,8 +1607,8 @@
         </p:nvSpPr>
         <p:spPr>
           <a:xfrm>
-            <a:off x="456587" y="1668549"/>
-            <a:ext cx="1966555" cy="95845"/>
+            <a:off x="456588" y="1834816"/>
+            <a:ext cx="1966555" cy="105396"/>
           </a:xfrm>
           <a:prstGeom prst="rect">
             <a:avLst/>
@@ -1646,8 +1646,8 @@
         </p:nvSpPr>
         <p:spPr>
           <a:xfrm>
-            <a:off x="2455528" y="1668549"/>
-            <a:ext cx="322517" cy="95845"/>
+            <a:off x="2455529" y="1834816"/>
+            <a:ext cx="322517" cy="105396"/>
           </a:xfrm>
           <a:prstGeom prst="rect">
             <a:avLst/>
@@ -2054,14 +2054,14 @@
               <p:nvPr>
                 <p:extLst>
                   <p:ext uri="{D42A27DB-BD31-4B8C-83A1-F6EECF244321}">
-                    <p14:modId xmlns:p14="http://schemas.microsoft.com/office/powerpoint/2010/main" val="1349647963"/>
+                    <p14:modId xmlns:p14="http://schemas.microsoft.com/office/powerpoint/2010/main" val="3002839704"/>
                   </p:ext>
                 </p:extLst>
               </p:nvPr>
             </p:nvGraphicFramePr>
             <p:xfrm>
-              <a:off x="198820" y="32693"/>
-              <a:ext cx="511200" cy="1463810"/>
+              <a:off x="194053" y="32693"/>
+              <a:ext cx="511200" cy="1659603"/>
             </p:xfrm>
             <a:graphic>
               <a:graphicData uri="http://schemas.openxmlformats.org/drawingml/2006/table">
@@ -2078,7 +2078,7 @@
                       </a:extLst>
                     </a:gridCol>
                   </a:tblGrid>
-                  <a:tr h="116045">
+                  <a:tr h="150873">
                     <a:tc>
                       <a:txBody>
                         <a:bodyPr/>
@@ -2086,12 +2086,12 @@
                         <a:p>
                           <a:pPr algn="ctr"/>
                           <a:r>
-                            <a:rPr kumimoji="1" lang="en-US" altLang="ja-JP" sz="700" baseline="0" dirty="0">
+                            <a:rPr kumimoji="1" lang="en-US" altLang="ja-JP" sz="700" dirty="0">
                               <a:latin typeface="Cambria Math" panose="02040503050406030204" pitchFamily="18" charset="0"/>
                             </a:rPr>
                             <a:t>Header</a:t>
                           </a:r>
-                          <a:endParaRPr kumimoji="1" lang="ja-JP" altLang="en-US" sz="700" baseline="0" dirty="0">
+                          <a:endParaRPr kumimoji="1" lang="ja-JP" altLang="en-US" sz="700" dirty="0">
                             <a:latin typeface="Cambria Math" panose="02040503050406030204" pitchFamily="18" charset="0"/>
                           </a:endParaRPr>
                         </a:p>
@@ -2144,7 +2144,7 @@
                       </a:ext>
                     </a:extLst>
                   </a:tr>
-                  <a:tr h="116045">
+                  <a:tr h="150873">
                     <a:tc>
                       <a:txBody>
                         <a:bodyPr/>
@@ -2152,13 +2152,13 @@
                         <a:p>
                           <a:pPr algn="ctr"/>
                           <a:r>
-                            <a:rPr kumimoji="1" lang="en-US" altLang="ja-JP" sz="700" baseline="0" dirty="0">
+                            <a:rPr kumimoji="1" lang="en-US" altLang="ja-JP" sz="700" dirty="0">
                               <a:latin typeface="Cambria Math" panose="02040503050406030204" pitchFamily="18" charset="0"/>
                               <a:ea typeface="Cambria Math" panose="02040503050406030204" pitchFamily="18" charset="0"/>
                             </a:rPr>
                             <a:t>Metadata</a:t>
                           </a:r>
-                          <a:endParaRPr kumimoji="1" lang="ja-JP" altLang="en-US" sz="700" baseline="0" dirty="0">
+                          <a:endParaRPr kumimoji="1" lang="ja-JP" altLang="en-US" sz="700" dirty="0">
                             <a:latin typeface="Cambria Math" panose="02040503050406030204" pitchFamily="18" charset="0"/>
                           </a:endParaRPr>
                         </a:p>
@@ -2202,7 +2202,7 @@
                       </a:ext>
                     </a:extLst>
                   </a:tr>
-                  <a:tr h="116045">
+                  <a:tr h="150873">
                     <a:tc>
                       <a:txBody>
                         <a:bodyPr/>
@@ -2210,13 +2210,13 @@
                         <a:p>
                           <a:pPr algn="ctr"/>
                           <a:r>
-                            <a:rPr kumimoji="1" lang="en-US" altLang="ja-JP" sz="700" baseline="0" dirty="0">
+                            <a:rPr kumimoji="1" lang="en-US" altLang="ja-JP" sz="700" dirty="0">
                               <a:latin typeface="Cambria Math" panose="02040503050406030204" pitchFamily="18" charset="0"/>
                               <a:ea typeface="Cambria Math" panose="02040503050406030204" pitchFamily="18" charset="0"/>
                             </a:rPr>
                             <a:t>...</a:t>
                           </a:r>
-                          <a:endParaRPr kumimoji="1" lang="ja-JP" altLang="en-US" sz="700" baseline="0" dirty="0">
+                          <a:endParaRPr kumimoji="1" lang="ja-JP" altLang="en-US" sz="700" dirty="0">
                             <a:latin typeface="Cambria Math" panose="02040503050406030204" pitchFamily="18" charset="0"/>
                           </a:endParaRPr>
                         </a:p>
@@ -2260,7 +2260,7 @@
                       </a:ext>
                     </a:extLst>
                   </a:tr>
-                  <a:tr h="116045">
+                  <a:tr h="150873">
                     <a:tc>
                       <a:txBody>
                         <a:bodyPr/>
@@ -2268,12 +2268,12 @@
                         <a:p>
                           <a:pPr algn="ctr"/>
                           <a:r>
-                            <a:rPr kumimoji="1" lang="en-US" altLang="ja-JP" sz="700" baseline="0" dirty="0">
+                            <a:rPr kumimoji="1" lang="en-US" altLang="ja-JP" sz="700" dirty="0">
                               <a:latin typeface="Cambria Math" panose="02040503050406030204" pitchFamily="18" charset="0"/>
                             </a:rPr>
                             <a:t>...</a:t>
                           </a:r>
-                          <a:endParaRPr kumimoji="1" lang="ja-JP" altLang="en-US" sz="700" baseline="0" dirty="0">
+                          <a:endParaRPr kumimoji="1" lang="ja-JP" altLang="en-US" sz="700" dirty="0">
                             <a:latin typeface="Cambria Math" panose="02040503050406030204" pitchFamily="18" charset="0"/>
                           </a:endParaRPr>
                         </a:p>
@@ -2324,7 +2324,7 @@
                       </a:ext>
                     </a:extLst>
                   </a:tr>
-                  <a:tr h="116045">
+                  <a:tr h="150873">
                     <a:tc>
                       <a:txBody>
                         <a:bodyPr/>
@@ -2332,12 +2332,12 @@
                         <a:p>
                           <a:pPr algn="ctr"/>
                           <a:r>
-                            <a:rPr kumimoji="1" lang="en-US" altLang="ja-JP" sz="700" baseline="0" dirty="0">
+                            <a:rPr kumimoji="1" lang="en-US" altLang="ja-JP" sz="700" dirty="0">
                               <a:latin typeface="Cambria Math" panose="02040503050406030204" pitchFamily="18" charset="0"/>
                             </a:rPr>
                             <a:t>Record</a:t>
                           </a:r>
-                          <a:endParaRPr kumimoji="1" lang="ja-JP" altLang="en-US" sz="700" baseline="0" dirty="0">
+                          <a:endParaRPr kumimoji="1" lang="ja-JP" altLang="en-US" sz="700" dirty="0">
                             <a:latin typeface="Cambria Math" panose="02040503050406030204" pitchFamily="18" charset="0"/>
                           </a:endParaRPr>
                         </a:p>
@@ -2388,7 +2388,7 @@
                       </a:ext>
                     </a:extLst>
                   </a:tr>
-                  <a:tr h="116045">
+                  <a:tr h="150873">
                     <a:tc>
                       <a:txBody>
                         <a:bodyPr/>
@@ -2417,7 +2417,7 @@
                                 <m:rPr>
                                   <m:sty m:val="p"/>
                                 </m:rPr>
-                                <a:rPr kumimoji="1" lang="en-US" altLang="ja-JP" sz="700" b="0" i="0" baseline="0" smtClean="0">
+                                <a:rPr kumimoji="1" lang="en-US" altLang="ja-JP" sz="700" b="0" i="0" smtClean="0">
                                   <a:solidFill>
                                     <a:schemeClr val="tx1"/>
                                   </a:solidFill>
@@ -2428,18 +2428,18 @@
                             </m:oMath>
                           </a14:m>
                           <a:r>
-                            <a:rPr kumimoji="1" lang="ja-JP" altLang="en-US" sz="700" baseline="0" dirty="0">
+                            <a:rPr kumimoji="1" lang="ja-JP" altLang="en-US" sz="700" dirty="0">
                               <a:latin typeface="Cambria Math" panose="02040503050406030204" pitchFamily="18" charset="0"/>
                             </a:rPr>
                             <a:t> </a:t>
                           </a:r>
                           <a:r>
-                            <a:rPr kumimoji="1" lang="en-US" altLang="ja-JP" sz="700" baseline="0" dirty="0">
+                            <a:rPr kumimoji="1" lang="en-US" altLang="ja-JP" sz="700" dirty="0">
                               <a:latin typeface="Cambria Math" panose="02040503050406030204" pitchFamily="18" charset="0"/>
                             </a:rPr>
                             <a:t>record</a:t>
                           </a:r>
-                          <a:endParaRPr kumimoji="1" lang="ja-JP" altLang="en-US" sz="700" baseline="0" dirty="0">
+                          <a:endParaRPr kumimoji="1" lang="ja-JP" altLang="en-US" sz="700" dirty="0">
                             <a:solidFill>
                               <a:schemeClr val="accent1"/>
                             </a:solidFill>
@@ -2495,7 +2495,7 @@
                       </a:ext>
                     </a:extLst>
                   </a:tr>
-                  <a:tr h="116045">
+                  <a:tr h="150873">
                     <a:tc>
                       <a:txBody>
                         <a:bodyPr/>
@@ -2518,7 +2518,7 @@
                             <a:tabLst/>
                             <a:defRPr/>
                           </a:pPr>
-                          <a:endParaRPr kumimoji="1" lang="ja-JP" altLang="en-US" sz="700" baseline="0" dirty="0">
+                          <a:endParaRPr kumimoji="1" lang="ja-JP" altLang="en-US" sz="700" dirty="0">
                             <a:solidFill>
                               <a:schemeClr val="accent1"/>
                             </a:solidFill>
@@ -2565,7 +2565,7 @@
                       </a:ext>
                     </a:extLst>
                   </a:tr>
-                  <a:tr h="116045">
+                  <a:tr h="150873">
                     <a:tc>
                       <a:txBody>
                         <a:bodyPr/>
@@ -2573,12 +2573,12 @@
                         <a:p>
                           <a:pPr algn="ctr"/>
                           <a:r>
-                            <a:rPr kumimoji="1" lang="en-US" altLang="ja-JP" sz="700" baseline="0" dirty="0">
+                            <a:rPr kumimoji="1" lang="en-US" altLang="ja-JP" sz="700" dirty="0">
                               <a:latin typeface="Cambria Math" panose="02040503050406030204" pitchFamily="18" charset="0"/>
                             </a:rPr>
                             <a:t>Free space</a:t>
                           </a:r>
-                          <a:endParaRPr kumimoji="1" lang="ja-JP" altLang="en-US" sz="700" baseline="0" dirty="0">
+                          <a:endParaRPr kumimoji="1" lang="ja-JP" altLang="en-US" sz="700" dirty="0">
                             <a:latin typeface="Cambria Math" panose="02040503050406030204" pitchFamily="18" charset="0"/>
                           </a:endParaRPr>
                         </a:p>
@@ -2613,14 +2613,14 @@
                       </a:ext>
                     </a:extLst>
                   </a:tr>
-                  <a:tr h="116045">
+                  <a:tr h="150873">
                     <a:tc>
                       <a:txBody>
                         <a:bodyPr/>
                         <a:lstStyle/>
                         <a:p>
                           <a:pPr algn="ctr"/>
-                          <a:endParaRPr kumimoji="1" lang="ja-JP" altLang="en-US" sz="700" baseline="0" dirty="0">
+                          <a:endParaRPr kumimoji="1" lang="ja-JP" altLang="en-US" sz="700" dirty="0">
                             <a:latin typeface="Cambria Math" panose="02040503050406030204" pitchFamily="18" charset="0"/>
                           </a:endParaRPr>
                         </a:p>
@@ -2664,7 +2664,7 @@
                       </a:ext>
                     </a:extLst>
                   </a:tr>
-                  <a:tr h="116045">
+                  <a:tr h="150873">
                     <a:tc>
                       <a:txBody>
                         <a:bodyPr/>
@@ -2677,7 +2677,7 @@
                                 <m:rPr>
                                   <m:sty m:val="p"/>
                                 </m:rPr>
-                                <a:rPr kumimoji="1" lang="en-US" altLang="ja-JP" sz="700" b="0" i="0" baseline="0" smtClean="0">
+                                <a:rPr kumimoji="1" lang="en-US" altLang="ja-JP" sz="700" b="0" i="0" smtClean="0">
                                   <a:solidFill>
                                     <a:schemeClr val="tx1"/>
                                   </a:solidFill>
@@ -2688,18 +2688,18 @@
                             </m:oMath>
                           </a14:m>
                           <a:r>
-                            <a:rPr kumimoji="1" lang="ja-JP" altLang="en-US" sz="700" baseline="0" dirty="0">
+                            <a:rPr kumimoji="1" lang="ja-JP" altLang="en-US" sz="700" dirty="0">
                               <a:latin typeface="Cambria Math" panose="02040503050406030204" pitchFamily="18" charset="0"/>
                             </a:rPr>
                             <a:t> </a:t>
                           </a:r>
                           <a:r>
-                            <a:rPr kumimoji="1" lang="en-US" altLang="ja-JP" sz="700" baseline="0" dirty="0">
+                            <a:rPr kumimoji="1" lang="en-US" altLang="ja-JP" sz="700" dirty="0">
                               <a:latin typeface="Cambria Math" panose="02040503050406030204" pitchFamily="18" charset="0"/>
                             </a:rPr>
                             <a:t>metadata</a:t>
                           </a:r>
-                          <a:endParaRPr kumimoji="1" lang="ja-JP" altLang="en-US" sz="700" baseline="0" dirty="0">
+                          <a:endParaRPr kumimoji="1" lang="ja-JP" altLang="en-US" sz="700" dirty="0">
                             <a:latin typeface="Cambria Math" panose="02040503050406030204" pitchFamily="18" charset="0"/>
                           </a:endParaRPr>
                         </a:p>
@@ -2752,7 +2752,7 @@
                       </a:ext>
                     </a:extLst>
                   </a:tr>
-                  <a:tr h="214750">
+                  <a:tr h="150873">
                     <a:tc>
                       <a:txBody>
                         <a:bodyPr/>
@@ -2760,7 +2760,7 @@
                         <a:p>
                           <a:pPr algn="ctr"/>
                           <a:r>
-                            <a:rPr kumimoji="1" lang="en-US" altLang="ja-JP" sz="700" baseline="0" dirty="0">
+                            <a:rPr kumimoji="1" lang="en-US" altLang="ja-JP" sz="700" dirty="0">
                               <a:solidFill>
                                 <a:schemeClr val="accent2"/>
                               </a:solidFill>
@@ -2768,7 +2768,7 @@
                             </a:rPr>
                             <a:t>Status word</a:t>
                           </a:r>
-                          <a:endParaRPr kumimoji="1" lang="ja-JP" altLang="en-US" sz="700" baseline="0" dirty="0">
+                          <a:endParaRPr kumimoji="1" lang="ja-JP" altLang="en-US" sz="700" dirty="0">
                             <a:solidFill>
                               <a:schemeClr val="accent2"/>
                             </a:solidFill>
@@ -2848,14 +2848,14 @@
               <p:nvPr>
                 <p:extLst>
                   <p:ext uri="{D42A27DB-BD31-4B8C-83A1-F6EECF244321}">
-                    <p14:modId xmlns:p14="http://schemas.microsoft.com/office/powerpoint/2010/main" val="1349647963"/>
+                    <p14:modId xmlns:p14="http://schemas.microsoft.com/office/powerpoint/2010/main" val="3002839704"/>
                   </p:ext>
                 </p:extLst>
               </p:nvPr>
             </p:nvGraphicFramePr>
             <p:xfrm>
-              <a:off x="198820" y="32693"/>
-              <a:ext cx="511200" cy="1463810"/>
+              <a:off x="194053" y="32693"/>
+              <a:ext cx="511200" cy="1659603"/>
             </p:xfrm>
             <a:graphic>
               <a:graphicData uri="http://schemas.openxmlformats.org/drawingml/2006/table">
@@ -2872,7 +2872,7 @@
                       </a:extLst>
                     </a:gridCol>
                   </a:tblGrid>
-                  <a:tr h="124906">
+                  <a:tr h="150873">
                     <a:tc>
                       <a:txBody>
                         <a:bodyPr/>
@@ -2880,12 +2880,12 @@
                         <a:p>
                           <a:pPr algn="ctr"/>
                           <a:r>
-                            <a:rPr kumimoji="1" lang="en-US" altLang="ja-JP" sz="700" baseline="0" dirty="0">
+                            <a:rPr kumimoji="1" lang="en-US" altLang="ja-JP" sz="700" dirty="0">
                               <a:latin typeface="Cambria Math" panose="02040503050406030204" pitchFamily="18" charset="0"/>
                             </a:rPr>
                             <a:t>Header</a:t>
                           </a:r>
-                          <a:endParaRPr kumimoji="1" lang="ja-JP" altLang="en-US" sz="700" baseline="0" dirty="0">
+                          <a:endParaRPr kumimoji="1" lang="ja-JP" altLang="en-US" sz="700" dirty="0">
                             <a:latin typeface="Cambria Math" panose="02040503050406030204" pitchFamily="18" charset="0"/>
                           </a:endParaRPr>
                         </a:p>
@@ -2938,7 +2938,7 @@
                       </a:ext>
                     </a:extLst>
                   </a:tr>
-                  <a:tr h="124906">
+                  <a:tr h="150873">
                     <a:tc>
                       <a:txBody>
                         <a:bodyPr/>
@@ -2946,13 +2946,13 @@
                         <a:p>
                           <a:pPr algn="ctr"/>
                           <a:r>
-                            <a:rPr kumimoji="1" lang="en-US" altLang="ja-JP" sz="700" baseline="0" dirty="0">
+                            <a:rPr kumimoji="1" lang="en-US" altLang="ja-JP" sz="700" dirty="0">
                               <a:latin typeface="Cambria Math" panose="02040503050406030204" pitchFamily="18" charset="0"/>
                               <a:ea typeface="Cambria Math" panose="02040503050406030204" pitchFamily="18" charset="0"/>
                             </a:rPr>
                             <a:t>Metadata</a:t>
                           </a:r>
-                          <a:endParaRPr kumimoji="1" lang="ja-JP" altLang="en-US" sz="700" baseline="0" dirty="0">
+                          <a:endParaRPr kumimoji="1" lang="ja-JP" altLang="en-US" sz="700" dirty="0">
                             <a:latin typeface="Cambria Math" panose="02040503050406030204" pitchFamily="18" charset="0"/>
                           </a:endParaRPr>
                         </a:p>
@@ -2996,7 +2996,7 @@
                       </a:ext>
                     </a:extLst>
                   </a:tr>
-                  <a:tr h="124906">
+                  <a:tr h="150873">
                     <a:tc>
                       <a:txBody>
                         <a:bodyPr/>
@@ -3004,13 +3004,13 @@
                         <a:p>
                           <a:pPr algn="ctr"/>
                           <a:r>
-                            <a:rPr kumimoji="1" lang="en-US" altLang="ja-JP" sz="700" baseline="0" dirty="0">
+                            <a:rPr kumimoji="1" lang="en-US" altLang="ja-JP" sz="700" dirty="0">
                               <a:latin typeface="Cambria Math" panose="02040503050406030204" pitchFamily="18" charset="0"/>
                               <a:ea typeface="Cambria Math" panose="02040503050406030204" pitchFamily="18" charset="0"/>
                             </a:rPr>
                             <a:t>...</a:t>
                           </a:r>
-                          <a:endParaRPr kumimoji="1" lang="ja-JP" altLang="en-US" sz="700" baseline="0" dirty="0">
+                          <a:endParaRPr kumimoji="1" lang="ja-JP" altLang="en-US" sz="700" dirty="0">
                             <a:latin typeface="Cambria Math" panose="02040503050406030204" pitchFamily="18" charset="0"/>
                           </a:endParaRPr>
                         </a:p>
@@ -3054,7 +3054,7 @@
                       </a:ext>
                     </a:extLst>
                   </a:tr>
-                  <a:tr h="124906">
+                  <a:tr h="150873">
                     <a:tc>
                       <a:txBody>
                         <a:bodyPr/>
@@ -3062,12 +3062,12 @@
                         <a:p>
                           <a:pPr algn="ctr"/>
                           <a:r>
-                            <a:rPr kumimoji="1" lang="en-US" altLang="ja-JP" sz="700" baseline="0" dirty="0">
+                            <a:rPr kumimoji="1" lang="en-US" altLang="ja-JP" sz="700" dirty="0">
                               <a:latin typeface="Cambria Math" panose="02040503050406030204" pitchFamily="18" charset="0"/>
                             </a:rPr>
                             <a:t>...</a:t>
                           </a:r>
-                          <a:endParaRPr kumimoji="1" lang="ja-JP" altLang="en-US" sz="700" baseline="0" dirty="0">
+                          <a:endParaRPr kumimoji="1" lang="ja-JP" altLang="en-US" sz="700" dirty="0">
                             <a:latin typeface="Cambria Math" panose="02040503050406030204" pitchFamily="18" charset="0"/>
                           </a:endParaRPr>
                         </a:p>
@@ -3118,7 +3118,7 @@
                       </a:ext>
                     </a:extLst>
                   </a:tr>
-                  <a:tr h="124906">
+                  <a:tr h="150873">
                     <a:tc>
                       <a:txBody>
                         <a:bodyPr/>
@@ -3126,12 +3126,12 @@
                         <a:p>
                           <a:pPr algn="ctr"/>
                           <a:r>
-                            <a:rPr kumimoji="1" lang="en-US" altLang="ja-JP" sz="700" baseline="0" dirty="0">
+                            <a:rPr kumimoji="1" lang="en-US" altLang="ja-JP" sz="700" dirty="0">
                               <a:latin typeface="Cambria Math" panose="02040503050406030204" pitchFamily="18" charset="0"/>
                             </a:rPr>
                             <a:t>Record</a:t>
                           </a:r>
-                          <a:endParaRPr kumimoji="1" lang="ja-JP" altLang="en-US" sz="700" baseline="0" dirty="0">
+                          <a:endParaRPr kumimoji="1" lang="ja-JP" altLang="en-US" sz="700" dirty="0">
                             <a:latin typeface="Cambria Math" panose="02040503050406030204" pitchFamily="18" charset="0"/>
                           </a:endParaRPr>
                         </a:p>
@@ -3182,7 +3182,7 @@
                       </a:ext>
                     </a:extLst>
                   </a:tr>
-                  <a:tr h="124906">
+                  <a:tr h="150873">
                     <a:tc>
                       <a:txBody>
                         <a:bodyPr/>
@@ -3231,7 +3231,7 @@
                         <a:blipFill>
                           <a:blip r:embed="rId3"/>
                           <a:stretch>
-                            <a:fillRect l="-1176" t="-535000" r="-2353" b="-600000"/>
+                            <a:fillRect l="-1176" t="-504000" r="-2353" b="-516000"/>
                           </a:stretch>
                         </a:blipFill>
                       </a:tcPr>
@@ -3242,7 +3242,7 @@
                       </a:ext>
                     </a:extLst>
                   </a:tr>
-                  <a:tr h="124906">
+                  <a:tr h="150873">
                     <a:tc>
                       <a:txBody>
                         <a:bodyPr/>
@@ -3265,7 +3265,7 @@
                             <a:tabLst/>
                             <a:defRPr/>
                           </a:pPr>
-                          <a:endParaRPr kumimoji="1" lang="ja-JP" altLang="en-US" sz="700" baseline="0" dirty="0">
+                          <a:endParaRPr kumimoji="1" lang="ja-JP" altLang="en-US" sz="700" dirty="0">
                             <a:solidFill>
                               <a:schemeClr val="accent1"/>
                             </a:solidFill>
@@ -3312,7 +3312,7 @@
                       </a:ext>
                     </a:extLst>
                   </a:tr>
-                  <a:tr h="124906">
+                  <a:tr h="150873">
                     <a:tc>
                       <a:txBody>
                         <a:bodyPr/>
@@ -3320,12 +3320,12 @@
                         <a:p>
                           <a:pPr algn="ctr"/>
                           <a:r>
-                            <a:rPr kumimoji="1" lang="en-US" altLang="ja-JP" sz="700" baseline="0" dirty="0">
+                            <a:rPr kumimoji="1" lang="en-US" altLang="ja-JP" sz="700" dirty="0">
                               <a:latin typeface="Cambria Math" panose="02040503050406030204" pitchFamily="18" charset="0"/>
                             </a:rPr>
                             <a:t>Free space</a:t>
                           </a:r>
-                          <a:endParaRPr kumimoji="1" lang="ja-JP" altLang="en-US" sz="700" baseline="0" dirty="0">
+                          <a:endParaRPr kumimoji="1" lang="ja-JP" altLang="en-US" sz="700" dirty="0">
                             <a:latin typeface="Cambria Math" panose="02040503050406030204" pitchFamily="18" charset="0"/>
                           </a:endParaRPr>
                         </a:p>
@@ -3360,14 +3360,14 @@
                       </a:ext>
                     </a:extLst>
                   </a:tr>
-                  <a:tr h="124906">
+                  <a:tr h="150873">
                     <a:tc>
                       <a:txBody>
                         <a:bodyPr/>
                         <a:lstStyle/>
                         <a:p>
                           <a:pPr algn="ctr"/>
-                          <a:endParaRPr kumimoji="1" lang="ja-JP" altLang="en-US" sz="700" baseline="0" dirty="0">
+                          <a:endParaRPr kumimoji="1" lang="ja-JP" altLang="en-US" sz="700" dirty="0">
                             <a:latin typeface="Cambria Math" panose="02040503050406030204" pitchFamily="18" charset="0"/>
                           </a:endParaRPr>
                         </a:p>
@@ -3411,7 +3411,7 @@
                       </a:ext>
                     </a:extLst>
                   </a:tr>
-                  <a:tr h="124906">
+                  <a:tr h="150873">
                     <a:tc>
                       <a:txBody>
                         <a:bodyPr/>
@@ -3460,7 +3460,7 @@
                         <a:blipFill>
                           <a:blip r:embed="rId3"/>
                           <a:stretch>
-                            <a:fillRect l="-1176" t="-900000" r="-2353" b="-176190"/>
+                            <a:fillRect l="-1176" t="-900000" r="-2353" b="-120000"/>
                           </a:stretch>
                         </a:blipFill>
                       </a:tcPr>
@@ -3471,7 +3471,7 @@
                       </a:ext>
                     </a:extLst>
                   </a:tr>
-                  <a:tr h="214750">
+                  <a:tr h="150873">
                     <a:tc>
                       <a:txBody>
                         <a:bodyPr/>
@@ -3479,7 +3479,7 @@
                         <a:p>
                           <a:pPr algn="ctr"/>
                           <a:r>
-                            <a:rPr kumimoji="1" lang="en-US" altLang="ja-JP" sz="700" baseline="0" dirty="0">
+                            <a:rPr kumimoji="1" lang="en-US" altLang="ja-JP" sz="700" dirty="0">
                               <a:solidFill>
                                 <a:schemeClr val="accent2"/>
                               </a:solidFill>
@@ -3487,7 +3487,7 @@
                             </a:rPr>
                             <a:t>Status word</a:t>
                           </a:r>
-                          <a:endParaRPr kumimoji="1" lang="ja-JP" altLang="en-US" sz="700" baseline="0" dirty="0">
+                          <a:endParaRPr kumimoji="1" lang="ja-JP" altLang="en-US" sz="700" dirty="0">
                             <a:solidFill>
                               <a:schemeClr val="accent2"/>
                             </a:solidFill>
@@ -3552,168 +3552,6 @@
           </p:graphicFrame>
         </mc:Fallback>
       </mc:AlternateContent>
-      <p:sp>
-        <p:nvSpPr>
-          <p:cNvPr id="61" name="テキスト ボックス 60">
-            <a:extLst>
-              <a:ext uri="{FF2B5EF4-FFF2-40B4-BE49-F238E27FC236}">
-                <a16:creationId xmlns:a16="http://schemas.microsoft.com/office/drawing/2014/main" id="{B45EF7D3-BFA2-5827-3716-20A021D42F26}"/>
-              </a:ext>
-            </a:extLst>
-          </p:cNvPr>
-          <p:cNvSpPr txBox="1"/>
-          <p:nvPr/>
-        </p:nvSpPr>
-        <p:spPr>
-          <a:xfrm rot="16200000">
-            <a:off x="-142597" y="1173098"/>
-            <a:ext cx="402537" cy="117340"/>
-          </a:xfrm>
-          <a:prstGeom prst="rect">
-            <a:avLst/>
-          </a:prstGeom>
-          <a:noFill/>
-        </p:spPr>
-        <p:txBody>
-          <a:bodyPr wrap="square" lIns="0" tIns="0" rIns="0" bIns="0" rtlCol="0">
-            <a:spAutoFit/>
-          </a:bodyPr>
-          <a:lstStyle/>
-          <a:p>
-            <a:pPr algn="r">
-              <a:lnSpc>
-                <a:spcPct val="120000"/>
-              </a:lnSpc>
-              <a:spcAft>
-                <a:spcPts val="608"/>
-              </a:spcAft>
-              <a:buClr>
-                <a:schemeClr val="accent6">
-                  <a:lumMod val="50000"/>
-                </a:schemeClr>
-              </a:buClr>
-              <a:buSzPct val="100000"/>
-            </a:pPr>
-            <a:r>
-              <a:rPr lang="en-US" altLang="ja-JP" sz="700" dirty="0">
-                <a:latin typeface="Cambria Math" panose="02040503050406030204" pitchFamily="18" charset="0"/>
-                <a:ea typeface="Cambria Math" panose="02040503050406030204" pitchFamily="18" charset="0"/>
-              </a:rPr>
-              <a:t># of deltas</a:t>
-            </a:r>
-            <a:endParaRPr lang="ja-JP" altLang="en-US" sz="700" dirty="0">
-              <a:latin typeface="Cambria Math" panose="02040503050406030204" pitchFamily="18" charset="0"/>
-            </a:endParaRPr>
-          </a:p>
-        </p:txBody>
-      </p:sp>
-      <p:sp>
-        <p:nvSpPr>
-          <p:cNvPr id="62" name="テキスト ボックス 61">
-            <a:extLst>
-              <a:ext uri="{FF2B5EF4-FFF2-40B4-BE49-F238E27FC236}">
-                <a16:creationId xmlns:a16="http://schemas.microsoft.com/office/drawing/2014/main" id="{BA45EEA7-ED8F-5C57-F1B7-3867F2A05426}"/>
-              </a:ext>
-            </a:extLst>
-          </p:cNvPr>
-          <p:cNvSpPr txBox="1"/>
-          <p:nvPr/>
-        </p:nvSpPr>
-        <p:spPr>
-          <a:xfrm rot="16200000">
-            <a:off x="-132008" y="660487"/>
-            <a:ext cx="381359" cy="117340"/>
-          </a:xfrm>
-          <a:prstGeom prst="rect">
-            <a:avLst/>
-          </a:prstGeom>
-          <a:noFill/>
-        </p:spPr>
-        <p:txBody>
-          <a:bodyPr wrap="square" lIns="0" tIns="0" rIns="0" bIns="0" rtlCol="0">
-            <a:spAutoFit/>
-          </a:bodyPr>
-          <a:lstStyle/>
-          <a:p>
-            <a:pPr algn="r">
-              <a:lnSpc>
-                <a:spcPct val="120000"/>
-              </a:lnSpc>
-              <a:spcAft>
-                <a:spcPts val="608"/>
-              </a:spcAft>
-              <a:buClr>
-                <a:schemeClr val="accent6">
-                  <a:lumMod val="50000"/>
-                </a:schemeClr>
-              </a:buClr>
-              <a:buSzPct val="100000"/>
-            </a:pPr>
-            <a:r>
-              <a:rPr lang="en-US" altLang="ja-JP" sz="700" dirty="0">
-                <a:latin typeface="Cambria Math" panose="02040503050406030204" pitchFamily="18" charset="0"/>
-                <a:ea typeface="Cambria Math" panose="02040503050406030204" pitchFamily="18" charset="0"/>
-              </a:rPr>
-              <a:t>Block size</a:t>
-            </a:r>
-            <a:endParaRPr lang="ja-JP" altLang="en-US" sz="700" dirty="0">
-              <a:latin typeface="Cambria Math" panose="02040503050406030204" pitchFamily="18" charset="0"/>
-            </a:endParaRPr>
-          </a:p>
-        </p:txBody>
-      </p:sp>
-      <p:sp>
-        <p:nvSpPr>
-          <p:cNvPr id="63" name="左中かっこ 62">
-            <a:extLst>
-              <a:ext uri="{FF2B5EF4-FFF2-40B4-BE49-F238E27FC236}">
-                <a16:creationId xmlns:a16="http://schemas.microsoft.com/office/drawing/2014/main" id="{AC0F356D-D0F4-3256-9ADD-59D452FD0220}"/>
-              </a:ext>
-            </a:extLst>
-          </p:cNvPr>
-          <p:cNvSpPr/>
-          <p:nvPr/>
-        </p:nvSpPr>
-        <p:spPr>
-          <a:xfrm>
-            <a:off x="148255" y="694453"/>
-            <a:ext cx="36452" cy="80945"/>
-          </a:xfrm>
-          <a:prstGeom prst="leftBrace">
-            <a:avLst>
-              <a:gd name="adj1" fmla="val 69865"/>
-              <a:gd name="adj2" fmla="val 50000"/>
-            </a:avLst>
-          </a:prstGeom>
-          <a:ln w="9525">
-            <a:solidFill>
-              <a:schemeClr val="tx1"/>
-            </a:solidFill>
-          </a:ln>
-        </p:spPr>
-        <p:style>
-          <a:lnRef idx="1">
-            <a:schemeClr val="accent1"/>
-          </a:lnRef>
-          <a:fillRef idx="0">
-            <a:schemeClr val="accent1"/>
-          </a:fillRef>
-          <a:effectRef idx="0">
-            <a:schemeClr val="accent1"/>
-          </a:effectRef>
-          <a:fontRef idx="minor">
-            <a:schemeClr val="tx1"/>
-          </a:fontRef>
-        </p:style>
-        <p:txBody>
-          <a:bodyPr rtlCol="0" anchor="ctr"/>
-          <a:lstStyle/>
-          <a:p>
-            <a:pPr algn="ctr"/>
-            <a:endParaRPr lang="ja-JP" altLang="en-US" sz="700"/>
-          </a:p>
-        </p:txBody>
-      </p:sp>
       <p:grpSp>
         <p:nvGrpSpPr>
           <p:cNvPr id="64" name="グループ化 63">
@@ -3728,10 +3566,10 @@
         </p:nvGrpSpPr>
         <p:grpSpPr>
           <a:xfrm>
-            <a:off x="808554" y="714362"/>
-            <a:ext cx="261136" cy="247677"/>
-            <a:chOff x="825403" y="20412"/>
-            <a:chExt cx="316779" cy="489212"/>
+            <a:off x="755219" y="1484646"/>
+            <a:ext cx="360000" cy="197695"/>
+            <a:chOff x="853689" y="308770"/>
+            <a:chExt cx="374776" cy="261142"/>
           </a:xfrm>
         </p:grpSpPr>
         <p:sp>
@@ -3748,8 +3586,8 @@
           </p:nvSpPr>
           <p:spPr>
             <a:xfrm>
-              <a:off x="840809" y="277856"/>
-              <a:ext cx="301373" cy="231768"/>
+              <a:off x="853689" y="424656"/>
+              <a:ext cx="374776" cy="145256"/>
             </a:xfrm>
             <a:prstGeom prst="rightArrow">
               <a:avLst/>
@@ -3782,7 +3620,7 @@
             <a:lstStyle/>
             <a:p>
               <a:pPr algn="ctr"/>
-              <a:endParaRPr lang="ja-JP" altLang="en-US" sz="700" dirty="0">
+              <a:endParaRPr lang="ja-JP" altLang="en-US" sz="1013" dirty="0">
                 <a:solidFill>
                   <a:schemeClr val="tx1"/>
                 </a:solidFill>
@@ -3804,8 +3642,8 @@
           </p:nvSpPr>
           <p:spPr>
             <a:xfrm>
-              <a:off x="825403" y="20412"/>
-              <a:ext cx="312759" cy="231770"/>
+              <a:off x="886050" y="308770"/>
+              <a:ext cx="312760" cy="231770"/>
             </a:xfrm>
             <a:prstGeom prst="rect">
               <a:avLst/>
@@ -3852,12 +3690,3635 @@
           </p:txBody>
         </p:sp>
       </p:grpSp>
+      <mc:AlternateContent xmlns:mc="http://schemas.openxmlformats.org/markup-compatibility/2006">
+        <mc:Choice xmlns:a14="http://schemas.microsoft.com/office/drawing/2010/main" Requires="a14">
+          <p:graphicFrame>
+            <p:nvGraphicFramePr>
+              <p:cNvPr id="74" name="表 49">
+                <a:extLst>
+                  <a:ext uri="{FF2B5EF4-FFF2-40B4-BE49-F238E27FC236}">
+                    <a16:creationId xmlns:a16="http://schemas.microsoft.com/office/drawing/2014/main" id="{28A17ADB-D9F8-BA54-1BF0-12E8119846F0}"/>
+                  </a:ext>
+                </a:extLst>
+              </p:cNvPr>
+              <p:cNvGraphicFramePr>
+                <a:graphicFrameLocks noGrp="1"/>
+              </p:cNvGraphicFramePr>
+              <p:nvPr>
+                <p:extLst>
+                  <p:ext uri="{D42A27DB-BD31-4B8C-83A1-F6EECF244321}">
+                    <p14:modId xmlns:p14="http://schemas.microsoft.com/office/powerpoint/2010/main" val="1038677634"/>
+                  </p:ext>
+                </p:extLst>
+              </p:nvPr>
+            </p:nvGraphicFramePr>
+            <p:xfrm>
+              <a:off x="1160963" y="32693"/>
+              <a:ext cx="511200" cy="1658246"/>
+            </p:xfrm>
+            <a:graphic>
+              <a:graphicData uri="http://schemas.openxmlformats.org/drawingml/2006/table">
+                <a:tbl>
+                  <a:tblPr firstRow="1" bandRow="1">
+                    <a:tableStyleId>{2D5ABB26-0587-4C30-8999-92F81FD0307C}</a:tableStyleId>
+                  </a:tblPr>
+                  <a:tblGrid>
+                    <a:gridCol w="511200">
+                      <a:extLst>
+                        <a:ext uri="{9D8B030D-6E8A-4147-A177-3AD203B41FA5}">
+                          <a16:colId xmlns:a16="http://schemas.microsoft.com/office/drawing/2014/main" val="1391329631"/>
+                        </a:ext>
+                      </a:extLst>
+                    </a:gridCol>
+                  </a:tblGrid>
+                  <a:tr h="86297">
+                    <a:tc>
+                      <a:txBody>
+                        <a:bodyPr/>
+                        <a:lstStyle/>
+                        <a:p>
+                          <a:pPr algn="ctr"/>
+                          <a:r>
+                            <a:rPr kumimoji="1" lang="en-US" altLang="ja-JP" sz="700" dirty="0">
+                              <a:latin typeface="Cambria Math" panose="02040503050406030204" pitchFamily="18" charset="0"/>
+                            </a:rPr>
+                            <a:t>Header</a:t>
+                          </a:r>
+                          <a:endParaRPr kumimoji="1" lang="ja-JP" altLang="en-US" sz="700" dirty="0">
+                            <a:latin typeface="Cambria Math" panose="02040503050406030204" pitchFamily="18" charset="0"/>
+                          </a:endParaRPr>
+                        </a:p>
+                      </a:txBody>
+                      <a:tcPr marL="18226" marR="18226" marT="9113" marB="9113" anchor="ctr">
+                        <a:lnL w="12700" cap="flat" cmpd="sng" algn="ctr">
+                          <a:solidFill>
+                            <a:schemeClr val="tx1"/>
+                          </a:solidFill>
+                          <a:prstDash val="solid"/>
+                          <a:round/>
+                          <a:headEnd type="none" w="med" len="med"/>
+                          <a:tailEnd type="none" w="med" len="med"/>
+                        </a:lnL>
+                        <a:lnR w="12700" cap="flat" cmpd="sng" algn="ctr">
+                          <a:solidFill>
+                            <a:schemeClr val="tx1"/>
+                          </a:solidFill>
+                          <a:prstDash val="solid"/>
+                          <a:round/>
+                          <a:headEnd type="none" w="med" len="med"/>
+                          <a:tailEnd type="none" w="med" len="med"/>
+                        </a:lnR>
+                        <a:lnT w="12700" cap="flat" cmpd="sng" algn="ctr">
+                          <a:solidFill>
+                            <a:schemeClr val="tx1"/>
+                          </a:solidFill>
+                          <a:prstDash val="solid"/>
+                          <a:round/>
+                          <a:headEnd type="none" w="med" len="med"/>
+                          <a:tailEnd type="none" w="med" len="med"/>
+                        </a:lnT>
+                        <a:lnB w="9525" cap="flat" cmpd="sng" algn="ctr">
+                          <a:solidFill>
+                            <a:schemeClr val="tx1"/>
+                          </a:solidFill>
+                          <a:prstDash val="solid"/>
+                          <a:round/>
+                          <a:headEnd type="none" w="med" len="med"/>
+                          <a:tailEnd type="none" w="med" len="med"/>
+                        </a:lnB>
+                        <a:solidFill>
+                          <a:schemeClr val="bg1"/>
+                        </a:solidFill>
+                      </a:tcPr>
+                    </a:tc>
+                    <a:extLst>
+                      <a:ext uri="{0D108BD9-81ED-4DB2-BD59-A6C34878D82A}">
+                        <a16:rowId xmlns:a16="http://schemas.microsoft.com/office/drawing/2014/main" val="3783925622"/>
+                      </a:ext>
+                    </a:extLst>
+                  </a:tr>
+                  <a:tr h="160002">
+                    <a:tc>
+                      <a:txBody>
+                        <a:bodyPr/>
+                        <a:lstStyle/>
+                        <a:p>
+                          <a:pPr algn="ctr"/>
+                          <a:r>
+                            <a:rPr kumimoji="1" lang="en-US" altLang="ja-JP" sz="700" dirty="0">
+                              <a:latin typeface="Cambria Math" panose="02040503050406030204" pitchFamily="18" charset="0"/>
+                              <a:ea typeface="Cambria Math" panose="02040503050406030204" pitchFamily="18" charset="0"/>
+                            </a:rPr>
+                            <a:t>Metadata</a:t>
+                          </a:r>
+                          <a:endParaRPr kumimoji="1" lang="ja-JP" altLang="en-US" sz="700" dirty="0">
+                            <a:latin typeface="Cambria Math" panose="02040503050406030204" pitchFamily="18" charset="0"/>
+                          </a:endParaRPr>
+                        </a:p>
+                      </a:txBody>
+                      <a:tcPr marL="18226" marR="18226" marT="9113" marB="9113" anchor="ctr">
+                        <a:lnL w="12700" cap="flat" cmpd="sng" algn="ctr">
+                          <a:solidFill>
+                            <a:schemeClr val="tx1"/>
+                          </a:solidFill>
+                          <a:prstDash val="solid"/>
+                          <a:round/>
+                          <a:headEnd type="none" w="med" len="med"/>
+                          <a:tailEnd type="none" w="med" len="med"/>
+                        </a:lnL>
+                        <a:lnR w="12700" cap="flat" cmpd="sng" algn="ctr">
+                          <a:solidFill>
+                            <a:schemeClr val="tx1"/>
+                          </a:solidFill>
+                          <a:prstDash val="solid"/>
+                          <a:round/>
+                          <a:headEnd type="none" w="med" len="med"/>
+                          <a:tailEnd type="none" w="med" len="med"/>
+                        </a:lnR>
+                        <a:lnT w="9525" cap="flat" cmpd="sng" algn="ctr">
+                          <a:solidFill>
+                            <a:schemeClr val="tx1"/>
+                          </a:solidFill>
+                          <a:prstDash val="solid"/>
+                          <a:round/>
+                          <a:headEnd type="none" w="med" len="med"/>
+                          <a:tailEnd type="none" w="med" len="med"/>
+                        </a:lnT>
+                        <a:solidFill>
+                          <a:schemeClr val="bg1"/>
+                        </a:solidFill>
+                      </a:tcPr>
+                    </a:tc>
+                    <a:extLst>
+                      <a:ext uri="{0D108BD9-81ED-4DB2-BD59-A6C34878D82A}">
+                        <a16:rowId xmlns:a16="http://schemas.microsoft.com/office/drawing/2014/main" val="2244812955"/>
+                      </a:ext>
+                    </a:extLst>
+                  </a:tr>
+                  <a:tr h="109460">
+                    <a:tc>
+                      <a:txBody>
+                        <a:bodyPr/>
+                        <a:lstStyle/>
+                        <a:p>
+                          <a:pPr algn="ctr"/>
+                          <a:r>
+                            <a:rPr kumimoji="1" lang="en-US" altLang="ja-JP" sz="700" dirty="0">
+                              <a:latin typeface="Cambria Math" panose="02040503050406030204" pitchFamily="18" charset="0"/>
+                              <a:ea typeface="Cambria Math" panose="02040503050406030204" pitchFamily="18" charset="0"/>
+                            </a:rPr>
+                            <a:t>...</a:t>
+                          </a:r>
+                          <a:endParaRPr kumimoji="1" lang="ja-JP" altLang="en-US" sz="700" dirty="0">
+                            <a:latin typeface="Cambria Math" panose="02040503050406030204" pitchFamily="18" charset="0"/>
+                          </a:endParaRPr>
+                        </a:p>
+                      </a:txBody>
+                      <a:tcPr marL="18226" marR="18226" marT="9113" marB="9113" anchor="ctr">
+                        <a:lnL w="12700" cap="flat" cmpd="sng" algn="ctr">
+                          <a:solidFill>
+                            <a:schemeClr val="tx1"/>
+                          </a:solidFill>
+                          <a:prstDash val="solid"/>
+                          <a:round/>
+                          <a:headEnd type="none" w="med" len="med"/>
+                          <a:tailEnd type="none" w="med" len="med"/>
+                        </a:lnL>
+                        <a:lnR w="12700" cap="flat" cmpd="sng" algn="ctr">
+                          <a:solidFill>
+                            <a:schemeClr val="tx1"/>
+                          </a:solidFill>
+                          <a:prstDash val="solid"/>
+                          <a:round/>
+                          <a:headEnd type="none" w="med" len="med"/>
+                          <a:tailEnd type="none" w="med" len="med"/>
+                        </a:lnR>
+                        <a:lnB w="9525" cap="flat" cmpd="sng" algn="ctr">
+                          <a:solidFill>
+                            <a:schemeClr val="tx1"/>
+                          </a:solidFill>
+                          <a:prstDash val="sysDot"/>
+                          <a:round/>
+                          <a:headEnd type="none" w="med" len="med"/>
+                          <a:tailEnd type="none" w="med" len="med"/>
+                        </a:lnB>
+                        <a:solidFill>
+                          <a:schemeClr val="bg1"/>
+                        </a:solidFill>
+                      </a:tcPr>
+                    </a:tc>
+                    <a:extLst>
+                      <a:ext uri="{0D108BD9-81ED-4DB2-BD59-A6C34878D82A}">
+                        <a16:rowId xmlns:a16="http://schemas.microsoft.com/office/drawing/2014/main" val="1930659369"/>
+                      </a:ext>
+                    </a:extLst>
+                  </a:tr>
+                  <a:tr h="86297">
+                    <a:tc>
+                      <a:txBody>
+                        <a:bodyPr/>
+                        <a:lstStyle/>
+                        <a:p>
+                          <a:pPr algn="ctr"/>
+                          <a:r>
+                            <a:rPr kumimoji="1" lang="en-US" altLang="ja-JP" sz="700" dirty="0">
+                              <a:latin typeface="Cambria Math" panose="02040503050406030204" pitchFamily="18" charset="0"/>
+                            </a:rPr>
+                            <a:t>...</a:t>
+                          </a:r>
+                          <a:endParaRPr kumimoji="1" lang="ja-JP" altLang="en-US" sz="700" dirty="0">
+                            <a:latin typeface="Cambria Math" panose="02040503050406030204" pitchFamily="18" charset="0"/>
+                          </a:endParaRPr>
+                        </a:p>
+                      </a:txBody>
+                      <a:tcPr marL="18226" marR="18226" marT="9113" marB="9113" anchor="ctr">
+                        <a:lnL w="12700" cap="flat" cmpd="sng" algn="ctr">
+                          <a:solidFill>
+                            <a:schemeClr val="tx1"/>
+                          </a:solidFill>
+                          <a:prstDash val="solid"/>
+                          <a:round/>
+                          <a:headEnd type="none" w="med" len="med"/>
+                          <a:tailEnd type="none" w="med" len="med"/>
+                        </a:lnL>
+                        <a:lnR w="12700" cap="flat" cmpd="sng" algn="ctr">
+                          <a:solidFill>
+                            <a:schemeClr val="tx1"/>
+                          </a:solidFill>
+                          <a:prstDash val="solid"/>
+                          <a:round/>
+                          <a:headEnd type="none" w="med" len="med"/>
+                          <a:tailEnd type="none" w="med" len="med"/>
+                        </a:lnR>
+                        <a:lnT w="9525" cap="flat" cmpd="sng" algn="ctr">
+                          <a:solidFill>
+                            <a:schemeClr val="tx1"/>
+                          </a:solidFill>
+                          <a:prstDash val="sysDot"/>
+                          <a:round/>
+                          <a:headEnd type="none" w="med" len="med"/>
+                          <a:tailEnd type="none" w="med" len="med"/>
+                        </a:lnT>
+                        <a:lnB w="12700" cap="flat" cmpd="sng" algn="ctr">
+                          <a:noFill/>
+                          <a:prstDash val="solid"/>
+                          <a:round/>
+                          <a:headEnd type="none" w="med" len="med"/>
+                          <a:tailEnd type="none" w="med" len="med"/>
+                        </a:lnB>
+                        <a:solidFill>
+                          <a:schemeClr val="bg1"/>
+                        </a:solidFill>
+                      </a:tcPr>
+                    </a:tc>
+                    <a:extLst>
+                      <a:ext uri="{0D108BD9-81ED-4DB2-BD59-A6C34878D82A}">
+                        <a16:rowId xmlns:a16="http://schemas.microsoft.com/office/drawing/2014/main" val="4212267831"/>
+                      </a:ext>
+                    </a:extLst>
+                  </a:tr>
+                  <a:tr h="86297">
+                    <a:tc>
+                      <a:txBody>
+                        <a:bodyPr/>
+                        <a:lstStyle/>
+                        <a:p>
+                          <a:pPr algn="ctr"/>
+                          <a:r>
+                            <a:rPr kumimoji="1" lang="en-US" altLang="ja-JP" sz="700" dirty="0">
+                              <a:latin typeface="Cambria Math" panose="02040503050406030204" pitchFamily="18" charset="0"/>
+                            </a:rPr>
+                            <a:t>Record</a:t>
+                          </a:r>
+                          <a:endParaRPr kumimoji="1" lang="ja-JP" altLang="en-US" sz="700" dirty="0">
+                            <a:latin typeface="Cambria Math" panose="02040503050406030204" pitchFamily="18" charset="0"/>
+                          </a:endParaRPr>
+                        </a:p>
+                      </a:txBody>
+                      <a:tcPr marL="18226" marR="18226" marT="9113" marB="9113" anchor="ctr">
+                        <a:lnL w="12700" cap="flat" cmpd="sng" algn="ctr">
+                          <a:solidFill>
+                            <a:schemeClr val="tx1"/>
+                          </a:solidFill>
+                          <a:prstDash val="solid"/>
+                          <a:round/>
+                          <a:headEnd type="none" w="med" len="med"/>
+                          <a:tailEnd type="none" w="med" len="med"/>
+                        </a:lnL>
+                        <a:lnR w="12700" cap="flat" cmpd="sng" algn="ctr">
+                          <a:solidFill>
+                            <a:schemeClr val="tx1"/>
+                          </a:solidFill>
+                          <a:prstDash val="solid"/>
+                          <a:round/>
+                          <a:headEnd type="none" w="med" len="med"/>
+                          <a:tailEnd type="none" w="med" len="med"/>
+                        </a:lnR>
+                        <a:lnT w="12700" cap="flat" cmpd="sng" algn="ctr">
+                          <a:noFill/>
+                          <a:prstDash val="solid"/>
+                          <a:round/>
+                          <a:headEnd type="none" w="med" len="med"/>
+                          <a:tailEnd type="none" w="med" len="med"/>
+                        </a:lnT>
+                        <a:lnB w="9525" cap="flat" cmpd="sng" algn="ctr">
+                          <a:solidFill>
+                            <a:schemeClr val="tx1"/>
+                          </a:solidFill>
+                          <a:prstDash val="solid"/>
+                          <a:round/>
+                          <a:headEnd type="none" w="med" len="med"/>
+                          <a:tailEnd type="none" w="med" len="med"/>
+                        </a:lnB>
+                        <a:solidFill>
+                          <a:schemeClr val="bg1"/>
+                        </a:solidFill>
+                      </a:tcPr>
+                    </a:tc>
+                    <a:extLst>
+                      <a:ext uri="{0D108BD9-81ED-4DB2-BD59-A6C34878D82A}">
+                        <a16:rowId xmlns:a16="http://schemas.microsoft.com/office/drawing/2014/main" val="77431627"/>
+                      </a:ext>
+                    </a:extLst>
+                  </a:tr>
+                  <a:tr h="86297">
+                    <a:tc>
+                      <a:txBody>
+                        <a:bodyPr/>
+                        <a:lstStyle/>
+                        <a:p>
+                          <a:pPr marL="0" marR="0" lvl="0" indent="0" algn="ctr" defTabSz="191934" rtl="0" eaLnBrk="1" fontAlgn="auto" latinLnBrk="0" hangingPunct="1">
+                            <a:lnSpc>
+                              <a:spcPct val="100000"/>
+                            </a:lnSpc>
+                            <a:spcBef>
+                              <a:spcPts val="0"/>
+                            </a:spcBef>
+                            <a:spcAft>
+                              <a:spcPts val="0"/>
+                            </a:spcAft>
+                            <a:buClrTx/>
+                            <a:buSzTx/>
+                            <a:buFontTx/>
+                            <a:buNone/>
+                            <a:tabLst/>
+                            <a:defRPr/>
+                          </a:pPr>
+                          <a14:m>
+                            <m:oMath xmlns:m="http://schemas.openxmlformats.org/officeDocument/2006/math">
+                              <m:r>
+                                <m:rPr>
+                                  <m:sty m:val="p"/>
+                                </m:rPr>
+                                <a:rPr kumimoji="1" lang="en-US" altLang="ja-JP" sz="700" b="0" i="0" smtClean="0">
+                                  <a:solidFill>
+                                    <a:schemeClr val="tx1"/>
+                                  </a:solidFill>
+                                  <a:latin typeface="Cambria Math" panose="02040503050406030204" pitchFamily="18" charset="0"/>
+                                </a:rPr>
+                                <m:t>Δ</m:t>
+                              </m:r>
+                            </m:oMath>
+                          </a14:m>
+                          <a:r>
+                            <a:rPr kumimoji="1" lang="ja-JP" altLang="en-US" sz="700" dirty="0">
+                              <a:latin typeface="Cambria Math" panose="02040503050406030204" pitchFamily="18" charset="0"/>
+                            </a:rPr>
+                            <a:t> </a:t>
+                          </a:r>
+                          <a:r>
+                            <a:rPr kumimoji="1" lang="en-US" altLang="ja-JP" sz="700" dirty="0">
+                              <a:latin typeface="Cambria Math" panose="02040503050406030204" pitchFamily="18" charset="0"/>
+                            </a:rPr>
+                            <a:t>record</a:t>
+                          </a:r>
+                          <a:endParaRPr kumimoji="1" lang="ja-JP" altLang="en-US" sz="700" dirty="0">
+                            <a:solidFill>
+                              <a:schemeClr val="accent1"/>
+                            </a:solidFill>
+                            <a:latin typeface="Cambria Math" panose="02040503050406030204" pitchFamily="18" charset="0"/>
+                          </a:endParaRPr>
+                        </a:p>
+                      </a:txBody>
+                      <a:tcPr marL="18226" marR="18226" marT="9113" marB="9113" anchor="ctr">
+                        <a:lnL w="12700" cap="flat" cmpd="sng" algn="ctr">
+                          <a:solidFill>
+                            <a:schemeClr val="tx1"/>
+                          </a:solidFill>
+                          <a:prstDash val="solid"/>
+                          <a:round/>
+                          <a:headEnd type="none" w="med" len="med"/>
+                          <a:tailEnd type="none" w="med" len="med"/>
+                        </a:lnL>
+                        <a:lnR w="12700" cap="flat" cmpd="sng" algn="ctr">
+                          <a:solidFill>
+                            <a:schemeClr val="tx1"/>
+                          </a:solidFill>
+                          <a:prstDash val="solid"/>
+                          <a:round/>
+                          <a:headEnd type="none" w="med" len="med"/>
+                          <a:tailEnd type="none" w="med" len="med"/>
+                        </a:lnR>
+                        <a:lnT w="9525" cap="flat" cmpd="sng" algn="ctr">
+                          <a:solidFill>
+                            <a:schemeClr val="tx1"/>
+                          </a:solidFill>
+                          <a:prstDash val="solid"/>
+                          <a:round/>
+                          <a:headEnd type="none" w="med" len="med"/>
+                          <a:tailEnd type="none" w="med" len="med"/>
+                        </a:lnT>
+                        <a:lnB w="9525" cap="flat" cmpd="sng" algn="ctr">
+                          <a:noFill/>
+                          <a:prstDash val="sysDot"/>
+                          <a:round/>
+                          <a:headEnd type="none" w="med" len="med"/>
+                          <a:tailEnd type="none" w="med" len="med"/>
+                        </a:lnB>
+                        <a:solidFill>
+                          <a:schemeClr val="bg1"/>
+                        </a:solidFill>
+                      </a:tcPr>
+                    </a:tc>
+                    <a:extLst>
+                      <a:ext uri="{0D108BD9-81ED-4DB2-BD59-A6C34878D82A}">
+                        <a16:rowId xmlns:a16="http://schemas.microsoft.com/office/drawing/2014/main" val="380398867"/>
+                      </a:ext>
+                    </a:extLst>
+                  </a:tr>
+                  <a:tr h="160002">
+                    <a:tc>
+                      <a:txBody>
+                        <a:bodyPr/>
+                        <a:lstStyle/>
+                        <a:p>
+                          <a:pPr marL="0" marR="0" lvl="0" indent="0" algn="ctr" defTabSz="191934" rtl="0" eaLnBrk="1" fontAlgn="auto" latinLnBrk="0" hangingPunct="1">
+                            <a:lnSpc>
+                              <a:spcPct val="100000"/>
+                            </a:lnSpc>
+                            <a:spcBef>
+                              <a:spcPts val="0"/>
+                            </a:spcBef>
+                            <a:spcAft>
+                              <a:spcPts val="0"/>
+                            </a:spcAft>
+                            <a:buClrTx/>
+                            <a:buSzTx/>
+                            <a:buFontTx/>
+                            <a:buNone/>
+                            <a:tabLst/>
+                            <a:defRPr/>
+                          </a:pPr>
+                          <a14:m>
+                            <m:oMath xmlns:m="http://schemas.openxmlformats.org/officeDocument/2006/math">
+                              <m:r>
+                                <m:rPr>
+                                  <m:sty m:val="p"/>
+                                </m:rPr>
+                                <a:rPr kumimoji="1" lang="en-US" altLang="ja-JP" sz="700" b="0" i="0" smtClean="0">
+                                  <a:solidFill>
+                                    <a:schemeClr val="accent2"/>
+                                  </a:solidFill>
+                                  <a:latin typeface="Cambria Math" panose="02040503050406030204" pitchFamily="18" charset="0"/>
+                                </a:rPr>
+                                <m:t>Δ</m:t>
+                              </m:r>
+                            </m:oMath>
+                          </a14:m>
+                          <a:r>
+                            <a:rPr kumimoji="1" lang="ja-JP" altLang="en-US" sz="700" dirty="0">
+                              <a:solidFill>
+                                <a:schemeClr val="accent2"/>
+                              </a:solidFill>
+                              <a:latin typeface="Cambria Math" panose="02040503050406030204" pitchFamily="18" charset="0"/>
+                            </a:rPr>
+                            <a:t> </a:t>
+                          </a:r>
+                          <a:r>
+                            <a:rPr kumimoji="1" lang="en-US" altLang="ja-JP" sz="700" dirty="0">
+                              <a:solidFill>
+                                <a:schemeClr val="accent2"/>
+                              </a:solidFill>
+                              <a:latin typeface="Cambria Math" panose="02040503050406030204" pitchFamily="18" charset="0"/>
+                            </a:rPr>
+                            <a:t>record’</a:t>
+                          </a:r>
+                          <a:endParaRPr kumimoji="1" lang="ja-JP" altLang="en-US" sz="700" dirty="0">
+                            <a:solidFill>
+                              <a:schemeClr val="accent2"/>
+                            </a:solidFill>
+                            <a:latin typeface="Cambria Math" panose="02040503050406030204" pitchFamily="18" charset="0"/>
+                          </a:endParaRPr>
+                        </a:p>
+                      </a:txBody>
+                      <a:tcPr marL="18226" marR="18226" marT="9113" marB="9113" anchor="ctr">
+                        <a:lnL w="12700" cap="flat" cmpd="sng" algn="ctr">
+                          <a:solidFill>
+                            <a:schemeClr val="tx1"/>
+                          </a:solidFill>
+                          <a:prstDash val="solid"/>
+                          <a:round/>
+                          <a:headEnd type="none" w="med" len="med"/>
+                          <a:tailEnd type="none" w="med" len="med"/>
+                        </a:lnL>
+                        <a:lnR w="12700" cap="flat" cmpd="sng" algn="ctr">
+                          <a:solidFill>
+                            <a:schemeClr val="tx1"/>
+                          </a:solidFill>
+                          <a:prstDash val="solid"/>
+                          <a:round/>
+                          <a:headEnd type="none" w="med" len="med"/>
+                          <a:tailEnd type="none" w="med" len="med"/>
+                        </a:lnR>
+                        <a:lnT w="9525" cap="flat" cmpd="sng" algn="ctr">
+                          <a:noFill/>
+                          <a:prstDash val="sysDot"/>
+                          <a:round/>
+                          <a:headEnd type="none" w="med" len="med"/>
+                          <a:tailEnd type="none" w="med" len="med"/>
+                        </a:lnT>
+                        <a:lnB w="9525" cap="flat" cmpd="sng" algn="ctr">
+                          <a:solidFill>
+                            <a:schemeClr val="tx1"/>
+                          </a:solidFill>
+                          <a:prstDash val="sysDot"/>
+                          <a:round/>
+                          <a:headEnd type="none" w="med" len="med"/>
+                          <a:tailEnd type="none" w="med" len="med"/>
+                        </a:lnB>
+                        <a:solidFill>
+                          <a:schemeClr val="accent2">
+                            <a:lumMod val="20000"/>
+                            <a:lumOff val="80000"/>
+                          </a:schemeClr>
+                        </a:solidFill>
+                      </a:tcPr>
+                    </a:tc>
+                    <a:extLst>
+                      <a:ext uri="{0D108BD9-81ED-4DB2-BD59-A6C34878D82A}">
+                        <a16:rowId xmlns:a16="http://schemas.microsoft.com/office/drawing/2014/main" val="3448383632"/>
+                      </a:ext>
+                    </a:extLst>
+                  </a:tr>
+                  <a:tr h="160002">
+                    <a:tc>
+                      <a:txBody>
+                        <a:bodyPr/>
+                        <a:lstStyle/>
+                        <a:p>
+                          <a:pPr algn="ctr"/>
+                          <a:r>
+                            <a:rPr kumimoji="1" lang="en-US" altLang="ja-JP" sz="700" dirty="0">
+                              <a:latin typeface="Cambria Math" panose="02040503050406030204" pitchFamily="18" charset="0"/>
+                            </a:rPr>
+                            <a:t>Free space</a:t>
+                          </a:r>
+                          <a:endParaRPr kumimoji="1" lang="ja-JP" altLang="en-US" sz="700" dirty="0">
+                            <a:latin typeface="Cambria Math" panose="02040503050406030204" pitchFamily="18" charset="0"/>
+                          </a:endParaRPr>
+                        </a:p>
+                      </a:txBody>
+                      <a:tcPr marL="18226" marR="18226" marT="9113" marB="9113" anchor="ctr">
+                        <a:lnL w="12700" cap="flat" cmpd="sng" algn="ctr">
+                          <a:solidFill>
+                            <a:schemeClr val="tx1"/>
+                          </a:solidFill>
+                          <a:prstDash val="solid"/>
+                          <a:round/>
+                          <a:headEnd type="none" w="med" len="med"/>
+                          <a:tailEnd type="none" w="med" len="med"/>
+                        </a:lnL>
+                        <a:lnR w="12700" cap="flat" cmpd="sng" algn="ctr">
+                          <a:solidFill>
+                            <a:schemeClr val="tx1"/>
+                          </a:solidFill>
+                          <a:prstDash val="solid"/>
+                          <a:round/>
+                          <a:headEnd type="none" w="med" len="med"/>
+                          <a:tailEnd type="none" w="med" len="med"/>
+                        </a:lnR>
+                        <a:lnT w="9525" cap="flat" cmpd="sng" algn="ctr">
+                          <a:solidFill>
+                            <a:schemeClr val="tx1"/>
+                          </a:solidFill>
+                          <a:prstDash val="sysDot"/>
+                          <a:round/>
+                          <a:headEnd type="none" w="med" len="med"/>
+                          <a:tailEnd type="none" w="med" len="med"/>
+                        </a:lnT>
+                        <a:lnB w="9525" cap="flat" cmpd="sng" algn="ctr">
+                          <a:solidFill>
+                            <a:schemeClr val="tx1"/>
+                          </a:solidFill>
+                          <a:prstDash val="sysDot"/>
+                          <a:round/>
+                          <a:headEnd type="none" w="med" len="med"/>
+                          <a:tailEnd type="none" w="med" len="med"/>
+                        </a:lnB>
+                        <a:solidFill>
+                          <a:schemeClr val="bg1"/>
+                        </a:solidFill>
+                      </a:tcPr>
+                    </a:tc>
+                    <a:extLst>
+                      <a:ext uri="{0D108BD9-81ED-4DB2-BD59-A6C34878D82A}">
+                        <a16:rowId xmlns:a16="http://schemas.microsoft.com/office/drawing/2014/main" val="1611505625"/>
+                      </a:ext>
+                    </a:extLst>
+                  </a:tr>
+                  <a:tr h="160002">
+                    <a:tc>
+                      <a:txBody>
+                        <a:bodyPr/>
+                        <a:lstStyle/>
+                        <a:p>
+                          <a:pPr marL="0" marR="0" lvl="0" indent="0" algn="ctr" defTabSz="239981" rtl="0" eaLnBrk="1" fontAlgn="auto" latinLnBrk="0" hangingPunct="1">
+                            <a:lnSpc>
+                              <a:spcPct val="100000"/>
+                            </a:lnSpc>
+                            <a:spcBef>
+                              <a:spcPts val="0"/>
+                            </a:spcBef>
+                            <a:spcAft>
+                              <a:spcPts val="0"/>
+                            </a:spcAft>
+                            <a:buClrTx/>
+                            <a:buSzTx/>
+                            <a:buFontTx/>
+                            <a:buNone/>
+                            <a:tabLst/>
+                            <a:defRPr/>
+                          </a:pPr>
+                          <a:r>
+                            <a:rPr kumimoji="1" lang="en-US" altLang="ja-JP" sz="700" dirty="0">
+                              <a:solidFill>
+                                <a:schemeClr val="accent2"/>
+                              </a:solidFill>
+                              <a:latin typeface="Cambria Math" panose="02040503050406030204" pitchFamily="18" charset="0"/>
+                            </a:rPr>
+                            <a:t>Zero filled</a:t>
+                          </a:r>
+                          <a:endParaRPr kumimoji="1" lang="ja-JP" altLang="en-US" sz="700" dirty="0">
+                            <a:solidFill>
+                              <a:schemeClr val="accent2"/>
+                            </a:solidFill>
+                            <a:latin typeface="Cambria Math" panose="02040503050406030204" pitchFamily="18" charset="0"/>
+                          </a:endParaRPr>
+                        </a:p>
+                      </a:txBody>
+                      <a:tcPr marL="18226" marR="18226" marT="9113" marB="9113" anchor="ctr">
+                        <a:lnL w="12700" cap="flat" cmpd="sng" algn="ctr">
+                          <a:solidFill>
+                            <a:schemeClr val="tx1"/>
+                          </a:solidFill>
+                          <a:prstDash val="solid"/>
+                          <a:round/>
+                          <a:headEnd type="none" w="med" len="med"/>
+                          <a:tailEnd type="none" w="med" len="med"/>
+                        </a:lnL>
+                        <a:lnR w="12700" cap="flat" cmpd="sng" algn="ctr">
+                          <a:solidFill>
+                            <a:schemeClr val="tx1"/>
+                          </a:solidFill>
+                          <a:prstDash val="solid"/>
+                          <a:round/>
+                          <a:headEnd type="none" w="med" len="med"/>
+                          <a:tailEnd type="none" w="med" len="med"/>
+                        </a:lnR>
+                        <a:lnT w="9525" cap="flat" cmpd="sng" algn="ctr">
+                          <a:solidFill>
+                            <a:schemeClr val="tx1"/>
+                          </a:solidFill>
+                          <a:prstDash val="sysDot"/>
+                          <a:round/>
+                          <a:headEnd type="none" w="med" len="med"/>
+                          <a:tailEnd type="none" w="med" len="med"/>
+                        </a:lnT>
+                        <a:lnB w="9525" cap="flat" cmpd="sng" algn="ctr">
+                          <a:noFill/>
+                          <a:prstDash val="sysDot"/>
+                          <a:round/>
+                          <a:headEnd type="none" w="med" len="med"/>
+                          <a:tailEnd type="none" w="med" len="med"/>
+                        </a:lnB>
+                        <a:solidFill>
+                          <a:schemeClr val="accent2">
+                            <a:lumMod val="20000"/>
+                            <a:lumOff val="80000"/>
+                          </a:schemeClr>
+                        </a:solidFill>
+                      </a:tcPr>
+                    </a:tc>
+                    <a:extLst>
+                      <a:ext uri="{0D108BD9-81ED-4DB2-BD59-A6C34878D82A}">
+                        <a16:rowId xmlns:a16="http://schemas.microsoft.com/office/drawing/2014/main" val="726720701"/>
+                      </a:ext>
+                    </a:extLst>
+                  </a:tr>
+                  <a:tr h="233706">
+                    <a:tc>
+                      <a:txBody>
+                        <a:bodyPr/>
+                        <a:lstStyle/>
+                        <a:p>
+                          <a:pPr algn="ctr"/>
+                          <a14:m>
+                            <m:oMath xmlns:m="http://schemas.openxmlformats.org/officeDocument/2006/math">
+                              <m:r>
+                                <m:rPr>
+                                  <m:sty m:val="p"/>
+                                </m:rPr>
+                                <a:rPr kumimoji="1" lang="en-US" altLang="ja-JP" sz="700" b="0" i="0" smtClean="0">
+                                  <a:solidFill>
+                                    <a:schemeClr val="tx1"/>
+                                  </a:solidFill>
+                                  <a:latin typeface="Cambria Math" panose="02040503050406030204" pitchFamily="18" charset="0"/>
+                                </a:rPr>
+                                <m:t>Δ</m:t>
+                              </m:r>
+                            </m:oMath>
+                          </a14:m>
+                          <a:r>
+                            <a:rPr kumimoji="1" lang="ja-JP" altLang="en-US" sz="700" dirty="0">
+                              <a:latin typeface="Cambria Math" panose="02040503050406030204" pitchFamily="18" charset="0"/>
+                            </a:rPr>
+                            <a:t> </a:t>
+                          </a:r>
+                          <a:r>
+                            <a:rPr kumimoji="1" lang="en-US" altLang="ja-JP" sz="700" dirty="0">
+                              <a:latin typeface="Cambria Math" panose="02040503050406030204" pitchFamily="18" charset="0"/>
+                            </a:rPr>
+                            <a:t>metadata</a:t>
+                          </a:r>
+                          <a:endParaRPr kumimoji="1" lang="ja-JP" altLang="en-US" sz="700" dirty="0">
+                            <a:latin typeface="Cambria Math" panose="02040503050406030204" pitchFamily="18" charset="0"/>
+                          </a:endParaRPr>
+                        </a:p>
+                      </a:txBody>
+                      <a:tcPr marL="18226" marR="18226" marT="9113" marB="9113" anchor="ctr">
+                        <a:lnL w="12700" cap="flat" cmpd="sng" algn="ctr">
+                          <a:solidFill>
+                            <a:schemeClr val="tx1"/>
+                          </a:solidFill>
+                          <a:prstDash val="solid"/>
+                          <a:round/>
+                          <a:headEnd type="none" w="med" len="med"/>
+                          <a:tailEnd type="none" w="med" len="med"/>
+                        </a:lnL>
+                        <a:lnR w="12700" cap="flat" cmpd="sng" algn="ctr">
+                          <a:solidFill>
+                            <a:schemeClr val="tx1"/>
+                          </a:solidFill>
+                          <a:prstDash val="solid"/>
+                          <a:round/>
+                          <a:headEnd type="none" w="med" len="med"/>
+                          <a:tailEnd type="none" w="med" len="med"/>
+                        </a:lnR>
+                        <a:lnT w="9525" cap="flat" cmpd="sng" algn="ctr">
+                          <a:noFill/>
+                          <a:prstDash val="sysDot"/>
+                          <a:round/>
+                          <a:headEnd type="none" w="med" len="med"/>
+                          <a:tailEnd type="none" w="med" len="med"/>
+                        </a:lnT>
+                        <a:lnB w="9525" cap="flat" cmpd="sng" algn="ctr">
+                          <a:solidFill>
+                            <a:schemeClr val="tx1"/>
+                          </a:solidFill>
+                          <a:prstDash val="solid"/>
+                          <a:round/>
+                          <a:headEnd type="none" w="med" len="med"/>
+                          <a:tailEnd type="none" w="med" len="med"/>
+                        </a:lnB>
+                        <a:solidFill>
+                          <a:schemeClr val="bg1"/>
+                        </a:solidFill>
+                      </a:tcPr>
+                    </a:tc>
+                    <a:extLst>
+                      <a:ext uri="{0D108BD9-81ED-4DB2-BD59-A6C34878D82A}">
+                        <a16:rowId xmlns:a16="http://schemas.microsoft.com/office/drawing/2014/main" val="2258706886"/>
+                      </a:ext>
+                    </a:extLst>
+                  </a:tr>
+                  <a:tr h="160002">
+                    <a:tc>
+                      <a:txBody>
+                        <a:bodyPr/>
+                        <a:lstStyle/>
+                        <a:p>
+                          <a:pPr algn="ctr"/>
+                          <a:r>
+                            <a:rPr kumimoji="1" lang="en-US" altLang="ja-JP" sz="700" dirty="0">
+                              <a:solidFill>
+                                <a:schemeClr val="tx1"/>
+                              </a:solidFill>
+                              <a:latin typeface="Cambria Math" panose="02040503050406030204" pitchFamily="18" charset="0"/>
+                            </a:rPr>
+                            <a:t>Status word’</a:t>
+                          </a:r>
+                          <a:endParaRPr kumimoji="1" lang="ja-JP" altLang="en-US" sz="700" dirty="0">
+                            <a:solidFill>
+                              <a:schemeClr val="tx1"/>
+                            </a:solidFill>
+                            <a:latin typeface="Cambria Math" panose="02040503050406030204" pitchFamily="18" charset="0"/>
+                          </a:endParaRPr>
+                        </a:p>
+                      </a:txBody>
+                      <a:tcPr marL="18226" marR="18226" marT="9113" marB="9113" anchor="ctr">
+                        <a:lnL w="12700" cap="flat" cmpd="sng" algn="ctr">
+                          <a:solidFill>
+                            <a:schemeClr val="tx1"/>
+                          </a:solidFill>
+                          <a:prstDash val="solid"/>
+                          <a:round/>
+                          <a:headEnd type="none" w="med" len="med"/>
+                          <a:tailEnd type="none" w="med" len="med"/>
+                        </a:lnL>
+                        <a:lnR w="12700" cap="flat" cmpd="sng" algn="ctr">
+                          <a:solidFill>
+                            <a:schemeClr val="tx1"/>
+                          </a:solidFill>
+                          <a:prstDash val="solid"/>
+                          <a:round/>
+                          <a:headEnd type="none" w="med" len="med"/>
+                          <a:tailEnd type="none" w="med" len="med"/>
+                        </a:lnR>
+                        <a:lnT w="9525" cap="flat" cmpd="sng" algn="ctr">
+                          <a:solidFill>
+                            <a:schemeClr val="tx1"/>
+                          </a:solidFill>
+                          <a:prstDash val="solid"/>
+                          <a:round/>
+                          <a:headEnd type="none" w="med" len="med"/>
+                          <a:tailEnd type="none" w="med" len="med"/>
+                        </a:lnT>
+                        <a:lnB w="12700" cap="flat" cmpd="sng" algn="ctr">
+                          <a:solidFill>
+                            <a:schemeClr val="tx1"/>
+                          </a:solidFill>
+                          <a:prstDash val="solid"/>
+                          <a:round/>
+                          <a:headEnd type="none" w="med" len="med"/>
+                          <a:tailEnd type="none" w="med" len="med"/>
+                        </a:lnB>
+                        <a:solidFill>
+                          <a:schemeClr val="bg1"/>
+                        </a:solidFill>
+                      </a:tcPr>
+                    </a:tc>
+                    <a:extLst>
+                      <a:ext uri="{0D108BD9-81ED-4DB2-BD59-A6C34878D82A}">
+                        <a16:rowId xmlns:a16="http://schemas.microsoft.com/office/drawing/2014/main" val="1683332274"/>
+                      </a:ext>
+                    </a:extLst>
+                  </a:tr>
+                </a:tbl>
+              </a:graphicData>
+            </a:graphic>
+          </p:graphicFrame>
+        </mc:Choice>
+        <mc:Fallback>
+          <p:graphicFrame>
+            <p:nvGraphicFramePr>
+              <p:cNvPr id="74" name="表 49">
+                <a:extLst>
+                  <a:ext uri="{FF2B5EF4-FFF2-40B4-BE49-F238E27FC236}">
+                    <a16:creationId xmlns:a16="http://schemas.microsoft.com/office/drawing/2014/main" id="{28A17ADB-D9F8-BA54-1BF0-12E8119846F0}"/>
+                  </a:ext>
+                </a:extLst>
+              </p:cNvPr>
+              <p:cNvGraphicFramePr>
+                <a:graphicFrameLocks noGrp="1"/>
+              </p:cNvGraphicFramePr>
+              <p:nvPr>
+                <p:extLst>
+                  <p:ext uri="{D42A27DB-BD31-4B8C-83A1-F6EECF244321}">
+                    <p14:modId xmlns:p14="http://schemas.microsoft.com/office/powerpoint/2010/main" val="1038677634"/>
+                  </p:ext>
+                </p:extLst>
+              </p:nvPr>
+            </p:nvGraphicFramePr>
+            <p:xfrm>
+              <a:off x="1160963" y="32693"/>
+              <a:ext cx="511200" cy="1658246"/>
+            </p:xfrm>
+            <a:graphic>
+              <a:graphicData uri="http://schemas.openxmlformats.org/drawingml/2006/table">
+                <a:tbl>
+                  <a:tblPr firstRow="1" bandRow="1">
+                    <a:tableStyleId>{2D5ABB26-0587-4C30-8999-92F81FD0307C}</a:tableStyleId>
+                  </a:tblPr>
+                  <a:tblGrid>
+                    <a:gridCol w="511200">
+                      <a:extLst>
+                        <a:ext uri="{9D8B030D-6E8A-4147-A177-3AD203B41FA5}">
+                          <a16:colId xmlns:a16="http://schemas.microsoft.com/office/drawing/2014/main" val="1391329631"/>
+                        </a:ext>
+                      </a:extLst>
+                    </a:gridCol>
+                  </a:tblGrid>
+                  <a:tr h="124906">
+                    <a:tc>
+                      <a:txBody>
+                        <a:bodyPr/>
+                        <a:lstStyle/>
+                        <a:p>
+                          <a:pPr algn="ctr"/>
+                          <a:r>
+                            <a:rPr kumimoji="1" lang="en-US" altLang="ja-JP" sz="700" dirty="0">
+                              <a:latin typeface="Cambria Math" panose="02040503050406030204" pitchFamily="18" charset="0"/>
+                            </a:rPr>
+                            <a:t>Header</a:t>
+                          </a:r>
+                          <a:endParaRPr kumimoji="1" lang="ja-JP" altLang="en-US" sz="700" dirty="0">
+                            <a:latin typeface="Cambria Math" panose="02040503050406030204" pitchFamily="18" charset="0"/>
+                          </a:endParaRPr>
+                        </a:p>
+                      </a:txBody>
+                      <a:tcPr marL="18226" marR="18226" marT="9113" marB="9113" anchor="ctr">
+                        <a:lnL w="12700" cap="flat" cmpd="sng" algn="ctr">
+                          <a:solidFill>
+                            <a:schemeClr val="tx1"/>
+                          </a:solidFill>
+                          <a:prstDash val="solid"/>
+                          <a:round/>
+                          <a:headEnd type="none" w="med" len="med"/>
+                          <a:tailEnd type="none" w="med" len="med"/>
+                        </a:lnL>
+                        <a:lnR w="12700" cap="flat" cmpd="sng" algn="ctr">
+                          <a:solidFill>
+                            <a:schemeClr val="tx1"/>
+                          </a:solidFill>
+                          <a:prstDash val="solid"/>
+                          <a:round/>
+                          <a:headEnd type="none" w="med" len="med"/>
+                          <a:tailEnd type="none" w="med" len="med"/>
+                        </a:lnR>
+                        <a:lnT w="12700" cap="flat" cmpd="sng" algn="ctr">
+                          <a:solidFill>
+                            <a:schemeClr val="tx1"/>
+                          </a:solidFill>
+                          <a:prstDash val="solid"/>
+                          <a:round/>
+                          <a:headEnd type="none" w="med" len="med"/>
+                          <a:tailEnd type="none" w="med" len="med"/>
+                        </a:lnT>
+                        <a:lnB w="9525" cap="flat" cmpd="sng" algn="ctr">
+                          <a:solidFill>
+                            <a:schemeClr val="tx1"/>
+                          </a:solidFill>
+                          <a:prstDash val="solid"/>
+                          <a:round/>
+                          <a:headEnd type="none" w="med" len="med"/>
+                          <a:tailEnd type="none" w="med" len="med"/>
+                        </a:lnB>
+                        <a:solidFill>
+                          <a:schemeClr val="bg1"/>
+                        </a:solidFill>
+                      </a:tcPr>
+                    </a:tc>
+                    <a:extLst>
+                      <a:ext uri="{0D108BD9-81ED-4DB2-BD59-A6C34878D82A}">
+                        <a16:rowId xmlns:a16="http://schemas.microsoft.com/office/drawing/2014/main" val="3783925622"/>
+                      </a:ext>
+                    </a:extLst>
+                  </a:tr>
+                  <a:tr h="160002">
+                    <a:tc>
+                      <a:txBody>
+                        <a:bodyPr/>
+                        <a:lstStyle/>
+                        <a:p>
+                          <a:pPr algn="ctr"/>
+                          <a:r>
+                            <a:rPr kumimoji="1" lang="en-US" altLang="ja-JP" sz="700" dirty="0">
+                              <a:latin typeface="Cambria Math" panose="02040503050406030204" pitchFamily="18" charset="0"/>
+                              <a:ea typeface="Cambria Math" panose="02040503050406030204" pitchFamily="18" charset="0"/>
+                            </a:rPr>
+                            <a:t>Metadata</a:t>
+                          </a:r>
+                          <a:endParaRPr kumimoji="1" lang="ja-JP" altLang="en-US" sz="700" dirty="0">
+                            <a:latin typeface="Cambria Math" panose="02040503050406030204" pitchFamily="18" charset="0"/>
+                          </a:endParaRPr>
+                        </a:p>
+                      </a:txBody>
+                      <a:tcPr marL="18226" marR="18226" marT="9113" marB="9113" anchor="ctr">
+                        <a:lnL w="12700" cap="flat" cmpd="sng" algn="ctr">
+                          <a:solidFill>
+                            <a:schemeClr val="tx1"/>
+                          </a:solidFill>
+                          <a:prstDash val="solid"/>
+                          <a:round/>
+                          <a:headEnd type="none" w="med" len="med"/>
+                          <a:tailEnd type="none" w="med" len="med"/>
+                        </a:lnL>
+                        <a:lnR w="12700" cap="flat" cmpd="sng" algn="ctr">
+                          <a:solidFill>
+                            <a:schemeClr val="tx1"/>
+                          </a:solidFill>
+                          <a:prstDash val="solid"/>
+                          <a:round/>
+                          <a:headEnd type="none" w="med" len="med"/>
+                          <a:tailEnd type="none" w="med" len="med"/>
+                        </a:lnR>
+                        <a:lnT w="9525" cap="flat" cmpd="sng" algn="ctr">
+                          <a:solidFill>
+                            <a:schemeClr val="tx1"/>
+                          </a:solidFill>
+                          <a:prstDash val="solid"/>
+                          <a:round/>
+                          <a:headEnd type="none" w="med" len="med"/>
+                          <a:tailEnd type="none" w="med" len="med"/>
+                        </a:lnT>
+                        <a:solidFill>
+                          <a:schemeClr val="bg1"/>
+                        </a:solidFill>
+                      </a:tcPr>
+                    </a:tc>
+                    <a:extLst>
+                      <a:ext uri="{0D108BD9-81ED-4DB2-BD59-A6C34878D82A}">
+                        <a16:rowId xmlns:a16="http://schemas.microsoft.com/office/drawing/2014/main" val="2244812955"/>
+                      </a:ext>
+                    </a:extLst>
+                  </a:tr>
+                  <a:tr h="124906">
+                    <a:tc>
+                      <a:txBody>
+                        <a:bodyPr/>
+                        <a:lstStyle/>
+                        <a:p>
+                          <a:pPr algn="ctr"/>
+                          <a:r>
+                            <a:rPr kumimoji="1" lang="en-US" altLang="ja-JP" sz="700" dirty="0">
+                              <a:latin typeface="Cambria Math" panose="02040503050406030204" pitchFamily="18" charset="0"/>
+                              <a:ea typeface="Cambria Math" panose="02040503050406030204" pitchFamily="18" charset="0"/>
+                            </a:rPr>
+                            <a:t>...</a:t>
+                          </a:r>
+                          <a:endParaRPr kumimoji="1" lang="ja-JP" altLang="en-US" sz="700" dirty="0">
+                            <a:latin typeface="Cambria Math" panose="02040503050406030204" pitchFamily="18" charset="0"/>
+                          </a:endParaRPr>
+                        </a:p>
+                      </a:txBody>
+                      <a:tcPr marL="18226" marR="18226" marT="9113" marB="9113" anchor="ctr">
+                        <a:lnL w="12700" cap="flat" cmpd="sng" algn="ctr">
+                          <a:solidFill>
+                            <a:schemeClr val="tx1"/>
+                          </a:solidFill>
+                          <a:prstDash val="solid"/>
+                          <a:round/>
+                          <a:headEnd type="none" w="med" len="med"/>
+                          <a:tailEnd type="none" w="med" len="med"/>
+                        </a:lnL>
+                        <a:lnR w="12700" cap="flat" cmpd="sng" algn="ctr">
+                          <a:solidFill>
+                            <a:schemeClr val="tx1"/>
+                          </a:solidFill>
+                          <a:prstDash val="solid"/>
+                          <a:round/>
+                          <a:headEnd type="none" w="med" len="med"/>
+                          <a:tailEnd type="none" w="med" len="med"/>
+                        </a:lnR>
+                        <a:lnB w="9525" cap="flat" cmpd="sng" algn="ctr">
+                          <a:solidFill>
+                            <a:schemeClr val="tx1"/>
+                          </a:solidFill>
+                          <a:prstDash val="sysDot"/>
+                          <a:round/>
+                          <a:headEnd type="none" w="med" len="med"/>
+                          <a:tailEnd type="none" w="med" len="med"/>
+                        </a:lnB>
+                        <a:solidFill>
+                          <a:schemeClr val="bg1"/>
+                        </a:solidFill>
+                      </a:tcPr>
+                    </a:tc>
+                    <a:extLst>
+                      <a:ext uri="{0D108BD9-81ED-4DB2-BD59-A6C34878D82A}">
+                        <a16:rowId xmlns:a16="http://schemas.microsoft.com/office/drawing/2014/main" val="1930659369"/>
+                      </a:ext>
+                    </a:extLst>
+                  </a:tr>
+                  <a:tr h="124906">
+                    <a:tc>
+                      <a:txBody>
+                        <a:bodyPr/>
+                        <a:lstStyle/>
+                        <a:p>
+                          <a:pPr algn="ctr"/>
+                          <a:r>
+                            <a:rPr kumimoji="1" lang="en-US" altLang="ja-JP" sz="700" dirty="0">
+                              <a:latin typeface="Cambria Math" panose="02040503050406030204" pitchFamily="18" charset="0"/>
+                            </a:rPr>
+                            <a:t>...</a:t>
+                          </a:r>
+                          <a:endParaRPr kumimoji="1" lang="ja-JP" altLang="en-US" sz="700" dirty="0">
+                            <a:latin typeface="Cambria Math" panose="02040503050406030204" pitchFamily="18" charset="0"/>
+                          </a:endParaRPr>
+                        </a:p>
+                      </a:txBody>
+                      <a:tcPr marL="18226" marR="18226" marT="9113" marB="9113" anchor="ctr">
+                        <a:lnL w="12700" cap="flat" cmpd="sng" algn="ctr">
+                          <a:solidFill>
+                            <a:schemeClr val="tx1"/>
+                          </a:solidFill>
+                          <a:prstDash val="solid"/>
+                          <a:round/>
+                          <a:headEnd type="none" w="med" len="med"/>
+                          <a:tailEnd type="none" w="med" len="med"/>
+                        </a:lnL>
+                        <a:lnR w="12700" cap="flat" cmpd="sng" algn="ctr">
+                          <a:solidFill>
+                            <a:schemeClr val="tx1"/>
+                          </a:solidFill>
+                          <a:prstDash val="solid"/>
+                          <a:round/>
+                          <a:headEnd type="none" w="med" len="med"/>
+                          <a:tailEnd type="none" w="med" len="med"/>
+                        </a:lnR>
+                        <a:lnT w="9525" cap="flat" cmpd="sng" algn="ctr">
+                          <a:solidFill>
+                            <a:schemeClr val="tx1"/>
+                          </a:solidFill>
+                          <a:prstDash val="sysDot"/>
+                          <a:round/>
+                          <a:headEnd type="none" w="med" len="med"/>
+                          <a:tailEnd type="none" w="med" len="med"/>
+                        </a:lnT>
+                        <a:lnB w="12700" cap="flat" cmpd="sng" algn="ctr">
+                          <a:noFill/>
+                          <a:prstDash val="solid"/>
+                          <a:round/>
+                          <a:headEnd type="none" w="med" len="med"/>
+                          <a:tailEnd type="none" w="med" len="med"/>
+                        </a:lnB>
+                        <a:solidFill>
+                          <a:schemeClr val="bg1"/>
+                        </a:solidFill>
+                      </a:tcPr>
+                    </a:tc>
+                    <a:extLst>
+                      <a:ext uri="{0D108BD9-81ED-4DB2-BD59-A6C34878D82A}">
+                        <a16:rowId xmlns:a16="http://schemas.microsoft.com/office/drawing/2014/main" val="4212267831"/>
+                      </a:ext>
+                    </a:extLst>
+                  </a:tr>
+                  <a:tr h="124906">
+                    <a:tc>
+                      <a:txBody>
+                        <a:bodyPr/>
+                        <a:lstStyle/>
+                        <a:p>
+                          <a:pPr algn="ctr"/>
+                          <a:r>
+                            <a:rPr kumimoji="1" lang="en-US" altLang="ja-JP" sz="700" dirty="0">
+                              <a:latin typeface="Cambria Math" panose="02040503050406030204" pitchFamily="18" charset="0"/>
+                            </a:rPr>
+                            <a:t>Record</a:t>
+                          </a:r>
+                          <a:endParaRPr kumimoji="1" lang="ja-JP" altLang="en-US" sz="700" dirty="0">
+                            <a:latin typeface="Cambria Math" panose="02040503050406030204" pitchFamily="18" charset="0"/>
+                          </a:endParaRPr>
+                        </a:p>
+                      </a:txBody>
+                      <a:tcPr marL="18226" marR="18226" marT="9113" marB="9113" anchor="ctr">
+                        <a:lnL w="12700" cap="flat" cmpd="sng" algn="ctr">
+                          <a:solidFill>
+                            <a:schemeClr val="tx1"/>
+                          </a:solidFill>
+                          <a:prstDash val="solid"/>
+                          <a:round/>
+                          <a:headEnd type="none" w="med" len="med"/>
+                          <a:tailEnd type="none" w="med" len="med"/>
+                        </a:lnL>
+                        <a:lnR w="12700" cap="flat" cmpd="sng" algn="ctr">
+                          <a:solidFill>
+                            <a:schemeClr val="tx1"/>
+                          </a:solidFill>
+                          <a:prstDash val="solid"/>
+                          <a:round/>
+                          <a:headEnd type="none" w="med" len="med"/>
+                          <a:tailEnd type="none" w="med" len="med"/>
+                        </a:lnR>
+                        <a:lnT w="12700" cap="flat" cmpd="sng" algn="ctr">
+                          <a:noFill/>
+                          <a:prstDash val="solid"/>
+                          <a:round/>
+                          <a:headEnd type="none" w="med" len="med"/>
+                          <a:tailEnd type="none" w="med" len="med"/>
+                        </a:lnT>
+                        <a:lnB w="9525" cap="flat" cmpd="sng" algn="ctr">
+                          <a:solidFill>
+                            <a:schemeClr val="tx1"/>
+                          </a:solidFill>
+                          <a:prstDash val="solid"/>
+                          <a:round/>
+                          <a:headEnd type="none" w="med" len="med"/>
+                          <a:tailEnd type="none" w="med" len="med"/>
+                        </a:lnB>
+                        <a:solidFill>
+                          <a:schemeClr val="bg1"/>
+                        </a:solidFill>
+                      </a:tcPr>
+                    </a:tc>
+                    <a:extLst>
+                      <a:ext uri="{0D108BD9-81ED-4DB2-BD59-A6C34878D82A}">
+                        <a16:rowId xmlns:a16="http://schemas.microsoft.com/office/drawing/2014/main" val="77431627"/>
+                      </a:ext>
+                    </a:extLst>
+                  </a:tr>
+                  <a:tr h="124906">
+                    <a:tc>
+                      <a:txBody>
+                        <a:bodyPr/>
+                        <a:lstStyle/>
+                        <a:p>
+                          <a:endParaRPr lang="ja-JP"/>
+                        </a:p>
+                      </a:txBody>
+                      <a:tcPr marL="18226" marR="18226" marT="9113" marB="9113" anchor="ctr">
+                        <a:lnL w="12700" cap="flat" cmpd="sng" algn="ctr">
+                          <a:solidFill>
+                            <a:schemeClr val="tx1"/>
+                          </a:solidFill>
+                          <a:prstDash val="solid"/>
+                          <a:round/>
+                          <a:headEnd type="none" w="med" len="med"/>
+                          <a:tailEnd type="none" w="med" len="med"/>
+                        </a:lnL>
+                        <a:lnR w="12700" cap="flat" cmpd="sng" algn="ctr">
+                          <a:solidFill>
+                            <a:schemeClr val="tx1"/>
+                          </a:solidFill>
+                          <a:prstDash val="solid"/>
+                          <a:round/>
+                          <a:headEnd type="none" w="med" len="med"/>
+                          <a:tailEnd type="none" w="med" len="med"/>
+                        </a:lnR>
+                        <a:lnT w="9525" cap="flat" cmpd="sng" algn="ctr">
+                          <a:solidFill>
+                            <a:schemeClr val="tx1"/>
+                          </a:solidFill>
+                          <a:prstDash val="solid"/>
+                          <a:round/>
+                          <a:headEnd type="none" w="med" len="med"/>
+                          <a:tailEnd type="none" w="med" len="med"/>
+                        </a:lnT>
+                        <a:lnB w="9525" cap="flat" cmpd="sng" algn="ctr">
+                          <a:noFill/>
+                          <a:prstDash val="sysDot"/>
+                          <a:round/>
+                          <a:headEnd type="none" w="med" len="med"/>
+                          <a:tailEnd type="none" w="med" len="med"/>
+                        </a:lnB>
+                        <a:blipFill>
+                          <a:blip r:embed="rId4"/>
+                          <a:stretch>
+                            <a:fillRect l="-1176" t="-565000" r="-2353" b="-740000"/>
+                          </a:stretch>
+                        </a:blipFill>
+                      </a:tcPr>
+                    </a:tc>
+                    <a:extLst>
+                      <a:ext uri="{0D108BD9-81ED-4DB2-BD59-A6C34878D82A}">
+                        <a16:rowId xmlns:a16="http://schemas.microsoft.com/office/drawing/2014/main" val="380398867"/>
+                      </a:ext>
+                    </a:extLst>
+                  </a:tr>
+                  <a:tr h="160002">
+                    <a:tc>
+                      <a:txBody>
+                        <a:bodyPr/>
+                        <a:lstStyle/>
+                        <a:p>
+                          <a:endParaRPr lang="ja-JP"/>
+                        </a:p>
+                      </a:txBody>
+                      <a:tcPr marL="18226" marR="18226" marT="9113" marB="9113" anchor="ctr">
+                        <a:lnL w="12700" cap="flat" cmpd="sng" algn="ctr">
+                          <a:solidFill>
+                            <a:schemeClr val="tx1"/>
+                          </a:solidFill>
+                          <a:prstDash val="solid"/>
+                          <a:round/>
+                          <a:headEnd type="none" w="med" len="med"/>
+                          <a:tailEnd type="none" w="med" len="med"/>
+                        </a:lnL>
+                        <a:lnR w="12700" cap="flat" cmpd="sng" algn="ctr">
+                          <a:solidFill>
+                            <a:schemeClr val="tx1"/>
+                          </a:solidFill>
+                          <a:prstDash val="solid"/>
+                          <a:round/>
+                          <a:headEnd type="none" w="med" len="med"/>
+                          <a:tailEnd type="none" w="med" len="med"/>
+                        </a:lnR>
+                        <a:lnT w="9525" cap="flat" cmpd="sng" algn="ctr">
+                          <a:noFill/>
+                          <a:prstDash val="sysDot"/>
+                          <a:round/>
+                          <a:headEnd type="none" w="med" len="med"/>
+                          <a:tailEnd type="none" w="med" len="med"/>
+                        </a:lnT>
+                        <a:lnB w="9525" cap="flat" cmpd="sng" algn="ctr">
+                          <a:solidFill>
+                            <a:schemeClr val="tx1"/>
+                          </a:solidFill>
+                          <a:prstDash val="sysDot"/>
+                          <a:round/>
+                          <a:headEnd type="none" w="med" len="med"/>
+                          <a:tailEnd type="none" w="med" len="med"/>
+                        </a:lnB>
+                        <a:blipFill>
+                          <a:blip r:embed="rId4"/>
+                          <a:stretch>
+                            <a:fillRect l="-1176" t="-492593" r="-2353" b="-448148"/>
+                          </a:stretch>
+                        </a:blipFill>
+                      </a:tcPr>
+                    </a:tc>
+                    <a:extLst>
+                      <a:ext uri="{0D108BD9-81ED-4DB2-BD59-A6C34878D82A}">
+                        <a16:rowId xmlns:a16="http://schemas.microsoft.com/office/drawing/2014/main" val="3448383632"/>
+                      </a:ext>
+                    </a:extLst>
+                  </a:tr>
+                  <a:tr h="160002">
+                    <a:tc>
+                      <a:txBody>
+                        <a:bodyPr/>
+                        <a:lstStyle/>
+                        <a:p>
+                          <a:pPr algn="ctr"/>
+                          <a:r>
+                            <a:rPr kumimoji="1" lang="en-US" altLang="ja-JP" sz="700" dirty="0">
+                              <a:latin typeface="Cambria Math" panose="02040503050406030204" pitchFamily="18" charset="0"/>
+                            </a:rPr>
+                            <a:t>Free space</a:t>
+                          </a:r>
+                          <a:endParaRPr kumimoji="1" lang="ja-JP" altLang="en-US" sz="700" dirty="0">
+                            <a:latin typeface="Cambria Math" panose="02040503050406030204" pitchFamily="18" charset="0"/>
+                          </a:endParaRPr>
+                        </a:p>
+                      </a:txBody>
+                      <a:tcPr marL="18226" marR="18226" marT="9113" marB="9113" anchor="ctr">
+                        <a:lnL w="12700" cap="flat" cmpd="sng" algn="ctr">
+                          <a:solidFill>
+                            <a:schemeClr val="tx1"/>
+                          </a:solidFill>
+                          <a:prstDash val="solid"/>
+                          <a:round/>
+                          <a:headEnd type="none" w="med" len="med"/>
+                          <a:tailEnd type="none" w="med" len="med"/>
+                        </a:lnL>
+                        <a:lnR w="12700" cap="flat" cmpd="sng" algn="ctr">
+                          <a:solidFill>
+                            <a:schemeClr val="tx1"/>
+                          </a:solidFill>
+                          <a:prstDash val="solid"/>
+                          <a:round/>
+                          <a:headEnd type="none" w="med" len="med"/>
+                          <a:tailEnd type="none" w="med" len="med"/>
+                        </a:lnR>
+                        <a:lnT w="9525" cap="flat" cmpd="sng" algn="ctr">
+                          <a:solidFill>
+                            <a:schemeClr val="tx1"/>
+                          </a:solidFill>
+                          <a:prstDash val="sysDot"/>
+                          <a:round/>
+                          <a:headEnd type="none" w="med" len="med"/>
+                          <a:tailEnd type="none" w="med" len="med"/>
+                        </a:lnT>
+                        <a:lnB w="9525" cap="flat" cmpd="sng" algn="ctr">
+                          <a:solidFill>
+                            <a:schemeClr val="tx1"/>
+                          </a:solidFill>
+                          <a:prstDash val="sysDot"/>
+                          <a:round/>
+                          <a:headEnd type="none" w="med" len="med"/>
+                          <a:tailEnd type="none" w="med" len="med"/>
+                        </a:lnB>
+                        <a:solidFill>
+                          <a:schemeClr val="bg1"/>
+                        </a:solidFill>
+                      </a:tcPr>
+                    </a:tc>
+                    <a:extLst>
+                      <a:ext uri="{0D108BD9-81ED-4DB2-BD59-A6C34878D82A}">
+                        <a16:rowId xmlns:a16="http://schemas.microsoft.com/office/drawing/2014/main" val="1611505625"/>
+                      </a:ext>
+                    </a:extLst>
+                  </a:tr>
+                  <a:tr h="160002">
+                    <a:tc>
+                      <a:txBody>
+                        <a:bodyPr/>
+                        <a:lstStyle/>
+                        <a:p>
+                          <a:pPr marL="0" marR="0" lvl="0" indent="0" algn="ctr" defTabSz="239981" rtl="0" eaLnBrk="1" fontAlgn="auto" latinLnBrk="0" hangingPunct="1">
+                            <a:lnSpc>
+                              <a:spcPct val="100000"/>
+                            </a:lnSpc>
+                            <a:spcBef>
+                              <a:spcPts val="0"/>
+                            </a:spcBef>
+                            <a:spcAft>
+                              <a:spcPts val="0"/>
+                            </a:spcAft>
+                            <a:buClrTx/>
+                            <a:buSzTx/>
+                            <a:buFontTx/>
+                            <a:buNone/>
+                            <a:tabLst/>
+                            <a:defRPr/>
+                          </a:pPr>
+                          <a:r>
+                            <a:rPr kumimoji="1" lang="en-US" altLang="ja-JP" sz="700" dirty="0">
+                              <a:solidFill>
+                                <a:schemeClr val="accent2"/>
+                              </a:solidFill>
+                              <a:latin typeface="Cambria Math" panose="02040503050406030204" pitchFamily="18" charset="0"/>
+                            </a:rPr>
+                            <a:t>Zero filled</a:t>
+                          </a:r>
+                          <a:endParaRPr kumimoji="1" lang="ja-JP" altLang="en-US" sz="700" dirty="0">
+                            <a:solidFill>
+                              <a:schemeClr val="accent2"/>
+                            </a:solidFill>
+                            <a:latin typeface="Cambria Math" panose="02040503050406030204" pitchFamily="18" charset="0"/>
+                          </a:endParaRPr>
+                        </a:p>
+                      </a:txBody>
+                      <a:tcPr marL="18226" marR="18226" marT="9113" marB="9113" anchor="ctr">
+                        <a:lnL w="12700" cap="flat" cmpd="sng" algn="ctr">
+                          <a:solidFill>
+                            <a:schemeClr val="tx1"/>
+                          </a:solidFill>
+                          <a:prstDash val="solid"/>
+                          <a:round/>
+                          <a:headEnd type="none" w="med" len="med"/>
+                          <a:tailEnd type="none" w="med" len="med"/>
+                        </a:lnL>
+                        <a:lnR w="12700" cap="flat" cmpd="sng" algn="ctr">
+                          <a:solidFill>
+                            <a:schemeClr val="tx1"/>
+                          </a:solidFill>
+                          <a:prstDash val="solid"/>
+                          <a:round/>
+                          <a:headEnd type="none" w="med" len="med"/>
+                          <a:tailEnd type="none" w="med" len="med"/>
+                        </a:lnR>
+                        <a:lnT w="9525" cap="flat" cmpd="sng" algn="ctr">
+                          <a:solidFill>
+                            <a:schemeClr val="tx1"/>
+                          </a:solidFill>
+                          <a:prstDash val="sysDot"/>
+                          <a:round/>
+                          <a:headEnd type="none" w="med" len="med"/>
+                          <a:tailEnd type="none" w="med" len="med"/>
+                        </a:lnT>
+                        <a:lnB w="9525" cap="flat" cmpd="sng" algn="ctr">
+                          <a:noFill/>
+                          <a:prstDash val="sysDot"/>
+                          <a:round/>
+                          <a:headEnd type="none" w="med" len="med"/>
+                          <a:tailEnd type="none" w="med" len="med"/>
+                        </a:lnB>
+                        <a:solidFill>
+                          <a:schemeClr val="accent2">
+                            <a:lumMod val="20000"/>
+                            <a:lumOff val="80000"/>
+                          </a:schemeClr>
+                        </a:solidFill>
+                      </a:tcPr>
+                    </a:tc>
+                    <a:extLst>
+                      <a:ext uri="{0D108BD9-81ED-4DB2-BD59-A6C34878D82A}">
+                        <a16:rowId xmlns:a16="http://schemas.microsoft.com/office/drawing/2014/main" val="726720701"/>
+                      </a:ext>
+                    </a:extLst>
+                  </a:tr>
+                  <a:tr h="233706">
+                    <a:tc>
+                      <a:txBody>
+                        <a:bodyPr/>
+                        <a:lstStyle/>
+                        <a:p>
+                          <a:endParaRPr lang="ja-JP"/>
+                        </a:p>
+                      </a:txBody>
+                      <a:tcPr marL="18226" marR="18226" marT="9113" marB="9113" anchor="ctr">
+                        <a:lnL w="12700" cap="flat" cmpd="sng" algn="ctr">
+                          <a:solidFill>
+                            <a:schemeClr val="tx1"/>
+                          </a:solidFill>
+                          <a:prstDash val="solid"/>
+                          <a:round/>
+                          <a:headEnd type="none" w="med" len="med"/>
+                          <a:tailEnd type="none" w="med" len="med"/>
+                        </a:lnL>
+                        <a:lnR w="12700" cap="flat" cmpd="sng" algn="ctr">
+                          <a:solidFill>
+                            <a:schemeClr val="tx1"/>
+                          </a:solidFill>
+                          <a:prstDash val="solid"/>
+                          <a:round/>
+                          <a:headEnd type="none" w="med" len="med"/>
+                          <a:tailEnd type="none" w="med" len="med"/>
+                        </a:lnR>
+                        <a:lnT w="9525" cap="flat" cmpd="sng" algn="ctr">
+                          <a:noFill/>
+                          <a:prstDash val="sysDot"/>
+                          <a:round/>
+                          <a:headEnd type="none" w="med" len="med"/>
+                          <a:tailEnd type="none" w="med" len="med"/>
+                        </a:lnT>
+                        <a:lnB w="9525" cap="flat" cmpd="sng" algn="ctr">
+                          <a:solidFill>
+                            <a:schemeClr val="tx1"/>
+                          </a:solidFill>
+                          <a:prstDash val="solid"/>
+                          <a:round/>
+                          <a:headEnd type="none" w="med" len="med"/>
+                          <a:tailEnd type="none" w="med" len="med"/>
+                        </a:lnB>
+                        <a:blipFill>
+                          <a:blip r:embed="rId4"/>
+                          <a:stretch>
+                            <a:fillRect l="-1176" t="-543590" r="-2353" b="-76923"/>
+                          </a:stretch>
+                        </a:blipFill>
+                      </a:tcPr>
+                    </a:tc>
+                    <a:extLst>
+                      <a:ext uri="{0D108BD9-81ED-4DB2-BD59-A6C34878D82A}">
+                        <a16:rowId xmlns:a16="http://schemas.microsoft.com/office/drawing/2014/main" val="2258706886"/>
+                      </a:ext>
+                    </a:extLst>
+                  </a:tr>
+                  <a:tr h="160002">
+                    <a:tc>
+                      <a:txBody>
+                        <a:bodyPr/>
+                        <a:lstStyle/>
+                        <a:p>
+                          <a:pPr algn="ctr"/>
+                          <a:r>
+                            <a:rPr kumimoji="1" lang="en-US" altLang="ja-JP" sz="700" dirty="0">
+                              <a:solidFill>
+                                <a:schemeClr val="tx1"/>
+                              </a:solidFill>
+                              <a:latin typeface="Cambria Math" panose="02040503050406030204" pitchFamily="18" charset="0"/>
+                            </a:rPr>
+                            <a:t>Status word’</a:t>
+                          </a:r>
+                          <a:endParaRPr kumimoji="1" lang="ja-JP" altLang="en-US" sz="700" dirty="0">
+                            <a:solidFill>
+                              <a:schemeClr val="tx1"/>
+                            </a:solidFill>
+                            <a:latin typeface="Cambria Math" panose="02040503050406030204" pitchFamily="18" charset="0"/>
+                          </a:endParaRPr>
+                        </a:p>
+                      </a:txBody>
+                      <a:tcPr marL="18226" marR="18226" marT="9113" marB="9113" anchor="ctr">
+                        <a:lnL w="12700" cap="flat" cmpd="sng" algn="ctr">
+                          <a:solidFill>
+                            <a:schemeClr val="tx1"/>
+                          </a:solidFill>
+                          <a:prstDash val="solid"/>
+                          <a:round/>
+                          <a:headEnd type="none" w="med" len="med"/>
+                          <a:tailEnd type="none" w="med" len="med"/>
+                        </a:lnL>
+                        <a:lnR w="12700" cap="flat" cmpd="sng" algn="ctr">
+                          <a:solidFill>
+                            <a:schemeClr val="tx1"/>
+                          </a:solidFill>
+                          <a:prstDash val="solid"/>
+                          <a:round/>
+                          <a:headEnd type="none" w="med" len="med"/>
+                          <a:tailEnd type="none" w="med" len="med"/>
+                        </a:lnR>
+                        <a:lnT w="9525" cap="flat" cmpd="sng" algn="ctr">
+                          <a:solidFill>
+                            <a:schemeClr val="tx1"/>
+                          </a:solidFill>
+                          <a:prstDash val="solid"/>
+                          <a:round/>
+                          <a:headEnd type="none" w="med" len="med"/>
+                          <a:tailEnd type="none" w="med" len="med"/>
+                        </a:lnT>
+                        <a:lnB w="12700" cap="flat" cmpd="sng" algn="ctr">
+                          <a:solidFill>
+                            <a:schemeClr val="tx1"/>
+                          </a:solidFill>
+                          <a:prstDash val="solid"/>
+                          <a:round/>
+                          <a:headEnd type="none" w="med" len="med"/>
+                          <a:tailEnd type="none" w="med" len="med"/>
+                        </a:lnB>
+                        <a:solidFill>
+                          <a:schemeClr val="bg1"/>
+                        </a:solidFill>
+                      </a:tcPr>
+                    </a:tc>
+                    <a:extLst>
+                      <a:ext uri="{0D108BD9-81ED-4DB2-BD59-A6C34878D82A}">
+                        <a16:rowId xmlns:a16="http://schemas.microsoft.com/office/drawing/2014/main" val="1683332274"/>
+                      </a:ext>
+                    </a:extLst>
+                  </a:tr>
+                </a:tbl>
+              </a:graphicData>
+            </a:graphic>
+          </p:graphicFrame>
+        </mc:Fallback>
+      </mc:AlternateContent>
+      <mc:AlternateContent xmlns:mc="http://schemas.openxmlformats.org/markup-compatibility/2006">
+        <mc:Choice xmlns:a14="http://schemas.microsoft.com/office/drawing/2010/main" Requires="a14">
+          <p:graphicFrame>
+            <p:nvGraphicFramePr>
+              <p:cNvPr id="75" name="表 49">
+                <a:extLst>
+                  <a:ext uri="{FF2B5EF4-FFF2-40B4-BE49-F238E27FC236}">
+                    <a16:creationId xmlns:a16="http://schemas.microsoft.com/office/drawing/2014/main" id="{A5C8AAF7-F3B8-BE4D-63E6-187F2CA98979}"/>
+                  </a:ext>
+                </a:extLst>
+              </p:cNvPr>
+              <p:cNvGraphicFramePr>
+                <a:graphicFrameLocks noGrp="1"/>
+              </p:cNvGraphicFramePr>
+              <p:nvPr>
+                <p:extLst>
+                  <p:ext uri="{D42A27DB-BD31-4B8C-83A1-F6EECF244321}">
+                    <p14:modId xmlns:p14="http://schemas.microsoft.com/office/powerpoint/2010/main" val="1141552365"/>
+                  </p:ext>
+                </p:extLst>
+              </p:nvPr>
+            </p:nvGraphicFramePr>
+            <p:xfrm>
+              <a:off x="2127873" y="32693"/>
+              <a:ext cx="511200" cy="1659603"/>
+            </p:xfrm>
+            <a:graphic>
+              <a:graphicData uri="http://schemas.openxmlformats.org/drawingml/2006/table">
+                <a:tbl>
+                  <a:tblPr firstRow="1" bandRow="1">
+                    <a:tableStyleId>{2D5ABB26-0587-4C30-8999-92F81FD0307C}</a:tableStyleId>
+                  </a:tblPr>
+                  <a:tblGrid>
+                    <a:gridCol w="511200">
+                      <a:extLst>
+                        <a:ext uri="{9D8B030D-6E8A-4147-A177-3AD203B41FA5}">
+                          <a16:colId xmlns:a16="http://schemas.microsoft.com/office/drawing/2014/main" val="1391329631"/>
+                        </a:ext>
+                      </a:extLst>
+                    </a:gridCol>
+                  </a:tblGrid>
+                  <a:tr h="150873">
+                    <a:tc>
+                      <a:txBody>
+                        <a:bodyPr/>
+                        <a:lstStyle/>
+                        <a:p>
+                          <a:pPr algn="ctr"/>
+                          <a:r>
+                            <a:rPr kumimoji="1" lang="en-US" altLang="ja-JP" sz="700" dirty="0">
+                              <a:latin typeface="Cambria Math" panose="02040503050406030204" pitchFamily="18" charset="0"/>
+                            </a:rPr>
+                            <a:t>Header</a:t>
+                          </a:r>
+                          <a:endParaRPr kumimoji="1" lang="ja-JP" altLang="en-US" sz="700" dirty="0">
+                            <a:latin typeface="Cambria Math" panose="02040503050406030204" pitchFamily="18" charset="0"/>
+                          </a:endParaRPr>
+                        </a:p>
+                      </a:txBody>
+                      <a:tcPr marL="18226" marR="18226" marT="9113" marB="9113" anchor="ctr">
+                        <a:lnL w="12700" cap="flat" cmpd="sng" algn="ctr">
+                          <a:solidFill>
+                            <a:schemeClr val="tx1"/>
+                          </a:solidFill>
+                          <a:prstDash val="solid"/>
+                          <a:round/>
+                          <a:headEnd type="none" w="med" len="med"/>
+                          <a:tailEnd type="none" w="med" len="med"/>
+                        </a:lnL>
+                        <a:lnR w="12700" cap="flat" cmpd="sng" algn="ctr">
+                          <a:solidFill>
+                            <a:schemeClr val="tx1"/>
+                          </a:solidFill>
+                          <a:prstDash val="solid"/>
+                          <a:round/>
+                          <a:headEnd type="none" w="med" len="med"/>
+                          <a:tailEnd type="none" w="med" len="med"/>
+                        </a:lnR>
+                        <a:lnT w="12700" cap="flat" cmpd="sng" algn="ctr">
+                          <a:solidFill>
+                            <a:schemeClr val="tx1"/>
+                          </a:solidFill>
+                          <a:prstDash val="solid"/>
+                          <a:round/>
+                          <a:headEnd type="none" w="med" len="med"/>
+                          <a:tailEnd type="none" w="med" len="med"/>
+                        </a:lnT>
+                        <a:lnB w="9525" cap="flat" cmpd="sng" algn="ctr">
+                          <a:solidFill>
+                            <a:schemeClr val="tx1"/>
+                          </a:solidFill>
+                          <a:prstDash val="solid"/>
+                          <a:round/>
+                          <a:headEnd type="none" w="med" len="med"/>
+                          <a:tailEnd type="none" w="med" len="med"/>
+                        </a:lnB>
+                        <a:solidFill>
+                          <a:schemeClr val="bg1"/>
+                        </a:solidFill>
+                      </a:tcPr>
+                    </a:tc>
+                    <a:extLst>
+                      <a:ext uri="{0D108BD9-81ED-4DB2-BD59-A6C34878D82A}">
+                        <a16:rowId xmlns:a16="http://schemas.microsoft.com/office/drawing/2014/main" val="3783925622"/>
+                      </a:ext>
+                    </a:extLst>
+                  </a:tr>
+                  <a:tr h="150873">
+                    <a:tc>
+                      <a:txBody>
+                        <a:bodyPr/>
+                        <a:lstStyle/>
+                        <a:p>
+                          <a:pPr algn="ctr"/>
+                          <a:r>
+                            <a:rPr kumimoji="1" lang="en-US" altLang="ja-JP" sz="700" dirty="0">
+                              <a:latin typeface="Cambria Math" panose="02040503050406030204" pitchFamily="18" charset="0"/>
+                              <a:ea typeface="Cambria Math" panose="02040503050406030204" pitchFamily="18" charset="0"/>
+                            </a:rPr>
+                            <a:t>Metadata</a:t>
+                          </a:r>
+                          <a:endParaRPr kumimoji="1" lang="ja-JP" altLang="en-US" sz="700" dirty="0">
+                            <a:latin typeface="Cambria Math" panose="02040503050406030204" pitchFamily="18" charset="0"/>
+                          </a:endParaRPr>
+                        </a:p>
+                      </a:txBody>
+                      <a:tcPr marL="18226" marR="18226" marT="9113" marB="9113" anchor="ctr">
+                        <a:lnL w="12700" cap="flat" cmpd="sng" algn="ctr">
+                          <a:solidFill>
+                            <a:schemeClr val="tx1"/>
+                          </a:solidFill>
+                          <a:prstDash val="solid"/>
+                          <a:round/>
+                          <a:headEnd type="none" w="med" len="med"/>
+                          <a:tailEnd type="none" w="med" len="med"/>
+                        </a:lnL>
+                        <a:lnR w="12700" cap="flat" cmpd="sng" algn="ctr">
+                          <a:solidFill>
+                            <a:schemeClr val="tx1"/>
+                          </a:solidFill>
+                          <a:prstDash val="solid"/>
+                          <a:round/>
+                          <a:headEnd type="none" w="med" len="med"/>
+                          <a:tailEnd type="none" w="med" len="med"/>
+                        </a:lnR>
+                        <a:lnT w="9525" cap="flat" cmpd="sng" algn="ctr">
+                          <a:solidFill>
+                            <a:schemeClr val="tx1"/>
+                          </a:solidFill>
+                          <a:prstDash val="solid"/>
+                          <a:round/>
+                          <a:headEnd type="none" w="med" len="med"/>
+                          <a:tailEnd type="none" w="med" len="med"/>
+                        </a:lnT>
+                        <a:solidFill>
+                          <a:schemeClr val="bg1"/>
+                        </a:solidFill>
+                      </a:tcPr>
+                    </a:tc>
+                    <a:extLst>
+                      <a:ext uri="{0D108BD9-81ED-4DB2-BD59-A6C34878D82A}">
+                        <a16:rowId xmlns:a16="http://schemas.microsoft.com/office/drawing/2014/main" val="2244812955"/>
+                      </a:ext>
+                    </a:extLst>
+                  </a:tr>
+                  <a:tr h="150873">
+                    <a:tc>
+                      <a:txBody>
+                        <a:bodyPr/>
+                        <a:lstStyle/>
+                        <a:p>
+                          <a:pPr algn="ctr"/>
+                          <a:r>
+                            <a:rPr kumimoji="1" lang="en-US" altLang="ja-JP" sz="700" dirty="0">
+                              <a:latin typeface="Cambria Math" panose="02040503050406030204" pitchFamily="18" charset="0"/>
+                              <a:ea typeface="Cambria Math" panose="02040503050406030204" pitchFamily="18" charset="0"/>
+                            </a:rPr>
+                            <a:t>...</a:t>
+                          </a:r>
+                          <a:endParaRPr kumimoji="1" lang="ja-JP" altLang="en-US" sz="700" dirty="0">
+                            <a:latin typeface="Cambria Math" panose="02040503050406030204" pitchFamily="18" charset="0"/>
+                          </a:endParaRPr>
+                        </a:p>
+                      </a:txBody>
+                      <a:tcPr marL="18226" marR="18226" marT="9113" marB="9113" anchor="ctr">
+                        <a:lnL w="12700" cap="flat" cmpd="sng" algn="ctr">
+                          <a:solidFill>
+                            <a:schemeClr val="tx1"/>
+                          </a:solidFill>
+                          <a:prstDash val="solid"/>
+                          <a:round/>
+                          <a:headEnd type="none" w="med" len="med"/>
+                          <a:tailEnd type="none" w="med" len="med"/>
+                        </a:lnL>
+                        <a:lnR w="12700" cap="flat" cmpd="sng" algn="ctr">
+                          <a:solidFill>
+                            <a:schemeClr val="tx1"/>
+                          </a:solidFill>
+                          <a:prstDash val="solid"/>
+                          <a:round/>
+                          <a:headEnd type="none" w="med" len="med"/>
+                          <a:tailEnd type="none" w="med" len="med"/>
+                        </a:lnR>
+                        <a:lnB w="9525" cap="flat" cmpd="sng" algn="ctr">
+                          <a:solidFill>
+                            <a:schemeClr val="tx1"/>
+                          </a:solidFill>
+                          <a:prstDash val="sysDot"/>
+                          <a:round/>
+                          <a:headEnd type="none" w="med" len="med"/>
+                          <a:tailEnd type="none" w="med" len="med"/>
+                        </a:lnB>
+                        <a:solidFill>
+                          <a:schemeClr val="bg1"/>
+                        </a:solidFill>
+                      </a:tcPr>
+                    </a:tc>
+                    <a:extLst>
+                      <a:ext uri="{0D108BD9-81ED-4DB2-BD59-A6C34878D82A}">
+                        <a16:rowId xmlns:a16="http://schemas.microsoft.com/office/drawing/2014/main" val="1930659369"/>
+                      </a:ext>
+                    </a:extLst>
+                  </a:tr>
+                  <a:tr h="150873">
+                    <a:tc>
+                      <a:txBody>
+                        <a:bodyPr/>
+                        <a:lstStyle/>
+                        <a:p>
+                          <a:pPr algn="ctr"/>
+                          <a:r>
+                            <a:rPr kumimoji="1" lang="en-US" altLang="ja-JP" sz="700" dirty="0">
+                              <a:latin typeface="Cambria Math" panose="02040503050406030204" pitchFamily="18" charset="0"/>
+                            </a:rPr>
+                            <a:t>...</a:t>
+                          </a:r>
+                          <a:endParaRPr kumimoji="1" lang="ja-JP" altLang="en-US" sz="700" dirty="0">
+                            <a:latin typeface="Cambria Math" panose="02040503050406030204" pitchFamily="18" charset="0"/>
+                          </a:endParaRPr>
+                        </a:p>
+                      </a:txBody>
+                      <a:tcPr marL="18226" marR="18226" marT="9113" marB="9113" anchor="ctr">
+                        <a:lnL w="12700" cap="flat" cmpd="sng" algn="ctr">
+                          <a:solidFill>
+                            <a:schemeClr val="tx1"/>
+                          </a:solidFill>
+                          <a:prstDash val="solid"/>
+                          <a:round/>
+                          <a:headEnd type="none" w="med" len="med"/>
+                          <a:tailEnd type="none" w="med" len="med"/>
+                        </a:lnL>
+                        <a:lnR w="12700" cap="flat" cmpd="sng" algn="ctr">
+                          <a:solidFill>
+                            <a:schemeClr val="tx1"/>
+                          </a:solidFill>
+                          <a:prstDash val="solid"/>
+                          <a:round/>
+                          <a:headEnd type="none" w="med" len="med"/>
+                          <a:tailEnd type="none" w="med" len="med"/>
+                        </a:lnR>
+                        <a:lnT w="9525" cap="flat" cmpd="sng" algn="ctr">
+                          <a:solidFill>
+                            <a:schemeClr val="tx1"/>
+                          </a:solidFill>
+                          <a:prstDash val="sysDot"/>
+                          <a:round/>
+                          <a:headEnd type="none" w="med" len="med"/>
+                          <a:tailEnd type="none" w="med" len="med"/>
+                        </a:lnT>
+                        <a:lnB w="12700" cap="flat" cmpd="sng" algn="ctr">
+                          <a:noFill/>
+                          <a:prstDash val="solid"/>
+                          <a:round/>
+                          <a:headEnd type="none" w="med" len="med"/>
+                          <a:tailEnd type="none" w="med" len="med"/>
+                        </a:lnB>
+                        <a:solidFill>
+                          <a:schemeClr val="bg1"/>
+                        </a:solidFill>
+                      </a:tcPr>
+                    </a:tc>
+                    <a:extLst>
+                      <a:ext uri="{0D108BD9-81ED-4DB2-BD59-A6C34878D82A}">
+                        <a16:rowId xmlns:a16="http://schemas.microsoft.com/office/drawing/2014/main" val="4212267831"/>
+                      </a:ext>
+                    </a:extLst>
+                  </a:tr>
+                  <a:tr h="150873">
+                    <a:tc>
+                      <a:txBody>
+                        <a:bodyPr/>
+                        <a:lstStyle/>
+                        <a:p>
+                          <a:pPr algn="ctr"/>
+                          <a:r>
+                            <a:rPr kumimoji="1" lang="en-US" altLang="ja-JP" sz="700" dirty="0">
+                              <a:latin typeface="Cambria Math" panose="02040503050406030204" pitchFamily="18" charset="0"/>
+                            </a:rPr>
+                            <a:t>Record</a:t>
+                          </a:r>
+                          <a:endParaRPr kumimoji="1" lang="ja-JP" altLang="en-US" sz="700" dirty="0">
+                            <a:latin typeface="Cambria Math" panose="02040503050406030204" pitchFamily="18" charset="0"/>
+                          </a:endParaRPr>
+                        </a:p>
+                      </a:txBody>
+                      <a:tcPr marL="18226" marR="18226" marT="9113" marB="9113" anchor="ctr">
+                        <a:lnL w="12700" cap="flat" cmpd="sng" algn="ctr">
+                          <a:solidFill>
+                            <a:schemeClr val="tx1"/>
+                          </a:solidFill>
+                          <a:prstDash val="solid"/>
+                          <a:round/>
+                          <a:headEnd type="none" w="med" len="med"/>
+                          <a:tailEnd type="none" w="med" len="med"/>
+                        </a:lnL>
+                        <a:lnR w="12700" cap="flat" cmpd="sng" algn="ctr">
+                          <a:solidFill>
+                            <a:schemeClr val="tx1"/>
+                          </a:solidFill>
+                          <a:prstDash val="solid"/>
+                          <a:round/>
+                          <a:headEnd type="none" w="med" len="med"/>
+                          <a:tailEnd type="none" w="med" len="med"/>
+                        </a:lnR>
+                        <a:lnT w="12700" cap="flat" cmpd="sng" algn="ctr">
+                          <a:noFill/>
+                          <a:prstDash val="solid"/>
+                          <a:round/>
+                          <a:headEnd type="none" w="med" len="med"/>
+                          <a:tailEnd type="none" w="med" len="med"/>
+                        </a:lnT>
+                        <a:lnB w="9525" cap="flat" cmpd="sng" algn="ctr">
+                          <a:solidFill>
+                            <a:schemeClr val="tx1"/>
+                          </a:solidFill>
+                          <a:prstDash val="solid"/>
+                          <a:round/>
+                          <a:headEnd type="none" w="med" len="med"/>
+                          <a:tailEnd type="none" w="med" len="med"/>
+                        </a:lnB>
+                        <a:solidFill>
+                          <a:schemeClr val="bg1"/>
+                        </a:solidFill>
+                      </a:tcPr>
+                    </a:tc>
+                    <a:extLst>
+                      <a:ext uri="{0D108BD9-81ED-4DB2-BD59-A6C34878D82A}">
+                        <a16:rowId xmlns:a16="http://schemas.microsoft.com/office/drawing/2014/main" val="77431627"/>
+                      </a:ext>
+                    </a:extLst>
+                  </a:tr>
+                  <a:tr h="150873">
+                    <a:tc>
+                      <a:txBody>
+                        <a:bodyPr/>
+                        <a:lstStyle/>
+                        <a:p>
+                          <a:pPr marL="0" marR="0" lvl="0" indent="0" algn="ctr" defTabSz="191934" rtl="0" eaLnBrk="1" fontAlgn="auto" latinLnBrk="0" hangingPunct="1">
+                            <a:lnSpc>
+                              <a:spcPct val="100000"/>
+                            </a:lnSpc>
+                            <a:spcBef>
+                              <a:spcPts val="0"/>
+                            </a:spcBef>
+                            <a:spcAft>
+                              <a:spcPts val="0"/>
+                            </a:spcAft>
+                            <a:buClrTx/>
+                            <a:buSzTx/>
+                            <a:buFontTx/>
+                            <a:buNone/>
+                            <a:tabLst/>
+                            <a:defRPr/>
+                          </a:pPr>
+                          <a14:m>
+                            <m:oMath xmlns:m="http://schemas.openxmlformats.org/officeDocument/2006/math">
+                              <m:r>
+                                <m:rPr>
+                                  <m:sty m:val="p"/>
+                                </m:rPr>
+                                <a:rPr kumimoji="1" lang="en-US" altLang="ja-JP" sz="700" b="0" i="0" smtClean="0">
+                                  <a:solidFill>
+                                    <a:schemeClr val="tx1"/>
+                                  </a:solidFill>
+                                  <a:latin typeface="Cambria Math" panose="02040503050406030204" pitchFamily="18" charset="0"/>
+                                </a:rPr>
+                                <m:t>Δ</m:t>
+                              </m:r>
+                            </m:oMath>
+                          </a14:m>
+                          <a:r>
+                            <a:rPr kumimoji="1" lang="ja-JP" altLang="en-US" sz="700" dirty="0">
+                              <a:latin typeface="Cambria Math" panose="02040503050406030204" pitchFamily="18" charset="0"/>
+                            </a:rPr>
+                            <a:t> </a:t>
+                          </a:r>
+                          <a:r>
+                            <a:rPr kumimoji="1" lang="en-US" altLang="ja-JP" sz="700" dirty="0">
+                              <a:latin typeface="Cambria Math" panose="02040503050406030204" pitchFamily="18" charset="0"/>
+                            </a:rPr>
+                            <a:t>record</a:t>
+                          </a:r>
+                          <a:endParaRPr kumimoji="1" lang="ja-JP" altLang="en-US" sz="700" dirty="0">
+                            <a:solidFill>
+                              <a:schemeClr val="accent1"/>
+                            </a:solidFill>
+                            <a:latin typeface="Cambria Math" panose="02040503050406030204" pitchFamily="18" charset="0"/>
+                          </a:endParaRPr>
+                        </a:p>
+                      </a:txBody>
+                      <a:tcPr marL="18226" marR="18226" marT="9113" marB="9113" anchor="ctr">
+                        <a:lnL w="12700" cap="flat" cmpd="sng" algn="ctr">
+                          <a:solidFill>
+                            <a:schemeClr val="tx1"/>
+                          </a:solidFill>
+                          <a:prstDash val="solid"/>
+                          <a:round/>
+                          <a:headEnd type="none" w="med" len="med"/>
+                          <a:tailEnd type="none" w="med" len="med"/>
+                        </a:lnL>
+                        <a:lnR w="12700" cap="flat" cmpd="sng" algn="ctr">
+                          <a:solidFill>
+                            <a:schemeClr val="tx1"/>
+                          </a:solidFill>
+                          <a:prstDash val="solid"/>
+                          <a:round/>
+                          <a:headEnd type="none" w="med" len="med"/>
+                          <a:tailEnd type="none" w="med" len="med"/>
+                        </a:lnR>
+                        <a:lnT w="9525" cap="flat" cmpd="sng" algn="ctr">
+                          <a:solidFill>
+                            <a:schemeClr val="tx1"/>
+                          </a:solidFill>
+                          <a:prstDash val="solid"/>
+                          <a:round/>
+                          <a:headEnd type="none" w="med" len="med"/>
+                          <a:tailEnd type="none" w="med" len="med"/>
+                        </a:lnT>
+                        <a:lnB w="9525" cap="flat" cmpd="sng" algn="ctr">
+                          <a:noFill/>
+                          <a:prstDash val="sysDot"/>
+                          <a:round/>
+                          <a:headEnd type="none" w="med" len="med"/>
+                          <a:tailEnd type="none" w="med" len="med"/>
+                        </a:lnB>
+                        <a:solidFill>
+                          <a:schemeClr val="bg1"/>
+                        </a:solidFill>
+                      </a:tcPr>
+                    </a:tc>
+                    <a:extLst>
+                      <a:ext uri="{0D108BD9-81ED-4DB2-BD59-A6C34878D82A}">
+                        <a16:rowId xmlns:a16="http://schemas.microsoft.com/office/drawing/2014/main" val="380398867"/>
+                      </a:ext>
+                    </a:extLst>
+                  </a:tr>
+                  <a:tr h="150873">
+                    <a:tc>
+                      <a:txBody>
+                        <a:bodyPr/>
+                        <a:lstStyle/>
+                        <a:p>
+                          <a:pPr marL="0" marR="0" lvl="0" indent="0" algn="ctr" defTabSz="191934" rtl="0" eaLnBrk="1" fontAlgn="auto" latinLnBrk="0" hangingPunct="1">
+                            <a:lnSpc>
+                              <a:spcPct val="100000"/>
+                            </a:lnSpc>
+                            <a:spcBef>
+                              <a:spcPts val="0"/>
+                            </a:spcBef>
+                            <a:spcAft>
+                              <a:spcPts val="0"/>
+                            </a:spcAft>
+                            <a:buClrTx/>
+                            <a:buSzTx/>
+                            <a:buFontTx/>
+                            <a:buNone/>
+                            <a:tabLst/>
+                            <a:defRPr/>
+                          </a:pPr>
+                          <a14:m>
+                            <m:oMath xmlns:m="http://schemas.openxmlformats.org/officeDocument/2006/math">
+                              <m:r>
+                                <m:rPr>
+                                  <m:sty m:val="p"/>
+                                </m:rPr>
+                                <a:rPr kumimoji="1" lang="en-US" altLang="ja-JP" sz="700" b="0" i="0" smtClean="0">
+                                  <a:solidFill>
+                                    <a:schemeClr val="tx1"/>
+                                  </a:solidFill>
+                                  <a:latin typeface="Cambria Math" panose="02040503050406030204" pitchFamily="18" charset="0"/>
+                                </a:rPr>
+                                <m:t>Δ</m:t>
+                              </m:r>
+                            </m:oMath>
+                          </a14:m>
+                          <a:r>
+                            <a:rPr kumimoji="1" lang="ja-JP" altLang="en-US" sz="700" dirty="0">
+                              <a:latin typeface="Cambria Math" panose="02040503050406030204" pitchFamily="18" charset="0"/>
+                            </a:rPr>
+                            <a:t> </a:t>
+                          </a:r>
+                          <a:r>
+                            <a:rPr kumimoji="1" lang="en-US" altLang="ja-JP" sz="700" dirty="0">
+                              <a:latin typeface="Cambria Math" panose="02040503050406030204" pitchFamily="18" charset="0"/>
+                            </a:rPr>
+                            <a:t>record’</a:t>
+                          </a:r>
+                          <a:endParaRPr kumimoji="1" lang="ja-JP" altLang="en-US" sz="700" dirty="0">
+                            <a:solidFill>
+                              <a:schemeClr val="accent1"/>
+                            </a:solidFill>
+                            <a:latin typeface="Cambria Math" panose="02040503050406030204" pitchFamily="18" charset="0"/>
+                          </a:endParaRPr>
+                        </a:p>
+                      </a:txBody>
+                      <a:tcPr marL="18226" marR="18226" marT="9113" marB="9113" anchor="ctr">
+                        <a:lnL w="12700" cap="flat" cmpd="sng" algn="ctr">
+                          <a:solidFill>
+                            <a:schemeClr val="tx1"/>
+                          </a:solidFill>
+                          <a:prstDash val="solid"/>
+                          <a:round/>
+                          <a:headEnd type="none" w="med" len="med"/>
+                          <a:tailEnd type="none" w="med" len="med"/>
+                        </a:lnL>
+                        <a:lnR w="12700" cap="flat" cmpd="sng" algn="ctr">
+                          <a:solidFill>
+                            <a:schemeClr val="tx1"/>
+                          </a:solidFill>
+                          <a:prstDash val="solid"/>
+                          <a:round/>
+                          <a:headEnd type="none" w="med" len="med"/>
+                          <a:tailEnd type="none" w="med" len="med"/>
+                        </a:lnR>
+                        <a:lnT w="9525" cap="flat" cmpd="sng" algn="ctr">
+                          <a:noFill/>
+                          <a:prstDash val="sysDot"/>
+                          <a:round/>
+                          <a:headEnd type="none" w="med" len="med"/>
+                          <a:tailEnd type="none" w="med" len="med"/>
+                        </a:lnT>
+                        <a:lnB w="9525" cap="flat" cmpd="sng" algn="ctr">
+                          <a:solidFill>
+                            <a:schemeClr val="tx1"/>
+                          </a:solidFill>
+                          <a:prstDash val="sysDot"/>
+                          <a:round/>
+                          <a:headEnd type="none" w="med" len="med"/>
+                          <a:tailEnd type="none" w="med" len="med"/>
+                        </a:lnB>
+                        <a:solidFill>
+                          <a:schemeClr val="bg1"/>
+                        </a:solidFill>
+                      </a:tcPr>
+                    </a:tc>
+                    <a:extLst>
+                      <a:ext uri="{0D108BD9-81ED-4DB2-BD59-A6C34878D82A}">
+                        <a16:rowId xmlns:a16="http://schemas.microsoft.com/office/drawing/2014/main" val="3448383632"/>
+                      </a:ext>
+                    </a:extLst>
+                  </a:tr>
+                  <a:tr h="150873">
+                    <a:tc>
+                      <a:txBody>
+                        <a:bodyPr/>
+                        <a:lstStyle/>
+                        <a:p>
+                          <a:pPr algn="ctr"/>
+                          <a:r>
+                            <a:rPr kumimoji="1" lang="en-US" altLang="ja-JP" sz="700" dirty="0">
+                              <a:latin typeface="Cambria Math" panose="02040503050406030204" pitchFamily="18" charset="0"/>
+                            </a:rPr>
+                            <a:t>Free space</a:t>
+                          </a:r>
+                          <a:endParaRPr kumimoji="1" lang="ja-JP" altLang="en-US" sz="700" dirty="0">
+                            <a:latin typeface="Cambria Math" panose="02040503050406030204" pitchFamily="18" charset="0"/>
+                          </a:endParaRPr>
+                        </a:p>
+                      </a:txBody>
+                      <a:tcPr marL="18226" marR="18226" marT="9113" marB="9113" anchor="ctr">
+                        <a:lnL w="12700" cap="flat" cmpd="sng" algn="ctr">
+                          <a:solidFill>
+                            <a:schemeClr val="tx1"/>
+                          </a:solidFill>
+                          <a:prstDash val="solid"/>
+                          <a:round/>
+                          <a:headEnd type="none" w="med" len="med"/>
+                          <a:tailEnd type="none" w="med" len="med"/>
+                        </a:lnL>
+                        <a:lnR w="12700" cap="flat" cmpd="sng" algn="ctr">
+                          <a:solidFill>
+                            <a:schemeClr val="tx1"/>
+                          </a:solidFill>
+                          <a:prstDash val="solid"/>
+                          <a:round/>
+                          <a:headEnd type="none" w="med" len="med"/>
+                          <a:tailEnd type="none" w="med" len="med"/>
+                        </a:lnR>
+                        <a:lnT w="9525" cap="flat" cmpd="sng" algn="ctr">
+                          <a:solidFill>
+                            <a:schemeClr val="tx1"/>
+                          </a:solidFill>
+                          <a:prstDash val="sysDot"/>
+                          <a:round/>
+                          <a:headEnd type="none" w="med" len="med"/>
+                          <a:tailEnd type="none" w="med" len="med"/>
+                        </a:lnT>
+                        <a:lnB w="9525" cap="flat" cmpd="sng" algn="ctr">
+                          <a:solidFill>
+                            <a:schemeClr val="tx1"/>
+                          </a:solidFill>
+                          <a:prstDash val="sysDot"/>
+                          <a:round/>
+                          <a:headEnd type="none" w="med" len="med"/>
+                          <a:tailEnd type="none" w="med" len="med"/>
+                        </a:lnB>
+                        <a:solidFill>
+                          <a:schemeClr val="bg1"/>
+                        </a:solidFill>
+                      </a:tcPr>
+                    </a:tc>
+                    <a:extLst>
+                      <a:ext uri="{0D108BD9-81ED-4DB2-BD59-A6C34878D82A}">
+                        <a16:rowId xmlns:a16="http://schemas.microsoft.com/office/drawing/2014/main" val="1611505625"/>
+                      </a:ext>
+                    </a:extLst>
+                  </a:tr>
+                  <a:tr h="150873">
+                    <a:tc>
+                      <a:txBody>
+                        <a:bodyPr/>
+                        <a:lstStyle/>
+                        <a:p>
+                          <a:pPr algn="ctr"/>
+                          <a14:m>
+                            <m:oMath xmlns:m="http://schemas.openxmlformats.org/officeDocument/2006/math">
+                              <m:r>
+                                <m:rPr>
+                                  <m:sty m:val="p"/>
+                                </m:rPr>
+                                <a:rPr kumimoji="1" lang="en-US" altLang="ja-JP" sz="700" b="0" i="0" smtClean="0">
+                                  <a:solidFill>
+                                    <a:schemeClr val="tx1"/>
+                                  </a:solidFill>
+                                  <a:latin typeface="Cambria Math" panose="02040503050406030204" pitchFamily="18" charset="0"/>
+                                </a:rPr>
+                                <m:t>Δ</m:t>
+                              </m:r>
+                            </m:oMath>
+                          </a14:m>
+                          <a:r>
+                            <a:rPr kumimoji="1" lang="ja-JP" altLang="en-US" sz="700" dirty="0">
+                              <a:latin typeface="Cambria Math" panose="02040503050406030204" pitchFamily="18" charset="0"/>
+                            </a:rPr>
+                            <a:t> </a:t>
+                          </a:r>
+                          <a:r>
+                            <a:rPr kumimoji="1" lang="en-US" altLang="ja-JP" sz="700" dirty="0">
+                              <a:latin typeface="Cambria Math" panose="02040503050406030204" pitchFamily="18" charset="0"/>
+                            </a:rPr>
+                            <a:t>metadata’</a:t>
+                          </a:r>
+                          <a:endParaRPr kumimoji="1" lang="ja-JP" altLang="en-US" sz="700" dirty="0">
+                            <a:latin typeface="Cambria Math" panose="02040503050406030204" pitchFamily="18" charset="0"/>
+                          </a:endParaRPr>
+                        </a:p>
+                      </a:txBody>
+                      <a:tcPr marL="18226" marR="18226" marT="9113" marB="9113" anchor="ctr">
+                        <a:lnL w="12700" cap="flat" cmpd="sng" algn="ctr">
+                          <a:solidFill>
+                            <a:schemeClr val="tx1"/>
+                          </a:solidFill>
+                          <a:prstDash val="solid"/>
+                          <a:round/>
+                          <a:headEnd type="none" w="med" len="med"/>
+                          <a:tailEnd type="none" w="med" len="med"/>
+                        </a:lnL>
+                        <a:lnR w="12700" cap="flat" cmpd="sng" algn="ctr">
+                          <a:solidFill>
+                            <a:schemeClr val="tx1"/>
+                          </a:solidFill>
+                          <a:prstDash val="solid"/>
+                          <a:round/>
+                          <a:headEnd type="none" w="med" len="med"/>
+                          <a:tailEnd type="none" w="med" len="med"/>
+                        </a:lnR>
+                        <a:lnT w="9525" cap="flat" cmpd="sng" algn="ctr">
+                          <a:solidFill>
+                            <a:schemeClr val="tx1"/>
+                          </a:solidFill>
+                          <a:prstDash val="sysDot"/>
+                          <a:round/>
+                          <a:headEnd type="none" w="med" len="med"/>
+                          <a:tailEnd type="none" w="med" len="med"/>
+                        </a:lnT>
+                        <a:lnB w="9525" cap="flat" cmpd="sng" algn="ctr">
+                          <a:noFill/>
+                          <a:prstDash val="sysDot"/>
+                          <a:round/>
+                          <a:headEnd type="none" w="med" len="med"/>
+                          <a:tailEnd type="none" w="med" len="med"/>
+                        </a:lnB>
+                        <a:solidFill>
+                          <a:schemeClr val="bg1"/>
+                        </a:solidFill>
+                      </a:tcPr>
+                    </a:tc>
+                    <a:extLst>
+                      <a:ext uri="{0D108BD9-81ED-4DB2-BD59-A6C34878D82A}">
+                        <a16:rowId xmlns:a16="http://schemas.microsoft.com/office/drawing/2014/main" val="726720701"/>
+                      </a:ext>
+                    </a:extLst>
+                  </a:tr>
+                  <a:tr h="150873">
+                    <a:tc>
+                      <a:txBody>
+                        <a:bodyPr/>
+                        <a:lstStyle/>
+                        <a:p>
+                          <a:pPr algn="ctr"/>
+                          <a14:m>
+                            <m:oMath xmlns:m="http://schemas.openxmlformats.org/officeDocument/2006/math">
+                              <m:r>
+                                <m:rPr>
+                                  <m:sty m:val="p"/>
+                                </m:rPr>
+                                <a:rPr kumimoji="1" lang="en-US" altLang="ja-JP" sz="700" b="0" i="0" smtClean="0">
+                                  <a:solidFill>
+                                    <a:schemeClr val="tx1"/>
+                                  </a:solidFill>
+                                  <a:latin typeface="Cambria Math" panose="02040503050406030204" pitchFamily="18" charset="0"/>
+                                </a:rPr>
+                                <m:t>Δ</m:t>
+                              </m:r>
+                            </m:oMath>
+                          </a14:m>
+                          <a:r>
+                            <a:rPr kumimoji="1" lang="ja-JP" altLang="en-US" sz="700" dirty="0">
+                              <a:latin typeface="Cambria Math" panose="02040503050406030204" pitchFamily="18" charset="0"/>
+                            </a:rPr>
+                            <a:t> </a:t>
+                          </a:r>
+                          <a:r>
+                            <a:rPr kumimoji="1" lang="en-US" altLang="ja-JP" sz="700" dirty="0">
+                              <a:latin typeface="Cambria Math" panose="02040503050406030204" pitchFamily="18" charset="0"/>
+                            </a:rPr>
+                            <a:t>metadata</a:t>
+                          </a:r>
+                          <a:endParaRPr kumimoji="1" lang="ja-JP" altLang="en-US" sz="700" dirty="0">
+                            <a:latin typeface="Cambria Math" panose="02040503050406030204" pitchFamily="18" charset="0"/>
+                          </a:endParaRPr>
+                        </a:p>
+                      </a:txBody>
+                      <a:tcPr marL="18226" marR="18226" marT="9113" marB="9113" anchor="ctr">
+                        <a:lnL w="12700" cap="flat" cmpd="sng" algn="ctr">
+                          <a:solidFill>
+                            <a:schemeClr val="tx1"/>
+                          </a:solidFill>
+                          <a:prstDash val="solid"/>
+                          <a:round/>
+                          <a:headEnd type="none" w="med" len="med"/>
+                          <a:tailEnd type="none" w="med" len="med"/>
+                        </a:lnL>
+                        <a:lnR w="12700" cap="flat" cmpd="sng" algn="ctr">
+                          <a:solidFill>
+                            <a:schemeClr val="tx1"/>
+                          </a:solidFill>
+                          <a:prstDash val="solid"/>
+                          <a:round/>
+                          <a:headEnd type="none" w="med" len="med"/>
+                          <a:tailEnd type="none" w="med" len="med"/>
+                        </a:lnR>
+                        <a:lnT w="9525" cap="flat" cmpd="sng" algn="ctr">
+                          <a:noFill/>
+                          <a:prstDash val="sysDot"/>
+                          <a:round/>
+                          <a:headEnd type="none" w="med" len="med"/>
+                          <a:tailEnd type="none" w="med" len="med"/>
+                        </a:lnT>
+                        <a:lnB w="9525" cap="flat" cmpd="sng" algn="ctr">
+                          <a:solidFill>
+                            <a:schemeClr val="tx1"/>
+                          </a:solidFill>
+                          <a:prstDash val="solid"/>
+                          <a:round/>
+                          <a:headEnd type="none" w="med" len="med"/>
+                          <a:tailEnd type="none" w="med" len="med"/>
+                        </a:lnB>
+                        <a:solidFill>
+                          <a:schemeClr val="bg1"/>
+                        </a:solidFill>
+                      </a:tcPr>
+                    </a:tc>
+                    <a:extLst>
+                      <a:ext uri="{0D108BD9-81ED-4DB2-BD59-A6C34878D82A}">
+                        <a16:rowId xmlns:a16="http://schemas.microsoft.com/office/drawing/2014/main" val="2258706886"/>
+                      </a:ext>
+                    </a:extLst>
+                  </a:tr>
+                  <a:tr h="150873">
+                    <a:tc>
+                      <a:txBody>
+                        <a:bodyPr/>
+                        <a:lstStyle/>
+                        <a:p>
+                          <a:pPr algn="ctr"/>
+                          <a:r>
+                            <a:rPr kumimoji="1" lang="en-US" altLang="ja-JP" sz="700" dirty="0">
+                              <a:solidFill>
+                                <a:schemeClr val="tx1"/>
+                              </a:solidFill>
+                              <a:latin typeface="Cambria Math" panose="02040503050406030204" pitchFamily="18" charset="0"/>
+                            </a:rPr>
+                            <a:t>Status word’</a:t>
+                          </a:r>
+                          <a:endParaRPr kumimoji="1" lang="ja-JP" altLang="en-US" sz="700" dirty="0">
+                            <a:solidFill>
+                              <a:schemeClr val="tx1"/>
+                            </a:solidFill>
+                            <a:latin typeface="Cambria Math" panose="02040503050406030204" pitchFamily="18" charset="0"/>
+                          </a:endParaRPr>
+                        </a:p>
+                      </a:txBody>
+                      <a:tcPr marL="18226" marR="18226" marT="9113" marB="9113" anchor="ctr">
+                        <a:lnL w="12700" cap="flat" cmpd="sng" algn="ctr">
+                          <a:solidFill>
+                            <a:schemeClr val="tx1"/>
+                          </a:solidFill>
+                          <a:prstDash val="solid"/>
+                          <a:round/>
+                          <a:headEnd type="none" w="med" len="med"/>
+                          <a:tailEnd type="none" w="med" len="med"/>
+                        </a:lnL>
+                        <a:lnR w="12700" cap="flat" cmpd="sng" algn="ctr">
+                          <a:solidFill>
+                            <a:schemeClr val="tx1"/>
+                          </a:solidFill>
+                          <a:prstDash val="solid"/>
+                          <a:round/>
+                          <a:headEnd type="none" w="med" len="med"/>
+                          <a:tailEnd type="none" w="med" len="med"/>
+                        </a:lnR>
+                        <a:lnT w="9525" cap="flat" cmpd="sng" algn="ctr">
+                          <a:solidFill>
+                            <a:schemeClr val="tx1"/>
+                          </a:solidFill>
+                          <a:prstDash val="solid"/>
+                          <a:round/>
+                          <a:headEnd type="none" w="med" len="med"/>
+                          <a:tailEnd type="none" w="med" len="med"/>
+                        </a:lnT>
+                        <a:lnB w="12700" cap="flat" cmpd="sng" algn="ctr">
+                          <a:solidFill>
+                            <a:schemeClr val="tx1"/>
+                          </a:solidFill>
+                          <a:prstDash val="solid"/>
+                          <a:round/>
+                          <a:headEnd type="none" w="med" len="med"/>
+                          <a:tailEnd type="none" w="med" len="med"/>
+                        </a:lnB>
+                        <a:solidFill>
+                          <a:schemeClr val="bg1"/>
+                        </a:solidFill>
+                      </a:tcPr>
+                    </a:tc>
+                    <a:extLst>
+                      <a:ext uri="{0D108BD9-81ED-4DB2-BD59-A6C34878D82A}">
+                        <a16:rowId xmlns:a16="http://schemas.microsoft.com/office/drawing/2014/main" val="1683332274"/>
+                      </a:ext>
+                    </a:extLst>
+                  </a:tr>
+                </a:tbl>
+              </a:graphicData>
+            </a:graphic>
+          </p:graphicFrame>
+        </mc:Choice>
+        <mc:Fallback>
+          <p:graphicFrame>
+            <p:nvGraphicFramePr>
+              <p:cNvPr id="75" name="表 49">
+                <a:extLst>
+                  <a:ext uri="{FF2B5EF4-FFF2-40B4-BE49-F238E27FC236}">
+                    <a16:creationId xmlns:a16="http://schemas.microsoft.com/office/drawing/2014/main" id="{A5C8AAF7-F3B8-BE4D-63E6-187F2CA98979}"/>
+                  </a:ext>
+                </a:extLst>
+              </p:cNvPr>
+              <p:cNvGraphicFramePr>
+                <a:graphicFrameLocks noGrp="1"/>
+              </p:cNvGraphicFramePr>
+              <p:nvPr>
+                <p:extLst>
+                  <p:ext uri="{D42A27DB-BD31-4B8C-83A1-F6EECF244321}">
+                    <p14:modId xmlns:p14="http://schemas.microsoft.com/office/powerpoint/2010/main" val="1141552365"/>
+                  </p:ext>
+                </p:extLst>
+              </p:nvPr>
+            </p:nvGraphicFramePr>
+            <p:xfrm>
+              <a:off x="2127873" y="32693"/>
+              <a:ext cx="511200" cy="1659603"/>
+            </p:xfrm>
+            <a:graphic>
+              <a:graphicData uri="http://schemas.openxmlformats.org/drawingml/2006/table">
+                <a:tbl>
+                  <a:tblPr firstRow="1" bandRow="1">
+                    <a:tableStyleId>{2D5ABB26-0587-4C30-8999-92F81FD0307C}</a:tableStyleId>
+                  </a:tblPr>
+                  <a:tblGrid>
+                    <a:gridCol w="511200">
+                      <a:extLst>
+                        <a:ext uri="{9D8B030D-6E8A-4147-A177-3AD203B41FA5}">
+                          <a16:colId xmlns:a16="http://schemas.microsoft.com/office/drawing/2014/main" val="1391329631"/>
+                        </a:ext>
+                      </a:extLst>
+                    </a:gridCol>
+                  </a:tblGrid>
+                  <a:tr h="150873">
+                    <a:tc>
+                      <a:txBody>
+                        <a:bodyPr/>
+                        <a:lstStyle/>
+                        <a:p>
+                          <a:pPr algn="ctr"/>
+                          <a:r>
+                            <a:rPr kumimoji="1" lang="en-US" altLang="ja-JP" sz="700" dirty="0">
+                              <a:latin typeface="Cambria Math" panose="02040503050406030204" pitchFamily="18" charset="0"/>
+                            </a:rPr>
+                            <a:t>Header</a:t>
+                          </a:r>
+                          <a:endParaRPr kumimoji="1" lang="ja-JP" altLang="en-US" sz="700" dirty="0">
+                            <a:latin typeface="Cambria Math" panose="02040503050406030204" pitchFamily="18" charset="0"/>
+                          </a:endParaRPr>
+                        </a:p>
+                      </a:txBody>
+                      <a:tcPr marL="18226" marR="18226" marT="9113" marB="9113" anchor="ctr">
+                        <a:lnL w="12700" cap="flat" cmpd="sng" algn="ctr">
+                          <a:solidFill>
+                            <a:schemeClr val="tx1"/>
+                          </a:solidFill>
+                          <a:prstDash val="solid"/>
+                          <a:round/>
+                          <a:headEnd type="none" w="med" len="med"/>
+                          <a:tailEnd type="none" w="med" len="med"/>
+                        </a:lnL>
+                        <a:lnR w="12700" cap="flat" cmpd="sng" algn="ctr">
+                          <a:solidFill>
+                            <a:schemeClr val="tx1"/>
+                          </a:solidFill>
+                          <a:prstDash val="solid"/>
+                          <a:round/>
+                          <a:headEnd type="none" w="med" len="med"/>
+                          <a:tailEnd type="none" w="med" len="med"/>
+                        </a:lnR>
+                        <a:lnT w="12700" cap="flat" cmpd="sng" algn="ctr">
+                          <a:solidFill>
+                            <a:schemeClr val="tx1"/>
+                          </a:solidFill>
+                          <a:prstDash val="solid"/>
+                          <a:round/>
+                          <a:headEnd type="none" w="med" len="med"/>
+                          <a:tailEnd type="none" w="med" len="med"/>
+                        </a:lnT>
+                        <a:lnB w="9525" cap="flat" cmpd="sng" algn="ctr">
+                          <a:solidFill>
+                            <a:schemeClr val="tx1"/>
+                          </a:solidFill>
+                          <a:prstDash val="solid"/>
+                          <a:round/>
+                          <a:headEnd type="none" w="med" len="med"/>
+                          <a:tailEnd type="none" w="med" len="med"/>
+                        </a:lnB>
+                        <a:solidFill>
+                          <a:schemeClr val="bg1"/>
+                        </a:solidFill>
+                      </a:tcPr>
+                    </a:tc>
+                    <a:extLst>
+                      <a:ext uri="{0D108BD9-81ED-4DB2-BD59-A6C34878D82A}">
+                        <a16:rowId xmlns:a16="http://schemas.microsoft.com/office/drawing/2014/main" val="3783925622"/>
+                      </a:ext>
+                    </a:extLst>
+                  </a:tr>
+                  <a:tr h="150873">
+                    <a:tc>
+                      <a:txBody>
+                        <a:bodyPr/>
+                        <a:lstStyle/>
+                        <a:p>
+                          <a:pPr algn="ctr"/>
+                          <a:r>
+                            <a:rPr kumimoji="1" lang="en-US" altLang="ja-JP" sz="700" dirty="0">
+                              <a:latin typeface="Cambria Math" panose="02040503050406030204" pitchFamily="18" charset="0"/>
+                              <a:ea typeface="Cambria Math" panose="02040503050406030204" pitchFamily="18" charset="0"/>
+                            </a:rPr>
+                            <a:t>Metadata</a:t>
+                          </a:r>
+                          <a:endParaRPr kumimoji="1" lang="ja-JP" altLang="en-US" sz="700" dirty="0">
+                            <a:latin typeface="Cambria Math" panose="02040503050406030204" pitchFamily="18" charset="0"/>
+                          </a:endParaRPr>
+                        </a:p>
+                      </a:txBody>
+                      <a:tcPr marL="18226" marR="18226" marT="9113" marB="9113" anchor="ctr">
+                        <a:lnL w="12700" cap="flat" cmpd="sng" algn="ctr">
+                          <a:solidFill>
+                            <a:schemeClr val="tx1"/>
+                          </a:solidFill>
+                          <a:prstDash val="solid"/>
+                          <a:round/>
+                          <a:headEnd type="none" w="med" len="med"/>
+                          <a:tailEnd type="none" w="med" len="med"/>
+                        </a:lnL>
+                        <a:lnR w="12700" cap="flat" cmpd="sng" algn="ctr">
+                          <a:solidFill>
+                            <a:schemeClr val="tx1"/>
+                          </a:solidFill>
+                          <a:prstDash val="solid"/>
+                          <a:round/>
+                          <a:headEnd type="none" w="med" len="med"/>
+                          <a:tailEnd type="none" w="med" len="med"/>
+                        </a:lnR>
+                        <a:lnT w="9525" cap="flat" cmpd="sng" algn="ctr">
+                          <a:solidFill>
+                            <a:schemeClr val="tx1"/>
+                          </a:solidFill>
+                          <a:prstDash val="solid"/>
+                          <a:round/>
+                          <a:headEnd type="none" w="med" len="med"/>
+                          <a:tailEnd type="none" w="med" len="med"/>
+                        </a:lnT>
+                        <a:solidFill>
+                          <a:schemeClr val="bg1"/>
+                        </a:solidFill>
+                      </a:tcPr>
+                    </a:tc>
+                    <a:extLst>
+                      <a:ext uri="{0D108BD9-81ED-4DB2-BD59-A6C34878D82A}">
+                        <a16:rowId xmlns:a16="http://schemas.microsoft.com/office/drawing/2014/main" val="2244812955"/>
+                      </a:ext>
+                    </a:extLst>
+                  </a:tr>
+                  <a:tr h="150873">
+                    <a:tc>
+                      <a:txBody>
+                        <a:bodyPr/>
+                        <a:lstStyle/>
+                        <a:p>
+                          <a:pPr algn="ctr"/>
+                          <a:r>
+                            <a:rPr kumimoji="1" lang="en-US" altLang="ja-JP" sz="700" dirty="0">
+                              <a:latin typeface="Cambria Math" panose="02040503050406030204" pitchFamily="18" charset="0"/>
+                              <a:ea typeface="Cambria Math" panose="02040503050406030204" pitchFamily="18" charset="0"/>
+                            </a:rPr>
+                            <a:t>...</a:t>
+                          </a:r>
+                          <a:endParaRPr kumimoji="1" lang="ja-JP" altLang="en-US" sz="700" dirty="0">
+                            <a:latin typeface="Cambria Math" panose="02040503050406030204" pitchFamily="18" charset="0"/>
+                          </a:endParaRPr>
+                        </a:p>
+                      </a:txBody>
+                      <a:tcPr marL="18226" marR="18226" marT="9113" marB="9113" anchor="ctr">
+                        <a:lnL w="12700" cap="flat" cmpd="sng" algn="ctr">
+                          <a:solidFill>
+                            <a:schemeClr val="tx1"/>
+                          </a:solidFill>
+                          <a:prstDash val="solid"/>
+                          <a:round/>
+                          <a:headEnd type="none" w="med" len="med"/>
+                          <a:tailEnd type="none" w="med" len="med"/>
+                        </a:lnL>
+                        <a:lnR w="12700" cap="flat" cmpd="sng" algn="ctr">
+                          <a:solidFill>
+                            <a:schemeClr val="tx1"/>
+                          </a:solidFill>
+                          <a:prstDash val="solid"/>
+                          <a:round/>
+                          <a:headEnd type="none" w="med" len="med"/>
+                          <a:tailEnd type="none" w="med" len="med"/>
+                        </a:lnR>
+                        <a:lnB w="9525" cap="flat" cmpd="sng" algn="ctr">
+                          <a:solidFill>
+                            <a:schemeClr val="tx1"/>
+                          </a:solidFill>
+                          <a:prstDash val="sysDot"/>
+                          <a:round/>
+                          <a:headEnd type="none" w="med" len="med"/>
+                          <a:tailEnd type="none" w="med" len="med"/>
+                        </a:lnB>
+                        <a:solidFill>
+                          <a:schemeClr val="bg1"/>
+                        </a:solidFill>
+                      </a:tcPr>
+                    </a:tc>
+                    <a:extLst>
+                      <a:ext uri="{0D108BD9-81ED-4DB2-BD59-A6C34878D82A}">
+                        <a16:rowId xmlns:a16="http://schemas.microsoft.com/office/drawing/2014/main" val="1930659369"/>
+                      </a:ext>
+                    </a:extLst>
+                  </a:tr>
+                  <a:tr h="150873">
+                    <a:tc>
+                      <a:txBody>
+                        <a:bodyPr/>
+                        <a:lstStyle/>
+                        <a:p>
+                          <a:pPr algn="ctr"/>
+                          <a:r>
+                            <a:rPr kumimoji="1" lang="en-US" altLang="ja-JP" sz="700" dirty="0">
+                              <a:latin typeface="Cambria Math" panose="02040503050406030204" pitchFamily="18" charset="0"/>
+                            </a:rPr>
+                            <a:t>...</a:t>
+                          </a:r>
+                          <a:endParaRPr kumimoji="1" lang="ja-JP" altLang="en-US" sz="700" dirty="0">
+                            <a:latin typeface="Cambria Math" panose="02040503050406030204" pitchFamily="18" charset="0"/>
+                          </a:endParaRPr>
+                        </a:p>
+                      </a:txBody>
+                      <a:tcPr marL="18226" marR="18226" marT="9113" marB="9113" anchor="ctr">
+                        <a:lnL w="12700" cap="flat" cmpd="sng" algn="ctr">
+                          <a:solidFill>
+                            <a:schemeClr val="tx1"/>
+                          </a:solidFill>
+                          <a:prstDash val="solid"/>
+                          <a:round/>
+                          <a:headEnd type="none" w="med" len="med"/>
+                          <a:tailEnd type="none" w="med" len="med"/>
+                        </a:lnL>
+                        <a:lnR w="12700" cap="flat" cmpd="sng" algn="ctr">
+                          <a:solidFill>
+                            <a:schemeClr val="tx1"/>
+                          </a:solidFill>
+                          <a:prstDash val="solid"/>
+                          <a:round/>
+                          <a:headEnd type="none" w="med" len="med"/>
+                          <a:tailEnd type="none" w="med" len="med"/>
+                        </a:lnR>
+                        <a:lnT w="9525" cap="flat" cmpd="sng" algn="ctr">
+                          <a:solidFill>
+                            <a:schemeClr val="tx1"/>
+                          </a:solidFill>
+                          <a:prstDash val="sysDot"/>
+                          <a:round/>
+                          <a:headEnd type="none" w="med" len="med"/>
+                          <a:tailEnd type="none" w="med" len="med"/>
+                        </a:lnT>
+                        <a:lnB w="12700" cap="flat" cmpd="sng" algn="ctr">
+                          <a:noFill/>
+                          <a:prstDash val="solid"/>
+                          <a:round/>
+                          <a:headEnd type="none" w="med" len="med"/>
+                          <a:tailEnd type="none" w="med" len="med"/>
+                        </a:lnB>
+                        <a:solidFill>
+                          <a:schemeClr val="bg1"/>
+                        </a:solidFill>
+                      </a:tcPr>
+                    </a:tc>
+                    <a:extLst>
+                      <a:ext uri="{0D108BD9-81ED-4DB2-BD59-A6C34878D82A}">
+                        <a16:rowId xmlns:a16="http://schemas.microsoft.com/office/drawing/2014/main" val="4212267831"/>
+                      </a:ext>
+                    </a:extLst>
+                  </a:tr>
+                  <a:tr h="150873">
+                    <a:tc>
+                      <a:txBody>
+                        <a:bodyPr/>
+                        <a:lstStyle/>
+                        <a:p>
+                          <a:pPr algn="ctr"/>
+                          <a:r>
+                            <a:rPr kumimoji="1" lang="en-US" altLang="ja-JP" sz="700" dirty="0">
+                              <a:latin typeface="Cambria Math" panose="02040503050406030204" pitchFamily="18" charset="0"/>
+                            </a:rPr>
+                            <a:t>Record</a:t>
+                          </a:r>
+                          <a:endParaRPr kumimoji="1" lang="ja-JP" altLang="en-US" sz="700" dirty="0">
+                            <a:latin typeface="Cambria Math" panose="02040503050406030204" pitchFamily="18" charset="0"/>
+                          </a:endParaRPr>
+                        </a:p>
+                      </a:txBody>
+                      <a:tcPr marL="18226" marR="18226" marT="9113" marB="9113" anchor="ctr">
+                        <a:lnL w="12700" cap="flat" cmpd="sng" algn="ctr">
+                          <a:solidFill>
+                            <a:schemeClr val="tx1"/>
+                          </a:solidFill>
+                          <a:prstDash val="solid"/>
+                          <a:round/>
+                          <a:headEnd type="none" w="med" len="med"/>
+                          <a:tailEnd type="none" w="med" len="med"/>
+                        </a:lnL>
+                        <a:lnR w="12700" cap="flat" cmpd="sng" algn="ctr">
+                          <a:solidFill>
+                            <a:schemeClr val="tx1"/>
+                          </a:solidFill>
+                          <a:prstDash val="solid"/>
+                          <a:round/>
+                          <a:headEnd type="none" w="med" len="med"/>
+                          <a:tailEnd type="none" w="med" len="med"/>
+                        </a:lnR>
+                        <a:lnT w="12700" cap="flat" cmpd="sng" algn="ctr">
+                          <a:noFill/>
+                          <a:prstDash val="solid"/>
+                          <a:round/>
+                          <a:headEnd type="none" w="med" len="med"/>
+                          <a:tailEnd type="none" w="med" len="med"/>
+                        </a:lnT>
+                        <a:lnB w="9525" cap="flat" cmpd="sng" algn="ctr">
+                          <a:solidFill>
+                            <a:schemeClr val="tx1"/>
+                          </a:solidFill>
+                          <a:prstDash val="solid"/>
+                          <a:round/>
+                          <a:headEnd type="none" w="med" len="med"/>
+                          <a:tailEnd type="none" w="med" len="med"/>
+                        </a:lnB>
+                        <a:solidFill>
+                          <a:schemeClr val="bg1"/>
+                        </a:solidFill>
+                      </a:tcPr>
+                    </a:tc>
+                    <a:extLst>
+                      <a:ext uri="{0D108BD9-81ED-4DB2-BD59-A6C34878D82A}">
+                        <a16:rowId xmlns:a16="http://schemas.microsoft.com/office/drawing/2014/main" val="77431627"/>
+                      </a:ext>
+                    </a:extLst>
+                  </a:tr>
+                  <a:tr h="150873">
+                    <a:tc>
+                      <a:txBody>
+                        <a:bodyPr/>
+                        <a:lstStyle/>
+                        <a:p>
+                          <a:endParaRPr lang="ja-JP"/>
+                        </a:p>
+                      </a:txBody>
+                      <a:tcPr marL="18226" marR="18226" marT="9113" marB="9113" anchor="ctr">
+                        <a:lnL w="12700" cap="flat" cmpd="sng" algn="ctr">
+                          <a:solidFill>
+                            <a:schemeClr val="tx1"/>
+                          </a:solidFill>
+                          <a:prstDash val="solid"/>
+                          <a:round/>
+                          <a:headEnd type="none" w="med" len="med"/>
+                          <a:tailEnd type="none" w="med" len="med"/>
+                        </a:lnL>
+                        <a:lnR w="12700" cap="flat" cmpd="sng" algn="ctr">
+                          <a:solidFill>
+                            <a:schemeClr val="tx1"/>
+                          </a:solidFill>
+                          <a:prstDash val="solid"/>
+                          <a:round/>
+                          <a:headEnd type="none" w="med" len="med"/>
+                          <a:tailEnd type="none" w="med" len="med"/>
+                        </a:lnR>
+                        <a:lnT w="9525" cap="flat" cmpd="sng" algn="ctr">
+                          <a:solidFill>
+                            <a:schemeClr val="tx1"/>
+                          </a:solidFill>
+                          <a:prstDash val="solid"/>
+                          <a:round/>
+                          <a:headEnd type="none" w="med" len="med"/>
+                          <a:tailEnd type="none" w="med" len="med"/>
+                        </a:lnT>
+                        <a:lnB w="9525" cap="flat" cmpd="sng" algn="ctr">
+                          <a:noFill/>
+                          <a:prstDash val="sysDot"/>
+                          <a:round/>
+                          <a:headEnd type="none" w="med" len="med"/>
+                          <a:tailEnd type="none" w="med" len="med"/>
+                        </a:lnB>
+                        <a:blipFill>
+                          <a:blip r:embed="rId5"/>
+                          <a:stretch>
+                            <a:fillRect l="-1190" t="-504000" r="-3571" b="-516000"/>
+                          </a:stretch>
+                        </a:blipFill>
+                      </a:tcPr>
+                    </a:tc>
+                    <a:extLst>
+                      <a:ext uri="{0D108BD9-81ED-4DB2-BD59-A6C34878D82A}">
+                        <a16:rowId xmlns:a16="http://schemas.microsoft.com/office/drawing/2014/main" val="380398867"/>
+                      </a:ext>
+                    </a:extLst>
+                  </a:tr>
+                  <a:tr h="150873">
+                    <a:tc>
+                      <a:txBody>
+                        <a:bodyPr/>
+                        <a:lstStyle/>
+                        <a:p>
+                          <a:endParaRPr lang="ja-JP"/>
+                        </a:p>
+                      </a:txBody>
+                      <a:tcPr marL="18226" marR="18226" marT="9113" marB="9113" anchor="ctr">
+                        <a:lnL w="12700" cap="flat" cmpd="sng" algn="ctr">
+                          <a:solidFill>
+                            <a:schemeClr val="tx1"/>
+                          </a:solidFill>
+                          <a:prstDash val="solid"/>
+                          <a:round/>
+                          <a:headEnd type="none" w="med" len="med"/>
+                          <a:tailEnd type="none" w="med" len="med"/>
+                        </a:lnL>
+                        <a:lnR w="12700" cap="flat" cmpd="sng" algn="ctr">
+                          <a:solidFill>
+                            <a:schemeClr val="tx1"/>
+                          </a:solidFill>
+                          <a:prstDash val="solid"/>
+                          <a:round/>
+                          <a:headEnd type="none" w="med" len="med"/>
+                          <a:tailEnd type="none" w="med" len="med"/>
+                        </a:lnR>
+                        <a:lnT w="9525" cap="flat" cmpd="sng" algn="ctr">
+                          <a:noFill/>
+                          <a:prstDash val="sysDot"/>
+                          <a:round/>
+                          <a:headEnd type="none" w="med" len="med"/>
+                          <a:tailEnd type="none" w="med" len="med"/>
+                        </a:lnT>
+                        <a:lnB w="9525" cap="flat" cmpd="sng" algn="ctr">
+                          <a:solidFill>
+                            <a:schemeClr val="tx1"/>
+                          </a:solidFill>
+                          <a:prstDash val="sysDot"/>
+                          <a:round/>
+                          <a:headEnd type="none" w="med" len="med"/>
+                          <a:tailEnd type="none" w="med" len="med"/>
+                        </a:lnB>
+                        <a:blipFill>
+                          <a:blip r:embed="rId5"/>
+                          <a:stretch>
+                            <a:fillRect l="-1190" t="-604000" r="-3571" b="-416000"/>
+                          </a:stretch>
+                        </a:blipFill>
+                      </a:tcPr>
+                    </a:tc>
+                    <a:extLst>
+                      <a:ext uri="{0D108BD9-81ED-4DB2-BD59-A6C34878D82A}">
+                        <a16:rowId xmlns:a16="http://schemas.microsoft.com/office/drawing/2014/main" val="3448383632"/>
+                      </a:ext>
+                    </a:extLst>
+                  </a:tr>
+                  <a:tr h="150873">
+                    <a:tc>
+                      <a:txBody>
+                        <a:bodyPr/>
+                        <a:lstStyle/>
+                        <a:p>
+                          <a:pPr algn="ctr"/>
+                          <a:r>
+                            <a:rPr kumimoji="1" lang="en-US" altLang="ja-JP" sz="700" dirty="0">
+                              <a:latin typeface="Cambria Math" panose="02040503050406030204" pitchFamily="18" charset="0"/>
+                            </a:rPr>
+                            <a:t>Free space</a:t>
+                          </a:r>
+                          <a:endParaRPr kumimoji="1" lang="ja-JP" altLang="en-US" sz="700" dirty="0">
+                            <a:latin typeface="Cambria Math" panose="02040503050406030204" pitchFamily="18" charset="0"/>
+                          </a:endParaRPr>
+                        </a:p>
+                      </a:txBody>
+                      <a:tcPr marL="18226" marR="18226" marT="9113" marB="9113" anchor="ctr">
+                        <a:lnL w="12700" cap="flat" cmpd="sng" algn="ctr">
+                          <a:solidFill>
+                            <a:schemeClr val="tx1"/>
+                          </a:solidFill>
+                          <a:prstDash val="solid"/>
+                          <a:round/>
+                          <a:headEnd type="none" w="med" len="med"/>
+                          <a:tailEnd type="none" w="med" len="med"/>
+                        </a:lnL>
+                        <a:lnR w="12700" cap="flat" cmpd="sng" algn="ctr">
+                          <a:solidFill>
+                            <a:schemeClr val="tx1"/>
+                          </a:solidFill>
+                          <a:prstDash val="solid"/>
+                          <a:round/>
+                          <a:headEnd type="none" w="med" len="med"/>
+                          <a:tailEnd type="none" w="med" len="med"/>
+                        </a:lnR>
+                        <a:lnT w="9525" cap="flat" cmpd="sng" algn="ctr">
+                          <a:solidFill>
+                            <a:schemeClr val="tx1"/>
+                          </a:solidFill>
+                          <a:prstDash val="sysDot"/>
+                          <a:round/>
+                          <a:headEnd type="none" w="med" len="med"/>
+                          <a:tailEnd type="none" w="med" len="med"/>
+                        </a:lnT>
+                        <a:lnB w="9525" cap="flat" cmpd="sng" algn="ctr">
+                          <a:solidFill>
+                            <a:schemeClr val="tx1"/>
+                          </a:solidFill>
+                          <a:prstDash val="sysDot"/>
+                          <a:round/>
+                          <a:headEnd type="none" w="med" len="med"/>
+                          <a:tailEnd type="none" w="med" len="med"/>
+                        </a:lnB>
+                        <a:solidFill>
+                          <a:schemeClr val="bg1"/>
+                        </a:solidFill>
+                      </a:tcPr>
+                    </a:tc>
+                    <a:extLst>
+                      <a:ext uri="{0D108BD9-81ED-4DB2-BD59-A6C34878D82A}">
+                        <a16:rowId xmlns:a16="http://schemas.microsoft.com/office/drawing/2014/main" val="1611505625"/>
+                      </a:ext>
+                    </a:extLst>
+                  </a:tr>
+                  <a:tr h="150873">
+                    <a:tc>
+                      <a:txBody>
+                        <a:bodyPr/>
+                        <a:lstStyle/>
+                        <a:p>
+                          <a:endParaRPr lang="ja-JP"/>
+                        </a:p>
+                      </a:txBody>
+                      <a:tcPr marL="18226" marR="18226" marT="9113" marB="9113" anchor="ctr">
+                        <a:lnL w="12700" cap="flat" cmpd="sng" algn="ctr">
+                          <a:solidFill>
+                            <a:schemeClr val="tx1"/>
+                          </a:solidFill>
+                          <a:prstDash val="solid"/>
+                          <a:round/>
+                          <a:headEnd type="none" w="med" len="med"/>
+                          <a:tailEnd type="none" w="med" len="med"/>
+                        </a:lnL>
+                        <a:lnR w="12700" cap="flat" cmpd="sng" algn="ctr">
+                          <a:solidFill>
+                            <a:schemeClr val="tx1"/>
+                          </a:solidFill>
+                          <a:prstDash val="solid"/>
+                          <a:round/>
+                          <a:headEnd type="none" w="med" len="med"/>
+                          <a:tailEnd type="none" w="med" len="med"/>
+                        </a:lnR>
+                        <a:lnT w="9525" cap="flat" cmpd="sng" algn="ctr">
+                          <a:solidFill>
+                            <a:schemeClr val="tx1"/>
+                          </a:solidFill>
+                          <a:prstDash val="sysDot"/>
+                          <a:round/>
+                          <a:headEnd type="none" w="med" len="med"/>
+                          <a:tailEnd type="none" w="med" len="med"/>
+                        </a:lnT>
+                        <a:lnB w="9525" cap="flat" cmpd="sng" algn="ctr">
+                          <a:noFill/>
+                          <a:prstDash val="sysDot"/>
+                          <a:round/>
+                          <a:headEnd type="none" w="med" len="med"/>
+                          <a:tailEnd type="none" w="med" len="med"/>
+                        </a:lnB>
+                        <a:blipFill>
+                          <a:blip r:embed="rId5"/>
+                          <a:stretch>
+                            <a:fillRect l="-1190" t="-837500" r="-3571" b="-229167"/>
+                          </a:stretch>
+                        </a:blipFill>
+                      </a:tcPr>
+                    </a:tc>
+                    <a:extLst>
+                      <a:ext uri="{0D108BD9-81ED-4DB2-BD59-A6C34878D82A}">
+                        <a16:rowId xmlns:a16="http://schemas.microsoft.com/office/drawing/2014/main" val="726720701"/>
+                      </a:ext>
+                    </a:extLst>
+                  </a:tr>
+                  <a:tr h="150873">
+                    <a:tc>
+                      <a:txBody>
+                        <a:bodyPr/>
+                        <a:lstStyle/>
+                        <a:p>
+                          <a:endParaRPr lang="ja-JP"/>
+                        </a:p>
+                      </a:txBody>
+                      <a:tcPr marL="18226" marR="18226" marT="9113" marB="9113" anchor="ctr">
+                        <a:lnL w="12700" cap="flat" cmpd="sng" algn="ctr">
+                          <a:solidFill>
+                            <a:schemeClr val="tx1"/>
+                          </a:solidFill>
+                          <a:prstDash val="solid"/>
+                          <a:round/>
+                          <a:headEnd type="none" w="med" len="med"/>
+                          <a:tailEnd type="none" w="med" len="med"/>
+                        </a:lnL>
+                        <a:lnR w="12700" cap="flat" cmpd="sng" algn="ctr">
+                          <a:solidFill>
+                            <a:schemeClr val="tx1"/>
+                          </a:solidFill>
+                          <a:prstDash val="solid"/>
+                          <a:round/>
+                          <a:headEnd type="none" w="med" len="med"/>
+                          <a:tailEnd type="none" w="med" len="med"/>
+                        </a:lnR>
+                        <a:lnT w="9525" cap="flat" cmpd="sng" algn="ctr">
+                          <a:noFill/>
+                          <a:prstDash val="sysDot"/>
+                          <a:round/>
+                          <a:headEnd type="none" w="med" len="med"/>
+                          <a:tailEnd type="none" w="med" len="med"/>
+                        </a:lnT>
+                        <a:lnB w="9525" cap="flat" cmpd="sng" algn="ctr">
+                          <a:solidFill>
+                            <a:schemeClr val="tx1"/>
+                          </a:solidFill>
+                          <a:prstDash val="solid"/>
+                          <a:round/>
+                          <a:headEnd type="none" w="med" len="med"/>
+                          <a:tailEnd type="none" w="med" len="med"/>
+                        </a:lnB>
+                        <a:blipFill>
+                          <a:blip r:embed="rId5"/>
+                          <a:stretch>
+                            <a:fillRect l="-1190" t="-900000" r="-3571" b="-120000"/>
+                          </a:stretch>
+                        </a:blipFill>
+                      </a:tcPr>
+                    </a:tc>
+                    <a:extLst>
+                      <a:ext uri="{0D108BD9-81ED-4DB2-BD59-A6C34878D82A}">
+                        <a16:rowId xmlns:a16="http://schemas.microsoft.com/office/drawing/2014/main" val="2258706886"/>
+                      </a:ext>
+                    </a:extLst>
+                  </a:tr>
+                  <a:tr h="150873">
+                    <a:tc>
+                      <a:txBody>
+                        <a:bodyPr/>
+                        <a:lstStyle/>
+                        <a:p>
+                          <a:pPr algn="ctr"/>
+                          <a:r>
+                            <a:rPr kumimoji="1" lang="en-US" altLang="ja-JP" sz="700" dirty="0">
+                              <a:solidFill>
+                                <a:schemeClr val="tx1"/>
+                              </a:solidFill>
+                              <a:latin typeface="Cambria Math" panose="02040503050406030204" pitchFamily="18" charset="0"/>
+                            </a:rPr>
+                            <a:t>Status word’</a:t>
+                          </a:r>
+                          <a:endParaRPr kumimoji="1" lang="ja-JP" altLang="en-US" sz="700" dirty="0">
+                            <a:solidFill>
+                              <a:schemeClr val="tx1"/>
+                            </a:solidFill>
+                            <a:latin typeface="Cambria Math" panose="02040503050406030204" pitchFamily="18" charset="0"/>
+                          </a:endParaRPr>
+                        </a:p>
+                      </a:txBody>
+                      <a:tcPr marL="18226" marR="18226" marT="9113" marB="9113" anchor="ctr">
+                        <a:lnL w="12700" cap="flat" cmpd="sng" algn="ctr">
+                          <a:solidFill>
+                            <a:schemeClr val="tx1"/>
+                          </a:solidFill>
+                          <a:prstDash val="solid"/>
+                          <a:round/>
+                          <a:headEnd type="none" w="med" len="med"/>
+                          <a:tailEnd type="none" w="med" len="med"/>
+                        </a:lnL>
+                        <a:lnR w="12700" cap="flat" cmpd="sng" algn="ctr">
+                          <a:solidFill>
+                            <a:schemeClr val="tx1"/>
+                          </a:solidFill>
+                          <a:prstDash val="solid"/>
+                          <a:round/>
+                          <a:headEnd type="none" w="med" len="med"/>
+                          <a:tailEnd type="none" w="med" len="med"/>
+                        </a:lnR>
+                        <a:lnT w="9525" cap="flat" cmpd="sng" algn="ctr">
+                          <a:solidFill>
+                            <a:schemeClr val="tx1"/>
+                          </a:solidFill>
+                          <a:prstDash val="solid"/>
+                          <a:round/>
+                          <a:headEnd type="none" w="med" len="med"/>
+                          <a:tailEnd type="none" w="med" len="med"/>
+                        </a:lnT>
+                        <a:lnB w="12700" cap="flat" cmpd="sng" algn="ctr">
+                          <a:solidFill>
+                            <a:schemeClr val="tx1"/>
+                          </a:solidFill>
+                          <a:prstDash val="solid"/>
+                          <a:round/>
+                          <a:headEnd type="none" w="med" len="med"/>
+                          <a:tailEnd type="none" w="med" len="med"/>
+                        </a:lnB>
+                        <a:solidFill>
+                          <a:schemeClr val="bg1"/>
+                        </a:solidFill>
+                      </a:tcPr>
+                    </a:tc>
+                    <a:extLst>
+                      <a:ext uri="{0D108BD9-81ED-4DB2-BD59-A6C34878D82A}">
+                        <a16:rowId xmlns:a16="http://schemas.microsoft.com/office/drawing/2014/main" val="1683332274"/>
+                      </a:ext>
+                    </a:extLst>
+                  </a:tr>
+                </a:tbl>
+              </a:graphicData>
+            </a:graphic>
+          </p:graphicFrame>
+        </mc:Fallback>
+      </mc:AlternateContent>
       <p:sp>
         <p:nvSpPr>
-          <p:cNvPr id="70" name="テキスト ボックス 69">
+          <p:cNvPr id="28" name="左中かっこ 27">
             <a:extLst>
               <a:ext uri="{FF2B5EF4-FFF2-40B4-BE49-F238E27FC236}">
-                <a16:creationId xmlns:a16="http://schemas.microsoft.com/office/drawing/2014/main" id="{AC6C2720-CB8D-74B6-6CD1-C03766621E8D}"/>
+                <a16:creationId xmlns:a16="http://schemas.microsoft.com/office/drawing/2014/main" id="{655A4272-1A4B-4998-B093-BB6D6C94B280}"/>
+              </a:ext>
+            </a:extLst>
+          </p:cNvPr>
+          <p:cNvSpPr/>
+          <p:nvPr/>
+        </p:nvSpPr>
+        <p:spPr>
+          <a:xfrm flipH="1">
+            <a:off x="2639072" y="32693"/>
+            <a:ext cx="54149" cy="761315"/>
+          </a:xfrm>
+          <a:prstGeom prst="leftBrace">
+            <a:avLst>
+              <a:gd name="adj1" fmla="val 69865"/>
+              <a:gd name="adj2" fmla="val 50000"/>
+            </a:avLst>
+          </a:prstGeom>
+          <a:ln w="9525">
+            <a:solidFill>
+              <a:schemeClr val="tx1"/>
+            </a:solidFill>
+          </a:ln>
+        </p:spPr>
+        <p:style>
+          <a:lnRef idx="1">
+            <a:schemeClr val="accent1"/>
+          </a:lnRef>
+          <a:fillRef idx="0">
+            <a:schemeClr val="accent1"/>
+          </a:fillRef>
+          <a:effectRef idx="0">
+            <a:schemeClr val="accent1"/>
+          </a:effectRef>
+          <a:fontRef idx="minor">
+            <a:schemeClr val="tx1"/>
+          </a:fontRef>
+        </p:style>
+        <p:txBody>
+          <a:bodyPr rtlCol="0" anchor="ctr"/>
+          <a:lstStyle/>
+          <a:p>
+            <a:pPr algn="ctr"/>
+            <a:endParaRPr lang="ja-JP" altLang="en-US" sz="700"/>
+          </a:p>
+        </p:txBody>
+      </p:sp>
+      <p:sp>
+        <p:nvSpPr>
+          <p:cNvPr id="29" name="左中かっこ 28">
+            <a:extLst>
+              <a:ext uri="{FF2B5EF4-FFF2-40B4-BE49-F238E27FC236}">
+                <a16:creationId xmlns:a16="http://schemas.microsoft.com/office/drawing/2014/main" id="{16B8E84A-B4E4-45D9-BFB6-930E43D4C13C}"/>
+              </a:ext>
+            </a:extLst>
+          </p:cNvPr>
+          <p:cNvSpPr/>
+          <p:nvPr/>
+        </p:nvSpPr>
+        <p:spPr>
+          <a:xfrm flipH="1">
+            <a:off x="2639073" y="794008"/>
+            <a:ext cx="74230" cy="898288"/>
+          </a:xfrm>
+          <a:prstGeom prst="leftBrace">
+            <a:avLst>
+              <a:gd name="adj1" fmla="val 69865"/>
+              <a:gd name="adj2" fmla="val 50000"/>
+            </a:avLst>
+          </a:prstGeom>
+          <a:ln w="9525">
+            <a:solidFill>
+              <a:schemeClr val="tx1"/>
+            </a:solidFill>
+          </a:ln>
+        </p:spPr>
+        <p:style>
+          <a:lnRef idx="1">
+            <a:schemeClr val="accent1"/>
+          </a:lnRef>
+          <a:fillRef idx="0">
+            <a:schemeClr val="accent1"/>
+          </a:fillRef>
+          <a:effectRef idx="0">
+            <a:schemeClr val="accent1"/>
+          </a:effectRef>
+          <a:fontRef idx="minor">
+            <a:schemeClr val="tx1"/>
+          </a:fontRef>
+        </p:style>
+        <p:txBody>
+          <a:bodyPr rtlCol="0" anchor="ctr"/>
+          <a:lstStyle/>
+          <a:p>
+            <a:pPr algn="ctr"/>
+            <a:endParaRPr lang="ja-JP" altLang="en-US" sz="700"/>
+          </a:p>
+        </p:txBody>
+      </p:sp>
+      <p:sp>
+        <p:nvSpPr>
+          <p:cNvPr id="30" name="テキスト ボックス 29">
+            <a:extLst>
+              <a:ext uri="{FF2B5EF4-FFF2-40B4-BE49-F238E27FC236}">
+                <a16:creationId xmlns:a16="http://schemas.microsoft.com/office/drawing/2014/main" id="{D1BCE7E7-FD33-4503-93B4-397803C196A5}"/>
+              </a:ext>
+            </a:extLst>
+          </p:cNvPr>
+          <p:cNvSpPr txBox="1"/>
+          <p:nvPr/>
+        </p:nvSpPr>
+        <p:spPr>
+          <a:xfrm rot="5400000">
+            <a:off x="2604257" y="362878"/>
+            <a:ext cx="428692" cy="117340"/>
+          </a:xfrm>
+          <a:prstGeom prst="rect">
+            <a:avLst/>
+          </a:prstGeom>
+          <a:noFill/>
+        </p:spPr>
+        <p:txBody>
+          <a:bodyPr wrap="square" lIns="0" tIns="0" rIns="0" bIns="0" rtlCol="0">
+            <a:spAutoFit/>
+          </a:bodyPr>
+          <a:lstStyle/>
+          <a:p>
+            <a:pPr>
+              <a:lnSpc>
+                <a:spcPct val="120000"/>
+              </a:lnSpc>
+              <a:spcAft>
+                <a:spcPts val="608"/>
+              </a:spcAft>
+              <a:buClr>
+                <a:schemeClr val="accent6">
+                  <a:lumMod val="50000"/>
+                </a:schemeClr>
+              </a:buClr>
+              <a:buSzPct val="100000"/>
+            </a:pPr>
+            <a:r>
+              <a:rPr lang="en-US" altLang="ja-JP" sz="700" dirty="0">
+                <a:latin typeface="Cambria Math" panose="02040503050406030204" pitchFamily="18" charset="0"/>
+                <a:ea typeface="Cambria Math" panose="02040503050406030204" pitchFamily="18" charset="0"/>
+              </a:rPr>
+              <a:t>Immutable</a:t>
+            </a:r>
+            <a:endParaRPr lang="ja-JP" altLang="en-US" sz="700" dirty="0">
+              <a:latin typeface="Cambria Math" panose="02040503050406030204" pitchFamily="18" charset="0"/>
+            </a:endParaRPr>
+          </a:p>
+        </p:txBody>
+      </p:sp>
+      <p:sp>
+        <p:nvSpPr>
+          <p:cNvPr id="31" name="テキスト ボックス 30">
+            <a:extLst>
+              <a:ext uri="{FF2B5EF4-FFF2-40B4-BE49-F238E27FC236}">
+                <a16:creationId xmlns:a16="http://schemas.microsoft.com/office/drawing/2014/main" id="{3923EAEC-2DB9-4F16-886C-E7C8F6B53DD2}"/>
+              </a:ext>
+            </a:extLst>
+          </p:cNvPr>
+          <p:cNvSpPr txBox="1"/>
+          <p:nvPr/>
+        </p:nvSpPr>
+        <p:spPr>
+          <a:xfrm rot="5400000">
+            <a:off x="2659885" y="1184482"/>
+            <a:ext cx="317435" cy="117340"/>
+          </a:xfrm>
+          <a:prstGeom prst="rect">
+            <a:avLst/>
+          </a:prstGeom>
+          <a:noFill/>
+        </p:spPr>
+        <p:txBody>
+          <a:bodyPr wrap="square" lIns="0" tIns="0" rIns="0" bIns="0" rtlCol="0">
+            <a:spAutoFit/>
+          </a:bodyPr>
+          <a:lstStyle/>
+          <a:p>
+            <a:pPr>
+              <a:lnSpc>
+                <a:spcPct val="120000"/>
+              </a:lnSpc>
+              <a:spcAft>
+                <a:spcPts val="608"/>
+              </a:spcAft>
+              <a:buClr>
+                <a:schemeClr val="accent6">
+                  <a:lumMod val="50000"/>
+                </a:schemeClr>
+              </a:buClr>
+              <a:buSzPct val="100000"/>
+            </a:pPr>
+            <a:r>
+              <a:rPr lang="en-US" altLang="ja-JP" sz="700" dirty="0">
+                <a:latin typeface="Cambria Math" panose="02040503050406030204" pitchFamily="18" charset="0"/>
+                <a:ea typeface="Cambria Math" panose="02040503050406030204" pitchFamily="18" charset="0"/>
+              </a:rPr>
+              <a:t>Mutable</a:t>
+            </a:r>
+            <a:endParaRPr lang="ja-JP" altLang="en-US" sz="700" dirty="0">
+              <a:latin typeface="Cambria Math" panose="02040503050406030204" pitchFamily="18" charset="0"/>
+            </a:endParaRPr>
+          </a:p>
+        </p:txBody>
+      </p:sp>
+      <p:sp>
+        <p:nvSpPr>
+          <p:cNvPr id="32" name="テキスト ボックス 31">
+            <a:extLst>
+              <a:ext uri="{FF2B5EF4-FFF2-40B4-BE49-F238E27FC236}">
+                <a16:creationId xmlns:a16="http://schemas.microsoft.com/office/drawing/2014/main" id="{6BAEB853-A2AE-4340-BE7A-C22BA9BA84AB}"/>
+              </a:ext>
+            </a:extLst>
+          </p:cNvPr>
+          <p:cNvSpPr txBox="1"/>
+          <p:nvPr/>
+        </p:nvSpPr>
+        <p:spPr>
+          <a:xfrm rot="16200000">
+            <a:off x="-142597" y="1432358"/>
+            <a:ext cx="402537" cy="117340"/>
+          </a:xfrm>
+          <a:prstGeom prst="rect">
+            <a:avLst/>
+          </a:prstGeom>
+          <a:noFill/>
+        </p:spPr>
+        <p:txBody>
+          <a:bodyPr wrap="square" lIns="0" tIns="0" rIns="0" bIns="0" rtlCol="0">
+            <a:spAutoFit/>
+          </a:bodyPr>
+          <a:lstStyle/>
+          <a:p>
+            <a:pPr algn="r">
+              <a:lnSpc>
+                <a:spcPct val="120000"/>
+              </a:lnSpc>
+              <a:spcAft>
+                <a:spcPts val="608"/>
+              </a:spcAft>
+              <a:buClr>
+                <a:schemeClr val="accent6">
+                  <a:lumMod val="50000"/>
+                </a:schemeClr>
+              </a:buClr>
+              <a:buSzPct val="100000"/>
+            </a:pPr>
+            <a:r>
+              <a:rPr lang="en-US" altLang="ja-JP" sz="700" dirty="0">
+                <a:latin typeface="Cambria Math" panose="02040503050406030204" pitchFamily="18" charset="0"/>
+                <a:ea typeface="Cambria Math" panose="02040503050406030204" pitchFamily="18" charset="0"/>
+              </a:rPr>
+              <a:t># of deltas</a:t>
+            </a:r>
+            <a:endParaRPr lang="ja-JP" altLang="en-US" sz="700" dirty="0">
+              <a:latin typeface="Cambria Math" panose="02040503050406030204" pitchFamily="18" charset="0"/>
+            </a:endParaRPr>
+          </a:p>
+        </p:txBody>
+      </p:sp>
+      <p:sp>
+        <p:nvSpPr>
+          <p:cNvPr id="33" name="テキスト ボックス 32">
+            <a:extLst>
+              <a:ext uri="{FF2B5EF4-FFF2-40B4-BE49-F238E27FC236}">
+                <a16:creationId xmlns:a16="http://schemas.microsoft.com/office/drawing/2014/main" id="{0D5E9B1E-50E4-408B-980B-1C99FEEBAD16}"/>
+              </a:ext>
+            </a:extLst>
+          </p:cNvPr>
+          <p:cNvSpPr txBox="1"/>
+          <p:nvPr/>
+        </p:nvSpPr>
+        <p:spPr>
+          <a:xfrm rot="16200000">
+            <a:off x="-138018" y="798740"/>
+            <a:ext cx="381359" cy="117340"/>
+          </a:xfrm>
+          <a:prstGeom prst="rect">
+            <a:avLst/>
+          </a:prstGeom>
+          <a:noFill/>
+        </p:spPr>
+        <p:txBody>
+          <a:bodyPr wrap="square" lIns="0" tIns="0" rIns="0" bIns="0" rtlCol="0">
+            <a:spAutoFit/>
+          </a:bodyPr>
+          <a:lstStyle/>
+          <a:p>
+            <a:pPr algn="r">
+              <a:lnSpc>
+                <a:spcPct val="120000"/>
+              </a:lnSpc>
+              <a:spcAft>
+                <a:spcPts val="608"/>
+              </a:spcAft>
+              <a:buClr>
+                <a:schemeClr val="accent6">
+                  <a:lumMod val="50000"/>
+                </a:schemeClr>
+              </a:buClr>
+              <a:buSzPct val="100000"/>
+            </a:pPr>
+            <a:r>
+              <a:rPr lang="en-US" altLang="ja-JP" sz="700" dirty="0">
+                <a:latin typeface="Cambria Math" panose="02040503050406030204" pitchFamily="18" charset="0"/>
+                <a:ea typeface="Cambria Math" panose="02040503050406030204" pitchFamily="18" charset="0"/>
+              </a:rPr>
+              <a:t>Block size</a:t>
+            </a:r>
+            <a:endParaRPr lang="ja-JP" altLang="en-US" sz="700" dirty="0">
+              <a:latin typeface="Cambria Math" panose="02040503050406030204" pitchFamily="18" charset="0"/>
+            </a:endParaRPr>
+          </a:p>
+        </p:txBody>
+      </p:sp>
+      <p:sp>
+        <p:nvSpPr>
+          <p:cNvPr id="34" name="左中かっこ 33">
+            <a:extLst>
+              <a:ext uri="{FF2B5EF4-FFF2-40B4-BE49-F238E27FC236}">
+                <a16:creationId xmlns:a16="http://schemas.microsoft.com/office/drawing/2014/main" id="{6B92130B-7717-4663-A131-D8416E519F6C}"/>
+              </a:ext>
+            </a:extLst>
+          </p:cNvPr>
+          <p:cNvSpPr/>
+          <p:nvPr/>
+        </p:nvSpPr>
+        <p:spPr>
+          <a:xfrm>
+            <a:off x="150051" y="781549"/>
+            <a:ext cx="45719" cy="151722"/>
+          </a:xfrm>
+          <a:prstGeom prst="leftBrace">
+            <a:avLst>
+              <a:gd name="adj1" fmla="val 69865"/>
+              <a:gd name="adj2" fmla="val 50000"/>
+            </a:avLst>
+          </a:prstGeom>
+          <a:ln w="9525">
+            <a:solidFill>
+              <a:schemeClr val="tx1"/>
+            </a:solidFill>
+          </a:ln>
+        </p:spPr>
+        <p:style>
+          <a:lnRef idx="1">
+            <a:schemeClr val="accent1"/>
+          </a:lnRef>
+          <a:fillRef idx="0">
+            <a:schemeClr val="accent1"/>
+          </a:fillRef>
+          <a:effectRef idx="0">
+            <a:schemeClr val="accent1"/>
+          </a:effectRef>
+          <a:fontRef idx="minor">
+            <a:schemeClr val="tx1"/>
+          </a:fontRef>
+        </p:style>
+        <p:txBody>
+          <a:bodyPr rtlCol="0" anchor="ctr"/>
+          <a:lstStyle/>
+          <a:p>
+            <a:pPr algn="ctr"/>
+            <a:endParaRPr lang="ja-JP" altLang="en-US" sz="700"/>
+          </a:p>
+        </p:txBody>
+      </p:sp>
+      <p:sp>
+        <p:nvSpPr>
+          <p:cNvPr id="35" name="テキスト ボックス 34">
+            <a:extLst>
+              <a:ext uri="{FF2B5EF4-FFF2-40B4-BE49-F238E27FC236}">
+                <a16:creationId xmlns:a16="http://schemas.microsoft.com/office/drawing/2014/main" id="{0C597325-9D60-4423-811B-475B503AD477}"/>
               </a:ext>
             </a:extLst>
           </p:cNvPr>
@@ -3866,7 +7327,7 @@
         </p:nvSpPr>
         <p:spPr>
           <a:xfrm>
-            <a:off x="36503" y="1570460"/>
+            <a:off x="36503" y="1736712"/>
             <a:ext cx="835833" cy="117340"/>
           </a:xfrm>
           <a:prstGeom prst="rect">
@@ -3907,14 +7368,14 @@
           </a:p>
         </p:txBody>
       </p:sp>
-      <mc:AlternateContent xmlns:mc="http://schemas.openxmlformats.org/markup-compatibility/2006">
-        <mc:Choice xmlns:a14="http://schemas.microsoft.com/office/drawing/2010/main" Requires="a14">
+      <mc:AlternateContent xmlns:mc="http://schemas.openxmlformats.org/markup-compatibility/2006" xmlns:a14="http://schemas.microsoft.com/office/drawing/2010/main">
+        <mc:Choice Requires="a14">
           <p:sp>
             <p:nvSpPr>
-              <p:cNvPr id="71" name="テキスト ボックス 70">
+              <p:cNvPr id="36" name="テキスト ボックス 35">
                 <a:extLst>
                   <a:ext uri="{FF2B5EF4-FFF2-40B4-BE49-F238E27FC236}">
-                    <a16:creationId xmlns:a16="http://schemas.microsoft.com/office/drawing/2014/main" id="{1E00AC52-F0BE-EA0F-535F-E103A0F29D61}"/>
+                    <a16:creationId xmlns:a16="http://schemas.microsoft.com/office/drawing/2014/main" id="{690E2652-C572-4474-AFBC-F3FA2DFA7A6A}"/>
                   </a:ext>
                 </a:extLst>
               </p:cNvPr>
@@ -3923,7 +7384,7 @@
             </p:nvSpPr>
             <p:spPr>
               <a:xfrm>
-                <a:off x="1054082" y="1572335"/>
+                <a:off x="1054082" y="1738587"/>
                 <a:ext cx="756026" cy="117340"/>
               </a:xfrm>
               <a:prstGeom prst="rect">
@@ -3991,13 +7452,13 @@
             </p:txBody>
           </p:sp>
         </mc:Choice>
-        <mc:Fallback>
+        <mc:Fallback xmlns="">
           <p:sp>
             <p:nvSpPr>
-              <p:cNvPr id="71" name="テキスト ボックス 70">
+              <p:cNvPr id="36" name="テキスト ボックス 35">
                 <a:extLst>
                   <a:ext uri="{FF2B5EF4-FFF2-40B4-BE49-F238E27FC236}">
-                    <a16:creationId xmlns:a16="http://schemas.microsoft.com/office/drawing/2014/main" id="{1E00AC52-F0BE-EA0F-535F-E103A0F29D61}"/>
+                    <a16:creationId xmlns:a16="http://schemas.microsoft.com/office/drawing/2014/main" id="{690E2652-C572-4474-AFBC-F3FA2DFA7A6A}"/>
                   </a:ext>
                 </a:extLst>
               </p:cNvPr>
@@ -4008,16 +7469,16 @@
             </p:nvSpPr>
             <p:spPr>
               <a:xfrm>
-                <a:off x="1054082" y="1572335"/>
+                <a:off x="1054082" y="1738587"/>
                 <a:ext cx="756026" cy="117340"/>
               </a:xfrm>
               <a:prstGeom prst="rect">
                 <a:avLst/>
               </a:prstGeom>
               <a:blipFill>
-                <a:blip r:embed="rId4"/>
+                <a:blip r:embed="rId6"/>
                 <a:stretch>
-                  <a:fillRect l="-5645" t="-21053" r="-4032" b="-47368"/>
+                  <a:fillRect l="-5645" t="-21053" r="-4032" b="-52632"/>
                 </a:stretch>
               </a:blipFill>
             </p:spPr>
@@ -4038,10 +7499,10 @@
       </mc:AlternateContent>
       <p:sp>
         <p:nvSpPr>
-          <p:cNvPr id="72" name="テキスト ボックス 71">
+          <p:cNvPr id="37" name="テキスト ボックス 36">
             <a:extLst>
               <a:ext uri="{FF2B5EF4-FFF2-40B4-BE49-F238E27FC236}">
-                <a16:creationId xmlns:a16="http://schemas.microsoft.com/office/drawing/2014/main" id="{7BEE6296-6632-351E-0DCF-BB375D4C8366}"/>
+                <a16:creationId xmlns:a16="http://schemas.microsoft.com/office/drawing/2014/main" id="{05B6228B-7D70-47FC-B903-BE6A1496CC7E}"/>
               </a:ext>
             </a:extLst>
           </p:cNvPr>
@@ -4050,7 +7511,7 @@
         </p:nvSpPr>
         <p:spPr>
           <a:xfrm>
-            <a:off x="1991854" y="1570460"/>
+            <a:off x="1991854" y="1736712"/>
             <a:ext cx="782717" cy="117340"/>
           </a:xfrm>
           <a:prstGeom prst="rect">
@@ -4093,10 +7554,10 @@
       </p:sp>
       <p:sp>
         <p:nvSpPr>
-          <p:cNvPr id="73" name="左中かっこ 72">
+          <p:cNvPr id="38" name="左中かっこ 37">
             <a:extLst>
               <a:ext uri="{FF2B5EF4-FFF2-40B4-BE49-F238E27FC236}">
-                <a16:creationId xmlns:a16="http://schemas.microsoft.com/office/drawing/2014/main" id="{809611AA-F86D-B877-D154-16B2A0DAD1F8}"/>
+                <a16:creationId xmlns:a16="http://schemas.microsoft.com/office/drawing/2014/main" id="{B6903F35-5451-4CC1-A5DC-35D781FEAB1D}"/>
               </a:ext>
             </a:extLst>
           </p:cNvPr>
@@ -4105,8 +7566,8 @@
         </p:nvSpPr>
         <p:spPr>
           <a:xfrm>
-            <a:off x="153197" y="1191296"/>
-            <a:ext cx="36452" cy="80945"/>
+            <a:off x="148255" y="1387566"/>
+            <a:ext cx="45798" cy="151722"/>
           </a:xfrm>
           <a:prstGeom prst="leftBrace">
             <a:avLst>
@@ -4139,3477 +7600,16 @@
           <a:lstStyle/>
           <a:p>
             <a:pPr algn="ctr"/>
-            <a:endParaRPr lang="ja-JP" altLang="en-US" sz="700"/>
-          </a:p>
-        </p:txBody>
-      </p:sp>
-      <mc:AlternateContent xmlns:mc="http://schemas.openxmlformats.org/markup-compatibility/2006" xmlns:a14="http://schemas.microsoft.com/office/drawing/2010/main">
-        <mc:Choice Requires="a14">
-          <p:graphicFrame>
-            <p:nvGraphicFramePr>
-              <p:cNvPr id="74" name="表 49">
-                <a:extLst>
-                  <a:ext uri="{FF2B5EF4-FFF2-40B4-BE49-F238E27FC236}">
-                    <a16:creationId xmlns:a16="http://schemas.microsoft.com/office/drawing/2014/main" id="{28A17ADB-D9F8-BA54-1BF0-12E8119846F0}"/>
-                  </a:ext>
-                </a:extLst>
-              </p:cNvPr>
-              <p:cNvGraphicFramePr>
-                <a:graphicFrameLocks noGrp="1"/>
-              </p:cNvGraphicFramePr>
-              <p:nvPr>
-                <p:extLst>
-                  <p:ext uri="{D42A27DB-BD31-4B8C-83A1-F6EECF244321}">
-                    <p14:modId xmlns:p14="http://schemas.microsoft.com/office/powerpoint/2010/main" val="2447856886"/>
-                  </p:ext>
-                </p:extLst>
-              </p:nvPr>
-            </p:nvGraphicFramePr>
-            <p:xfrm>
-              <a:off x="1176495" y="32693"/>
-              <a:ext cx="511200" cy="1465197"/>
-            </p:xfrm>
-            <a:graphic>
-              <a:graphicData uri="http://schemas.openxmlformats.org/drawingml/2006/table">
-                <a:tbl>
-                  <a:tblPr firstRow="1" bandRow="1">
-                    <a:tableStyleId>{2D5ABB26-0587-4C30-8999-92F81FD0307C}</a:tableStyleId>
-                  </a:tblPr>
-                  <a:tblGrid>
-                    <a:gridCol w="511200">
-                      <a:extLst>
-                        <a:ext uri="{9D8B030D-6E8A-4147-A177-3AD203B41FA5}">
-                          <a16:colId xmlns:a16="http://schemas.microsoft.com/office/drawing/2014/main" val="1391329631"/>
-                        </a:ext>
-                      </a:extLst>
-                    </a:gridCol>
-                  </a:tblGrid>
-                  <a:tr h="125587">
-                    <a:tc>
-                      <a:txBody>
-                        <a:bodyPr/>
-                        <a:lstStyle/>
-                        <a:p>
-                          <a:pPr algn="ctr"/>
-                          <a:r>
-                            <a:rPr kumimoji="1" lang="en-US" altLang="ja-JP" sz="700" baseline="0" dirty="0">
-                              <a:latin typeface="Cambria Math" panose="02040503050406030204" pitchFamily="18" charset="0"/>
-                            </a:rPr>
-                            <a:t>Header</a:t>
-                          </a:r>
-                          <a:endParaRPr kumimoji="1" lang="ja-JP" altLang="en-US" sz="700" baseline="0" dirty="0">
-                            <a:latin typeface="Cambria Math" panose="02040503050406030204" pitchFamily="18" charset="0"/>
-                          </a:endParaRPr>
-                        </a:p>
-                      </a:txBody>
-                      <a:tcPr marL="18226" marR="18226" marT="9113" marB="9113" anchor="ctr">
-                        <a:lnL w="12700" cap="flat" cmpd="sng" algn="ctr">
-                          <a:solidFill>
-                            <a:schemeClr val="tx1"/>
-                          </a:solidFill>
-                          <a:prstDash val="solid"/>
-                          <a:round/>
-                          <a:headEnd type="none" w="med" len="med"/>
-                          <a:tailEnd type="none" w="med" len="med"/>
-                        </a:lnL>
-                        <a:lnR w="12700" cap="flat" cmpd="sng" algn="ctr">
-                          <a:solidFill>
-                            <a:schemeClr val="tx1"/>
-                          </a:solidFill>
-                          <a:prstDash val="solid"/>
-                          <a:round/>
-                          <a:headEnd type="none" w="med" len="med"/>
-                          <a:tailEnd type="none" w="med" len="med"/>
-                        </a:lnR>
-                        <a:lnT w="12700" cap="flat" cmpd="sng" algn="ctr">
-                          <a:solidFill>
-                            <a:schemeClr val="tx1"/>
-                          </a:solidFill>
-                          <a:prstDash val="solid"/>
-                          <a:round/>
-                          <a:headEnd type="none" w="med" len="med"/>
-                          <a:tailEnd type="none" w="med" len="med"/>
-                        </a:lnT>
-                        <a:lnB w="9525" cap="flat" cmpd="sng" algn="ctr">
-                          <a:solidFill>
-                            <a:schemeClr val="tx1"/>
-                          </a:solidFill>
-                          <a:prstDash val="solid"/>
-                          <a:round/>
-                          <a:headEnd type="none" w="med" len="med"/>
-                          <a:tailEnd type="none" w="med" len="med"/>
-                        </a:lnB>
-                        <a:solidFill>
-                          <a:schemeClr val="bg1"/>
-                        </a:solidFill>
-                      </a:tcPr>
-                    </a:tc>
-                    <a:extLst>
-                      <a:ext uri="{0D108BD9-81ED-4DB2-BD59-A6C34878D82A}">
-                        <a16:rowId xmlns:a16="http://schemas.microsoft.com/office/drawing/2014/main" val="3783925622"/>
-                      </a:ext>
-                    </a:extLst>
-                  </a:tr>
-                  <a:tr h="125587">
-                    <a:tc>
-                      <a:txBody>
-                        <a:bodyPr/>
-                        <a:lstStyle/>
-                        <a:p>
-                          <a:pPr algn="ctr"/>
-                          <a:r>
-                            <a:rPr kumimoji="1" lang="en-US" altLang="ja-JP" sz="700" baseline="0" dirty="0">
-                              <a:latin typeface="Cambria Math" panose="02040503050406030204" pitchFamily="18" charset="0"/>
-                              <a:ea typeface="Cambria Math" panose="02040503050406030204" pitchFamily="18" charset="0"/>
-                            </a:rPr>
-                            <a:t>Metadata</a:t>
-                          </a:r>
-                          <a:endParaRPr kumimoji="1" lang="ja-JP" altLang="en-US" sz="700" baseline="0" dirty="0">
-                            <a:latin typeface="Cambria Math" panose="02040503050406030204" pitchFamily="18" charset="0"/>
-                          </a:endParaRPr>
-                        </a:p>
-                      </a:txBody>
-                      <a:tcPr marL="18226" marR="18226" marT="9113" marB="9113" anchor="ctr">
-                        <a:lnL w="12700" cap="flat" cmpd="sng" algn="ctr">
-                          <a:solidFill>
-                            <a:schemeClr val="tx1"/>
-                          </a:solidFill>
-                          <a:prstDash val="solid"/>
-                          <a:round/>
-                          <a:headEnd type="none" w="med" len="med"/>
-                          <a:tailEnd type="none" w="med" len="med"/>
-                        </a:lnL>
-                        <a:lnR w="12700" cap="flat" cmpd="sng" algn="ctr">
-                          <a:solidFill>
-                            <a:schemeClr val="tx1"/>
-                          </a:solidFill>
-                          <a:prstDash val="solid"/>
-                          <a:round/>
-                          <a:headEnd type="none" w="med" len="med"/>
-                          <a:tailEnd type="none" w="med" len="med"/>
-                        </a:lnR>
-                        <a:lnT w="9525" cap="flat" cmpd="sng" algn="ctr">
-                          <a:solidFill>
-                            <a:schemeClr val="tx1"/>
-                          </a:solidFill>
-                          <a:prstDash val="solid"/>
-                          <a:round/>
-                          <a:headEnd type="none" w="med" len="med"/>
-                          <a:tailEnd type="none" w="med" len="med"/>
-                        </a:lnT>
-                        <a:solidFill>
-                          <a:schemeClr val="bg1"/>
-                        </a:solidFill>
-                      </a:tcPr>
-                    </a:tc>
-                    <a:extLst>
-                      <a:ext uri="{0D108BD9-81ED-4DB2-BD59-A6C34878D82A}">
-                        <a16:rowId xmlns:a16="http://schemas.microsoft.com/office/drawing/2014/main" val="2244812955"/>
-                      </a:ext>
-                    </a:extLst>
-                  </a:tr>
-                  <a:tr h="125587">
-                    <a:tc>
-                      <a:txBody>
-                        <a:bodyPr/>
-                        <a:lstStyle/>
-                        <a:p>
-                          <a:pPr algn="ctr"/>
-                          <a:r>
-                            <a:rPr kumimoji="1" lang="en-US" altLang="ja-JP" sz="700" baseline="0" dirty="0">
-                              <a:latin typeface="Cambria Math" panose="02040503050406030204" pitchFamily="18" charset="0"/>
-                              <a:ea typeface="Cambria Math" panose="02040503050406030204" pitchFamily="18" charset="0"/>
-                            </a:rPr>
-                            <a:t>...</a:t>
-                          </a:r>
-                          <a:endParaRPr kumimoji="1" lang="ja-JP" altLang="en-US" sz="700" baseline="0" dirty="0">
-                            <a:latin typeface="Cambria Math" panose="02040503050406030204" pitchFamily="18" charset="0"/>
-                          </a:endParaRPr>
-                        </a:p>
-                      </a:txBody>
-                      <a:tcPr marL="18226" marR="18226" marT="9113" marB="9113" anchor="ctr">
-                        <a:lnL w="12700" cap="flat" cmpd="sng" algn="ctr">
-                          <a:solidFill>
-                            <a:schemeClr val="tx1"/>
-                          </a:solidFill>
-                          <a:prstDash val="solid"/>
-                          <a:round/>
-                          <a:headEnd type="none" w="med" len="med"/>
-                          <a:tailEnd type="none" w="med" len="med"/>
-                        </a:lnL>
-                        <a:lnR w="12700" cap="flat" cmpd="sng" algn="ctr">
-                          <a:solidFill>
-                            <a:schemeClr val="tx1"/>
-                          </a:solidFill>
-                          <a:prstDash val="solid"/>
-                          <a:round/>
-                          <a:headEnd type="none" w="med" len="med"/>
-                          <a:tailEnd type="none" w="med" len="med"/>
-                        </a:lnR>
-                        <a:lnB w="9525" cap="flat" cmpd="sng" algn="ctr">
-                          <a:solidFill>
-                            <a:schemeClr val="tx1"/>
-                          </a:solidFill>
-                          <a:prstDash val="sysDot"/>
-                          <a:round/>
-                          <a:headEnd type="none" w="med" len="med"/>
-                          <a:tailEnd type="none" w="med" len="med"/>
-                        </a:lnB>
-                        <a:solidFill>
-                          <a:schemeClr val="bg1"/>
-                        </a:solidFill>
-                      </a:tcPr>
-                    </a:tc>
-                    <a:extLst>
-                      <a:ext uri="{0D108BD9-81ED-4DB2-BD59-A6C34878D82A}">
-                        <a16:rowId xmlns:a16="http://schemas.microsoft.com/office/drawing/2014/main" val="1930659369"/>
-                      </a:ext>
-                    </a:extLst>
-                  </a:tr>
-                  <a:tr h="125587">
-                    <a:tc>
-                      <a:txBody>
-                        <a:bodyPr/>
-                        <a:lstStyle/>
-                        <a:p>
-                          <a:pPr algn="ctr"/>
-                          <a:r>
-                            <a:rPr kumimoji="1" lang="en-US" altLang="ja-JP" sz="700" baseline="0" dirty="0">
-                              <a:latin typeface="Cambria Math" panose="02040503050406030204" pitchFamily="18" charset="0"/>
-                            </a:rPr>
-                            <a:t>...</a:t>
-                          </a:r>
-                          <a:endParaRPr kumimoji="1" lang="ja-JP" altLang="en-US" sz="700" baseline="0" dirty="0">
-                            <a:latin typeface="Cambria Math" panose="02040503050406030204" pitchFamily="18" charset="0"/>
-                          </a:endParaRPr>
-                        </a:p>
-                      </a:txBody>
-                      <a:tcPr marL="18226" marR="18226" marT="9113" marB="9113" anchor="ctr">
-                        <a:lnL w="12700" cap="flat" cmpd="sng" algn="ctr">
-                          <a:solidFill>
-                            <a:schemeClr val="tx1"/>
-                          </a:solidFill>
-                          <a:prstDash val="solid"/>
-                          <a:round/>
-                          <a:headEnd type="none" w="med" len="med"/>
-                          <a:tailEnd type="none" w="med" len="med"/>
-                        </a:lnL>
-                        <a:lnR w="12700" cap="flat" cmpd="sng" algn="ctr">
-                          <a:solidFill>
-                            <a:schemeClr val="tx1"/>
-                          </a:solidFill>
-                          <a:prstDash val="solid"/>
-                          <a:round/>
-                          <a:headEnd type="none" w="med" len="med"/>
-                          <a:tailEnd type="none" w="med" len="med"/>
-                        </a:lnR>
-                        <a:lnT w="9525" cap="flat" cmpd="sng" algn="ctr">
-                          <a:solidFill>
-                            <a:schemeClr val="tx1"/>
-                          </a:solidFill>
-                          <a:prstDash val="sysDot"/>
-                          <a:round/>
-                          <a:headEnd type="none" w="med" len="med"/>
-                          <a:tailEnd type="none" w="med" len="med"/>
-                        </a:lnT>
-                        <a:lnB w="12700" cap="flat" cmpd="sng" algn="ctr">
-                          <a:noFill/>
-                          <a:prstDash val="solid"/>
-                          <a:round/>
-                          <a:headEnd type="none" w="med" len="med"/>
-                          <a:tailEnd type="none" w="med" len="med"/>
-                        </a:lnB>
-                        <a:solidFill>
-                          <a:schemeClr val="bg1"/>
-                        </a:solidFill>
-                      </a:tcPr>
-                    </a:tc>
-                    <a:extLst>
-                      <a:ext uri="{0D108BD9-81ED-4DB2-BD59-A6C34878D82A}">
-                        <a16:rowId xmlns:a16="http://schemas.microsoft.com/office/drawing/2014/main" val="4212267831"/>
-                      </a:ext>
-                    </a:extLst>
-                  </a:tr>
-                  <a:tr h="125587">
-                    <a:tc>
-                      <a:txBody>
-                        <a:bodyPr/>
-                        <a:lstStyle/>
-                        <a:p>
-                          <a:pPr algn="ctr"/>
-                          <a:r>
-                            <a:rPr kumimoji="1" lang="en-US" altLang="ja-JP" sz="700" baseline="0" dirty="0">
-                              <a:latin typeface="Cambria Math" panose="02040503050406030204" pitchFamily="18" charset="0"/>
-                            </a:rPr>
-                            <a:t>Record</a:t>
-                          </a:r>
-                          <a:endParaRPr kumimoji="1" lang="ja-JP" altLang="en-US" sz="700" baseline="0" dirty="0">
-                            <a:latin typeface="Cambria Math" panose="02040503050406030204" pitchFamily="18" charset="0"/>
-                          </a:endParaRPr>
-                        </a:p>
-                      </a:txBody>
-                      <a:tcPr marL="18226" marR="18226" marT="9113" marB="9113" anchor="ctr">
-                        <a:lnL w="12700" cap="flat" cmpd="sng" algn="ctr">
-                          <a:solidFill>
-                            <a:schemeClr val="tx1"/>
-                          </a:solidFill>
-                          <a:prstDash val="solid"/>
-                          <a:round/>
-                          <a:headEnd type="none" w="med" len="med"/>
-                          <a:tailEnd type="none" w="med" len="med"/>
-                        </a:lnL>
-                        <a:lnR w="12700" cap="flat" cmpd="sng" algn="ctr">
-                          <a:solidFill>
-                            <a:schemeClr val="tx1"/>
-                          </a:solidFill>
-                          <a:prstDash val="solid"/>
-                          <a:round/>
-                          <a:headEnd type="none" w="med" len="med"/>
-                          <a:tailEnd type="none" w="med" len="med"/>
-                        </a:lnR>
-                        <a:lnT w="12700" cap="flat" cmpd="sng" algn="ctr">
-                          <a:noFill/>
-                          <a:prstDash val="solid"/>
-                          <a:round/>
-                          <a:headEnd type="none" w="med" len="med"/>
-                          <a:tailEnd type="none" w="med" len="med"/>
-                        </a:lnT>
-                        <a:lnB w="9525" cap="flat" cmpd="sng" algn="ctr">
-                          <a:solidFill>
-                            <a:schemeClr val="tx1"/>
-                          </a:solidFill>
-                          <a:prstDash val="solid"/>
-                          <a:round/>
-                          <a:headEnd type="none" w="med" len="med"/>
-                          <a:tailEnd type="none" w="med" len="med"/>
-                        </a:lnB>
-                        <a:solidFill>
-                          <a:schemeClr val="bg1"/>
-                        </a:solidFill>
-                      </a:tcPr>
-                    </a:tc>
-                    <a:extLst>
-                      <a:ext uri="{0D108BD9-81ED-4DB2-BD59-A6C34878D82A}">
-                        <a16:rowId xmlns:a16="http://schemas.microsoft.com/office/drawing/2014/main" val="77431627"/>
-                      </a:ext>
-                    </a:extLst>
-                  </a:tr>
-                  <a:tr h="125587">
-                    <a:tc>
-                      <a:txBody>
-                        <a:bodyPr/>
-                        <a:lstStyle/>
-                        <a:p>
-                          <a:pPr marL="0" marR="0" lvl="0" indent="0" algn="ctr" defTabSz="191934" rtl="0" eaLnBrk="1" fontAlgn="auto" latinLnBrk="0" hangingPunct="1">
-                            <a:lnSpc>
-                              <a:spcPct val="100000"/>
-                            </a:lnSpc>
-                            <a:spcBef>
-                              <a:spcPts val="0"/>
-                            </a:spcBef>
-                            <a:spcAft>
-                              <a:spcPts val="0"/>
-                            </a:spcAft>
-                            <a:buClrTx/>
-                            <a:buSzTx/>
-                            <a:buFontTx/>
-                            <a:buNone/>
-                            <a:tabLst/>
-                            <a:defRPr/>
-                          </a:pPr>
-                          <a14:m>
-                            <m:oMath xmlns:m="http://schemas.openxmlformats.org/officeDocument/2006/math">
-                              <m:r>
-                                <m:rPr>
-                                  <m:sty m:val="p"/>
-                                </m:rPr>
-                                <a:rPr kumimoji="1" lang="en-US" altLang="ja-JP" sz="700" b="0" i="0" baseline="0" smtClean="0">
-                                  <a:solidFill>
-                                    <a:schemeClr val="tx1"/>
-                                  </a:solidFill>
-                                  <a:latin typeface="Cambria Math" panose="02040503050406030204" pitchFamily="18" charset="0"/>
-                                </a:rPr>
-                                <m:t>Δ</m:t>
-                              </m:r>
-                            </m:oMath>
-                          </a14:m>
-                          <a:r>
-                            <a:rPr kumimoji="1" lang="ja-JP" altLang="en-US" sz="700" baseline="0" dirty="0">
-                              <a:latin typeface="Cambria Math" panose="02040503050406030204" pitchFamily="18" charset="0"/>
-                            </a:rPr>
-                            <a:t> </a:t>
-                          </a:r>
-                          <a:r>
-                            <a:rPr kumimoji="1" lang="en-US" altLang="ja-JP" sz="700" baseline="0" dirty="0">
-                              <a:latin typeface="Cambria Math" panose="02040503050406030204" pitchFamily="18" charset="0"/>
-                            </a:rPr>
-                            <a:t>record</a:t>
-                          </a:r>
-                          <a:endParaRPr kumimoji="1" lang="ja-JP" altLang="en-US" sz="700" baseline="0" dirty="0">
-                            <a:solidFill>
-                              <a:schemeClr val="accent1"/>
-                            </a:solidFill>
-                            <a:latin typeface="Cambria Math" panose="02040503050406030204" pitchFamily="18" charset="0"/>
-                          </a:endParaRPr>
-                        </a:p>
-                      </a:txBody>
-                      <a:tcPr marL="18226" marR="18226" marT="9113" marB="9113" anchor="ctr">
-                        <a:lnL w="12700" cap="flat" cmpd="sng" algn="ctr">
-                          <a:solidFill>
-                            <a:schemeClr val="tx1"/>
-                          </a:solidFill>
-                          <a:prstDash val="solid"/>
-                          <a:round/>
-                          <a:headEnd type="none" w="med" len="med"/>
-                          <a:tailEnd type="none" w="med" len="med"/>
-                        </a:lnL>
-                        <a:lnR w="12700" cap="flat" cmpd="sng" algn="ctr">
-                          <a:solidFill>
-                            <a:schemeClr val="tx1"/>
-                          </a:solidFill>
-                          <a:prstDash val="solid"/>
-                          <a:round/>
-                          <a:headEnd type="none" w="med" len="med"/>
-                          <a:tailEnd type="none" w="med" len="med"/>
-                        </a:lnR>
-                        <a:lnT w="9525" cap="flat" cmpd="sng" algn="ctr">
-                          <a:solidFill>
-                            <a:schemeClr val="tx1"/>
-                          </a:solidFill>
-                          <a:prstDash val="solid"/>
-                          <a:round/>
-                          <a:headEnd type="none" w="med" len="med"/>
-                          <a:tailEnd type="none" w="med" len="med"/>
-                        </a:lnT>
-                        <a:lnB w="9525" cap="flat" cmpd="sng" algn="ctr">
-                          <a:noFill/>
-                          <a:prstDash val="sysDot"/>
-                          <a:round/>
-                          <a:headEnd type="none" w="med" len="med"/>
-                          <a:tailEnd type="none" w="med" len="med"/>
-                        </a:lnB>
-                        <a:solidFill>
-                          <a:schemeClr val="bg1"/>
-                        </a:solidFill>
-                      </a:tcPr>
-                    </a:tc>
-                    <a:extLst>
-                      <a:ext uri="{0D108BD9-81ED-4DB2-BD59-A6C34878D82A}">
-                        <a16:rowId xmlns:a16="http://schemas.microsoft.com/office/drawing/2014/main" val="380398867"/>
-                      </a:ext>
-                    </a:extLst>
-                  </a:tr>
-                  <a:tr h="125587">
-                    <a:tc>
-                      <a:txBody>
-                        <a:bodyPr/>
-                        <a:lstStyle/>
-                        <a:p>
-                          <a:pPr marL="0" marR="0" lvl="0" indent="0" algn="ctr" defTabSz="191934" rtl="0" eaLnBrk="1" fontAlgn="auto" latinLnBrk="0" hangingPunct="1">
-                            <a:lnSpc>
-                              <a:spcPct val="100000"/>
-                            </a:lnSpc>
-                            <a:spcBef>
-                              <a:spcPts val="0"/>
-                            </a:spcBef>
-                            <a:spcAft>
-                              <a:spcPts val="0"/>
-                            </a:spcAft>
-                            <a:buClrTx/>
-                            <a:buSzTx/>
-                            <a:buFontTx/>
-                            <a:buNone/>
-                            <a:tabLst/>
-                            <a:defRPr/>
-                          </a:pPr>
-                          <a14:m>
-                            <m:oMath xmlns:m="http://schemas.openxmlformats.org/officeDocument/2006/math">
-                              <m:r>
-                                <m:rPr>
-                                  <m:sty m:val="p"/>
-                                </m:rPr>
-                                <a:rPr kumimoji="1" lang="en-US" altLang="ja-JP" sz="700" b="0" i="0" baseline="0" smtClean="0">
-                                  <a:solidFill>
-                                    <a:schemeClr val="accent2"/>
-                                  </a:solidFill>
-                                  <a:latin typeface="Cambria Math" panose="02040503050406030204" pitchFamily="18" charset="0"/>
-                                </a:rPr>
-                                <m:t>Δ</m:t>
-                              </m:r>
-                            </m:oMath>
-                          </a14:m>
-                          <a:r>
-                            <a:rPr kumimoji="1" lang="ja-JP" altLang="en-US" sz="700" baseline="0" dirty="0">
-                              <a:solidFill>
-                                <a:schemeClr val="accent2"/>
-                              </a:solidFill>
-                              <a:latin typeface="Cambria Math" panose="02040503050406030204" pitchFamily="18" charset="0"/>
-                            </a:rPr>
-                            <a:t> </a:t>
-                          </a:r>
-                          <a:r>
-                            <a:rPr kumimoji="1" lang="en-US" altLang="ja-JP" sz="700" baseline="0" dirty="0">
-                              <a:solidFill>
-                                <a:schemeClr val="accent2"/>
-                              </a:solidFill>
-                              <a:latin typeface="Cambria Math" panose="02040503050406030204" pitchFamily="18" charset="0"/>
-                            </a:rPr>
-                            <a:t>record’</a:t>
-                          </a:r>
-                          <a:endParaRPr kumimoji="1" lang="ja-JP" altLang="en-US" sz="700" baseline="0" dirty="0">
-                            <a:solidFill>
-                              <a:schemeClr val="accent2"/>
-                            </a:solidFill>
-                            <a:latin typeface="Cambria Math" panose="02040503050406030204" pitchFamily="18" charset="0"/>
-                          </a:endParaRPr>
-                        </a:p>
-                      </a:txBody>
-                      <a:tcPr marL="18226" marR="18226" marT="9113" marB="9113" anchor="ctr">
-                        <a:lnL w="12700" cap="flat" cmpd="sng" algn="ctr">
-                          <a:solidFill>
-                            <a:schemeClr val="tx1"/>
-                          </a:solidFill>
-                          <a:prstDash val="solid"/>
-                          <a:round/>
-                          <a:headEnd type="none" w="med" len="med"/>
-                          <a:tailEnd type="none" w="med" len="med"/>
-                        </a:lnL>
-                        <a:lnR w="12700" cap="flat" cmpd="sng" algn="ctr">
-                          <a:solidFill>
-                            <a:schemeClr val="tx1"/>
-                          </a:solidFill>
-                          <a:prstDash val="solid"/>
-                          <a:round/>
-                          <a:headEnd type="none" w="med" len="med"/>
-                          <a:tailEnd type="none" w="med" len="med"/>
-                        </a:lnR>
-                        <a:lnT w="9525" cap="flat" cmpd="sng" algn="ctr">
-                          <a:noFill/>
-                          <a:prstDash val="sysDot"/>
-                          <a:round/>
-                          <a:headEnd type="none" w="med" len="med"/>
-                          <a:tailEnd type="none" w="med" len="med"/>
-                        </a:lnT>
-                        <a:lnB w="9525" cap="flat" cmpd="sng" algn="ctr">
-                          <a:solidFill>
-                            <a:schemeClr val="tx1"/>
-                          </a:solidFill>
-                          <a:prstDash val="sysDot"/>
-                          <a:round/>
-                          <a:headEnd type="none" w="med" len="med"/>
-                          <a:tailEnd type="none" w="med" len="med"/>
-                        </a:lnB>
-                        <a:solidFill>
-                          <a:schemeClr val="accent2">
-                            <a:lumMod val="20000"/>
-                            <a:lumOff val="80000"/>
-                          </a:schemeClr>
-                        </a:solidFill>
-                      </a:tcPr>
-                    </a:tc>
-                    <a:extLst>
-                      <a:ext uri="{0D108BD9-81ED-4DB2-BD59-A6C34878D82A}">
-                        <a16:rowId xmlns:a16="http://schemas.microsoft.com/office/drawing/2014/main" val="3448383632"/>
-                      </a:ext>
-                    </a:extLst>
-                  </a:tr>
-                  <a:tr h="125587">
-                    <a:tc>
-                      <a:txBody>
-                        <a:bodyPr/>
-                        <a:lstStyle/>
-                        <a:p>
-                          <a:pPr algn="ctr"/>
-                          <a:r>
-                            <a:rPr kumimoji="1" lang="en-US" altLang="ja-JP" sz="700" baseline="0" dirty="0">
-                              <a:latin typeface="Cambria Math" panose="02040503050406030204" pitchFamily="18" charset="0"/>
-                            </a:rPr>
-                            <a:t>Free space</a:t>
-                          </a:r>
-                          <a:endParaRPr kumimoji="1" lang="ja-JP" altLang="en-US" sz="700" baseline="0" dirty="0">
-                            <a:latin typeface="Cambria Math" panose="02040503050406030204" pitchFamily="18" charset="0"/>
-                          </a:endParaRPr>
-                        </a:p>
-                      </a:txBody>
-                      <a:tcPr marL="18226" marR="18226" marT="9113" marB="9113" anchor="ctr">
-                        <a:lnL w="12700" cap="flat" cmpd="sng" algn="ctr">
-                          <a:solidFill>
-                            <a:schemeClr val="tx1"/>
-                          </a:solidFill>
-                          <a:prstDash val="solid"/>
-                          <a:round/>
-                          <a:headEnd type="none" w="med" len="med"/>
-                          <a:tailEnd type="none" w="med" len="med"/>
-                        </a:lnL>
-                        <a:lnR w="12700" cap="flat" cmpd="sng" algn="ctr">
-                          <a:solidFill>
-                            <a:schemeClr val="tx1"/>
-                          </a:solidFill>
-                          <a:prstDash val="solid"/>
-                          <a:round/>
-                          <a:headEnd type="none" w="med" len="med"/>
-                          <a:tailEnd type="none" w="med" len="med"/>
-                        </a:lnR>
-                        <a:lnT w="9525" cap="flat" cmpd="sng" algn="ctr">
-                          <a:solidFill>
-                            <a:schemeClr val="tx1"/>
-                          </a:solidFill>
-                          <a:prstDash val="sysDot"/>
-                          <a:round/>
-                          <a:headEnd type="none" w="med" len="med"/>
-                          <a:tailEnd type="none" w="med" len="med"/>
-                        </a:lnT>
-                        <a:lnB w="9525" cap="flat" cmpd="sng" algn="ctr">
-                          <a:solidFill>
-                            <a:schemeClr val="tx1"/>
-                          </a:solidFill>
-                          <a:prstDash val="sysDot"/>
-                          <a:round/>
-                          <a:headEnd type="none" w="med" len="med"/>
-                          <a:tailEnd type="none" w="med" len="med"/>
-                        </a:lnB>
-                        <a:solidFill>
-                          <a:schemeClr val="bg1"/>
-                        </a:solidFill>
-                      </a:tcPr>
-                    </a:tc>
-                    <a:extLst>
-                      <a:ext uri="{0D108BD9-81ED-4DB2-BD59-A6C34878D82A}">
-                        <a16:rowId xmlns:a16="http://schemas.microsoft.com/office/drawing/2014/main" val="1611505625"/>
-                      </a:ext>
-                    </a:extLst>
-                  </a:tr>
-                  <a:tr h="125587">
-                    <a:tc>
-                      <a:txBody>
-                        <a:bodyPr/>
-                        <a:lstStyle/>
-                        <a:p>
-                          <a:pPr marL="0" marR="0" lvl="0" indent="0" algn="ctr" defTabSz="239981" rtl="0" eaLnBrk="1" fontAlgn="auto" latinLnBrk="0" hangingPunct="1">
-                            <a:lnSpc>
-                              <a:spcPct val="100000"/>
-                            </a:lnSpc>
-                            <a:spcBef>
-                              <a:spcPts val="0"/>
-                            </a:spcBef>
-                            <a:spcAft>
-                              <a:spcPts val="0"/>
-                            </a:spcAft>
-                            <a:buClrTx/>
-                            <a:buSzTx/>
-                            <a:buFontTx/>
-                            <a:buNone/>
-                            <a:tabLst/>
-                            <a:defRPr/>
-                          </a:pPr>
-                          <a:r>
-                            <a:rPr kumimoji="1" lang="en-US" altLang="ja-JP" sz="700" baseline="0" dirty="0">
-                              <a:solidFill>
-                                <a:schemeClr val="accent2"/>
-                              </a:solidFill>
-                              <a:latin typeface="Cambria Math" panose="02040503050406030204" pitchFamily="18" charset="0"/>
-                            </a:rPr>
-                            <a:t>Zero filled</a:t>
-                          </a:r>
-                          <a:endParaRPr kumimoji="1" lang="ja-JP" altLang="en-US" sz="700" baseline="0" dirty="0">
-                            <a:solidFill>
-                              <a:schemeClr val="accent2"/>
-                            </a:solidFill>
-                            <a:latin typeface="Cambria Math" panose="02040503050406030204" pitchFamily="18" charset="0"/>
-                          </a:endParaRPr>
-                        </a:p>
-                      </a:txBody>
-                      <a:tcPr marL="18226" marR="18226" marT="9113" marB="9113" anchor="ctr">
-                        <a:lnL w="12700" cap="flat" cmpd="sng" algn="ctr">
-                          <a:solidFill>
-                            <a:schemeClr val="tx1"/>
-                          </a:solidFill>
-                          <a:prstDash val="solid"/>
-                          <a:round/>
-                          <a:headEnd type="none" w="med" len="med"/>
-                          <a:tailEnd type="none" w="med" len="med"/>
-                        </a:lnL>
-                        <a:lnR w="12700" cap="flat" cmpd="sng" algn="ctr">
-                          <a:solidFill>
-                            <a:schemeClr val="tx1"/>
-                          </a:solidFill>
-                          <a:prstDash val="solid"/>
-                          <a:round/>
-                          <a:headEnd type="none" w="med" len="med"/>
-                          <a:tailEnd type="none" w="med" len="med"/>
-                        </a:lnR>
-                        <a:lnT w="9525" cap="flat" cmpd="sng" algn="ctr">
-                          <a:solidFill>
-                            <a:schemeClr val="tx1"/>
-                          </a:solidFill>
-                          <a:prstDash val="sysDot"/>
-                          <a:round/>
-                          <a:headEnd type="none" w="med" len="med"/>
-                          <a:tailEnd type="none" w="med" len="med"/>
-                        </a:lnT>
-                        <a:lnB w="9525" cap="flat" cmpd="sng" algn="ctr">
-                          <a:noFill/>
-                          <a:prstDash val="sysDot"/>
-                          <a:round/>
-                          <a:headEnd type="none" w="med" len="med"/>
-                          <a:tailEnd type="none" w="med" len="med"/>
-                        </a:lnB>
-                        <a:solidFill>
-                          <a:schemeClr val="accent2">
-                            <a:lumMod val="20000"/>
-                            <a:lumOff val="80000"/>
-                          </a:schemeClr>
-                        </a:solidFill>
-                      </a:tcPr>
-                    </a:tc>
-                    <a:extLst>
-                      <a:ext uri="{0D108BD9-81ED-4DB2-BD59-A6C34878D82A}">
-                        <a16:rowId xmlns:a16="http://schemas.microsoft.com/office/drawing/2014/main" val="726720701"/>
-                      </a:ext>
-                    </a:extLst>
-                  </a:tr>
-                  <a:tr h="167457">
-                    <a:tc>
-                      <a:txBody>
-                        <a:bodyPr/>
-                        <a:lstStyle/>
-                        <a:p>
-                          <a:pPr algn="ctr"/>
-                          <a14:m>
-                            <m:oMath xmlns:m="http://schemas.openxmlformats.org/officeDocument/2006/math">
-                              <m:r>
-                                <m:rPr>
-                                  <m:sty m:val="p"/>
-                                </m:rPr>
-                                <a:rPr kumimoji="1" lang="en-US" altLang="ja-JP" sz="700" b="0" i="0" baseline="0" smtClean="0">
-                                  <a:solidFill>
-                                    <a:schemeClr val="tx1"/>
-                                  </a:solidFill>
-                                  <a:latin typeface="Cambria Math" panose="02040503050406030204" pitchFamily="18" charset="0"/>
-                                </a:rPr>
-                                <m:t>Δ</m:t>
-                              </m:r>
-                            </m:oMath>
-                          </a14:m>
-                          <a:r>
-                            <a:rPr kumimoji="1" lang="ja-JP" altLang="en-US" sz="700" baseline="0" dirty="0">
-                              <a:latin typeface="Cambria Math" panose="02040503050406030204" pitchFamily="18" charset="0"/>
-                            </a:rPr>
-                            <a:t> </a:t>
-                          </a:r>
-                          <a:r>
-                            <a:rPr kumimoji="1" lang="en-US" altLang="ja-JP" sz="700" baseline="0" dirty="0">
-                              <a:latin typeface="Cambria Math" panose="02040503050406030204" pitchFamily="18" charset="0"/>
-                            </a:rPr>
-                            <a:t>metadata</a:t>
-                          </a:r>
-                          <a:endParaRPr kumimoji="1" lang="ja-JP" altLang="en-US" sz="700" baseline="0" dirty="0">
-                            <a:latin typeface="Cambria Math" panose="02040503050406030204" pitchFamily="18" charset="0"/>
-                          </a:endParaRPr>
-                        </a:p>
-                      </a:txBody>
-                      <a:tcPr marL="18226" marR="18226" marT="9113" marB="9113" anchor="ctr">
-                        <a:lnL w="12700" cap="flat" cmpd="sng" algn="ctr">
-                          <a:solidFill>
-                            <a:schemeClr val="tx1"/>
-                          </a:solidFill>
-                          <a:prstDash val="solid"/>
-                          <a:round/>
-                          <a:headEnd type="none" w="med" len="med"/>
-                          <a:tailEnd type="none" w="med" len="med"/>
-                        </a:lnL>
-                        <a:lnR w="12700" cap="flat" cmpd="sng" algn="ctr">
-                          <a:solidFill>
-                            <a:schemeClr val="tx1"/>
-                          </a:solidFill>
-                          <a:prstDash val="solid"/>
-                          <a:round/>
-                          <a:headEnd type="none" w="med" len="med"/>
-                          <a:tailEnd type="none" w="med" len="med"/>
-                        </a:lnR>
-                        <a:lnT w="9525" cap="flat" cmpd="sng" algn="ctr">
-                          <a:noFill/>
-                          <a:prstDash val="sysDot"/>
-                          <a:round/>
-                          <a:headEnd type="none" w="med" len="med"/>
-                          <a:tailEnd type="none" w="med" len="med"/>
-                        </a:lnT>
-                        <a:lnB w="9525" cap="flat" cmpd="sng" algn="ctr">
-                          <a:solidFill>
-                            <a:schemeClr val="tx1"/>
-                          </a:solidFill>
-                          <a:prstDash val="solid"/>
-                          <a:round/>
-                          <a:headEnd type="none" w="med" len="med"/>
-                          <a:tailEnd type="none" w="med" len="med"/>
-                        </a:lnB>
-                        <a:solidFill>
-                          <a:schemeClr val="bg1"/>
-                        </a:solidFill>
-                      </a:tcPr>
-                    </a:tc>
-                    <a:extLst>
-                      <a:ext uri="{0D108BD9-81ED-4DB2-BD59-A6C34878D82A}">
-                        <a16:rowId xmlns:a16="http://schemas.microsoft.com/office/drawing/2014/main" val="2258706886"/>
-                      </a:ext>
-                    </a:extLst>
-                  </a:tr>
-                  <a:tr h="167457">
-                    <a:tc>
-                      <a:txBody>
-                        <a:bodyPr/>
-                        <a:lstStyle/>
-                        <a:p>
-                          <a:pPr algn="ctr"/>
-                          <a:r>
-                            <a:rPr kumimoji="1" lang="en-US" altLang="ja-JP" sz="700" baseline="0" dirty="0">
-                              <a:solidFill>
-                                <a:schemeClr val="tx1"/>
-                              </a:solidFill>
-                              <a:latin typeface="Cambria Math" panose="02040503050406030204" pitchFamily="18" charset="0"/>
-                            </a:rPr>
-                            <a:t>Status word’</a:t>
-                          </a:r>
-                          <a:endParaRPr kumimoji="1" lang="ja-JP" altLang="en-US" sz="700" baseline="0" dirty="0">
-                            <a:solidFill>
-                              <a:schemeClr val="tx1"/>
-                            </a:solidFill>
-                            <a:latin typeface="Cambria Math" panose="02040503050406030204" pitchFamily="18" charset="0"/>
-                          </a:endParaRPr>
-                        </a:p>
-                      </a:txBody>
-                      <a:tcPr marL="18226" marR="18226" marT="9113" marB="9113" anchor="ctr">
-                        <a:lnL w="12700" cap="flat" cmpd="sng" algn="ctr">
-                          <a:solidFill>
-                            <a:schemeClr val="tx1"/>
-                          </a:solidFill>
-                          <a:prstDash val="solid"/>
-                          <a:round/>
-                          <a:headEnd type="none" w="med" len="med"/>
-                          <a:tailEnd type="none" w="med" len="med"/>
-                        </a:lnL>
-                        <a:lnR w="12700" cap="flat" cmpd="sng" algn="ctr">
-                          <a:solidFill>
-                            <a:schemeClr val="tx1"/>
-                          </a:solidFill>
-                          <a:prstDash val="solid"/>
-                          <a:round/>
-                          <a:headEnd type="none" w="med" len="med"/>
-                          <a:tailEnd type="none" w="med" len="med"/>
-                        </a:lnR>
-                        <a:lnT w="9525" cap="flat" cmpd="sng" algn="ctr">
-                          <a:solidFill>
-                            <a:schemeClr val="tx1"/>
-                          </a:solidFill>
-                          <a:prstDash val="solid"/>
-                          <a:round/>
-                          <a:headEnd type="none" w="med" len="med"/>
-                          <a:tailEnd type="none" w="med" len="med"/>
-                        </a:lnT>
-                        <a:lnB w="12700" cap="flat" cmpd="sng" algn="ctr">
-                          <a:solidFill>
-                            <a:schemeClr val="tx1"/>
-                          </a:solidFill>
-                          <a:prstDash val="solid"/>
-                          <a:round/>
-                          <a:headEnd type="none" w="med" len="med"/>
-                          <a:tailEnd type="none" w="med" len="med"/>
-                        </a:lnB>
-                        <a:solidFill>
-                          <a:schemeClr val="bg1"/>
-                        </a:solidFill>
-                      </a:tcPr>
-                    </a:tc>
-                    <a:extLst>
-                      <a:ext uri="{0D108BD9-81ED-4DB2-BD59-A6C34878D82A}">
-                        <a16:rowId xmlns:a16="http://schemas.microsoft.com/office/drawing/2014/main" val="1683332274"/>
-                      </a:ext>
-                    </a:extLst>
-                  </a:tr>
-                </a:tbl>
-              </a:graphicData>
-            </a:graphic>
-          </p:graphicFrame>
-        </mc:Choice>
-        <mc:Fallback xmlns="">
-          <p:graphicFrame>
-            <p:nvGraphicFramePr>
-              <p:cNvPr id="74" name="表 49">
-                <a:extLst>
-                  <a:ext uri="{FF2B5EF4-FFF2-40B4-BE49-F238E27FC236}">
-                    <a16:creationId xmlns:a16="http://schemas.microsoft.com/office/drawing/2014/main" id="{28A17ADB-D9F8-BA54-1BF0-12E8119846F0}"/>
-                  </a:ext>
-                </a:extLst>
-              </p:cNvPr>
-              <p:cNvGraphicFramePr>
-                <a:graphicFrameLocks noGrp="1"/>
-              </p:cNvGraphicFramePr>
-              <p:nvPr>
-                <p:extLst>
-                  <p:ext uri="{D42A27DB-BD31-4B8C-83A1-F6EECF244321}">
-                    <p14:modId xmlns:p14="http://schemas.microsoft.com/office/powerpoint/2010/main" val="2447856886"/>
-                  </p:ext>
-                </p:extLst>
-              </p:nvPr>
-            </p:nvGraphicFramePr>
-            <p:xfrm>
-              <a:off x="1176495" y="32693"/>
-              <a:ext cx="511200" cy="1465197"/>
-            </p:xfrm>
-            <a:graphic>
-              <a:graphicData uri="http://schemas.openxmlformats.org/drawingml/2006/table">
-                <a:tbl>
-                  <a:tblPr firstRow="1" bandRow="1">
-                    <a:tableStyleId>{2D5ABB26-0587-4C30-8999-92F81FD0307C}</a:tableStyleId>
-                  </a:tblPr>
-                  <a:tblGrid>
-                    <a:gridCol w="511200">
-                      <a:extLst>
-                        <a:ext uri="{9D8B030D-6E8A-4147-A177-3AD203B41FA5}">
-                          <a16:colId xmlns:a16="http://schemas.microsoft.com/office/drawing/2014/main" val="1391329631"/>
-                        </a:ext>
-                      </a:extLst>
-                    </a:gridCol>
-                  </a:tblGrid>
-                  <a:tr h="125587">
-                    <a:tc>
-                      <a:txBody>
-                        <a:bodyPr/>
-                        <a:lstStyle/>
-                        <a:p>
-                          <a:pPr algn="ctr"/>
-                          <a:r>
-                            <a:rPr kumimoji="1" lang="en-US" altLang="ja-JP" sz="700" baseline="0" dirty="0">
-                              <a:latin typeface="Cambria Math" panose="02040503050406030204" pitchFamily="18" charset="0"/>
-                            </a:rPr>
-                            <a:t>Header</a:t>
-                          </a:r>
-                          <a:endParaRPr kumimoji="1" lang="ja-JP" altLang="en-US" sz="700" baseline="0" dirty="0">
-                            <a:latin typeface="Cambria Math" panose="02040503050406030204" pitchFamily="18" charset="0"/>
-                          </a:endParaRPr>
-                        </a:p>
-                      </a:txBody>
-                      <a:tcPr marL="18226" marR="18226" marT="9113" marB="9113" anchor="ctr">
-                        <a:lnL w="12700" cap="flat" cmpd="sng" algn="ctr">
-                          <a:solidFill>
-                            <a:schemeClr val="tx1"/>
-                          </a:solidFill>
-                          <a:prstDash val="solid"/>
-                          <a:round/>
-                          <a:headEnd type="none" w="med" len="med"/>
-                          <a:tailEnd type="none" w="med" len="med"/>
-                        </a:lnL>
-                        <a:lnR w="12700" cap="flat" cmpd="sng" algn="ctr">
-                          <a:solidFill>
-                            <a:schemeClr val="tx1"/>
-                          </a:solidFill>
-                          <a:prstDash val="solid"/>
-                          <a:round/>
-                          <a:headEnd type="none" w="med" len="med"/>
-                          <a:tailEnd type="none" w="med" len="med"/>
-                        </a:lnR>
-                        <a:lnT w="12700" cap="flat" cmpd="sng" algn="ctr">
-                          <a:solidFill>
-                            <a:schemeClr val="tx1"/>
-                          </a:solidFill>
-                          <a:prstDash val="solid"/>
-                          <a:round/>
-                          <a:headEnd type="none" w="med" len="med"/>
-                          <a:tailEnd type="none" w="med" len="med"/>
-                        </a:lnT>
-                        <a:lnB w="9525" cap="flat" cmpd="sng" algn="ctr">
-                          <a:solidFill>
-                            <a:schemeClr val="tx1"/>
-                          </a:solidFill>
-                          <a:prstDash val="solid"/>
-                          <a:round/>
-                          <a:headEnd type="none" w="med" len="med"/>
-                          <a:tailEnd type="none" w="med" len="med"/>
-                        </a:lnB>
-                        <a:solidFill>
-                          <a:schemeClr val="bg1"/>
-                        </a:solidFill>
-                      </a:tcPr>
-                    </a:tc>
-                    <a:extLst>
-                      <a:ext uri="{0D108BD9-81ED-4DB2-BD59-A6C34878D82A}">
-                        <a16:rowId xmlns:a16="http://schemas.microsoft.com/office/drawing/2014/main" val="3783925622"/>
-                      </a:ext>
-                    </a:extLst>
-                  </a:tr>
-                  <a:tr h="125587">
-                    <a:tc>
-                      <a:txBody>
-                        <a:bodyPr/>
-                        <a:lstStyle/>
-                        <a:p>
-                          <a:pPr algn="ctr"/>
-                          <a:r>
-                            <a:rPr kumimoji="1" lang="en-US" altLang="ja-JP" sz="700" baseline="0" dirty="0">
-                              <a:latin typeface="Cambria Math" panose="02040503050406030204" pitchFamily="18" charset="0"/>
-                              <a:ea typeface="Cambria Math" panose="02040503050406030204" pitchFamily="18" charset="0"/>
-                            </a:rPr>
-                            <a:t>Metadata</a:t>
-                          </a:r>
-                          <a:endParaRPr kumimoji="1" lang="ja-JP" altLang="en-US" sz="700" baseline="0" dirty="0">
-                            <a:latin typeface="Cambria Math" panose="02040503050406030204" pitchFamily="18" charset="0"/>
-                          </a:endParaRPr>
-                        </a:p>
-                      </a:txBody>
-                      <a:tcPr marL="18226" marR="18226" marT="9113" marB="9113" anchor="ctr">
-                        <a:lnL w="12700" cap="flat" cmpd="sng" algn="ctr">
-                          <a:solidFill>
-                            <a:schemeClr val="tx1"/>
-                          </a:solidFill>
-                          <a:prstDash val="solid"/>
-                          <a:round/>
-                          <a:headEnd type="none" w="med" len="med"/>
-                          <a:tailEnd type="none" w="med" len="med"/>
-                        </a:lnL>
-                        <a:lnR w="12700" cap="flat" cmpd="sng" algn="ctr">
-                          <a:solidFill>
-                            <a:schemeClr val="tx1"/>
-                          </a:solidFill>
-                          <a:prstDash val="solid"/>
-                          <a:round/>
-                          <a:headEnd type="none" w="med" len="med"/>
-                          <a:tailEnd type="none" w="med" len="med"/>
-                        </a:lnR>
-                        <a:lnT w="9525" cap="flat" cmpd="sng" algn="ctr">
-                          <a:solidFill>
-                            <a:schemeClr val="tx1"/>
-                          </a:solidFill>
-                          <a:prstDash val="solid"/>
-                          <a:round/>
-                          <a:headEnd type="none" w="med" len="med"/>
-                          <a:tailEnd type="none" w="med" len="med"/>
-                        </a:lnT>
-                        <a:solidFill>
-                          <a:schemeClr val="bg1"/>
-                        </a:solidFill>
-                      </a:tcPr>
-                    </a:tc>
-                    <a:extLst>
-                      <a:ext uri="{0D108BD9-81ED-4DB2-BD59-A6C34878D82A}">
-                        <a16:rowId xmlns:a16="http://schemas.microsoft.com/office/drawing/2014/main" val="2244812955"/>
-                      </a:ext>
-                    </a:extLst>
-                  </a:tr>
-                  <a:tr h="125587">
-                    <a:tc>
-                      <a:txBody>
-                        <a:bodyPr/>
-                        <a:lstStyle/>
-                        <a:p>
-                          <a:pPr algn="ctr"/>
-                          <a:r>
-                            <a:rPr kumimoji="1" lang="en-US" altLang="ja-JP" sz="700" baseline="0" dirty="0">
-                              <a:latin typeface="Cambria Math" panose="02040503050406030204" pitchFamily="18" charset="0"/>
-                              <a:ea typeface="Cambria Math" panose="02040503050406030204" pitchFamily="18" charset="0"/>
-                            </a:rPr>
-                            <a:t>...</a:t>
-                          </a:r>
-                          <a:endParaRPr kumimoji="1" lang="ja-JP" altLang="en-US" sz="700" baseline="0" dirty="0">
-                            <a:latin typeface="Cambria Math" panose="02040503050406030204" pitchFamily="18" charset="0"/>
-                          </a:endParaRPr>
-                        </a:p>
-                      </a:txBody>
-                      <a:tcPr marL="18226" marR="18226" marT="9113" marB="9113" anchor="ctr">
-                        <a:lnL w="12700" cap="flat" cmpd="sng" algn="ctr">
-                          <a:solidFill>
-                            <a:schemeClr val="tx1"/>
-                          </a:solidFill>
-                          <a:prstDash val="solid"/>
-                          <a:round/>
-                          <a:headEnd type="none" w="med" len="med"/>
-                          <a:tailEnd type="none" w="med" len="med"/>
-                        </a:lnL>
-                        <a:lnR w="12700" cap="flat" cmpd="sng" algn="ctr">
-                          <a:solidFill>
-                            <a:schemeClr val="tx1"/>
-                          </a:solidFill>
-                          <a:prstDash val="solid"/>
-                          <a:round/>
-                          <a:headEnd type="none" w="med" len="med"/>
-                          <a:tailEnd type="none" w="med" len="med"/>
-                        </a:lnR>
-                        <a:lnB w="9525" cap="flat" cmpd="sng" algn="ctr">
-                          <a:solidFill>
-                            <a:schemeClr val="tx1"/>
-                          </a:solidFill>
-                          <a:prstDash val="sysDot"/>
-                          <a:round/>
-                          <a:headEnd type="none" w="med" len="med"/>
-                          <a:tailEnd type="none" w="med" len="med"/>
-                        </a:lnB>
-                        <a:solidFill>
-                          <a:schemeClr val="bg1"/>
-                        </a:solidFill>
-                      </a:tcPr>
-                    </a:tc>
-                    <a:extLst>
-                      <a:ext uri="{0D108BD9-81ED-4DB2-BD59-A6C34878D82A}">
-                        <a16:rowId xmlns:a16="http://schemas.microsoft.com/office/drawing/2014/main" val="1930659369"/>
-                      </a:ext>
-                    </a:extLst>
-                  </a:tr>
-                  <a:tr h="125587">
-                    <a:tc>
-                      <a:txBody>
-                        <a:bodyPr/>
-                        <a:lstStyle/>
-                        <a:p>
-                          <a:pPr algn="ctr"/>
-                          <a:r>
-                            <a:rPr kumimoji="1" lang="en-US" altLang="ja-JP" sz="700" baseline="0" dirty="0">
-                              <a:latin typeface="Cambria Math" panose="02040503050406030204" pitchFamily="18" charset="0"/>
-                            </a:rPr>
-                            <a:t>...</a:t>
-                          </a:r>
-                          <a:endParaRPr kumimoji="1" lang="ja-JP" altLang="en-US" sz="700" baseline="0" dirty="0">
-                            <a:latin typeface="Cambria Math" panose="02040503050406030204" pitchFamily="18" charset="0"/>
-                          </a:endParaRPr>
-                        </a:p>
-                      </a:txBody>
-                      <a:tcPr marL="18226" marR="18226" marT="9113" marB="9113" anchor="ctr">
-                        <a:lnL w="12700" cap="flat" cmpd="sng" algn="ctr">
-                          <a:solidFill>
-                            <a:schemeClr val="tx1"/>
-                          </a:solidFill>
-                          <a:prstDash val="solid"/>
-                          <a:round/>
-                          <a:headEnd type="none" w="med" len="med"/>
-                          <a:tailEnd type="none" w="med" len="med"/>
-                        </a:lnL>
-                        <a:lnR w="12700" cap="flat" cmpd="sng" algn="ctr">
-                          <a:solidFill>
-                            <a:schemeClr val="tx1"/>
-                          </a:solidFill>
-                          <a:prstDash val="solid"/>
-                          <a:round/>
-                          <a:headEnd type="none" w="med" len="med"/>
-                          <a:tailEnd type="none" w="med" len="med"/>
-                        </a:lnR>
-                        <a:lnT w="9525" cap="flat" cmpd="sng" algn="ctr">
-                          <a:solidFill>
-                            <a:schemeClr val="tx1"/>
-                          </a:solidFill>
-                          <a:prstDash val="sysDot"/>
-                          <a:round/>
-                          <a:headEnd type="none" w="med" len="med"/>
-                          <a:tailEnd type="none" w="med" len="med"/>
-                        </a:lnT>
-                        <a:lnB w="12700" cap="flat" cmpd="sng" algn="ctr">
-                          <a:noFill/>
-                          <a:prstDash val="solid"/>
-                          <a:round/>
-                          <a:headEnd type="none" w="med" len="med"/>
-                          <a:tailEnd type="none" w="med" len="med"/>
-                        </a:lnB>
-                        <a:solidFill>
-                          <a:schemeClr val="bg1"/>
-                        </a:solidFill>
-                      </a:tcPr>
-                    </a:tc>
-                    <a:extLst>
-                      <a:ext uri="{0D108BD9-81ED-4DB2-BD59-A6C34878D82A}">
-                        <a16:rowId xmlns:a16="http://schemas.microsoft.com/office/drawing/2014/main" val="4212267831"/>
-                      </a:ext>
-                    </a:extLst>
-                  </a:tr>
-                  <a:tr h="125587">
-                    <a:tc>
-                      <a:txBody>
-                        <a:bodyPr/>
-                        <a:lstStyle/>
-                        <a:p>
-                          <a:pPr algn="ctr"/>
-                          <a:r>
-                            <a:rPr kumimoji="1" lang="en-US" altLang="ja-JP" sz="700" baseline="0" dirty="0">
-                              <a:latin typeface="Cambria Math" panose="02040503050406030204" pitchFamily="18" charset="0"/>
-                            </a:rPr>
-                            <a:t>Record</a:t>
-                          </a:r>
-                          <a:endParaRPr kumimoji="1" lang="ja-JP" altLang="en-US" sz="700" baseline="0" dirty="0">
-                            <a:latin typeface="Cambria Math" panose="02040503050406030204" pitchFamily="18" charset="0"/>
-                          </a:endParaRPr>
-                        </a:p>
-                      </a:txBody>
-                      <a:tcPr marL="18226" marR="18226" marT="9113" marB="9113" anchor="ctr">
-                        <a:lnL w="12700" cap="flat" cmpd="sng" algn="ctr">
-                          <a:solidFill>
-                            <a:schemeClr val="tx1"/>
-                          </a:solidFill>
-                          <a:prstDash val="solid"/>
-                          <a:round/>
-                          <a:headEnd type="none" w="med" len="med"/>
-                          <a:tailEnd type="none" w="med" len="med"/>
-                        </a:lnL>
-                        <a:lnR w="12700" cap="flat" cmpd="sng" algn="ctr">
-                          <a:solidFill>
-                            <a:schemeClr val="tx1"/>
-                          </a:solidFill>
-                          <a:prstDash val="solid"/>
-                          <a:round/>
-                          <a:headEnd type="none" w="med" len="med"/>
-                          <a:tailEnd type="none" w="med" len="med"/>
-                        </a:lnR>
-                        <a:lnT w="12700" cap="flat" cmpd="sng" algn="ctr">
-                          <a:noFill/>
-                          <a:prstDash val="solid"/>
-                          <a:round/>
-                          <a:headEnd type="none" w="med" len="med"/>
-                          <a:tailEnd type="none" w="med" len="med"/>
-                        </a:lnT>
-                        <a:lnB w="9525" cap="flat" cmpd="sng" algn="ctr">
-                          <a:solidFill>
-                            <a:schemeClr val="tx1"/>
-                          </a:solidFill>
-                          <a:prstDash val="solid"/>
-                          <a:round/>
-                          <a:headEnd type="none" w="med" len="med"/>
-                          <a:tailEnd type="none" w="med" len="med"/>
-                        </a:lnB>
-                        <a:solidFill>
-                          <a:schemeClr val="bg1"/>
-                        </a:solidFill>
-                      </a:tcPr>
-                    </a:tc>
-                    <a:extLst>
-                      <a:ext uri="{0D108BD9-81ED-4DB2-BD59-A6C34878D82A}">
-                        <a16:rowId xmlns:a16="http://schemas.microsoft.com/office/drawing/2014/main" val="77431627"/>
-                      </a:ext>
-                    </a:extLst>
-                  </a:tr>
-                  <a:tr h="125587">
-                    <a:tc>
-                      <a:txBody>
-                        <a:bodyPr/>
-                        <a:lstStyle/>
-                        <a:p>
-                          <a:endParaRPr lang="ja-JP"/>
-                        </a:p>
-                      </a:txBody>
-                      <a:tcPr marL="18226" marR="18226" marT="9113" marB="9113" anchor="ctr">
-                        <a:lnL w="12700" cap="flat" cmpd="sng" algn="ctr">
-                          <a:solidFill>
-                            <a:schemeClr val="tx1"/>
-                          </a:solidFill>
-                          <a:prstDash val="solid"/>
-                          <a:round/>
-                          <a:headEnd type="none" w="med" len="med"/>
-                          <a:tailEnd type="none" w="med" len="med"/>
-                        </a:lnL>
-                        <a:lnR w="12700" cap="flat" cmpd="sng" algn="ctr">
-                          <a:solidFill>
-                            <a:schemeClr val="tx1"/>
-                          </a:solidFill>
-                          <a:prstDash val="solid"/>
-                          <a:round/>
-                          <a:headEnd type="none" w="med" len="med"/>
-                          <a:tailEnd type="none" w="med" len="med"/>
-                        </a:lnR>
-                        <a:lnT w="9525" cap="flat" cmpd="sng" algn="ctr">
-                          <a:solidFill>
-                            <a:schemeClr val="tx1"/>
-                          </a:solidFill>
-                          <a:prstDash val="solid"/>
-                          <a:round/>
-                          <a:headEnd type="none" w="med" len="med"/>
-                          <a:tailEnd type="none" w="med" len="med"/>
-                        </a:lnT>
-                        <a:lnB w="9525" cap="flat" cmpd="sng" algn="ctr">
-                          <a:noFill/>
-                          <a:prstDash val="sysDot"/>
-                          <a:round/>
-                          <a:headEnd type="none" w="med" len="med"/>
-                          <a:tailEnd type="none" w="med" len="med"/>
-                        </a:lnB>
-                        <a:blipFill>
-                          <a:blip r:embed="rId5"/>
-                          <a:stretch>
-                            <a:fillRect l="-1176" t="-509524" r="-2353" b="-576190"/>
-                          </a:stretch>
-                        </a:blipFill>
-                      </a:tcPr>
-                    </a:tc>
-                    <a:extLst>
-                      <a:ext uri="{0D108BD9-81ED-4DB2-BD59-A6C34878D82A}">
-                        <a16:rowId xmlns:a16="http://schemas.microsoft.com/office/drawing/2014/main" val="380398867"/>
-                      </a:ext>
-                    </a:extLst>
-                  </a:tr>
-                  <a:tr h="125587">
-                    <a:tc>
-                      <a:txBody>
-                        <a:bodyPr/>
-                        <a:lstStyle/>
-                        <a:p>
-                          <a:endParaRPr lang="ja-JP"/>
-                        </a:p>
-                      </a:txBody>
-                      <a:tcPr marL="18226" marR="18226" marT="9113" marB="9113" anchor="ctr">
-                        <a:lnL w="12700" cap="flat" cmpd="sng" algn="ctr">
-                          <a:solidFill>
-                            <a:schemeClr val="tx1"/>
-                          </a:solidFill>
-                          <a:prstDash val="solid"/>
-                          <a:round/>
-                          <a:headEnd type="none" w="med" len="med"/>
-                          <a:tailEnd type="none" w="med" len="med"/>
-                        </a:lnL>
-                        <a:lnR w="12700" cap="flat" cmpd="sng" algn="ctr">
-                          <a:solidFill>
-                            <a:schemeClr val="tx1"/>
-                          </a:solidFill>
-                          <a:prstDash val="solid"/>
-                          <a:round/>
-                          <a:headEnd type="none" w="med" len="med"/>
-                          <a:tailEnd type="none" w="med" len="med"/>
-                        </a:lnR>
-                        <a:lnT w="9525" cap="flat" cmpd="sng" algn="ctr">
-                          <a:noFill/>
-                          <a:prstDash val="sysDot"/>
-                          <a:round/>
-                          <a:headEnd type="none" w="med" len="med"/>
-                          <a:tailEnd type="none" w="med" len="med"/>
-                        </a:lnT>
-                        <a:lnB w="9525" cap="flat" cmpd="sng" algn="ctr">
-                          <a:solidFill>
-                            <a:schemeClr val="tx1"/>
-                          </a:solidFill>
-                          <a:prstDash val="sysDot"/>
-                          <a:round/>
-                          <a:headEnd type="none" w="med" len="med"/>
-                          <a:tailEnd type="none" w="med" len="med"/>
-                        </a:lnB>
-                        <a:blipFill>
-                          <a:blip r:embed="rId5"/>
-                          <a:stretch>
-                            <a:fillRect l="-1176" t="-609524" r="-2353" b="-476190"/>
-                          </a:stretch>
-                        </a:blipFill>
-                      </a:tcPr>
-                    </a:tc>
-                    <a:extLst>
-                      <a:ext uri="{0D108BD9-81ED-4DB2-BD59-A6C34878D82A}">
-                        <a16:rowId xmlns:a16="http://schemas.microsoft.com/office/drawing/2014/main" val="3448383632"/>
-                      </a:ext>
-                    </a:extLst>
-                  </a:tr>
-                  <a:tr h="125587">
-                    <a:tc>
-                      <a:txBody>
-                        <a:bodyPr/>
-                        <a:lstStyle/>
-                        <a:p>
-                          <a:pPr algn="ctr"/>
-                          <a:r>
-                            <a:rPr kumimoji="1" lang="en-US" altLang="ja-JP" sz="700" baseline="0" dirty="0">
-                              <a:latin typeface="Cambria Math" panose="02040503050406030204" pitchFamily="18" charset="0"/>
-                            </a:rPr>
-                            <a:t>Free space</a:t>
-                          </a:r>
-                          <a:endParaRPr kumimoji="1" lang="ja-JP" altLang="en-US" sz="700" baseline="0" dirty="0">
-                            <a:latin typeface="Cambria Math" panose="02040503050406030204" pitchFamily="18" charset="0"/>
-                          </a:endParaRPr>
-                        </a:p>
-                      </a:txBody>
-                      <a:tcPr marL="18226" marR="18226" marT="9113" marB="9113" anchor="ctr">
-                        <a:lnL w="12700" cap="flat" cmpd="sng" algn="ctr">
-                          <a:solidFill>
-                            <a:schemeClr val="tx1"/>
-                          </a:solidFill>
-                          <a:prstDash val="solid"/>
-                          <a:round/>
-                          <a:headEnd type="none" w="med" len="med"/>
-                          <a:tailEnd type="none" w="med" len="med"/>
-                        </a:lnL>
-                        <a:lnR w="12700" cap="flat" cmpd="sng" algn="ctr">
-                          <a:solidFill>
-                            <a:schemeClr val="tx1"/>
-                          </a:solidFill>
-                          <a:prstDash val="solid"/>
-                          <a:round/>
-                          <a:headEnd type="none" w="med" len="med"/>
-                          <a:tailEnd type="none" w="med" len="med"/>
-                        </a:lnR>
-                        <a:lnT w="9525" cap="flat" cmpd="sng" algn="ctr">
-                          <a:solidFill>
-                            <a:schemeClr val="tx1"/>
-                          </a:solidFill>
-                          <a:prstDash val="sysDot"/>
-                          <a:round/>
-                          <a:headEnd type="none" w="med" len="med"/>
-                          <a:tailEnd type="none" w="med" len="med"/>
-                        </a:lnT>
-                        <a:lnB w="9525" cap="flat" cmpd="sng" algn="ctr">
-                          <a:solidFill>
-                            <a:schemeClr val="tx1"/>
-                          </a:solidFill>
-                          <a:prstDash val="sysDot"/>
-                          <a:round/>
-                          <a:headEnd type="none" w="med" len="med"/>
-                          <a:tailEnd type="none" w="med" len="med"/>
-                        </a:lnB>
-                        <a:solidFill>
-                          <a:schemeClr val="bg1"/>
-                        </a:solidFill>
-                      </a:tcPr>
-                    </a:tc>
-                    <a:extLst>
-                      <a:ext uri="{0D108BD9-81ED-4DB2-BD59-A6C34878D82A}">
-                        <a16:rowId xmlns:a16="http://schemas.microsoft.com/office/drawing/2014/main" val="1611505625"/>
-                      </a:ext>
-                    </a:extLst>
-                  </a:tr>
-                  <a:tr h="125587">
-                    <a:tc>
-                      <a:txBody>
-                        <a:bodyPr/>
-                        <a:lstStyle/>
-                        <a:p>
-                          <a:pPr marL="0" marR="0" lvl="0" indent="0" algn="ctr" defTabSz="239981" rtl="0" eaLnBrk="1" fontAlgn="auto" latinLnBrk="0" hangingPunct="1">
-                            <a:lnSpc>
-                              <a:spcPct val="100000"/>
-                            </a:lnSpc>
-                            <a:spcBef>
-                              <a:spcPts val="0"/>
-                            </a:spcBef>
-                            <a:spcAft>
-                              <a:spcPts val="0"/>
-                            </a:spcAft>
-                            <a:buClrTx/>
-                            <a:buSzTx/>
-                            <a:buFontTx/>
-                            <a:buNone/>
-                            <a:tabLst/>
-                            <a:defRPr/>
-                          </a:pPr>
-                          <a:r>
-                            <a:rPr kumimoji="1" lang="en-US" altLang="ja-JP" sz="700" baseline="0" dirty="0">
-                              <a:solidFill>
-                                <a:schemeClr val="accent2"/>
-                              </a:solidFill>
-                              <a:latin typeface="Cambria Math" panose="02040503050406030204" pitchFamily="18" charset="0"/>
-                            </a:rPr>
-                            <a:t>Zero filled</a:t>
-                          </a:r>
-                          <a:endParaRPr kumimoji="1" lang="ja-JP" altLang="en-US" sz="700" baseline="0" dirty="0">
-                            <a:solidFill>
-                              <a:schemeClr val="accent2"/>
-                            </a:solidFill>
-                            <a:latin typeface="Cambria Math" panose="02040503050406030204" pitchFamily="18" charset="0"/>
-                          </a:endParaRPr>
-                        </a:p>
-                      </a:txBody>
-                      <a:tcPr marL="18226" marR="18226" marT="9113" marB="9113" anchor="ctr">
-                        <a:lnL w="12700" cap="flat" cmpd="sng" algn="ctr">
-                          <a:solidFill>
-                            <a:schemeClr val="tx1"/>
-                          </a:solidFill>
-                          <a:prstDash val="solid"/>
-                          <a:round/>
-                          <a:headEnd type="none" w="med" len="med"/>
-                          <a:tailEnd type="none" w="med" len="med"/>
-                        </a:lnL>
-                        <a:lnR w="12700" cap="flat" cmpd="sng" algn="ctr">
-                          <a:solidFill>
-                            <a:schemeClr val="tx1"/>
-                          </a:solidFill>
-                          <a:prstDash val="solid"/>
-                          <a:round/>
-                          <a:headEnd type="none" w="med" len="med"/>
-                          <a:tailEnd type="none" w="med" len="med"/>
-                        </a:lnR>
-                        <a:lnT w="9525" cap="flat" cmpd="sng" algn="ctr">
-                          <a:solidFill>
-                            <a:schemeClr val="tx1"/>
-                          </a:solidFill>
-                          <a:prstDash val="sysDot"/>
-                          <a:round/>
-                          <a:headEnd type="none" w="med" len="med"/>
-                          <a:tailEnd type="none" w="med" len="med"/>
-                        </a:lnT>
-                        <a:lnB w="9525" cap="flat" cmpd="sng" algn="ctr">
-                          <a:noFill/>
-                          <a:prstDash val="sysDot"/>
-                          <a:round/>
-                          <a:headEnd type="none" w="med" len="med"/>
-                          <a:tailEnd type="none" w="med" len="med"/>
-                        </a:lnB>
-                        <a:solidFill>
-                          <a:schemeClr val="accent2">
-                            <a:lumMod val="20000"/>
-                            <a:lumOff val="80000"/>
-                          </a:schemeClr>
-                        </a:solidFill>
-                      </a:tcPr>
-                    </a:tc>
-                    <a:extLst>
-                      <a:ext uri="{0D108BD9-81ED-4DB2-BD59-A6C34878D82A}">
-                        <a16:rowId xmlns:a16="http://schemas.microsoft.com/office/drawing/2014/main" val="726720701"/>
-                      </a:ext>
-                    </a:extLst>
-                  </a:tr>
-                  <a:tr h="167457">
-                    <a:tc>
-                      <a:txBody>
-                        <a:bodyPr/>
-                        <a:lstStyle/>
-                        <a:p>
-                          <a:endParaRPr lang="ja-JP"/>
-                        </a:p>
-                      </a:txBody>
-                      <a:tcPr marL="18226" marR="18226" marT="9113" marB="9113" anchor="ctr">
-                        <a:lnL w="12700" cap="flat" cmpd="sng" algn="ctr">
-                          <a:solidFill>
-                            <a:schemeClr val="tx1"/>
-                          </a:solidFill>
-                          <a:prstDash val="solid"/>
-                          <a:round/>
-                          <a:headEnd type="none" w="med" len="med"/>
-                          <a:tailEnd type="none" w="med" len="med"/>
-                        </a:lnL>
-                        <a:lnR w="12700" cap="flat" cmpd="sng" algn="ctr">
-                          <a:solidFill>
-                            <a:schemeClr val="tx1"/>
-                          </a:solidFill>
-                          <a:prstDash val="solid"/>
-                          <a:round/>
-                          <a:headEnd type="none" w="med" len="med"/>
-                          <a:tailEnd type="none" w="med" len="med"/>
-                        </a:lnR>
-                        <a:lnT w="9525" cap="flat" cmpd="sng" algn="ctr">
-                          <a:noFill/>
-                          <a:prstDash val="sysDot"/>
-                          <a:round/>
-                          <a:headEnd type="none" w="med" len="med"/>
-                          <a:tailEnd type="none" w="med" len="med"/>
-                        </a:lnT>
-                        <a:lnB w="9525" cap="flat" cmpd="sng" algn="ctr">
-                          <a:solidFill>
-                            <a:schemeClr val="tx1"/>
-                          </a:solidFill>
-                          <a:prstDash val="solid"/>
-                          <a:round/>
-                          <a:headEnd type="none" w="med" len="med"/>
-                          <a:tailEnd type="none" w="med" len="med"/>
-                        </a:lnB>
-                        <a:blipFill>
-                          <a:blip r:embed="rId5"/>
-                          <a:stretch>
-                            <a:fillRect l="-1176" t="-703704" r="-2353" b="-118519"/>
-                          </a:stretch>
-                        </a:blipFill>
-                      </a:tcPr>
-                    </a:tc>
-                    <a:extLst>
-                      <a:ext uri="{0D108BD9-81ED-4DB2-BD59-A6C34878D82A}">
-                        <a16:rowId xmlns:a16="http://schemas.microsoft.com/office/drawing/2014/main" val="2258706886"/>
-                      </a:ext>
-                    </a:extLst>
-                  </a:tr>
-                  <a:tr h="167457">
-                    <a:tc>
-                      <a:txBody>
-                        <a:bodyPr/>
-                        <a:lstStyle/>
-                        <a:p>
-                          <a:pPr algn="ctr"/>
-                          <a:r>
-                            <a:rPr kumimoji="1" lang="en-US" altLang="ja-JP" sz="700" baseline="0" dirty="0">
-                              <a:solidFill>
-                                <a:schemeClr val="tx1"/>
-                              </a:solidFill>
-                              <a:latin typeface="Cambria Math" panose="02040503050406030204" pitchFamily="18" charset="0"/>
-                            </a:rPr>
-                            <a:t>Status word’</a:t>
-                          </a:r>
-                          <a:endParaRPr kumimoji="1" lang="ja-JP" altLang="en-US" sz="700" baseline="0" dirty="0">
-                            <a:solidFill>
-                              <a:schemeClr val="tx1"/>
-                            </a:solidFill>
-                            <a:latin typeface="Cambria Math" panose="02040503050406030204" pitchFamily="18" charset="0"/>
-                          </a:endParaRPr>
-                        </a:p>
-                      </a:txBody>
-                      <a:tcPr marL="18226" marR="18226" marT="9113" marB="9113" anchor="ctr">
-                        <a:lnL w="12700" cap="flat" cmpd="sng" algn="ctr">
-                          <a:solidFill>
-                            <a:schemeClr val="tx1"/>
-                          </a:solidFill>
-                          <a:prstDash val="solid"/>
-                          <a:round/>
-                          <a:headEnd type="none" w="med" len="med"/>
-                          <a:tailEnd type="none" w="med" len="med"/>
-                        </a:lnL>
-                        <a:lnR w="12700" cap="flat" cmpd="sng" algn="ctr">
-                          <a:solidFill>
-                            <a:schemeClr val="tx1"/>
-                          </a:solidFill>
-                          <a:prstDash val="solid"/>
-                          <a:round/>
-                          <a:headEnd type="none" w="med" len="med"/>
-                          <a:tailEnd type="none" w="med" len="med"/>
-                        </a:lnR>
-                        <a:lnT w="9525" cap="flat" cmpd="sng" algn="ctr">
-                          <a:solidFill>
-                            <a:schemeClr val="tx1"/>
-                          </a:solidFill>
-                          <a:prstDash val="solid"/>
-                          <a:round/>
-                          <a:headEnd type="none" w="med" len="med"/>
-                          <a:tailEnd type="none" w="med" len="med"/>
-                        </a:lnT>
-                        <a:lnB w="12700" cap="flat" cmpd="sng" algn="ctr">
-                          <a:solidFill>
-                            <a:schemeClr val="tx1"/>
-                          </a:solidFill>
-                          <a:prstDash val="solid"/>
-                          <a:round/>
-                          <a:headEnd type="none" w="med" len="med"/>
-                          <a:tailEnd type="none" w="med" len="med"/>
-                        </a:lnB>
-                        <a:solidFill>
-                          <a:schemeClr val="bg1"/>
-                        </a:solidFill>
-                      </a:tcPr>
-                    </a:tc>
-                    <a:extLst>
-                      <a:ext uri="{0D108BD9-81ED-4DB2-BD59-A6C34878D82A}">
-                        <a16:rowId xmlns:a16="http://schemas.microsoft.com/office/drawing/2014/main" val="1683332274"/>
-                      </a:ext>
-                    </a:extLst>
-                  </a:tr>
-                </a:tbl>
-              </a:graphicData>
-            </a:graphic>
-          </p:graphicFrame>
-        </mc:Fallback>
-      </mc:AlternateContent>
-      <mc:AlternateContent xmlns:mc="http://schemas.openxmlformats.org/markup-compatibility/2006">
-        <mc:Choice xmlns:a14="http://schemas.microsoft.com/office/drawing/2010/main" Requires="a14">
-          <p:graphicFrame>
-            <p:nvGraphicFramePr>
-              <p:cNvPr id="75" name="表 49">
-                <a:extLst>
-                  <a:ext uri="{FF2B5EF4-FFF2-40B4-BE49-F238E27FC236}">
-                    <a16:creationId xmlns:a16="http://schemas.microsoft.com/office/drawing/2014/main" id="{A5C8AAF7-F3B8-BE4D-63E6-187F2CA98979}"/>
-                  </a:ext>
-                </a:extLst>
-              </p:cNvPr>
-              <p:cNvGraphicFramePr>
-                <a:graphicFrameLocks noGrp="1"/>
-              </p:cNvGraphicFramePr>
-              <p:nvPr>
-                <p:extLst>
-                  <p:ext uri="{D42A27DB-BD31-4B8C-83A1-F6EECF244321}">
-                    <p14:modId xmlns:p14="http://schemas.microsoft.com/office/powerpoint/2010/main" val="2740212758"/>
-                  </p:ext>
-                </p:extLst>
-              </p:nvPr>
-            </p:nvGraphicFramePr>
-            <p:xfrm>
-              <a:off x="2104164" y="32693"/>
-              <a:ext cx="540000" cy="1465200"/>
-            </p:xfrm>
-            <a:graphic>
-              <a:graphicData uri="http://schemas.openxmlformats.org/drawingml/2006/table">
-                <a:tbl>
-                  <a:tblPr firstRow="1" bandRow="1">
-                    <a:tableStyleId>{2D5ABB26-0587-4C30-8999-92F81FD0307C}</a:tableStyleId>
-                  </a:tblPr>
-                  <a:tblGrid>
-                    <a:gridCol w="540000">
-                      <a:extLst>
-                        <a:ext uri="{9D8B030D-6E8A-4147-A177-3AD203B41FA5}">
-                          <a16:colId xmlns:a16="http://schemas.microsoft.com/office/drawing/2014/main" val="1391329631"/>
-                        </a:ext>
-                      </a:extLst>
-                    </a:gridCol>
-                  </a:tblGrid>
-                  <a:tr h="133200">
-                    <a:tc>
-                      <a:txBody>
-                        <a:bodyPr/>
-                        <a:lstStyle/>
-                        <a:p>
-                          <a:pPr algn="ctr"/>
-                          <a:r>
-                            <a:rPr kumimoji="1" lang="en-US" altLang="ja-JP" sz="700" baseline="0" dirty="0">
-                              <a:latin typeface="Cambria Math" panose="02040503050406030204" pitchFamily="18" charset="0"/>
-                            </a:rPr>
-                            <a:t>Header</a:t>
-                          </a:r>
-                          <a:endParaRPr kumimoji="1" lang="ja-JP" altLang="en-US" sz="700" baseline="0" dirty="0">
-                            <a:latin typeface="Cambria Math" panose="02040503050406030204" pitchFamily="18" charset="0"/>
-                          </a:endParaRPr>
-                        </a:p>
-                      </a:txBody>
-                      <a:tcPr marL="18226" marR="18226" marT="9113" marB="9113" anchor="ctr">
-                        <a:lnL w="12700" cap="flat" cmpd="sng" algn="ctr">
-                          <a:solidFill>
-                            <a:schemeClr val="tx1"/>
-                          </a:solidFill>
-                          <a:prstDash val="solid"/>
-                          <a:round/>
-                          <a:headEnd type="none" w="med" len="med"/>
-                          <a:tailEnd type="none" w="med" len="med"/>
-                        </a:lnL>
-                        <a:lnR w="12700" cap="flat" cmpd="sng" algn="ctr">
-                          <a:solidFill>
-                            <a:schemeClr val="tx1"/>
-                          </a:solidFill>
-                          <a:prstDash val="solid"/>
-                          <a:round/>
-                          <a:headEnd type="none" w="med" len="med"/>
-                          <a:tailEnd type="none" w="med" len="med"/>
-                        </a:lnR>
-                        <a:lnT w="12700" cap="flat" cmpd="sng" algn="ctr">
-                          <a:solidFill>
-                            <a:schemeClr val="tx1"/>
-                          </a:solidFill>
-                          <a:prstDash val="solid"/>
-                          <a:round/>
-                          <a:headEnd type="none" w="med" len="med"/>
-                          <a:tailEnd type="none" w="med" len="med"/>
-                        </a:lnT>
-                        <a:lnB w="9525" cap="flat" cmpd="sng" algn="ctr">
-                          <a:solidFill>
-                            <a:schemeClr val="tx1"/>
-                          </a:solidFill>
-                          <a:prstDash val="solid"/>
-                          <a:round/>
-                          <a:headEnd type="none" w="med" len="med"/>
-                          <a:tailEnd type="none" w="med" len="med"/>
-                        </a:lnB>
-                        <a:solidFill>
-                          <a:schemeClr val="bg1"/>
-                        </a:solidFill>
-                      </a:tcPr>
-                    </a:tc>
-                    <a:extLst>
-                      <a:ext uri="{0D108BD9-81ED-4DB2-BD59-A6C34878D82A}">
-                        <a16:rowId xmlns:a16="http://schemas.microsoft.com/office/drawing/2014/main" val="3783925622"/>
-                      </a:ext>
-                    </a:extLst>
-                  </a:tr>
-                  <a:tr h="133200">
-                    <a:tc>
-                      <a:txBody>
-                        <a:bodyPr/>
-                        <a:lstStyle/>
-                        <a:p>
-                          <a:pPr algn="ctr"/>
-                          <a:r>
-                            <a:rPr kumimoji="1" lang="en-US" altLang="ja-JP" sz="700" baseline="0" dirty="0">
-                              <a:latin typeface="Cambria Math" panose="02040503050406030204" pitchFamily="18" charset="0"/>
-                              <a:ea typeface="Cambria Math" panose="02040503050406030204" pitchFamily="18" charset="0"/>
-                            </a:rPr>
-                            <a:t>Metadata</a:t>
-                          </a:r>
-                          <a:endParaRPr kumimoji="1" lang="ja-JP" altLang="en-US" sz="700" baseline="0" dirty="0">
-                            <a:latin typeface="Cambria Math" panose="02040503050406030204" pitchFamily="18" charset="0"/>
-                          </a:endParaRPr>
-                        </a:p>
-                      </a:txBody>
-                      <a:tcPr marL="18226" marR="18226" marT="9113" marB="9113" anchor="ctr">
-                        <a:lnL w="12700" cap="flat" cmpd="sng" algn="ctr">
-                          <a:solidFill>
-                            <a:schemeClr val="tx1"/>
-                          </a:solidFill>
-                          <a:prstDash val="solid"/>
-                          <a:round/>
-                          <a:headEnd type="none" w="med" len="med"/>
-                          <a:tailEnd type="none" w="med" len="med"/>
-                        </a:lnL>
-                        <a:lnR w="12700" cap="flat" cmpd="sng" algn="ctr">
-                          <a:solidFill>
-                            <a:schemeClr val="tx1"/>
-                          </a:solidFill>
-                          <a:prstDash val="solid"/>
-                          <a:round/>
-                          <a:headEnd type="none" w="med" len="med"/>
-                          <a:tailEnd type="none" w="med" len="med"/>
-                        </a:lnR>
-                        <a:lnT w="9525" cap="flat" cmpd="sng" algn="ctr">
-                          <a:solidFill>
-                            <a:schemeClr val="tx1"/>
-                          </a:solidFill>
-                          <a:prstDash val="solid"/>
-                          <a:round/>
-                          <a:headEnd type="none" w="med" len="med"/>
-                          <a:tailEnd type="none" w="med" len="med"/>
-                        </a:lnT>
-                        <a:solidFill>
-                          <a:schemeClr val="bg1"/>
-                        </a:solidFill>
-                      </a:tcPr>
-                    </a:tc>
-                    <a:extLst>
-                      <a:ext uri="{0D108BD9-81ED-4DB2-BD59-A6C34878D82A}">
-                        <a16:rowId xmlns:a16="http://schemas.microsoft.com/office/drawing/2014/main" val="2244812955"/>
-                      </a:ext>
-                    </a:extLst>
-                  </a:tr>
-                  <a:tr h="133200">
-                    <a:tc>
-                      <a:txBody>
-                        <a:bodyPr/>
-                        <a:lstStyle/>
-                        <a:p>
-                          <a:pPr algn="ctr"/>
-                          <a:r>
-                            <a:rPr kumimoji="1" lang="en-US" altLang="ja-JP" sz="700" baseline="0" dirty="0">
-                              <a:latin typeface="Cambria Math" panose="02040503050406030204" pitchFamily="18" charset="0"/>
-                              <a:ea typeface="Cambria Math" panose="02040503050406030204" pitchFamily="18" charset="0"/>
-                            </a:rPr>
-                            <a:t>...</a:t>
-                          </a:r>
-                          <a:endParaRPr kumimoji="1" lang="ja-JP" altLang="en-US" sz="700" baseline="0" dirty="0">
-                            <a:latin typeface="Cambria Math" panose="02040503050406030204" pitchFamily="18" charset="0"/>
-                          </a:endParaRPr>
-                        </a:p>
-                      </a:txBody>
-                      <a:tcPr marL="18226" marR="18226" marT="9113" marB="9113" anchor="ctr">
-                        <a:lnL w="12700" cap="flat" cmpd="sng" algn="ctr">
-                          <a:solidFill>
-                            <a:schemeClr val="tx1"/>
-                          </a:solidFill>
-                          <a:prstDash val="solid"/>
-                          <a:round/>
-                          <a:headEnd type="none" w="med" len="med"/>
-                          <a:tailEnd type="none" w="med" len="med"/>
-                        </a:lnL>
-                        <a:lnR w="12700" cap="flat" cmpd="sng" algn="ctr">
-                          <a:solidFill>
-                            <a:schemeClr val="tx1"/>
-                          </a:solidFill>
-                          <a:prstDash val="solid"/>
-                          <a:round/>
-                          <a:headEnd type="none" w="med" len="med"/>
-                          <a:tailEnd type="none" w="med" len="med"/>
-                        </a:lnR>
-                        <a:lnB w="9525" cap="flat" cmpd="sng" algn="ctr">
-                          <a:solidFill>
-                            <a:schemeClr val="tx1"/>
-                          </a:solidFill>
-                          <a:prstDash val="sysDot"/>
-                          <a:round/>
-                          <a:headEnd type="none" w="med" len="med"/>
-                          <a:tailEnd type="none" w="med" len="med"/>
-                        </a:lnB>
-                        <a:solidFill>
-                          <a:schemeClr val="bg1"/>
-                        </a:solidFill>
-                      </a:tcPr>
-                    </a:tc>
-                    <a:extLst>
-                      <a:ext uri="{0D108BD9-81ED-4DB2-BD59-A6C34878D82A}">
-                        <a16:rowId xmlns:a16="http://schemas.microsoft.com/office/drawing/2014/main" val="1930659369"/>
-                      </a:ext>
-                    </a:extLst>
-                  </a:tr>
-                  <a:tr h="133200">
-                    <a:tc>
-                      <a:txBody>
-                        <a:bodyPr/>
-                        <a:lstStyle/>
-                        <a:p>
-                          <a:pPr algn="ctr"/>
-                          <a:r>
-                            <a:rPr kumimoji="1" lang="en-US" altLang="ja-JP" sz="700" baseline="0" dirty="0">
-                              <a:latin typeface="Cambria Math" panose="02040503050406030204" pitchFamily="18" charset="0"/>
-                            </a:rPr>
-                            <a:t>...</a:t>
-                          </a:r>
-                          <a:endParaRPr kumimoji="1" lang="ja-JP" altLang="en-US" sz="700" baseline="0" dirty="0">
-                            <a:latin typeface="Cambria Math" panose="02040503050406030204" pitchFamily="18" charset="0"/>
-                          </a:endParaRPr>
-                        </a:p>
-                      </a:txBody>
-                      <a:tcPr marL="18226" marR="18226" marT="9113" marB="9113" anchor="ctr">
-                        <a:lnL w="12700" cap="flat" cmpd="sng" algn="ctr">
-                          <a:solidFill>
-                            <a:schemeClr val="tx1"/>
-                          </a:solidFill>
-                          <a:prstDash val="solid"/>
-                          <a:round/>
-                          <a:headEnd type="none" w="med" len="med"/>
-                          <a:tailEnd type="none" w="med" len="med"/>
-                        </a:lnL>
-                        <a:lnR w="12700" cap="flat" cmpd="sng" algn="ctr">
-                          <a:solidFill>
-                            <a:schemeClr val="tx1"/>
-                          </a:solidFill>
-                          <a:prstDash val="solid"/>
-                          <a:round/>
-                          <a:headEnd type="none" w="med" len="med"/>
-                          <a:tailEnd type="none" w="med" len="med"/>
-                        </a:lnR>
-                        <a:lnT w="9525" cap="flat" cmpd="sng" algn="ctr">
-                          <a:solidFill>
-                            <a:schemeClr val="tx1"/>
-                          </a:solidFill>
-                          <a:prstDash val="sysDot"/>
-                          <a:round/>
-                          <a:headEnd type="none" w="med" len="med"/>
-                          <a:tailEnd type="none" w="med" len="med"/>
-                        </a:lnT>
-                        <a:lnB w="12700" cap="flat" cmpd="sng" algn="ctr">
-                          <a:noFill/>
-                          <a:prstDash val="solid"/>
-                          <a:round/>
-                          <a:headEnd type="none" w="med" len="med"/>
-                          <a:tailEnd type="none" w="med" len="med"/>
-                        </a:lnB>
-                        <a:solidFill>
-                          <a:schemeClr val="bg1"/>
-                        </a:solidFill>
-                      </a:tcPr>
-                    </a:tc>
-                    <a:extLst>
-                      <a:ext uri="{0D108BD9-81ED-4DB2-BD59-A6C34878D82A}">
-                        <a16:rowId xmlns:a16="http://schemas.microsoft.com/office/drawing/2014/main" val="4212267831"/>
-                      </a:ext>
-                    </a:extLst>
-                  </a:tr>
-                  <a:tr h="133200">
-                    <a:tc>
-                      <a:txBody>
-                        <a:bodyPr/>
-                        <a:lstStyle/>
-                        <a:p>
-                          <a:pPr algn="ctr"/>
-                          <a:r>
-                            <a:rPr kumimoji="1" lang="en-US" altLang="ja-JP" sz="700" baseline="0" dirty="0">
-                              <a:latin typeface="Cambria Math" panose="02040503050406030204" pitchFamily="18" charset="0"/>
-                            </a:rPr>
-                            <a:t>Record</a:t>
-                          </a:r>
-                          <a:endParaRPr kumimoji="1" lang="ja-JP" altLang="en-US" sz="700" baseline="0" dirty="0">
-                            <a:latin typeface="Cambria Math" panose="02040503050406030204" pitchFamily="18" charset="0"/>
-                          </a:endParaRPr>
-                        </a:p>
-                      </a:txBody>
-                      <a:tcPr marL="18226" marR="18226" marT="9113" marB="9113" anchor="ctr">
-                        <a:lnL w="12700" cap="flat" cmpd="sng" algn="ctr">
-                          <a:solidFill>
-                            <a:schemeClr val="tx1"/>
-                          </a:solidFill>
-                          <a:prstDash val="solid"/>
-                          <a:round/>
-                          <a:headEnd type="none" w="med" len="med"/>
-                          <a:tailEnd type="none" w="med" len="med"/>
-                        </a:lnL>
-                        <a:lnR w="12700" cap="flat" cmpd="sng" algn="ctr">
-                          <a:solidFill>
-                            <a:schemeClr val="tx1"/>
-                          </a:solidFill>
-                          <a:prstDash val="solid"/>
-                          <a:round/>
-                          <a:headEnd type="none" w="med" len="med"/>
-                          <a:tailEnd type="none" w="med" len="med"/>
-                        </a:lnR>
-                        <a:lnT w="12700" cap="flat" cmpd="sng" algn="ctr">
-                          <a:noFill/>
-                          <a:prstDash val="solid"/>
-                          <a:round/>
-                          <a:headEnd type="none" w="med" len="med"/>
-                          <a:tailEnd type="none" w="med" len="med"/>
-                        </a:lnT>
-                        <a:lnB w="9525" cap="flat" cmpd="sng" algn="ctr">
-                          <a:solidFill>
-                            <a:schemeClr val="tx1"/>
-                          </a:solidFill>
-                          <a:prstDash val="solid"/>
-                          <a:round/>
-                          <a:headEnd type="none" w="med" len="med"/>
-                          <a:tailEnd type="none" w="med" len="med"/>
-                        </a:lnB>
-                        <a:solidFill>
-                          <a:schemeClr val="bg1"/>
-                        </a:solidFill>
-                      </a:tcPr>
-                    </a:tc>
-                    <a:extLst>
-                      <a:ext uri="{0D108BD9-81ED-4DB2-BD59-A6C34878D82A}">
-                        <a16:rowId xmlns:a16="http://schemas.microsoft.com/office/drawing/2014/main" val="77431627"/>
-                      </a:ext>
-                    </a:extLst>
-                  </a:tr>
-                  <a:tr h="133200">
-                    <a:tc>
-                      <a:txBody>
-                        <a:bodyPr/>
-                        <a:lstStyle/>
-                        <a:p>
-                          <a:pPr marL="0" marR="0" lvl="0" indent="0" algn="ctr" defTabSz="191934" rtl="0" eaLnBrk="1" fontAlgn="auto" latinLnBrk="0" hangingPunct="1">
-                            <a:lnSpc>
-                              <a:spcPct val="100000"/>
-                            </a:lnSpc>
-                            <a:spcBef>
-                              <a:spcPts val="0"/>
-                            </a:spcBef>
-                            <a:spcAft>
-                              <a:spcPts val="0"/>
-                            </a:spcAft>
-                            <a:buClrTx/>
-                            <a:buSzTx/>
-                            <a:buFontTx/>
-                            <a:buNone/>
-                            <a:tabLst/>
-                            <a:defRPr/>
-                          </a:pPr>
-                          <a14:m>
-                            <m:oMath xmlns:m="http://schemas.openxmlformats.org/officeDocument/2006/math">
-                              <m:r>
-                                <m:rPr>
-                                  <m:sty m:val="p"/>
-                                </m:rPr>
-                                <a:rPr kumimoji="1" lang="en-US" altLang="ja-JP" sz="700" b="0" i="0" baseline="0" smtClean="0">
-                                  <a:solidFill>
-                                    <a:schemeClr val="tx1"/>
-                                  </a:solidFill>
-                                  <a:latin typeface="Cambria Math" panose="02040503050406030204" pitchFamily="18" charset="0"/>
-                                </a:rPr>
-                                <m:t>Δ</m:t>
-                              </m:r>
-                            </m:oMath>
-                          </a14:m>
-                          <a:r>
-                            <a:rPr kumimoji="1" lang="ja-JP" altLang="en-US" sz="700" baseline="0" dirty="0">
-                              <a:latin typeface="Cambria Math" panose="02040503050406030204" pitchFamily="18" charset="0"/>
-                            </a:rPr>
-                            <a:t> </a:t>
-                          </a:r>
-                          <a:r>
-                            <a:rPr kumimoji="1" lang="en-US" altLang="ja-JP" sz="700" baseline="0" dirty="0">
-                              <a:latin typeface="Cambria Math" panose="02040503050406030204" pitchFamily="18" charset="0"/>
-                            </a:rPr>
-                            <a:t>record</a:t>
-                          </a:r>
-                          <a:endParaRPr kumimoji="1" lang="ja-JP" altLang="en-US" sz="700" baseline="0" dirty="0">
-                            <a:solidFill>
-                              <a:schemeClr val="accent1"/>
-                            </a:solidFill>
-                            <a:latin typeface="Cambria Math" panose="02040503050406030204" pitchFamily="18" charset="0"/>
-                          </a:endParaRPr>
-                        </a:p>
-                      </a:txBody>
-                      <a:tcPr marL="18226" marR="18226" marT="9113" marB="9113" anchor="ctr">
-                        <a:lnL w="12700" cap="flat" cmpd="sng" algn="ctr">
-                          <a:solidFill>
-                            <a:schemeClr val="tx1"/>
-                          </a:solidFill>
-                          <a:prstDash val="solid"/>
-                          <a:round/>
-                          <a:headEnd type="none" w="med" len="med"/>
-                          <a:tailEnd type="none" w="med" len="med"/>
-                        </a:lnL>
-                        <a:lnR w="12700" cap="flat" cmpd="sng" algn="ctr">
-                          <a:solidFill>
-                            <a:schemeClr val="tx1"/>
-                          </a:solidFill>
-                          <a:prstDash val="solid"/>
-                          <a:round/>
-                          <a:headEnd type="none" w="med" len="med"/>
-                          <a:tailEnd type="none" w="med" len="med"/>
-                        </a:lnR>
-                        <a:lnT w="9525" cap="flat" cmpd="sng" algn="ctr">
-                          <a:solidFill>
-                            <a:schemeClr val="tx1"/>
-                          </a:solidFill>
-                          <a:prstDash val="solid"/>
-                          <a:round/>
-                          <a:headEnd type="none" w="med" len="med"/>
-                          <a:tailEnd type="none" w="med" len="med"/>
-                        </a:lnT>
-                        <a:lnB w="9525" cap="flat" cmpd="sng" algn="ctr">
-                          <a:noFill/>
-                          <a:prstDash val="sysDot"/>
-                          <a:round/>
-                          <a:headEnd type="none" w="med" len="med"/>
-                          <a:tailEnd type="none" w="med" len="med"/>
-                        </a:lnB>
-                        <a:solidFill>
-                          <a:schemeClr val="bg1"/>
-                        </a:solidFill>
-                      </a:tcPr>
-                    </a:tc>
-                    <a:extLst>
-                      <a:ext uri="{0D108BD9-81ED-4DB2-BD59-A6C34878D82A}">
-                        <a16:rowId xmlns:a16="http://schemas.microsoft.com/office/drawing/2014/main" val="380398867"/>
-                      </a:ext>
-                    </a:extLst>
-                  </a:tr>
-                  <a:tr h="133200">
-                    <a:tc>
-                      <a:txBody>
-                        <a:bodyPr/>
-                        <a:lstStyle/>
-                        <a:p>
-                          <a:pPr marL="0" marR="0" lvl="0" indent="0" algn="ctr" defTabSz="191934" rtl="0" eaLnBrk="1" fontAlgn="auto" latinLnBrk="0" hangingPunct="1">
-                            <a:lnSpc>
-                              <a:spcPct val="100000"/>
-                            </a:lnSpc>
-                            <a:spcBef>
-                              <a:spcPts val="0"/>
-                            </a:spcBef>
-                            <a:spcAft>
-                              <a:spcPts val="0"/>
-                            </a:spcAft>
-                            <a:buClrTx/>
-                            <a:buSzTx/>
-                            <a:buFontTx/>
-                            <a:buNone/>
-                            <a:tabLst/>
-                            <a:defRPr/>
-                          </a:pPr>
-                          <a14:m>
-                            <m:oMath xmlns:m="http://schemas.openxmlformats.org/officeDocument/2006/math">
-                              <m:r>
-                                <m:rPr>
-                                  <m:sty m:val="p"/>
-                                </m:rPr>
-                                <a:rPr kumimoji="1" lang="en-US" altLang="ja-JP" sz="700" b="0" i="0" baseline="0" smtClean="0">
-                                  <a:solidFill>
-                                    <a:schemeClr val="tx1"/>
-                                  </a:solidFill>
-                                  <a:latin typeface="Cambria Math" panose="02040503050406030204" pitchFamily="18" charset="0"/>
-                                </a:rPr>
-                                <m:t>Δ</m:t>
-                              </m:r>
-                            </m:oMath>
-                          </a14:m>
-                          <a:r>
-                            <a:rPr kumimoji="1" lang="ja-JP" altLang="en-US" sz="700" baseline="0" dirty="0">
-                              <a:latin typeface="Cambria Math" panose="02040503050406030204" pitchFamily="18" charset="0"/>
-                            </a:rPr>
-                            <a:t> </a:t>
-                          </a:r>
-                          <a:r>
-                            <a:rPr kumimoji="1" lang="en-US" altLang="ja-JP" sz="700" baseline="0" dirty="0">
-                              <a:latin typeface="Cambria Math" panose="02040503050406030204" pitchFamily="18" charset="0"/>
-                            </a:rPr>
-                            <a:t>record’</a:t>
-                          </a:r>
-                          <a:endParaRPr kumimoji="1" lang="ja-JP" altLang="en-US" sz="700" baseline="0" dirty="0">
-                            <a:solidFill>
-                              <a:schemeClr val="accent1"/>
-                            </a:solidFill>
-                            <a:latin typeface="Cambria Math" panose="02040503050406030204" pitchFamily="18" charset="0"/>
-                          </a:endParaRPr>
-                        </a:p>
-                      </a:txBody>
-                      <a:tcPr marL="18226" marR="18226" marT="9113" marB="9113" anchor="ctr">
-                        <a:lnL w="12700" cap="flat" cmpd="sng" algn="ctr">
-                          <a:solidFill>
-                            <a:schemeClr val="tx1"/>
-                          </a:solidFill>
-                          <a:prstDash val="solid"/>
-                          <a:round/>
-                          <a:headEnd type="none" w="med" len="med"/>
-                          <a:tailEnd type="none" w="med" len="med"/>
-                        </a:lnL>
-                        <a:lnR w="12700" cap="flat" cmpd="sng" algn="ctr">
-                          <a:solidFill>
-                            <a:schemeClr val="tx1"/>
-                          </a:solidFill>
-                          <a:prstDash val="solid"/>
-                          <a:round/>
-                          <a:headEnd type="none" w="med" len="med"/>
-                          <a:tailEnd type="none" w="med" len="med"/>
-                        </a:lnR>
-                        <a:lnT w="9525" cap="flat" cmpd="sng" algn="ctr">
-                          <a:noFill/>
-                          <a:prstDash val="sysDot"/>
-                          <a:round/>
-                          <a:headEnd type="none" w="med" len="med"/>
-                          <a:tailEnd type="none" w="med" len="med"/>
-                        </a:lnT>
-                        <a:lnB w="9525" cap="flat" cmpd="sng" algn="ctr">
-                          <a:solidFill>
-                            <a:schemeClr val="tx1"/>
-                          </a:solidFill>
-                          <a:prstDash val="sysDot"/>
-                          <a:round/>
-                          <a:headEnd type="none" w="med" len="med"/>
-                          <a:tailEnd type="none" w="med" len="med"/>
-                        </a:lnB>
-                        <a:solidFill>
-                          <a:schemeClr val="bg1"/>
-                        </a:solidFill>
-                      </a:tcPr>
-                    </a:tc>
-                    <a:extLst>
-                      <a:ext uri="{0D108BD9-81ED-4DB2-BD59-A6C34878D82A}">
-                        <a16:rowId xmlns:a16="http://schemas.microsoft.com/office/drawing/2014/main" val="3448383632"/>
-                      </a:ext>
-                    </a:extLst>
-                  </a:tr>
-                  <a:tr h="133200">
-                    <a:tc>
-                      <a:txBody>
-                        <a:bodyPr/>
-                        <a:lstStyle/>
-                        <a:p>
-                          <a:pPr algn="ctr"/>
-                          <a:r>
-                            <a:rPr kumimoji="1" lang="en-US" altLang="ja-JP" sz="700" baseline="0" dirty="0">
-                              <a:latin typeface="Cambria Math" panose="02040503050406030204" pitchFamily="18" charset="0"/>
-                            </a:rPr>
-                            <a:t>Free space</a:t>
-                          </a:r>
-                          <a:endParaRPr kumimoji="1" lang="ja-JP" altLang="en-US" sz="700" baseline="0" dirty="0">
-                            <a:latin typeface="Cambria Math" panose="02040503050406030204" pitchFamily="18" charset="0"/>
-                          </a:endParaRPr>
-                        </a:p>
-                      </a:txBody>
-                      <a:tcPr marL="18226" marR="18226" marT="9113" marB="9113" anchor="ctr">
-                        <a:lnL w="12700" cap="flat" cmpd="sng" algn="ctr">
-                          <a:solidFill>
-                            <a:schemeClr val="tx1"/>
-                          </a:solidFill>
-                          <a:prstDash val="solid"/>
-                          <a:round/>
-                          <a:headEnd type="none" w="med" len="med"/>
-                          <a:tailEnd type="none" w="med" len="med"/>
-                        </a:lnL>
-                        <a:lnR w="12700" cap="flat" cmpd="sng" algn="ctr">
-                          <a:solidFill>
-                            <a:schemeClr val="tx1"/>
-                          </a:solidFill>
-                          <a:prstDash val="solid"/>
-                          <a:round/>
-                          <a:headEnd type="none" w="med" len="med"/>
-                          <a:tailEnd type="none" w="med" len="med"/>
-                        </a:lnR>
-                        <a:lnT w="9525" cap="flat" cmpd="sng" algn="ctr">
-                          <a:solidFill>
-                            <a:schemeClr val="tx1"/>
-                          </a:solidFill>
-                          <a:prstDash val="sysDot"/>
-                          <a:round/>
-                          <a:headEnd type="none" w="med" len="med"/>
-                          <a:tailEnd type="none" w="med" len="med"/>
-                        </a:lnT>
-                        <a:lnB w="9525" cap="flat" cmpd="sng" algn="ctr">
-                          <a:solidFill>
-                            <a:schemeClr val="tx1"/>
-                          </a:solidFill>
-                          <a:prstDash val="sysDot"/>
-                          <a:round/>
-                          <a:headEnd type="none" w="med" len="med"/>
-                          <a:tailEnd type="none" w="med" len="med"/>
-                        </a:lnB>
-                        <a:solidFill>
-                          <a:schemeClr val="bg1"/>
-                        </a:solidFill>
-                      </a:tcPr>
-                    </a:tc>
-                    <a:extLst>
-                      <a:ext uri="{0D108BD9-81ED-4DB2-BD59-A6C34878D82A}">
-                        <a16:rowId xmlns:a16="http://schemas.microsoft.com/office/drawing/2014/main" val="1611505625"/>
-                      </a:ext>
-                    </a:extLst>
-                  </a:tr>
-                  <a:tr h="133200">
-                    <a:tc>
-                      <a:txBody>
-                        <a:bodyPr/>
-                        <a:lstStyle/>
-                        <a:p>
-                          <a:pPr algn="ctr"/>
-                          <a14:m>
-                            <m:oMath xmlns:m="http://schemas.openxmlformats.org/officeDocument/2006/math">
-                              <m:r>
-                                <m:rPr>
-                                  <m:sty m:val="p"/>
-                                </m:rPr>
-                                <a:rPr kumimoji="1" lang="en-US" altLang="ja-JP" sz="700" b="0" i="0" baseline="0" smtClean="0">
-                                  <a:solidFill>
-                                    <a:schemeClr val="tx1"/>
-                                  </a:solidFill>
-                                  <a:latin typeface="Cambria Math" panose="02040503050406030204" pitchFamily="18" charset="0"/>
-                                </a:rPr>
-                                <m:t>Δ</m:t>
-                              </m:r>
-                            </m:oMath>
-                          </a14:m>
-                          <a:r>
-                            <a:rPr kumimoji="1" lang="ja-JP" altLang="en-US" sz="700" baseline="0" dirty="0">
-                              <a:latin typeface="Cambria Math" panose="02040503050406030204" pitchFamily="18" charset="0"/>
-                            </a:rPr>
-                            <a:t> </a:t>
-                          </a:r>
-                          <a:r>
-                            <a:rPr kumimoji="1" lang="en-US" altLang="ja-JP" sz="700" baseline="0" dirty="0">
-                              <a:latin typeface="Cambria Math" panose="02040503050406030204" pitchFamily="18" charset="0"/>
-                            </a:rPr>
-                            <a:t>metadata’</a:t>
-                          </a:r>
-                          <a:endParaRPr kumimoji="1" lang="ja-JP" altLang="en-US" sz="700" baseline="0" dirty="0">
-                            <a:latin typeface="Cambria Math" panose="02040503050406030204" pitchFamily="18" charset="0"/>
-                          </a:endParaRPr>
-                        </a:p>
-                      </a:txBody>
-                      <a:tcPr marL="18226" marR="18226" marT="9113" marB="9113" anchor="ctr">
-                        <a:lnL w="12700" cap="flat" cmpd="sng" algn="ctr">
-                          <a:solidFill>
-                            <a:schemeClr val="tx1"/>
-                          </a:solidFill>
-                          <a:prstDash val="solid"/>
-                          <a:round/>
-                          <a:headEnd type="none" w="med" len="med"/>
-                          <a:tailEnd type="none" w="med" len="med"/>
-                        </a:lnL>
-                        <a:lnR w="12700" cap="flat" cmpd="sng" algn="ctr">
-                          <a:solidFill>
-                            <a:schemeClr val="tx1"/>
-                          </a:solidFill>
-                          <a:prstDash val="solid"/>
-                          <a:round/>
-                          <a:headEnd type="none" w="med" len="med"/>
-                          <a:tailEnd type="none" w="med" len="med"/>
-                        </a:lnR>
-                        <a:lnT w="9525" cap="flat" cmpd="sng" algn="ctr">
-                          <a:solidFill>
-                            <a:schemeClr val="tx1"/>
-                          </a:solidFill>
-                          <a:prstDash val="sysDot"/>
-                          <a:round/>
-                          <a:headEnd type="none" w="med" len="med"/>
-                          <a:tailEnd type="none" w="med" len="med"/>
-                        </a:lnT>
-                        <a:lnB w="9525" cap="flat" cmpd="sng" algn="ctr">
-                          <a:noFill/>
-                          <a:prstDash val="sysDot"/>
-                          <a:round/>
-                          <a:headEnd type="none" w="med" len="med"/>
-                          <a:tailEnd type="none" w="med" len="med"/>
-                        </a:lnB>
-                        <a:solidFill>
-                          <a:schemeClr val="bg1"/>
-                        </a:solidFill>
-                      </a:tcPr>
-                    </a:tc>
-                    <a:extLst>
-                      <a:ext uri="{0D108BD9-81ED-4DB2-BD59-A6C34878D82A}">
-                        <a16:rowId xmlns:a16="http://schemas.microsoft.com/office/drawing/2014/main" val="726720701"/>
-                      </a:ext>
-                    </a:extLst>
-                  </a:tr>
-                  <a:tr h="133200">
-                    <a:tc>
-                      <a:txBody>
-                        <a:bodyPr/>
-                        <a:lstStyle/>
-                        <a:p>
-                          <a:pPr algn="ctr"/>
-                          <a14:m>
-                            <m:oMath xmlns:m="http://schemas.openxmlformats.org/officeDocument/2006/math">
-                              <m:r>
-                                <m:rPr>
-                                  <m:sty m:val="p"/>
-                                </m:rPr>
-                                <a:rPr kumimoji="1" lang="en-US" altLang="ja-JP" sz="700" b="0" i="0" baseline="0" smtClean="0">
-                                  <a:solidFill>
-                                    <a:schemeClr val="tx1"/>
-                                  </a:solidFill>
-                                  <a:latin typeface="Cambria Math" panose="02040503050406030204" pitchFamily="18" charset="0"/>
-                                </a:rPr>
-                                <m:t>Δ</m:t>
-                              </m:r>
-                            </m:oMath>
-                          </a14:m>
-                          <a:r>
-                            <a:rPr kumimoji="1" lang="ja-JP" altLang="en-US" sz="700" baseline="0" dirty="0">
-                              <a:latin typeface="Cambria Math" panose="02040503050406030204" pitchFamily="18" charset="0"/>
-                            </a:rPr>
-                            <a:t> </a:t>
-                          </a:r>
-                          <a:r>
-                            <a:rPr kumimoji="1" lang="en-US" altLang="ja-JP" sz="700" baseline="0" dirty="0">
-                              <a:latin typeface="Cambria Math" panose="02040503050406030204" pitchFamily="18" charset="0"/>
-                            </a:rPr>
-                            <a:t>metadata</a:t>
-                          </a:r>
-                          <a:endParaRPr kumimoji="1" lang="ja-JP" altLang="en-US" sz="700" baseline="0" dirty="0">
-                            <a:latin typeface="Cambria Math" panose="02040503050406030204" pitchFamily="18" charset="0"/>
-                          </a:endParaRPr>
-                        </a:p>
-                      </a:txBody>
-                      <a:tcPr marL="18226" marR="18226" marT="9113" marB="9113" anchor="ctr">
-                        <a:lnL w="12700" cap="flat" cmpd="sng" algn="ctr">
-                          <a:solidFill>
-                            <a:schemeClr val="tx1"/>
-                          </a:solidFill>
-                          <a:prstDash val="solid"/>
-                          <a:round/>
-                          <a:headEnd type="none" w="med" len="med"/>
-                          <a:tailEnd type="none" w="med" len="med"/>
-                        </a:lnL>
-                        <a:lnR w="12700" cap="flat" cmpd="sng" algn="ctr">
-                          <a:solidFill>
-                            <a:schemeClr val="tx1"/>
-                          </a:solidFill>
-                          <a:prstDash val="solid"/>
-                          <a:round/>
-                          <a:headEnd type="none" w="med" len="med"/>
-                          <a:tailEnd type="none" w="med" len="med"/>
-                        </a:lnR>
-                        <a:lnT w="9525" cap="flat" cmpd="sng" algn="ctr">
-                          <a:noFill/>
-                          <a:prstDash val="sysDot"/>
-                          <a:round/>
-                          <a:headEnd type="none" w="med" len="med"/>
-                          <a:tailEnd type="none" w="med" len="med"/>
-                        </a:lnT>
-                        <a:lnB w="9525" cap="flat" cmpd="sng" algn="ctr">
-                          <a:solidFill>
-                            <a:schemeClr val="tx1"/>
-                          </a:solidFill>
-                          <a:prstDash val="solid"/>
-                          <a:round/>
-                          <a:headEnd type="none" w="med" len="med"/>
-                          <a:tailEnd type="none" w="med" len="med"/>
-                        </a:lnB>
-                        <a:solidFill>
-                          <a:schemeClr val="bg1"/>
-                        </a:solidFill>
-                      </a:tcPr>
-                    </a:tc>
-                    <a:extLst>
-                      <a:ext uri="{0D108BD9-81ED-4DB2-BD59-A6C34878D82A}">
-                        <a16:rowId xmlns:a16="http://schemas.microsoft.com/office/drawing/2014/main" val="2258706886"/>
-                      </a:ext>
-                    </a:extLst>
-                  </a:tr>
-                  <a:tr h="133200">
-                    <a:tc>
-                      <a:txBody>
-                        <a:bodyPr/>
-                        <a:lstStyle/>
-                        <a:p>
-                          <a:pPr algn="ctr"/>
-                          <a:r>
-                            <a:rPr kumimoji="1" lang="en-US" altLang="ja-JP" sz="700" baseline="0" dirty="0">
-                              <a:solidFill>
-                                <a:schemeClr val="tx1"/>
-                              </a:solidFill>
-                              <a:latin typeface="Cambria Math" panose="02040503050406030204" pitchFamily="18" charset="0"/>
-                            </a:rPr>
-                            <a:t>Status word’</a:t>
-                          </a:r>
-                          <a:endParaRPr kumimoji="1" lang="ja-JP" altLang="en-US" sz="700" baseline="0" dirty="0">
-                            <a:solidFill>
-                              <a:schemeClr val="tx1"/>
-                            </a:solidFill>
-                            <a:latin typeface="Cambria Math" panose="02040503050406030204" pitchFamily="18" charset="0"/>
-                          </a:endParaRPr>
-                        </a:p>
-                      </a:txBody>
-                      <a:tcPr marL="18226" marR="18226" marT="9113" marB="9113" anchor="ctr">
-                        <a:lnL w="12700" cap="flat" cmpd="sng" algn="ctr">
-                          <a:solidFill>
-                            <a:schemeClr val="tx1"/>
-                          </a:solidFill>
-                          <a:prstDash val="solid"/>
-                          <a:round/>
-                          <a:headEnd type="none" w="med" len="med"/>
-                          <a:tailEnd type="none" w="med" len="med"/>
-                        </a:lnL>
-                        <a:lnR w="12700" cap="flat" cmpd="sng" algn="ctr">
-                          <a:solidFill>
-                            <a:schemeClr val="tx1"/>
-                          </a:solidFill>
-                          <a:prstDash val="solid"/>
-                          <a:round/>
-                          <a:headEnd type="none" w="med" len="med"/>
-                          <a:tailEnd type="none" w="med" len="med"/>
-                        </a:lnR>
-                        <a:lnT w="9525" cap="flat" cmpd="sng" algn="ctr">
-                          <a:solidFill>
-                            <a:schemeClr val="tx1"/>
-                          </a:solidFill>
-                          <a:prstDash val="solid"/>
-                          <a:round/>
-                          <a:headEnd type="none" w="med" len="med"/>
-                          <a:tailEnd type="none" w="med" len="med"/>
-                        </a:lnT>
-                        <a:lnB w="12700" cap="flat" cmpd="sng" algn="ctr">
-                          <a:solidFill>
-                            <a:schemeClr val="tx1"/>
-                          </a:solidFill>
-                          <a:prstDash val="solid"/>
-                          <a:round/>
-                          <a:headEnd type="none" w="med" len="med"/>
-                          <a:tailEnd type="none" w="med" len="med"/>
-                        </a:lnB>
-                        <a:solidFill>
-                          <a:schemeClr val="bg1"/>
-                        </a:solidFill>
-                      </a:tcPr>
-                    </a:tc>
-                    <a:extLst>
-                      <a:ext uri="{0D108BD9-81ED-4DB2-BD59-A6C34878D82A}">
-                        <a16:rowId xmlns:a16="http://schemas.microsoft.com/office/drawing/2014/main" val="1683332274"/>
-                      </a:ext>
-                    </a:extLst>
-                  </a:tr>
-                </a:tbl>
-              </a:graphicData>
-            </a:graphic>
-          </p:graphicFrame>
-        </mc:Choice>
-        <mc:Fallback>
-          <p:graphicFrame>
-            <p:nvGraphicFramePr>
-              <p:cNvPr id="75" name="表 49">
-                <a:extLst>
-                  <a:ext uri="{FF2B5EF4-FFF2-40B4-BE49-F238E27FC236}">
-                    <a16:creationId xmlns:a16="http://schemas.microsoft.com/office/drawing/2014/main" id="{A5C8AAF7-F3B8-BE4D-63E6-187F2CA98979}"/>
-                  </a:ext>
-                </a:extLst>
-              </p:cNvPr>
-              <p:cNvGraphicFramePr>
-                <a:graphicFrameLocks noGrp="1"/>
-              </p:cNvGraphicFramePr>
-              <p:nvPr>
-                <p:extLst>
-                  <p:ext uri="{D42A27DB-BD31-4B8C-83A1-F6EECF244321}">
-                    <p14:modId xmlns:p14="http://schemas.microsoft.com/office/powerpoint/2010/main" val="2740212758"/>
-                  </p:ext>
-                </p:extLst>
-              </p:nvPr>
-            </p:nvGraphicFramePr>
-            <p:xfrm>
-              <a:off x="2104164" y="32693"/>
-              <a:ext cx="540000" cy="1465200"/>
-            </p:xfrm>
-            <a:graphic>
-              <a:graphicData uri="http://schemas.openxmlformats.org/drawingml/2006/table">
-                <a:tbl>
-                  <a:tblPr firstRow="1" bandRow="1">
-                    <a:tableStyleId>{2D5ABB26-0587-4C30-8999-92F81FD0307C}</a:tableStyleId>
-                  </a:tblPr>
-                  <a:tblGrid>
-                    <a:gridCol w="540000">
-                      <a:extLst>
-                        <a:ext uri="{9D8B030D-6E8A-4147-A177-3AD203B41FA5}">
-                          <a16:colId xmlns:a16="http://schemas.microsoft.com/office/drawing/2014/main" val="1391329631"/>
-                        </a:ext>
-                      </a:extLst>
-                    </a:gridCol>
-                  </a:tblGrid>
-                  <a:tr h="133200">
-                    <a:tc>
-                      <a:txBody>
-                        <a:bodyPr/>
-                        <a:lstStyle/>
-                        <a:p>
-                          <a:pPr algn="ctr"/>
-                          <a:r>
-                            <a:rPr kumimoji="1" lang="en-US" altLang="ja-JP" sz="700" baseline="0" dirty="0">
-                              <a:latin typeface="Cambria Math" panose="02040503050406030204" pitchFamily="18" charset="0"/>
-                            </a:rPr>
-                            <a:t>Header</a:t>
-                          </a:r>
-                          <a:endParaRPr kumimoji="1" lang="ja-JP" altLang="en-US" sz="700" baseline="0" dirty="0">
-                            <a:latin typeface="Cambria Math" panose="02040503050406030204" pitchFamily="18" charset="0"/>
-                          </a:endParaRPr>
-                        </a:p>
-                      </a:txBody>
-                      <a:tcPr marL="18226" marR="18226" marT="9113" marB="9113" anchor="ctr">
-                        <a:lnL w="12700" cap="flat" cmpd="sng" algn="ctr">
-                          <a:solidFill>
-                            <a:schemeClr val="tx1"/>
-                          </a:solidFill>
-                          <a:prstDash val="solid"/>
-                          <a:round/>
-                          <a:headEnd type="none" w="med" len="med"/>
-                          <a:tailEnd type="none" w="med" len="med"/>
-                        </a:lnL>
-                        <a:lnR w="12700" cap="flat" cmpd="sng" algn="ctr">
-                          <a:solidFill>
-                            <a:schemeClr val="tx1"/>
-                          </a:solidFill>
-                          <a:prstDash val="solid"/>
-                          <a:round/>
-                          <a:headEnd type="none" w="med" len="med"/>
-                          <a:tailEnd type="none" w="med" len="med"/>
-                        </a:lnR>
-                        <a:lnT w="12700" cap="flat" cmpd="sng" algn="ctr">
-                          <a:solidFill>
-                            <a:schemeClr val="tx1"/>
-                          </a:solidFill>
-                          <a:prstDash val="solid"/>
-                          <a:round/>
-                          <a:headEnd type="none" w="med" len="med"/>
-                          <a:tailEnd type="none" w="med" len="med"/>
-                        </a:lnT>
-                        <a:lnB w="9525" cap="flat" cmpd="sng" algn="ctr">
-                          <a:solidFill>
-                            <a:schemeClr val="tx1"/>
-                          </a:solidFill>
-                          <a:prstDash val="solid"/>
-                          <a:round/>
-                          <a:headEnd type="none" w="med" len="med"/>
-                          <a:tailEnd type="none" w="med" len="med"/>
-                        </a:lnB>
-                        <a:solidFill>
-                          <a:schemeClr val="bg1"/>
-                        </a:solidFill>
-                      </a:tcPr>
-                    </a:tc>
-                    <a:extLst>
-                      <a:ext uri="{0D108BD9-81ED-4DB2-BD59-A6C34878D82A}">
-                        <a16:rowId xmlns:a16="http://schemas.microsoft.com/office/drawing/2014/main" val="3783925622"/>
-                      </a:ext>
-                    </a:extLst>
-                  </a:tr>
-                  <a:tr h="133200">
-                    <a:tc>
-                      <a:txBody>
-                        <a:bodyPr/>
-                        <a:lstStyle/>
-                        <a:p>
-                          <a:pPr algn="ctr"/>
-                          <a:r>
-                            <a:rPr kumimoji="1" lang="en-US" altLang="ja-JP" sz="700" baseline="0" dirty="0">
-                              <a:latin typeface="Cambria Math" panose="02040503050406030204" pitchFamily="18" charset="0"/>
-                              <a:ea typeface="Cambria Math" panose="02040503050406030204" pitchFamily="18" charset="0"/>
-                            </a:rPr>
-                            <a:t>Metadata</a:t>
-                          </a:r>
-                          <a:endParaRPr kumimoji="1" lang="ja-JP" altLang="en-US" sz="700" baseline="0" dirty="0">
-                            <a:latin typeface="Cambria Math" panose="02040503050406030204" pitchFamily="18" charset="0"/>
-                          </a:endParaRPr>
-                        </a:p>
-                      </a:txBody>
-                      <a:tcPr marL="18226" marR="18226" marT="9113" marB="9113" anchor="ctr">
-                        <a:lnL w="12700" cap="flat" cmpd="sng" algn="ctr">
-                          <a:solidFill>
-                            <a:schemeClr val="tx1"/>
-                          </a:solidFill>
-                          <a:prstDash val="solid"/>
-                          <a:round/>
-                          <a:headEnd type="none" w="med" len="med"/>
-                          <a:tailEnd type="none" w="med" len="med"/>
-                        </a:lnL>
-                        <a:lnR w="12700" cap="flat" cmpd="sng" algn="ctr">
-                          <a:solidFill>
-                            <a:schemeClr val="tx1"/>
-                          </a:solidFill>
-                          <a:prstDash val="solid"/>
-                          <a:round/>
-                          <a:headEnd type="none" w="med" len="med"/>
-                          <a:tailEnd type="none" w="med" len="med"/>
-                        </a:lnR>
-                        <a:lnT w="9525" cap="flat" cmpd="sng" algn="ctr">
-                          <a:solidFill>
-                            <a:schemeClr val="tx1"/>
-                          </a:solidFill>
-                          <a:prstDash val="solid"/>
-                          <a:round/>
-                          <a:headEnd type="none" w="med" len="med"/>
-                          <a:tailEnd type="none" w="med" len="med"/>
-                        </a:lnT>
-                        <a:solidFill>
-                          <a:schemeClr val="bg1"/>
-                        </a:solidFill>
-                      </a:tcPr>
-                    </a:tc>
-                    <a:extLst>
-                      <a:ext uri="{0D108BD9-81ED-4DB2-BD59-A6C34878D82A}">
-                        <a16:rowId xmlns:a16="http://schemas.microsoft.com/office/drawing/2014/main" val="2244812955"/>
-                      </a:ext>
-                    </a:extLst>
-                  </a:tr>
-                  <a:tr h="133200">
-                    <a:tc>
-                      <a:txBody>
-                        <a:bodyPr/>
-                        <a:lstStyle/>
-                        <a:p>
-                          <a:pPr algn="ctr"/>
-                          <a:r>
-                            <a:rPr kumimoji="1" lang="en-US" altLang="ja-JP" sz="700" baseline="0" dirty="0">
-                              <a:latin typeface="Cambria Math" panose="02040503050406030204" pitchFamily="18" charset="0"/>
-                              <a:ea typeface="Cambria Math" panose="02040503050406030204" pitchFamily="18" charset="0"/>
-                            </a:rPr>
-                            <a:t>...</a:t>
-                          </a:r>
-                          <a:endParaRPr kumimoji="1" lang="ja-JP" altLang="en-US" sz="700" baseline="0" dirty="0">
-                            <a:latin typeface="Cambria Math" panose="02040503050406030204" pitchFamily="18" charset="0"/>
-                          </a:endParaRPr>
-                        </a:p>
-                      </a:txBody>
-                      <a:tcPr marL="18226" marR="18226" marT="9113" marB="9113" anchor="ctr">
-                        <a:lnL w="12700" cap="flat" cmpd="sng" algn="ctr">
-                          <a:solidFill>
-                            <a:schemeClr val="tx1"/>
-                          </a:solidFill>
-                          <a:prstDash val="solid"/>
-                          <a:round/>
-                          <a:headEnd type="none" w="med" len="med"/>
-                          <a:tailEnd type="none" w="med" len="med"/>
-                        </a:lnL>
-                        <a:lnR w="12700" cap="flat" cmpd="sng" algn="ctr">
-                          <a:solidFill>
-                            <a:schemeClr val="tx1"/>
-                          </a:solidFill>
-                          <a:prstDash val="solid"/>
-                          <a:round/>
-                          <a:headEnd type="none" w="med" len="med"/>
-                          <a:tailEnd type="none" w="med" len="med"/>
-                        </a:lnR>
-                        <a:lnB w="9525" cap="flat" cmpd="sng" algn="ctr">
-                          <a:solidFill>
-                            <a:schemeClr val="tx1"/>
-                          </a:solidFill>
-                          <a:prstDash val="sysDot"/>
-                          <a:round/>
-                          <a:headEnd type="none" w="med" len="med"/>
-                          <a:tailEnd type="none" w="med" len="med"/>
-                        </a:lnB>
-                        <a:solidFill>
-                          <a:schemeClr val="bg1"/>
-                        </a:solidFill>
-                      </a:tcPr>
-                    </a:tc>
-                    <a:extLst>
-                      <a:ext uri="{0D108BD9-81ED-4DB2-BD59-A6C34878D82A}">
-                        <a16:rowId xmlns:a16="http://schemas.microsoft.com/office/drawing/2014/main" val="1930659369"/>
-                      </a:ext>
-                    </a:extLst>
-                  </a:tr>
-                  <a:tr h="133200">
-                    <a:tc>
-                      <a:txBody>
-                        <a:bodyPr/>
-                        <a:lstStyle/>
-                        <a:p>
-                          <a:pPr algn="ctr"/>
-                          <a:r>
-                            <a:rPr kumimoji="1" lang="en-US" altLang="ja-JP" sz="700" baseline="0" dirty="0">
-                              <a:latin typeface="Cambria Math" panose="02040503050406030204" pitchFamily="18" charset="0"/>
-                            </a:rPr>
-                            <a:t>...</a:t>
-                          </a:r>
-                          <a:endParaRPr kumimoji="1" lang="ja-JP" altLang="en-US" sz="700" baseline="0" dirty="0">
-                            <a:latin typeface="Cambria Math" panose="02040503050406030204" pitchFamily="18" charset="0"/>
-                          </a:endParaRPr>
-                        </a:p>
-                      </a:txBody>
-                      <a:tcPr marL="18226" marR="18226" marT="9113" marB="9113" anchor="ctr">
-                        <a:lnL w="12700" cap="flat" cmpd="sng" algn="ctr">
-                          <a:solidFill>
-                            <a:schemeClr val="tx1"/>
-                          </a:solidFill>
-                          <a:prstDash val="solid"/>
-                          <a:round/>
-                          <a:headEnd type="none" w="med" len="med"/>
-                          <a:tailEnd type="none" w="med" len="med"/>
-                        </a:lnL>
-                        <a:lnR w="12700" cap="flat" cmpd="sng" algn="ctr">
-                          <a:solidFill>
-                            <a:schemeClr val="tx1"/>
-                          </a:solidFill>
-                          <a:prstDash val="solid"/>
-                          <a:round/>
-                          <a:headEnd type="none" w="med" len="med"/>
-                          <a:tailEnd type="none" w="med" len="med"/>
-                        </a:lnR>
-                        <a:lnT w="9525" cap="flat" cmpd="sng" algn="ctr">
-                          <a:solidFill>
-                            <a:schemeClr val="tx1"/>
-                          </a:solidFill>
-                          <a:prstDash val="sysDot"/>
-                          <a:round/>
-                          <a:headEnd type="none" w="med" len="med"/>
-                          <a:tailEnd type="none" w="med" len="med"/>
-                        </a:lnT>
-                        <a:lnB w="12700" cap="flat" cmpd="sng" algn="ctr">
-                          <a:noFill/>
-                          <a:prstDash val="solid"/>
-                          <a:round/>
-                          <a:headEnd type="none" w="med" len="med"/>
-                          <a:tailEnd type="none" w="med" len="med"/>
-                        </a:lnB>
-                        <a:solidFill>
-                          <a:schemeClr val="bg1"/>
-                        </a:solidFill>
-                      </a:tcPr>
-                    </a:tc>
-                    <a:extLst>
-                      <a:ext uri="{0D108BD9-81ED-4DB2-BD59-A6C34878D82A}">
-                        <a16:rowId xmlns:a16="http://schemas.microsoft.com/office/drawing/2014/main" val="4212267831"/>
-                      </a:ext>
-                    </a:extLst>
-                  </a:tr>
-                  <a:tr h="133200">
-                    <a:tc>
-                      <a:txBody>
-                        <a:bodyPr/>
-                        <a:lstStyle/>
-                        <a:p>
-                          <a:pPr algn="ctr"/>
-                          <a:r>
-                            <a:rPr kumimoji="1" lang="en-US" altLang="ja-JP" sz="700" baseline="0" dirty="0">
-                              <a:latin typeface="Cambria Math" panose="02040503050406030204" pitchFamily="18" charset="0"/>
-                            </a:rPr>
-                            <a:t>Record</a:t>
-                          </a:r>
-                          <a:endParaRPr kumimoji="1" lang="ja-JP" altLang="en-US" sz="700" baseline="0" dirty="0">
-                            <a:latin typeface="Cambria Math" panose="02040503050406030204" pitchFamily="18" charset="0"/>
-                          </a:endParaRPr>
-                        </a:p>
-                      </a:txBody>
-                      <a:tcPr marL="18226" marR="18226" marT="9113" marB="9113" anchor="ctr">
-                        <a:lnL w="12700" cap="flat" cmpd="sng" algn="ctr">
-                          <a:solidFill>
-                            <a:schemeClr val="tx1"/>
-                          </a:solidFill>
-                          <a:prstDash val="solid"/>
-                          <a:round/>
-                          <a:headEnd type="none" w="med" len="med"/>
-                          <a:tailEnd type="none" w="med" len="med"/>
-                        </a:lnL>
-                        <a:lnR w="12700" cap="flat" cmpd="sng" algn="ctr">
-                          <a:solidFill>
-                            <a:schemeClr val="tx1"/>
-                          </a:solidFill>
-                          <a:prstDash val="solid"/>
-                          <a:round/>
-                          <a:headEnd type="none" w="med" len="med"/>
-                          <a:tailEnd type="none" w="med" len="med"/>
-                        </a:lnR>
-                        <a:lnT w="12700" cap="flat" cmpd="sng" algn="ctr">
-                          <a:noFill/>
-                          <a:prstDash val="solid"/>
-                          <a:round/>
-                          <a:headEnd type="none" w="med" len="med"/>
-                          <a:tailEnd type="none" w="med" len="med"/>
-                        </a:lnT>
-                        <a:lnB w="9525" cap="flat" cmpd="sng" algn="ctr">
-                          <a:solidFill>
-                            <a:schemeClr val="tx1"/>
-                          </a:solidFill>
-                          <a:prstDash val="solid"/>
-                          <a:round/>
-                          <a:headEnd type="none" w="med" len="med"/>
-                          <a:tailEnd type="none" w="med" len="med"/>
-                        </a:lnB>
-                        <a:solidFill>
-                          <a:schemeClr val="bg1"/>
-                        </a:solidFill>
-                      </a:tcPr>
-                    </a:tc>
-                    <a:extLst>
-                      <a:ext uri="{0D108BD9-81ED-4DB2-BD59-A6C34878D82A}">
-                        <a16:rowId xmlns:a16="http://schemas.microsoft.com/office/drawing/2014/main" val="77431627"/>
-                      </a:ext>
-                    </a:extLst>
-                  </a:tr>
-                  <a:tr h="133200">
-                    <a:tc>
-                      <a:txBody>
-                        <a:bodyPr/>
-                        <a:lstStyle/>
-                        <a:p>
-                          <a:endParaRPr lang="ja-JP"/>
-                        </a:p>
-                      </a:txBody>
-                      <a:tcPr marL="18226" marR="18226" marT="9113" marB="9113" anchor="ctr">
-                        <a:lnL w="12700" cap="flat" cmpd="sng" algn="ctr">
-                          <a:solidFill>
-                            <a:schemeClr val="tx1"/>
-                          </a:solidFill>
-                          <a:prstDash val="solid"/>
-                          <a:round/>
-                          <a:headEnd type="none" w="med" len="med"/>
-                          <a:tailEnd type="none" w="med" len="med"/>
-                        </a:lnL>
-                        <a:lnR w="12700" cap="flat" cmpd="sng" algn="ctr">
-                          <a:solidFill>
-                            <a:schemeClr val="tx1"/>
-                          </a:solidFill>
-                          <a:prstDash val="solid"/>
-                          <a:round/>
-                          <a:headEnd type="none" w="med" len="med"/>
-                          <a:tailEnd type="none" w="med" len="med"/>
-                        </a:lnR>
-                        <a:lnT w="9525" cap="flat" cmpd="sng" algn="ctr">
-                          <a:solidFill>
-                            <a:schemeClr val="tx1"/>
-                          </a:solidFill>
-                          <a:prstDash val="solid"/>
-                          <a:round/>
-                          <a:headEnd type="none" w="med" len="med"/>
-                          <a:tailEnd type="none" w="med" len="med"/>
-                        </a:lnT>
-                        <a:lnB w="9525" cap="flat" cmpd="sng" algn="ctr">
-                          <a:noFill/>
-                          <a:prstDash val="sysDot"/>
-                          <a:round/>
-                          <a:headEnd type="none" w="med" len="med"/>
-                          <a:tailEnd type="none" w="med" len="med"/>
-                        </a:lnB>
-                        <a:blipFill>
-                          <a:blip r:embed="rId6"/>
-                          <a:stretch>
-                            <a:fillRect l="-1124" t="-538095" r="-2247" b="-557143"/>
-                          </a:stretch>
-                        </a:blipFill>
-                      </a:tcPr>
-                    </a:tc>
-                    <a:extLst>
-                      <a:ext uri="{0D108BD9-81ED-4DB2-BD59-A6C34878D82A}">
-                        <a16:rowId xmlns:a16="http://schemas.microsoft.com/office/drawing/2014/main" val="380398867"/>
-                      </a:ext>
-                    </a:extLst>
-                  </a:tr>
-                  <a:tr h="133200">
-                    <a:tc>
-                      <a:txBody>
-                        <a:bodyPr/>
-                        <a:lstStyle/>
-                        <a:p>
-                          <a:endParaRPr lang="ja-JP"/>
-                        </a:p>
-                      </a:txBody>
-                      <a:tcPr marL="18226" marR="18226" marT="9113" marB="9113" anchor="ctr">
-                        <a:lnL w="12700" cap="flat" cmpd="sng" algn="ctr">
-                          <a:solidFill>
-                            <a:schemeClr val="tx1"/>
-                          </a:solidFill>
-                          <a:prstDash val="solid"/>
-                          <a:round/>
-                          <a:headEnd type="none" w="med" len="med"/>
-                          <a:tailEnd type="none" w="med" len="med"/>
-                        </a:lnL>
-                        <a:lnR w="12700" cap="flat" cmpd="sng" algn="ctr">
-                          <a:solidFill>
-                            <a:schemeClr val="tx1"/>
-                          </a:solidFill>
-                          <a:prstDash val="solid"/>
-                          <a:round/>
-                          <a:headEnd type="none" w="med" len="med"/>
-                          <a:tailEnd type="none" w="med" len="med"/>
-                        </a:lnR>
-                        <a:lnT w="9525" cap="flat" cmpd="sng" algn="ctr">
-                          <a:noFill/>
-                          <a:prstDash val="sysDot"/>
-                          <a:round/>
-                          <a:headEnd type="none" w="med" len="med"/>
-                          <a:tailEnd type="none" w="med" len="med"/>
-                        </a:lnT>
-                        <a:lnB w="9525" cap="flat" cmpd="sng" algn="ctr">
-                          <a:solidFill>
-                            <a:schemeClr val="tx1"/>
-                          </a:solidFill>
-                          <a:prstDash val="sysDot"/>
-                          <a:round/>
-                          <a:headEnd type="none" w="med" len="med"/>
-                          <a:tailEnd type="none" w="med" len="med"/>
-                        </a:lnB>
-                        <a:blipFill>
-                          <a:blip r:embed="rId6"/>
-                          <a:stretch>
-                            <a:fillRect l="-1124" t="-609091" r="-2247" b="-431818"/>
-                          </a:stretch>
-                        </a:blipFill>
-                      </a:tcPr>
-                    </a:tc>
-                    <a:extLst>
-                      <a:ext uri="{0D108BD9-81ED-4DB2-BD59-A6C34878D82A}">
-                        <a16:rowId xmlns:a16="http://schemas.microsoft.com/office/drawing/2014/main" val="3448383632"/>
-                      </a:ext>
-                    </a:extLst>
-                  </a:tr>
-                  <a:tr h="133200">
-                    <a:tc>
-                      <a:txBody>
-                        <a:bodyPr/>
-                        <a:lstStyle/>
-                        <a:p>
-                          <a:pPr algn="ctr"/>
-                          <a:r>
-                            <a:rPr kumimoji="1" lang="en-US" altLang="ja-JP" sz="700" baseline="0" dirty="0">
-                              <a:latin typeface="Cambria Math" panose="02040503050406030204" pitchFamily="18" charset="0"/>
-                            </a:rPr>
-                            <a:t>Free space</a:t>
-                          </a:r>
-                          <a:endParaRPr kumimoji="1" lang="ja-JP" altLang="en-US" sz="700" baseline="0" dirty="0">
-                            <a:latin typeface="Cambria Math" panose="02040503050406030204" pitchFamily="18" charset="0"/>
-                          </a:endParaRPr>
-                        </a:p>
-                      </a:txBody>
-                      <a:tcPr marL="18226" marR="18226" marT="9113" marB="9113" anchor="ctr">
-                        <a:lnL w="12700" cap="flat" cmpd="sng" algn="ctr">
-                          <a:solidFill>
-                            <a:schemeClr val="tx1"/>
-                          </a:solidFill>
-                          <a:prstDash val="solid"/>
-                          <a:round/>
-                          <a:headEnd type="none" w="med" len="med"/>
-                          <a:tailEnd type="none" w="med" len="med"/>
-                        </a:lnL>
-                        <a:lnR w="12700" cap="flat" cmpd="sng" algn="ctr">
-                          <a:solidFill>
-                            <a:schemeClr val="tx1"/>
-                          </a:solidFill>
-                          <a:prstDash val="solid"/>
-                          <a:round/>
-                          <a:headEnd type="none" w="med" len="med"/>
-                          <a:tailEnd type="none" w="med" len="med"/>
-                        </a:lnR>
-                        <a:lnT w="9525" cap="flat" cmpd="sng" algn="ctr">
-                          <a:solidFill>
-                            <a:schemeClr val="tx1"/>
-                          </a:solidFill>
-                          <a:prstDash val="sysDot"/>
-                          <a:round/>
-                          <a:headEnd type="none" w="med" len="med"/>
-                          <a:tailEnd type="none" w="med" len="med"/>
-                        </a:lnT>
-                        <a:lnB w="9525" cap="flat" cmpd="sng" algn="ctr">
-                          <a:solidFill>
-                            <a:schemeClr val="tx1"/>
-                          </a:solidFill>
-                          <a:prstDash val="sysDot"/>
-                          <a:round/>
-                          <a:headEnd type="none" w="med" len="med"/>
-                          <a:tailEnd type="none" w="med" len="med"/>
-                        </a:lnB>
-                        <a:solidFill>
-                          <a:schemeClr val="bg1"/>
-                        </a:solidFill>
-                      </a:tcPr>
-                    </a:tc>
-                    <a:extLst>
-                      <a:ext uri="{0D108BD9-81ED-4DB2-BD59-A6C34878D82A}">
-                        <a16:rowId xmlns:a16="http://schemas.microsoft.com/office/drawing/2014/main" val="1611505625"/>
-                      </a:ext>
-                    </a:extLst>
-                  </a:tr>
-                  <a:tr h="133200">
-                    <a:tc>
-                      <a:txBody>
-                        <a:bodyPr/>
-                        <a:lstStyle/>
-                        <a:p>
-                          <a:endParaRPr lang="ja-JP"/>
-                        </a:p>
-                      </a:txBody>
-                      <a:tcPr marL="18226" marR="18226" marT="9113" marB="9113" anchor="ctr">
-                        <a:lnL w="12700" cap="flat" cmpd="sng" algn="ctr">
-                          <a:solidFill>
-                            <a:schemeClr val="tx1"/>
-                          </a:solidFill>
-                          <a:prstDash val="solid"/>
-                          <a:round/>
-                          <a:headEnd type="none" w="med" len="med"/>
-                          <a:tailEnd type="none" w="med" len="med"/>
-                        </a:lnL>
-                        <a:lnR w="12700" cap="flat" cmpd="sng" algn="ctr">
-                          <a:solidFill>
-                            <a:schemeClr val="tx1"/>
-                          </a:solidFill>
-                          <a:prstDash val="solid"/>
-                          <a:round/>
-                          <a:headEnd type="none" w="med" len="med"/>
-                          <a:tailEnd type="none" w="med" len="med"/>
-                        </a:lnR>
-                        <a:lnT w="9525" cap="flat" cmpd="sng" algn="ctr">
-                          <a:solidFill>
-                            <a:schemeClr val="tx1"/>
-                          </a:solidFill>
-                          <a:prstDash val="sysDot"/>
-                          <a:round/>
-                          <a:headEnd type="none" w="med" len="med"/>
-                          <a:tailEnd type="none" w="med" len="med"/>
-                        </a:lnT>
-                        <a:lnB w="9525" cap="flat" cmpd="sng" algn="ctr">
-                          <a:noFill/>
-                          <a:prstDash val="sysDot"/>
-                          <a:round/>
-                          <a:headEnd type="none" w="med" len="med"/>
-                          <a:tailEnd type="none" w="med" len="med"/>
-                        </a:lnB>
-                        <a:blipFill>
-                          <a:blip r:embed="rId6"/>
-                          <a:stretch>
-                            <a:fillRect l="-1124" t="-809091" r="-2247" b="-231818"/>
-                          </a:stretch>
-                        </a:blipFill>
-                      </a:tcPr>
-                    </a:tc>
-                    <a:extLst>
-                      <a:ext uri="{0D108BD9-81ED-4DB2-BD59-A6C34878D82A}">
-                        <a16:rowId xmlns:a16="http://schemas.microsoft.com/office/drawing/2014/main" val="726720701"/>
-                      </a:ext>
-                    </a:extLst>
-                  </a:tr>
-                  <a:tr h="133200">
-                    <a:tc>
-                      <a:txBody>
-                        <a:bodyPr/>
-                        <a:lstStyle/>
-                        <a:p>
-                          <a:endParaRPr lang="ja-JP"/>
-                        </a:p>
-                      </a:txBody>
-                      <a:tcPr marL="18226" marR="18226" marT="9113" marB="9113" anchor="ctr">
-                        <a:lnL w="12700" cap="flat" cmpd="sng" algn="ctr">
-                          <a:solidFill>
-                            <a:schemeClr val="tx1"/>
-                          </a:solidFill>
-                          <a:prstDash val="solid"/>
-                          <a:round/>
-                          <a:headEnd type="none" w="med" len="med"/>
-                          <a:tailEnd type="none" w="med" len="med"/>
-                        </a:lnL>
-                        <a:lnR w="12700" cap="flat" cmpd="sng" algn="ctr">
-                          <a:solidFill>
-                            <a:schemeClr val="tx1"/>
-                          </a:solidFill>
-                          <a:prstDash val="solid"/>
-                          <a:round/>
-                          <a:headEnd type="none" w="med" len="med"/>
-                          <a:tailEnd type="none" w="med" len="med"/>
-                        </a:lnR>
-                        <a:lnT w="9525" cap="flat" cmpd="sng" algn="ctr">
-                          <a:noFill/>
-                          <a:prstDash val="sysDot"/>
-                          <a:round/>
-                          <a:headEnd type="none" w="med" len="med"/>
-                          <a:tailEnd type="none" w="med" len="med"/>
-                        </a:lnT>
-                        <a:lnB w="9525" cap="flat" cmpd="sng" algn="ctr">
-                          <a:solidFill>
-                            <a:schemeClr val="tx1"/>
-                          </a:solidFill>
-                          <a:prstDash val="solid"/>
-                          <a:round/>
-                          <a:headEnd type="none" w="med" len="med"/>
-                          <a:tailEnd type="none" w="med" len="med"/>
-                        </a:lnB>
-                        <a:blipFill>
-                          <a:blip r:embed="rId6"/>
-                          <a:stretch>
-                            <a:fillRect l="-1124" t="-909091" r="-2247" b="-131818"/>
-                          </a:stretch>
-                        </a:blipFill>
-                      </a:tcPr>
-                    </a:tc>
-                    <a:extLst>
-                      <a:ext uri="{0D108BD9-81ED-4DB2-BD59-A6C34878D82A}">
-                        <a16:rowId xmlns:a16="http://schemas.microsoft.com/office/drawing/2014/main" val="2258706886"/>
-                      </a:ext>
-                    </a:extLst>
-                  </a:tr>
-                  <a:tr h="133200">
-                    <a:tc>
-                      <a:txBody>
-                        <a:bodyPr/>
-                        <a:lstStyle/>
-                        <a:p>
-                          <a:pPr algn="ctr"/>
-                          <a:r>
-                            <a:rPr kumimoji="1" lang="en-US" altLang="ja-JP" sz="700" baseline="0" dirty="0">
-                              <a:solidFill>
-                                <a:schemeClr val="tx1"/>
-                              </a:solidFill>
-                              <a:latin typeface="Cambria Math" panose="02040503050406030204" pitchFamily="18" charset="0"/>
-                            </a:rPr>
-                            <a:t>Status word’</a:t>
-                          </a:r>
-                          <a:endParaRPr kumimoji="1" lang="ja-JP" altLang="en-US" sz="700" baseline="0" dirty="0">
-                            <a:solidFill>
-                              <a:schemeClr val="tx1"/>
-                            </a:solidFill>
-                            <a:latin typeface="Cambria Math" panose="02040503050406030204" pitchFamily="18" charset="0"/>
-                          </a:endParaRPr>
-                        </a:p>
-                      </a:txBody>
-                      <a:tcPr marL="18226" marR="18226" marT="9113" marB="9113" anchor="ctr">
-                        <a:lnL w="12700" cap="flat" cmpd="sng" algn="ctr">
-                          <a:solidFill>
-                            <a:schemeClr val="tx1"/>
-                          </a:solidFill>
-                          <a:prstDash val="solid"/>
-                          <a:round/>
-                          <a:headEnd type="none" w="med" len="med"/>
-                          <a:tailEnd type="none" w="med" len="med"/>
-                        </a:lnL>
-                        <a:lnR w="12700" cap="flat" cmpd="sng" algn="ctr">
-                          <a:solidFill>
-                            <a:schemeClr val="tx1"/>
-                          </a:solidFill>
-                          <a:prstDash val="solid"/>
-                          <a:round/>
-                          <a:headEnd type="none" w="med" len="med"/>
-                          <a:tailEnd type="none" w="med" len="med"/>
-                        </a:lnR>
-                        <a:lnT w="9525" cap="flat" cmpd="sng" algn="ctr">
-                          <a:solidFill>
-                            <a:schemeClr val="tx1"/>
-                          </a:solidFill>
-                          <a:prstDash val="solid"/>
-                          <a:round/>
-                          <a:headEnd type="none" w="med" len="med"/>
-                          <a:tailEnd type="none" w="med" len="med"/>
-                        </a:lnT>
-                        <a:lnB w="12700" cap="flat" cmpd="sng" algn="ctr">
-                          <a:solidFill>
-                            <a:schemeClr val="tx1"/>
-                          </a:solidFill>
-                          <a:prstDash val="solid"/>
-                          <a:round/>
-                          <a:headEnd type="none" w="med" len="med"/>
-                          <a:tailEnd type="none" w="med" len="med"/>
-                        </a:lnB>
-                        <a:solidFill>
-                          <a:schemeClr val="bg1"/>
-                        </a:solidFill>
-                      </a:tcPr>
-                    </a:tc>
-                    <a:extLst>
-                      <a:ext uri="{0D108BD9-81ED-4DB2-BD59-A6C34878D82A}">
-                        <a16:rowId xmlns:a16="http://schemas.microsoft.com/office/drawing/2014/main" val="1683332274"/>
-                      </a:ext>
-                    </a:extLst>
-                  </a:tr>
-                </a:tbl>
-              </a:graphicData>
-            </a:graphic>
-          </p:graphicFrame>
-        </mc:Fallback>
-      </mc:AlternateContent>
-      <p:sp>
-        <p:nvSpPr>
-          <p:cNvPr id="76" name="左中かっこ 75">
-            <a:extLst>
-              <a:ext uri="{FF2B5EF4-FFF2-40B4-BE49-F238E27FC236}">
-                <a16:creationId xmlns:a16="http://schemas.microsoft.com/office/drawing/2014/main" id="{D5DB950B-E546-CDCB-C63A-A99236C8BC74}"/>
-              </a:ext>
-            </a:extLst>
-          </p:cNvPr>
-          <p:cNvSpPr/>
-          <p:nvPr/>
-        </p:nvSpPr>
-        <p:spPr>
-          <a:xfrm flipH="1">
-            <a:off x="2647503" y="32693"/>
-            <a:ext cx="45719" cy="660371"/>
-          </a:xfrm>
-          <a:prstGeom prst="leftBrace">
-            <a:avLst>
-              <a:gd name="adj1" fmla="val 69865"/>
-              <a:gd name="adj2" fmla="val 50000"/>
-            </a:avLst>
-          </a:prstGeom>
-          <a:ln w="9525">
-            <a:solidFill>
-              <a:schemeClr val="tx1"/>
-            </a:solidFill>
-          </a:ln>
-        </p:spPr>
-        <p:style>
-          <a:lnRef idx="1">
-            <a:schemeClr val="accent1"/>
-          </a:lnRef>
-          <a:fillRef idx="0">
-            <a:schemeClr val="accent1"/>
-          </a:fillRef>
-          <a:effectRef idx="0">
-            <a:schemeClr val="accent1"/>
-          </a:effectRef>
-          <a:fontRef idx="minor">
-            <a:schemeClr val="tx1"/>
-          </a:fontRef>
-        </p:style>
-        <p:txBody>
-          <a:bodyPr rtlCol="0" anchor="ctr"/>
-          <a:lstStyle/>
-          <a:p>
-            <a:pPr algn="ctr"/>
-            <a:endParaRPr lang="ja-JP" altLang="en-US" sz="700"/>
-          </a:p>
-        </p:txBody>
-      </p:sp>
-      <p:sp>
-        <p:nvSpPr>
-          <p:cNvPr id="77" name="左中かっこ 76">
-            <a:extLst>
-              <a:ext uri="{FF2B5EF4-FFF2-40B4-BE49-F238E27FC236}">
-                <a16:creationId xmlns:a16="http://schemas.microsoft.com/office/drawing/2014/main" id="{165B4F5A-16CE-1380-C433-9C9783DA6304}"/>
-              </a:ext>
-            </a:extLst>
-          </p:cNvPr>
-          <p:cNvSpPr/>
-          <p:nvPr/>
-        </p:nvSpPr>
-        <p:spPr>
-          <a:xfrm flipH="1">
-            <a:off x="2644164" y="694454"/>
-            <a:ext cx="69140" cy="802050"/>
-          </a:xfrm>
-          <a:prstGeom prst="leftBrace">
-            <a:avLst>
-              <a:gd name="adj1" fmla="val 69865"/>
-              <a:gd name="adj2" fmla="val 50000"/>
-            </a:avLst>
-          </a:prstGeom>
-          <a:ln w="9525">
-            <a:solidFill>
-              <a:schemeClr val="tx1"/>
-            </a:solidFill>
-          </a:ln>
-        </p:spPr>
-        <p:style>
-          <a:lnRef idx="1">
-            <a:schemeClr val="accent1"/>
-          </a:lnRef>
-          <a:fillRef idx="0">
-            <a:schemeClr val="accent1"/>
-          </a:fillRef>
-          <a:effectRef idx="0">
-            <a:schemeClr val="accent1"/>
-          </a:effectRef>
-          <a:fontRef idx="minor">
-            <a:schemeClr val="tx1"/>
-          </a:fontRef>
-        </p:style>
-        <p:txBody>
-          <a:bodyPr rtlCol="0" anchor="ctr"/>
-          <a:lstStyle/>
-          <a:p>
-            <a:pPr algn="ctr"/>
-            <a:endParaRPr lang="ja-JP" altLang="en-US" sz="700"/>
-          </a:p>
-        </p:txBody>
-      </p:sp>
-      <p:sp>
-        <p:nvSpPr>
-          <p:cNvPr id="78" name="テキスト ボックス 77">
-            <a:extLst>
-              <a:ext uri="{FF2B5EF4-FFF2-40B4-BE49-F238E27FC236}">
-                <a16:creationId xmlns:a16="http://schemas.microsoft.com/office/drawing/2014/main" id="{15EDE124-F8A1-5F89-222D-2D2554E5DCD4}"/>
-              </a:ext>
-            </a:extLst>
-          </p:cNvPr>
-          <p:cNvSpPr txBox="1"/>
-          <p:nvPr/>
-        </p:nvSpPr>
-        <p:spPr>
-          <a:xfrm rot="5400000">
-            <a:off x="2604257" y="362878"/>
-            <a:ext cx="428692" cy="117340"/>
-          </a:xfrm>
-          <a:prstGeom prst="rect">
-            <a:avLst/>
-          </a:prstGeom>
-          <a:noFill/>
-        </p:spPr>
-        <p:txBody>
-          <a:bodyPr wrap="square" lIns="0" tIns="0" rIns="0" bIns="0" rtlCol="0">
-            <a:spAutoFit/>
-          </a:bodyPr>
-          <a:lstStyle/>
-          <a:p>
-            <a:pPr>
-              <a:lnSpc>
-                <a:spcPct val="120000"/>
-              </a:lnSpc>
-              <a:spcAft>
-                <a:spcPts val="608"/>
-              </a:spcAft>
-              <a:buClr>
-                <a:schemeClr val="accent6">
-                  <a:lumMod val="50000"/>
-                </a:schemeClr>
-              </a:buClr>
-              <a:buSzPct val="100000"/>
-            </a:pPr>
-            <a:r>
-              <a:rPr lang="en-US" altLang="ja-JP" sz="700" dirty="0">
-                <a:latin typeface="Cambria Math" panose="02040503050406030204" pitchFamily="18" charset="0"/>
-                <a:ea typeface="Cambria Math" panose="02040503050406030204" pitchFamily="18" charset="0"/>
-              </a:rPr>
-              <a:t>Immutable</a:t>
-            </a:r>
-            <a:endParaRPr lang="ja-JP" altLang="en-US" sz="700" dirty="0">
-              <a:latin typeface="Cambria Math" panose="02040503050406030204" pitchFamily="18" charset="0"/>
-            </a:endParaRPr>
-          </a:p>
-        </p:txBody>
-      </p:sp>
-      <p:sp>
-        <p:nvSpPr>
-          <p:cNvPr id="79" name="テキスト ボックス 78">
-            <a:extLst>
-              <a:ext uri="{FF2B5EF4-FFF2-40B4-BE49-F238E27FC236}">
-                <a16:creationId xmlns:a16="http://schemas.microsoft.com/office/drawing/2014/main" id="{AD866C19-8103-8DE7-C567-6B4AB0282B6B}"/>
-              </a:ext>
-            </a:extLst>
-          </p:cNvPr>
-          <p:cNvSpPr txBox="1"/>
-          <p:nvPr/>
-        </p:nvSpPr>
-        <p:spPr>
-          <a:xfrm rot="5400000">
-            <a:off x="2659886" y="1024564"/>
-            <a:ext cx="317435" cy="117340"/>
-          </a:xfrm>
-          <a:prstGeom prst="rect">
-            <a:avLst/>
-          </a:prstGeom>
-          <a:noFill/>
-        </p:spPr>
-        <p:txBody>
-          <a:bodyPr wrap="square" lIns="0" tIns="0" rIns="0" bIns="0" rtlCol="0">
-            <a:spAutoFit/>
-          </a:bodyPr>
-          <a:lstStyle/>
-          <a:p>
-            <a:pPr>
-              <a:lnSpc>
-                <a:spcPct val="120000"/>
-              </a:lnSpc>
-              <a:spcAft>
-                <a:spcPts val="608"/>
-              </a:spcAft>
-              <a:buClr>
-                <a:schemeClr val="accent6">
-                  <a:lumMod val="50000"/>
-                </a:schemeClr>
-              </a:buClr>
-              <a:buSzPct val="100000"/>
-            </a:pPr>
-            <a:r>
-              <a:rPr lang="en-US" altLang="ja-JP" sz="700" dirty="0">
-                <a:latin typeface="Cambria Math" panose="02040503050406030204" pitchFamily="18" charset="0"/>
-                <a:ea typeface="Cambria Math" panose="02040503050406030204" pitchFamily="18" charset="0"/>
-              </a:rPr>
-              <a:t>Mutable</a:t>
-            </a:r>
-            <a:endParaRPr lang="ja-JP" altLang="en-US" sz="700" dirty="0">
-              <a:latin typeface="Cambria Math" panose="02040503050406030204" pitchFamily="18" charset="0"/>
-            </a:endParaRPr>
+            <a:endParaRPr lang="ja-JP" altLang="en-US" sz="700" dirty="0"/>
           </a:p>
         </p:txBody>
       </p:sp>
       <p:grpSp>
         <p:nvGrpSpPr>
-          <p:cNvPr id="21" name="グループ化 20">
+          <p:cNvPr id="22" name="グループ化 21">
             <a:extLst>
               <a:ext uri="{FF2B5EF4-FFF2-40B4-BE49-F238E27FC236}">
-                <a16:creationId xmlns:a16="http://schemas.microsoft.com/office/drawing/2014/main" id="{89FDB296-D07F-4A40-8F69-FFEE4F43DE58}"/>
+                <a16:creationId xmlns:a16="http://schemas.microsoft.com/office/drawing/2014/main" id="{66FF5E14-4AB7-4CBB-BC3B-2A43A384585C}"/>
               </a:ext>
             </a:extLst>
           </p:cNvPr>
@@ -7618,18 +7618,18 @@
         </p:nvGrpSpPr>
         <p:grpSpPr>
           <a:xfrm>
-            <a:off x="1754406" y="714362"/>
-            <a:ext cx="261136" cy="247677"/>
-            <a:chOff x="825403" y="20412"/>
-            <a:chExt cx="316779" cy="489212"/>
+            <a:off x="1721244" y="1129976"/>
+            <a:ext cx="360000" cy="197695"/>
+            <a:chOff x="853689" y="308770"/>
+            <a:chExt cx="374776" cy="261142"/>
           </a:xfrm>
         </p:grpSpPr>
         <p:sp>
           <p:nvSpPr>
-            <p:cNvPr id="22" name="矢印: 右 21">
+            <p:cNvPr id="23" name="矢印: 右 22">
               <a:extLst>
                 <a:ext uri="{FF2B5EF4-FFF2-40B4-BE49-F238E27FC236}">
-                  <a16:creationId xmlns:a16="http://schemas.microsoft.com/office/drawing/2014/main" id="{F692E973-03A2-4D8D-807C-ADC4142FDF5B}"/>
+                  <a16:creationId xmlns:a16="http://schemas.microsoft.com/office/drawing/2014/main" id="{3CE04620-7DA8-45F7-AD2E-6D06EF501623}"/>
                 </a:ext>
               </a:extLst>
             </p:cNvPr>
@@ -7638,8 +7638,8 @@
           </p:nvSpPr>
           <p:spPr>
             <a:xfrm>
-              <a:off x="840810" y="277856"/>
-              <a:ext cx="301372" cy="231768"/>
+              <a:off x="853689" y="424656"/>
+              <a:ext cx="374776" cy="145256"/>
             </a:xfrm>
             <a:prstGeom prst="rightArrow">
               <a:avLst/>
@@ -7672,7 +7672,7 @@
             <a:lstStyle/>
             <a:p>
               <a:pPr algn="ctr"/>
-              <a:endParaRPr lang="ja-JP" altLang="en-US" sz="700" dirty="0">
+              <a:endParaRPr lang="ja-JP" altLang="en-US" sz="1013" dirty="0">
                 <a:solidFill>
                   <a:schemeClr val="tx1"/>
                 </a:solidFill>
@@ -7682,10 +7682,10 @@
         </p:sp>
         <p:sp>
           <p:nvSpPr>
-            <p:cNvPr id="23" name="テキスト ボックス 22">
+            <p:cNvPr id="24" name="テキスト ボックス 23">
               <a:extLst>
                 <a:ext uri="{FF2B5EF4-FFF2-40B4-BE49-F238E27FC236}">
-                  <a16:creationId xmlns:a16="http://schemas.microsoft.com/office/drawing/2014/main" id="{F9F0D8AF-61BE-417C-8FD5-8695C5238E20}"/>
+                  <a16:creationId xmlns:a16="http://schemas.microsoft.com/office/drawing/2014/main" id="{00C93CE7-6895-408A-9FDB-F36FC9BE7E5A}"/>
                 </a:ext>
               </a:extLst>
             </p:cNvPr>
@@ -7694,8 +7694,8 @@
           </p:nvSpPr>
           <p:spPr>
             <a:xfrm>
-              <a:off x="825403" y="20412"/>
-              <a:ext cx="312759" cy="231770"/>
+              <a:off x="886050" y="308770"/>
+              <a:ext cx="312760" cy="154998"/>
             </a:xfrm>
             <a:prstGeom prst="rect">
               <a:avLst/>
@@ -7728,9 +7728,16 @@
                     <a:schemeClr val="accent2"/>
                   </a:solidFill>
                   <a:latin typeface="Cambria Math" panose="02040503050406030204" pitchFamily="18" charset="0"/>
+                  <a:ea typeface="Cambria Math" panose="02040503050406030204" pitchFamily="18" charset="0"/>
                 </a:rPr>
                 <a:t>Store</a:t>
               </a:r>
+              <a:endParaRPr lang="ja-JP" altLang="en-US" sz="700" dirty="0">
+                <a:solidFill>
+                  <a:schemeClr val="accent2"/>
+                </a:solidFill>
+                <a:latin typeface="Cambria Math" panose="02040503050406030204" pitchFamily="18" charset="0"/>
+              </a:endParaRPr>
             </a:p>
           </p:txBody>
         </p:sp>
@@ -7738,7 +7745,7 @@
     </p:spTree>
     <p:extLst>
       <p:ext uri="{BB962C8B-B14F-4D97-AF65-F5344CB8AC3E}">
-        <p14:creationId xmlns:p14="http://schemas.microsoft.com/office/powerpoint/2010/main" val="868077020"/>
+        <p14:creationId xmlns:p14="http://schemas.microsoft.com/office/powerpoint/2010/main" val="1615995193"/>
       </p:ext>
     </p:extLst>
   </p:cSld>
